--- a/Final presentation_CIS435.pptx
+++ b/Final presentation_CIS435.pptx
@@ -10,6 +10,10 @@
     <p:sldId id="258" r:id="rId4"/>
     <p:sldId id="259" r:id="rId5"/>
     <p:sldId id="260" r:id="rId6"/>
+    <p:sldId id="261" r:id="rId7"/>
+    <p:sldId id="262" r:id="rId8"/>
+    <p:sldId id="263" r:id="rId9"/>
+    <p:sldId id="264" r:id="rId10"/>
   </p:sldIdLst>
   <p:sldSz cx="12192000" cy="6858000"/>
   <p:notesSz cx="6858000" cy="9144000"/>
@@ -108,6 +112,11 @@
       </a:defRPr>
     </a:lvl9pPr>
   </p:defaultTextStyle>
+  <p:extLst>
+    <p:ext uri="{EFAFB233-063F-42B5-8137-9DF3F51BA10A}">
+      <p15:sldGuideLst xmlns:p15="http://schemas.microsoft.com/office/powerpoint/2012/main"/>
+    </p:ext>
+  </p:extLst>
 </p:presentation>
 </file>
 
@@ -297,7 +306,7 @@
           <a:p>
             <a:fld id="{4AAD347D-5ACD-4C99-B74B-A9C85AD731AF}" type="datetimeFigureOut">
               <a:rPr lang="en-US" dirty="0"/>
-              <a:t>5/3/20</a:t>
+              <a:t>5/3/2020</a:t>
             </a:fld>
             <a:endParaRPr lang="en-US" dirty="0"/>
           </a:p>
@@ -567,7 +576,7 @@
           <a:p>
             <a:fld id="{4509A250-FF31-4206-8172-F9D3106AACB1}" type="datetimeFigureOut">
               <a:rPr lang="en-US" dirty="0"/>
-              <a:t>5/3/20</a:t>
+              <a:t>5/3/2020</a:t>
             </a:fld>
             <a:endParaRPr lang="en-US" dirty="0"/>
           </a:p>
@@ -756,7 +765,7 @@
           <a:p>
             <a:fld id="{4509A250-FF31-4206-8172-F9D3106AACB1}" type="datetimeFigureOut">
               <a:rPr lang="en-US" dirty="0"/>
-              <a:t>5/3/20</a:t>
+              <a:t>5/3/2020</a:t>
             </a:fld>
             <a:endParaRPr lang="en-US" dirty="0"/>
           </a:p>
@@ -1024,7 +1033,7 @@
           <a:p>
             <a:fld id="{4509A250-FF31-4206-8172-F9D3106AACB1}" type="datetimeFigureOut">
               <a:rPr lang="en-US" dirty="0"/>
-              <a:t>5/3/20</a:t>
+              <a:t>5/3/2020</a:t>
             </a:fld>
             <a:endParaRPr lang="en-US" dirty="0"/>
           </a:p>
@@ -1360,7 +1369,7 @@
           <a:p>
             <a:fld id="{4509A250-FF31-4206-8172-F9D3106AACB1}" type="datetimeFigureOut">
               <a:rPr lang="en-US" dirty="0"/>
-              <a:t>5/3/20</a:t>
+              <a:t>5/3/2020</a:t>
             </a:fld>
             <a:endParaRPr lang="en-US" dirty="0"/>
           </a:p>
@@ -1978,7 +1987,7 @@
           <a:p>
             <a:fld id="{4509A250-FF31-4206-8172-F9D3106AACB1}" type="datetimeFigureOut">
               <a:rPr lang="en-US" dirty="0"/>
-              <a:t>5/3/20</a:t>
+              <a:t>5/3/2020</a:t>
             </a:fld>
             <a:endParaRPr lang="en-US" dirty="0"/>
           </a:p>
@@ -2833,7 +2842,7 @@
           <a:p>
             <a:fld id="{4509A250-FF31-4206-8172-F9D3106AACB1}" type="datetimeFigureOut">
               <a:rPr lang="en-US" dirty="0"/>
-              <a:t>5/3/20</a:t>
+              <a:t>5/3/2020</a:t>
             </a:fld>
             <a:endParaRPr lang="en-US" dirty="0"/>
           </a:p>
@@ -2998,7 +3007,7 @@
           <a:p>
             <a:fld id="{4509A250-FF31-4206-8172-F9D3106AACB1}" type="datetimeFigureOut">
               <a:rPr lang="en-US" dirty="0"/>
-              <a:t>5/3/20</a:t>
+              <a:t>5/3/2020</a:t>
             </a:fld>
             <a:endParaRPr lang="en-US" dirty="0"/>
           </a:p>
@@ -3173,7 +3182,7 @@
           <a:p>
             <a:fld id="{4509A250-FF31-4206-8172-F9D3106AACB1}" type="datetimeFigureOut">
               <a:rPr lang="en-US" dirty="0"/>
-              <a:t>5/3/20</a:t>
+              <a:t>5/3/2020</a:t>
             </a:fld>
             <a:endParaRPr lang="en-US" dirty="0"/>
           </a:p>
@@ -3338,7 +3347,7 @@
           <a:p>
             <a:fld id="{4509A250-FF31-4206-8172-F9D3106AACB1}" type="datetimeFigureOut">
               <a:rPr lang="en-US" dirty="0"/>
-              <a:t>5/3/20</a:t>
+              <a:t>5/3/2020</a:t>
             </a:fld>
             <a:endParaRPr lang="en-US" dirty="0"/>
           </a:p>
@@ -3580,7 +3589,7 @@
           <a:p>
             <a:fld id="{9796027F-7875-4030-9381-8BD8C4F21935}" type="datetimeFigureOut">
               <a:rPr lang="en-US" dirty="0"/>
-              <a:t>5/3/20</a:t>
+              <a:t>5/3/2020</a:t>
             </a:fld>
             <a:endParaRPr lang="en-US" dirty="0"/>
           </a:p>
@@ -3867,7 +3876,7 @@
           <a:p>
             <a:fld id="{9796027F-7875-4030-9381-8BD8C4F21935}" type="datetimeFigureOut">
               <a:rPr lang="en-US" dirty="0"/>
-              <a:t>5/3/20</a:t>
+              <a:t>5/3/2020</a:t>
             </a:fld>
             <a:endParaRPr lang="en-US" dirty="0"/>
           </a:p>
@@ -4306,7 +4315,7 @@
           <a:p>
             <a:fld id="{9796027F-7875-4030-9381-8BD8C4F21935}" type="datetimeFigureOut">
               <a:rPr lang="en-US" dirty="0"/>
-              <a:t>5/3/20</a:t>
+              <a:t>5/3/2020</a:t>
             </a:fld>
             <a:endParaRPr lang="en-US" dirty="0"/>
           </a:p>
@@ -4419,7 +4428,7 @@
           <a:p>
             <a:fld id="{4509A250-FF31-4206-8172-F9D3106AACB1}" type="datetimeFigureOut">
               <a:rPr lang="en-US" dirty="0"/>
-              <a:t>5/3/20</a:t>
+              <a:t>5/3/2020</a:t>
             </a:fld>
             <a:endParaRPr lang="en-US" dirty="0"/>
           </a:p>
@@ -4509,7 +4518,7 @@
           <a:p>
             <a:fld id="{4509A250-FF31-4206-8172-F9D3106AACB1}" type="datetimeFigureOut">
               <a:rPr lang="en-US" dirty="0"/>
-              <a:t>5/3/20</a:t>
+              <a:t>5/3/2020</a:t>
             </a:fld>
             <a:endParaRPr lang="en-US" dirty="0"/>
           </a:p>
@@ -4783,7 +4792,7 @@
           <a:p>
             <a:fld id="{4509A250-FF31-4206-8172-F9D3106AACB1}" type="datetimeFigureOut">
               <a:rPr lang="en-US" dirty="0"/>
-              <a:t>5/3/20</a:t>
+              <a:t>5/3/2020</a:t>
             </a:fld>
             <a:endParaRPr lang="en-US" dirty="0"/>
           </a:p>
@@ -5053,7 +5062,7 @@
           <a:p>
             <a:fld id="{4509A250-FF31-4206-8172-F9D3106AACB1}" type="datetimeFigureOut">
               <a:rPr lang="en-US" dirty="0"/>
-              <a:t>5/3/20</a:t>
+              <a:t>5/3/2020</a:t>
             </a:fld>
             <a:endParaRPr lang="en-US" dirty="0"/>
           </a:p>
@@ -5477,7 +5486,7 @@
           <a:p>
             <a:fld id="{4AAD347D-5ACD-4C99-B74B-A9C85AD731AF}" type="datetimeFigureOut">
               <a:rPr lang="en-US" dirty="0"/>
-              <a:t>5/3/20</a:t>
+              <a:t>5/3/2020</a:t>
             </a:fld>
             <a:endParaRPr lang="en-US" dirty="0"/>
           </a:p>
@@ -6491,6 +6500,2722 @@
 </p:sld>
 </file>
 
+<file path=ppt/slides/slide6.xml><?xml version="1.0" encoding="utf-8"?>
+<p:sld xmlns:a="http://schemas.openxmlformats.org/drawingml/2006/main" xmlns:r="http://schemas.openxmlformats.org/officeDocument/2006/relationships" xmlns:p="http://schemas.openxmlformats.org/presentationml/2006/main">
+  <p:cSld>
+    <p:spTree>
+      <p:nvGrpSpPr>
+        <p:cNvPr id="1" name=""/>
+        <p:cNvGrpSpPr/>
+        <p:nvPr/>
+      </p:nvGrpSpPr>
+      <p:grpSpPr>
+        <a:xfrm>
+          <a:off x="0" y="0"/>
+          <a:ext cx="0" cy="0"/>
+          <a:chOff x="0" y="0"/>
+          <a:chExt cx="0" cy="0"/>
+        </a:xfrm>
+      </p:grpSpPr>
+      <p:sp>
+        <p:nvSpPr>
+          <p:cNvPr id="2" name="Title 1">
+            <a:extLst>
+              <a:ext uri="{FF2B5EF4-FFF2-40B4-BE49-F238E27FC236}">
+                <a16:creationId xmlns:a16="http://schemas.microsoft.com/office/drawing/2014/main" id="{472E65E1-D1E4-45C6-B505-C4489B3FFE67}"/>
+              </a:ext>
+            </a:extLst>
+          </p:cNvPr>
+          <p:cNvSpPr>
+            <a:spLocks noGrp="1"/>
+          </p:cNvSpPr>
+          <p:nvPr>
+            <p:ph type="title"/>
+          </p:nvPr>
+        </p:nvSpPr>
+        <p:spPr/>
+        <p:txBody>
+          <a:bodyPr/>
+          <a:lstStyle/>
+          <a:p>
+            <a:r>
+              <a:rPr lang="en-US" sz="2800" dirty="0"/>
+              <a:t>Which states have the largest number of individual breaches and what type of data breach was most dominant?</a:t>
+            </a:r>
+          </a:p>
+        </p:txBody>
+      </p:sp>
+      <p:sp>
+        <p:nvSpPr>
+          <p:cNvPr id="3" name="Content Placeholder 2">
+            <a:extLst>
+              <a:ext uri="{FF2B5EF4-FFF2-40B4-BE49-F238E27FC236}">
+                <a16:creationId xmlns:a16="http://schemas.microsoft.com/office/drawing/2014/main" id="{977A3D45-C3C5-471A-A3F6-80FC13B4FF16}"/>
+              </a:ext>
+            </a:extLst>
+          </p:cNvPr>
+          <p:cNvSpPr>
+            <a:spLocks noGrp="1"/>
+          </p:cNvSpPr>
+          <p:nvPr>
+            <p:ph idx="1"/>
+          </p:nvPr>
+        </p:nvSpPr>
+        <p:spPr>
+          <a:xfrm>
+            <a:off x="646111" y="2081093"/>
+            <a:ext cx="8946541" cy="4195481"/>
+          </a:xfrm>
+        </p:spPr>
+        <p:txBody>
+          <a:bodyPr>
+            <a:normAutofit fontScale="92500" lnSpcReduction="10000"/>
+          </a:bodyPr>
+          <a:lstStyle/>
+          <a:p>
+            <a:pPr marL="0" indent="0">
+              <a:buNone/>
+            </a:pPr>
+            <a:r>
+              <a:rPr lang="en-US" dirty="0"/>
+              <a:t>Throughout 2009-2015 there were many large data breaches that occurred but some more significant than other so when I came across this question I ask myself how could make these number more easy to follow so I narrowed down the data set to the top 25 states.</a:t>
+            </a:r>
+          </a:p>
+          <a:p>
+            <a:pPr marL="0" indent="0">
+              <a:buNone/>
+            </a:pPr>
+            <a:r>
+              <a:rPr lang="en-US" dirty="0"/>
+              <a:t>I thought by doing this it would give a clear picture of which breaches where the largest and most dominant. I came to the conclusion of Illinois having around 4 million individuals affected and Virginia had the largest amount from one attack at 4.9 million individuals.</a:t>
+            </a:r>
+          </a:p>
+          <a:p>
+            <a:pPr marL="0" indent="0">
+              <a:buNone/>
+            </a:pPr>
+            <a:r>
+              <a:rPr lang="en-US" dirty="0"/>
+              <a:t>Some states such as California and Florida had multiple events affecting individuals and not just one California having 5 events them totaling to around 3.7 million and Florida totaling around 2.2 million individuals.</a:t>
+            </a:r>
+          </a:p>
+          <a:p>
+            <a:pPr marL="0" indent="0">
+              <a:buNone/>
+            </a:pPr>
+            <a:r>
+              <a:rPr lang="en-US" dirty="0"/>
+              <a:t>I used visualizations such as a bar chart and confusion matrix to better comprehend how these are seen.</a:t>
+            </a:r>
+          </a:p>
+        </p:txBody>
+      </p:sp>
+    </p:spTree>
+    <p:extLst>
+      <p:ext uri="{BB962C8B-B14F-4D97-AF65-F5344CB8AC3E}">
+        <p14:creationId xmlns:p14="http://schemas.microsoft.com/office/powerpoint/2010/main" val="3261865359"/>
+      </p:ext>
+    </p:extLst>
+  </p:cSld>
+  <p:clrMapOvr>
+    <a:masterClrMapping/>
+  </p:clrMapOvr>
+</p:sld>
+</file>
+
+<file path=ppt/slides/slide7.xml><?xml version="1.0" encoding="utf-8"?>
+<p:sld xmlns:a="http://schemas.openxmlformats.org/drawingml/2006/main" xmlns:r="http://schemas.openxmlformats.org/officeDocument/2006/relationships" xmlns:p="http://schemas.openxmlformats.org/presentationml/2006/main">
+  <p:cSld>
+    <p:bg>
+      <p:bgPr>
+        <a:solidFill>
+          <a:schemeClr val="bg1"/>
+        </a:solidFill>
+        <a:effectLst/>
+      </p:bgPr>
+    </p:bg>
+    <p:spTree>
+      <p:nvGrpSpPr>
+        <p:cNvPr id="1" name=""/>
+        <p:cNvGrpSpPr/>
+        <p:nvPr/>
+      </p:nvGrpSpPr>
+      <p:grpSpPr>
+        <a:xfrm>
+          <a:off x="0" y="0"/>
+          <a:ext cx="0" cy="0"/>
+          <a:chOff x="0" y="0"/>
+          <a:chExt cx="0" cy="0"/>
+        </a:xfrm>
+      </p:grpSpPr>
+      <p:pic>
+        <p:nvPicPr>
+          <p:cNvPr id="29" name="Picture 8">
+            <a:extLst>
+              <a:ext uri="{FF2B5EF4-FFF2-40B4-BE49-F238E27FC236}">
+                <a16:creationId xmlns:a16="http://schemas.microsoft.com/office/drawing/2014/main" id="{41B68C77-138E-4BF7-A276-BD0C78A4219F}"/>
+              </a:ext>
+              <a:ext uri="{C183D7F6-B498-43B3-948B-1728B52AA6E4}">
+                <adec:decorative xmlns:adec="http://schemas.microsoft.com/office/drawing/2017/decorative" val="1"/>
+              </a:ext>
+            </a:extLst>
+          </p:cNvPr>
+          <p:cNvPicPr>
+            <a:picLocks noGrp="1" noRot="1" noChangeAspect="1" noMove="1" noResize="1" noEditPoints="1" noAdjustHandles="1" noChangeArrowheads="1" noChangeShapeType="1" noCrop="1"/>
+          </p:cNvPicPr>
+          <p:nvPr>
+            <p:extLst>
+              <p:ext uri="{386F3935-93C4-4BCD-93E2-E3B085C9AB24}">
+                <p16:designElem xmlns:p16="http://schemas.microsoft.com/office/powerpoint/2015/main" val="1"/>
+              </p:ext>
+            </p:extLst>
+          </p:nvPr>
+        </p:nvPicPr>
+        <p:blipFill rotWithShape="1">
+          <a:blip r:embed="rId2">
+            <a:extLst>
+              <a:ext uri="{28A0092B-C50C-407E-A947-70E740481C1C}">
+                <a14:useLocalDpi xmlns:a14="http://schemas.microsoft.com/office/drawing/2010/main" val="0"/>
+              </a:ext>
+            </a:extLst>
+          </a:blip>
+          <a:srcRect l="3613"/>
+          <a:stretch/>
+        </p:blipFill>
+        <p:spPr>
+          <a:xfrm>
+            <a:off x="0" y="2669685"/>
+            <a:ext cx="4037012" cy="4188315"/>
+          </a:xfrm>
+          <a:prstGeom prst="rect">
+            <a:avLst/>
+          </a:prstGeom>
+        </p:spPr>
+      </p:pic>
+      <p:pic>
+        <p:nvPicPr>
+          <p:cNvPr id="30" name="Picture 10">
+            <a:extLst>
+              <a:ext uri="{FF2B5EF4-FFF2-40B4-BE49-F238E27FC236}">
+                <a16:creationId xmlns:a16="http://schemas.microsoft.com/office/drawing/2014/main" id="{7C268552-D473-46ED-B1B8-422042C4DEF1}"/>
+              </a:ext>
+              <a:ext uri="{C183D7F6-B498-43B3-948B-1728B52AA6E4}">
+                <adec:decorative xmlns:adec="http://schemas.microsoft.com/office/drawing/2017/decorative" val="1"/>
+              </a:ext>
+            </a:extLst>
+          </p:cNvPr>
+          <p:cNvPicPr>
+            <a:picLocks noGrp="1" noRot="1" noChangeAspect="1" noMove="1" noResize="1" noEditPoints="1" noAdjustHandles="1" noChangeArrowheads="1" noChangeShapeType="1" noCrop="1"/>
+          </p:cNvPicPr>
+          <p:nvPr>
+            <p:extLst>
+              <p:ext uri="{386F3935-93C4-4BCD-93E2-E3B085C9AB24}">
+                <p16:designElem xmlns:p16="http://schemas.microsoft.com/office/powerpoint/2015/main" val="1"/>
+              </p:ext>
+            </p:extLst>
+          </p:nvPr>
+        </p:nvPicPr>
+        <p:blipFill rotWithShape="1">
+          <a:blip r:embed="rId3">
+            <a:extLst>
+              <a:ext uri="{28A0092B-C50C-407E-A947-70E740481C1C}">
+                <a14:useLocalDpi xmlns:a14="http://schemas.microsoft.com/office/drawing/2010/main" val="0"/>
+              </a:ext>
+            </a:extLst>
+          </a:blip>
+          <a:srcRect l="35640"/>
+          <a:stretch/>
+        </p:blipFill>
+        <p:spPr>
+          <a:xfrm>
+            <a:off x="0" y="2892347"/>
+            <a:ext cx="1522412" cy="2365453"/>
+          </a:xfrm>
+          <a:prstGeom prst="rect">
+            <a:avLst/>
+          </a:prstGeom>
+        </p:spPr>
+      </p:pic>
+      <p:sp>
+        <p:nvSpPr>
+          <p:cNvPr id="31" name="Oval 12">
+            <a:extLst>
+              <a:ext uri="{FF2B5EF4-FFF2-40B4-BE49-F238E27FC236}">
+                <a16:creationId xmlns:a16="http://schemas.microsoft.com/office/drawing/2014/main" id="{4AC0CD9D-7610-4620-93B4-798CCD9AB581}"/>
+              </a:ext>
+              <a:ext uri="{C183D7F6-B498-43B3-948B-1728B52AA6E4}">
+                <adec:decorative xmlns:adec="http://schemas.microsoft.com/office/drawing/2017/decorative" val="1"/>
+              </a:ext>
+            </a:extLst>
+          </p:cNvPr>
+          <p:cNvSpPr>
+            <a:spLocks noGrp="1" noRot="1" noChangeAspect="1" noMove="1" noResize="1" noEditPoints="1" noAdjustHandles="1" noChangeArrowheads="1" noChangeShapeType="1" noTextEdit="1"/>
+          </p:cNvSpPr>
+          <p:nvPr>
+            <p:extLst>
+              <p:ext uri="{386F3935-93C4-4BCD-93E2-E3B085C9AB24}">
+                <p16:designElem xmlns:p16="http://schemas.microsoft.com/office/powerpoint/2015/main" val="1"/>
+              </p:ext>
+            </p:extLst>
+          </p:nvPr>
+        </p:nvSpPr>
+        <p:spPr>
+          <a:xfrm>
+            <a:off x="8609012" y="1676400"/>
+            <a:ext cx="2819400" cy="2819400"/>
+          </a:xfrm>
+          <a:prstGeom prst="ellipse">
+            <a:avLst/>
+          </a:prstGeom>
+          <a:gradFill flip="none" rotWithShape="1">
+            <a:gsLst>
+              <a:gs pos="0">
+                <a:schemeClr val="bg2">
+                  <a:lumMod val="60000"/>
+                  <a:lumOff val="40000"/>
+                  <a:alpha val="7000"/>
+                </a:schemeClr>
+              </a:gs>
+              <a:gs pos="69000">
+                <a:schemeClr val="bg2">
+                  <a:lumMod val="60000"/>
+                  <a:lumOff val="40000"/>
+                  <a:alpha val="0"/>
+                </a:schemeClr>
+              </a:gs>
+              <a:gs pos="36000">
+                <a:schemeClr val="bg2">
+                  <a:lumMod val="60000"/>
+                  <a:lumOff val="40000"/>
+                  <a:alpha val="6000"/>
+                </a:schemeClr>
+              </a:gs>
+            </a:gsLst>
+            <a:path path="circle">
+              <a:fillToRect l="50000" t="50000" r="50000" b="50000"/>
+            </a:path>
+            <a:tileRect/>
+          </a:gradFill>
+          <a:ln>
+            <a:noFill/>
+          </a:ln>
+          <a:effectLst/>
+        </p:spPr>
+        <p:style>
+          <a:lnRef idx="1">
+            <a:schemeClr val="accent1"/>
+          </a:lnRef>
+          <a:fillRef idx="3">
+            <a:schemeClr val="accent1"/>
+          </a:fillRef>
+          <a:effectRef idx="2">
+            <a:schemeClr val="accent1"/>
+          </a:effectRef>
+          <a:fontRef idx="minor">
+            <a:schemeClr val="lt1"/>
+          </a:fontRef>
+        </p:style>
+      </p:sp>
+      <p:pic>
+        <p:nvPicPr>
+          <p:cNvPr id="32" name="Picture 14">
+            <a:extLst>
+              <a:ext uri="{FF2B5EF4-FFF2-40B4-BE49-F238E27FC236}">
+                <a16:creationId xmlns:a16="http://schemas.microsoft.com/office/drawing/2014/main" id="{B9238B3E-24AA-439A-B527-6C5DF6D72145}"/>
+              </a:ext>
+              <a:ext uri="{C183D7F6-B498-43B3-948B-1728B52AA6E4}">
+                <adec:decorative xmlns:adec="http://schemas.microsoft.com/office/drawing/2017/decorative" val="1"/>
+              </a:ext>
+            </a:extLst>
+          </p:cNvPr>
+          <p:cNvPicPr>
+            <a:picLocks noGrp="1" noRot="1" noChangeAspect="1" noMove="1" noResize="1" noEditPoints="1" noAdjustHandles="1" noChangeArrowheads="1" noChangeShapeType="1" noCrop="1"/>
+          </p:cNvPicPr>
+          <p:nvPr>
+            <p:extLst>
+              <p:ext uri="{386F3935-93C4-4BCD-93E2-E3B085C9AB24}">
+                <p16:designElem xmlns:p16="http://schemas.microsoft.com/office/powerpoint/2015/main" val="1"/>
+              </p:ext>
+            </p:extLst>
+          </p:nvPr>
+        </p:nvPicPr>
+        <p:blipFill rotWithShape="1">
+          <a:blip r:embed="rId4">
+            <a:extLst>
+              <a:ext uri="{28A0092B-C50C-407E-A947-70E740481C1C}">
+                <a14:useLocalDpi xmlns:a14="http://schemas.microsoft.com/office/drawing/2010/main" val="0"/>
+              </a:ext>
+            </a:extLst>
+          </a:blip>
+          <a:srcRect t="28813"/>
+          <a:stretch/>
+        </p:blipFill>
+        <p:spPr>
+          <a:xfrm>
+            <a:off x="7999412" y="0"/>
+            <a:ext cx="1603387" cy="1141407"/>
+          </a:xfrm>
+          <a:prstGeom prst="rect">
+            <a:avLst/>
+          </a:prstGeom>
+        </p:spPr>
+      </p:pic>
+      <p:pic>
+        <p:nvPicPr>
+          <p:cNvPr id="33" name="Picture 16">
+            <a:extLst>
+              <a:ext uri="{FF2B5EF4-FFF2-40B4-BE49-F238E27FC236}">
+                <a16:creationId xmlns:a16="http://schemas.microsoft.com/office/drawing/2014/main" id="{69F01145-BEA3-4CBF-AA21-10077B948CA8}"/>
+              </a:ext>
+              <a:ext uri="{C183D7F6-B498-43B3-948B-1728B52AA6E4}">
+                <adec:decorative xmlns:adec="http://schemas.microsoft.com/office/drawing/2017/decorative" val="1"/>
+              </a:ext>
+            </a:extLst>
+          </p:cNvPr>
+          <p:cNvPicPr>
+            <a:picLocks noGrp="1" noRot="1" noChangeAspect="1" noMove="1" noResize="1" noEditPoints="1" noAdjustHandles="1" noChangeArrowheads="1" noChangeShapeType="1" noCrop="1"/>
+          </p:cNvPicPr>
+          <p:nvPr>
+            <p:extLst>
+              <p:ext uri="{386F3935-93C4-4BCD-93E2-E3B085C9AB24}">
+                <p16:designElem xmlns:p16="http://schemas.microsoft.com/office/powerpoint/2015/main" val="1"/>
+              </p:ext>
+            </p:extLst>
+          </p:nvPr>
+        </p:nvPicPr>
+        <p:blipFill rotWithShape="1">
+          <a:blip r:embed="rId5">
+            <a:extLst>
+              <a:ext uri="{28A0092B-C50C-407E-A947-70E740481C1C}">
+                <a14:useLocalDpi xmlns:a14="http://schemas.microsoft.com/office/drawing/2010/main" val="0"/>
+              </a:ext>
+            </a:extLst>
+          </a:blip>
+          <a:srcRect b="23320"/>
+          <a:stretch/>
+        </p:blipFill>
+        <p:spPr>
+          <a:xfrm>
+            <a:off x="8605878" y="6096000"/>
+            <a:ext cx="993734" cy="762000"/>
+          </a:xfrm>
+          <a:prstGeom prst="rect">
+            <a:avLst/>
+          </a:prstGeom>
+        </p:spPr>
+      </p:pic>
+      <p:sp>
+        <p:nvSpPr>
+          <p:cNvPr id="34" name="Rectangle 18">
+            <a:extLst>
+              <a:ext uri="{FF2B5EF4-FFF2-40B4-BE49-F238E27FC236}">
+                <a16:creationId xmlns:a16="http://schemas.microsoft.com/office/drawing/2014/main" id="{DE4D62F9-188E-4530-84C2-24BDEE4BEB82}"/>
+              </a:ext>
+              <a:ext uri="{C183D7F6-B498-43B3-948B-1728B52AA6E4}">
+                <adec:decorative xmlns:adec="http://schemas.microsoft.com/office/drawing/2017/decorative" val="1"/>
+              </a:ext>
+            </a:extLst>
+          </p:cNvPr>
+          <p:cNvSpPr>
+            <a:spLocks noGrp="1" noRot="1" noChangeAspect="1" noMove="1" noResize="1" noEditPoints="1" noAdjustHandles="1" noChangeArrowheads="1" noChangeShapeType="1" noTextEdit="1"/>
+          </p:cNvSpPr>
+          <p:nvPr>
+            <p:extLst>
+              <p:ext uri="{386F3935-93C4-4BCD-93E2-E3B085C9AB24}">
+                <p16:designElem xmlns:p16="http://schemas.microsoft.com/office/powerpoint/2015/main" val="1"/>
+              </p:ext>
+            </p:extLst>
+          </p:nvPr>
+        </p:nvSpPr>
+        <p:spPr>
+          <a:xfrm>
+            <a:off x="10437812" y="0"/>
+            <a:ext cx="685800" cy="1143000"/>
+          </a:xfrm>
+          <a:prstGeom prst="rect">
+            <a:avLst/>
+          </a:prstGeom>
+          <a:solidFill>
+            <a:schemeClr val="accent1"/>
+          </a:solidFill>
+          <a:ln>
+            <a:noFill/>
+          </a:ln>
+        </p:spPr>
+        <p:style>
+          <a:lnRef idx="1">
+            <a:schemeClr val="accent1"/>
+          </a:lnRef>
+          <a:fillRef idx="3">
+            <a:schemeClr val="accent1"/>
+          </a:fillRef>
+          <a:effectRef idx="2">
+            <a:schemeClr val="accent1"/>
+          </a:effectRef>
+          <a:fontRef idx="minor">
+            <a:schemeClr val="lt1"/>
+          </a:fontRef>
+        </p:style>
+      </p:sp>
+      <p:sp>
+        <p:nvSpPr>
+          <p:cNvPr id="35" name="Rectangle 20">
+            <a:extLst>
+              <a:ext uri="{FF2B5EF4-FFF2-40B4-BE49-F238E27FC236}">
+                <a16:creationId xmlns:a16="http://schemas.microsoft.com/office/drawing/2014/main" id="{757B325C-3E35-45CF-9D07-3BCB281F3B9C}"/>
+              </a:ext>
+              <a:ext uri="{C183D7F6-B498-43B3-948B-1728B52AA6E4}">
+                <adec:decorative xmlns:adec="http://schemas.microsoft.com/office/drawing/2017/decorative" val="1"/>
+              </a:ext>
+            </a:extLst>
+          </p:cNvPr>
+          <p:cNvSpPr>
+            <a:spLocks noGrp="1" noRot="1" noChangeAspect="1" noMove="1" noResize="1" noEditPoints="1" noAdjustHandles="1" noChangeArrowheads="1" noChangeShapeType="1" noTextEdit="1"/>
+          </p:cNvSpPr>
+          <p:nvPr>
+            <p:extLst>
+              <p:ext uri="{386F3935-93C4-4BCD-93E2-E3B085C9AB24}">
+                <p16:designElem xmlns:p16="http://schemas.microsoft.com/office/powerpoint/2015/main" val="1"/>
+              </p:ext>
+            </p:extLst>
+          </p:nvPr>
+        </p:nvSpPr>
+        <p:spPr>
+          <a:xfrm>
+            <a:off x="0" y="0"/>
+            <a:ext cx="12192000" cy="6858000"/>
+          </a:xfrm>
+          <a:prstGeom prst="rect">
+            <a:avLst/>
+          </a:prstGeom>
+          <a:ln>
+            <a:noFill/>
+          </a:ln>
+        </p:spPr>
+        <p:style>
+          <a:lnRef idx="2">
+            <a:schemeClr val="accent1">
+              <a:shade val="50000"/>
+            </a:schemeClr>
+          </a:lnRef>
+          <a:fillRef idx="1003">
+            <a:schemeClr val="dk2"/>
+          </a:fillRef>
+          <a:effectRef idx="0">
+            <a:schemeClr val="accent1"/>
+          </a:effectRef>
+          <a:fontRef idx="minor">
+            <a:schemeClr val="lt1"/>
+          </a:fontRef>
+        </p:style>
+        <p:txBody>
+          <a:bodyPr rtlCol="0" anchor="ctr"/>
+          <a:lstStyle/>
+          <a:p>
+            <a:pPr algn="ctr"/>
+            <a:endParaRPr lang="en-US"/>
+          </a:p>
+        </p:txBody>
+      </p:sp>
+      <p:sp>
+        <p:nvSpPr>
+          <p:cNvPr id="2" name="Title 1">
+            <a:extLst>
+              <a:ext uri="{FF2B5EF4-FFF2-40B4-BE49-F238E27FC236}">
+                <a16:creationId xmlns:a16="http://schemas.microsoft.com/office/drawing/2014/main" id="{C0AFA06A-033A-4861-8E48-B54B4BF86768}"/>
+              </a:ext>
+            </a:extLst>
+          </p:cNvPr>
+          <p:cNvSpPr>
+            <a:spLocks noGrp="1"/>
+          </p:cNvSpPr>
+          <p:nvPr>
+            <p:ph type="title"/>
+          </p:nvPr>
+        </p:nvSpPr>
+        <p:spPr>
+          <a:xfrm>
+            <a:off x="8191925" y="1325880"/>
+            <a:ext cx="3352375" cy="3066507"/>
+          </a:xfrm>
+        </p:spPr>
+        <p:txBody>
+          <a:bodyPr vert="horz" lIns="91440" tIns="45720" rIns="91440" bIns="45720" rtlCol="0" anchor="b">
+            <a:normAutofit/>
+          </a:bodyPr>
+          <a:lstStyle/>
+          <a:p>
+            <a:r>
+              <a:rPr lang="en-US" sz="5400" b="0" i="0" kern="1200">
+                <a:solidFill>
+                  <a:srgbClr val="EBEBEB"/>
+                </a:solidFill>
+                <a:latin typeface="+mj-lt"/>
+                <a:ea typeface="+mj-ea"/>
+                <a:cs typeface="+mj-cs"/>
+              </a:rPr>
+              <a:t>Bar Chart</a:t>
+            </a:r>
+          </a:p>
+        </p:txBody>
+      </p:sp>
+      <p:sp>
+        <p:nvSpPr>
+          <p:cNvPr id="36" name="Freeform 36">
+            <a:extLst>
+              <a:ext uri="{FF2B5EF4-FFF2-40B4-BE49-F238E27FC236}">
+                <a16:creationId xmlns:a16="http://schemas.microsoft.com/office/drawing/2014/main" id="{C24BEC42-AFF3-40D1-93A2-A27A42E1E23C}"/>
+              </a:ext>
+              <a:ext uri="{C183D7F6-B498-43B3-948B-1728B52AA6E4}">
+                <adec:decorative xmlns:adec="http://schemas.microsoft.com/office/drawing/2017/decorative" val="1"/>
+              </a:ext>
+            </a:extLst>
+          </p:cNvPr>
+          <p:cNvSpPr>
+            <a:spLocks noGrp="1" noRot="1" noChangeAspect="1" noMove="1" noResize="1" noEditPoints="1" noAdjustHandles="1" noChangeArrowheads="1" noChangeShapeType="1" noTextEdit="1"/>
+          </p:cNvSpPr>
+          <p:nvPr>
+            <p:extLst>
+              <p:ext uri="{386F3935-93C4-4BCD-93E2-E3B085C9AB24}">
+                <p16:designElem xmlns:p16="http://schemas.microsoft.com/office/powerpoint/2015/main" val="1"/>
+              </p:ext>
+            </p:extLst>
+          </p:nvPr>
+        </p:nvSpPr>
+        <p:spPr>
+          <a:xfrm flipH="1">
+            <a:off x="7463681" y="-1"/>
+            <a:ext cx="559472" cy="3709642"/>
+          </a:xfrm>
+          <a:custGeom>
+            <a:avLst/>
+            <a:gdLst>
+              <a:gd name="connsiteX0" fmla="*/ 0 w 559472"/>
+              <a:gd name="connsiteY0" fmla="*/ 0 h 3709642"/>
+              <a:gd name="connsiteX1" fmla="*/ 473952 w 559472"/>
+              <a:gd name="connsiteY1" fmla="*/ 0 h 3709642"/>
+              <a:gd name="connsiteX2" fmla="*/ 485840 w 559472"/>
+              <a:gd name="connsiteY2" fmla="*/ 161194 h 3709642"/>
+              <a:gd name="connsiteX3" fmla="*/ 523949 w 559472"/>
+              <a:gd name="connsiteY3" fmla="*/ 3672197 h 3709642"/>
+              <a:gd name="connsiteX4" fmla="*/ 454748 w 559472"/>
+              <a:gd name="connsiteY4" fmla="*/ 3709642 h 3709642"/>
+              <a:gd name="connsiteX5" fmla="*/ 448224 w 559472"/>
+              <a:gd name="connsiteY5" fmla="*/ 3510471 h 3709642"/>
+              <a:gd name="connsiteX6" fmla="*/ 443564 w 559472"/>
+              <a:gd name="connsiteY6" fmla="*/ 3408563 h 3709642"/>
+              <a:gd name="connsiteX7" fmla="*/ 438902 w 559472"/>
+              <a:gd name="connsiteY7" fmla="*/ 3304407 h 3709642"/>
+              <a:gd name="connsiteX8" fmla="*/ 433941 w 559472"/>
+              <a:gd name="connsiteY8" fmla="*/ 3198777 h 3709642"/>
+              <a:gd name="connsiteX9" fmla="*/ 427584 w 559472"/>
+              <a:gd name="connsiteY9" fmla="*/ 3092510 h 3709642"/>
+              <a:gd name="connsiteX10" fmla="*/ 420988 w 559472"/>
+              <a:gd name="connsiteY10" fmla="*/ 2984390 h 3709642"/>
+              <a:gd name="connsiteX11" fmla="*/ 414330 w 559472"/>
+              <a:gd name="connsiteY11" fmla="*/ 2874401 h 3709642"/>
+              <a:gd name="connsiteX12" fmla="*/ 406840 w 559472"/>
+              <a:gd name="connsiteY12" fmla="*/ 2762980 h 3709642"/>
+              <a:gd name="connsiteX13" fmla="*/ 397745 w 559472"/>
+              <a:gd name="connsiteY13" fmla="*/ 2650566 h 3709642"/>
+              <a:gd name="connsiteX14" fmla="*/ 389154 w 559472"/>
+              <a:gd name="connsiteY14" fmla="*/ 2536612 h 3709642"/>
+              <a:gd name="connsiteX15" fmla="*/ 379225 w 559472"/>
+              <a:gd name="connsiteY15" fmla="*/ 2421642 h 3709642"/>
+              <a:gd name="connsiteX16" fmla="*/ 368316 w 559472"/>
+              <a:gd name="connsiteY16" fmla="*/ 2305627 h 3709642"/>
+              <a:gd name="connsiteX17" fmla="*/ 357466 w 559472"/>
+              <a:gd name="connsiteY17" fmla="*/ 2189233 h 3709642"/>
+              <a:gd name="connsiteX18" fmla="*/ 344982 w 559472"/>
+              <a:gd name="connsiteY18" fmla="*/ 2071473 h 3709642"/>
+              <a:gd name="connsiteX19" fmla="*/ 332466 w 559472"/>
+              <a:gd name="connsiteY19" fmla="*/ 1952216 h 3709642"/>
+              <a:gd name="connsiteX20" fmla="*/ 319121 w 559472"/>
+              <a:gd name="connsiteY20" fmla="*/ 1833776 h 3709642"/>
+              <a:gd name="connsiteX21" fmla="*/ 304408 w 559472"/>
+              <a:gd name="connsiteY21" fmla="*/ 1713948 h 3709642"/>
+              <a:gd name="connsiteX22" fmla="*/ 288685 w 559472"/>
+              <a:gd name="connsiteY22" fmla="*/ 1592703 h 3709642"/>
+              <a:gd name="connsiteX23" fmla="*/ 273050 w 559472"/>
+              <a:gd name="connsiteY23" fmla="*/ 1471451 h 3709642"/>
+              <a:gd name="connsiteX24" fmla="*/ 255813 w 559472"/>
+              <a:gd name="connsiteY24" fmla="*/ 1350328 h 3709642"/>
+              <a:gd name="connsiteX25" fmla="*/ 237060 w 559472"/>
+              <a:gd name="connsiteY25" fmla="*/ 1227080 h 3709642"/>
+              <a:gd name="connsiteX26" fmla="*/ 218488 w 559472"/>
+              <a:gd name="connsiteY26" fmla="*/ 1106065 h 3709642"/>
+              <a:gd name="connsiteX27" fmla="*/ 198221 w 559472"/>
+              <a:gd name="connsiteY27" fmla="*/ 982940 h 3709642"/>
+              <a:gd name="connsiteX28" fmla="*/ 177152 w 559472"/>
+              <a:gd name="connsiteY28" fmla="*/ 858755 h 3709642"/>
+              <a:gd name="connsiteX29" fmla="*/ 155551 w 559472"/>
+              <a:gd name="connsiteY29" fmla="*/ 736861 h 3709642"/>
+              <a:gd name="connsiteX30" fmla="*/ 131782 w 559472"/>
+              <a:gd name="connsiteY30" fmla="*/ 613645 h 3709642"/>
+              <a:gd name="connsiteX31" fmla="*/ 107123 w 559472"/>
+              <a:gd name="connsiteY31" fmla="*/ 490500 h 3709642"/>
+              <a:gd name="connsiteX32" fmla="*/ 82552 w 559472"/>
+              <a:gd name="connsiteY32" fmla="*/ 367348 h 3709642"/>
+              <a:gd name="connsiteX33" fmla="*/ 55608 w 559472"/>
+              <a:gd name="connsiteY33" fmla="*/ 244762 h 3709642"/>
+              <a:gd name="connsiteX34" fmla="*/ 28130 w 559472"/>
+              <a:gd name="connsiteY34" fmla="*/ 122220 h 3709642"/>
+              <a:gd name="connsiteX35" fmla="*/ 0 w 559472"/>
+              <a:gd name="connsiteY35" fmla="*/ 0 h 3709642"/>
+            </a:gdLst>
+            <a:ahLst/>
+            <a:cxnLst>
+              <a:cxn ang="0">
+                <a:pos x="connsiteX0" y="connsiteY0"/>
+              </a:cxn>
+              <a:cxn ang="0">
+                <a:pos x="connsiteX1" y="connsiteY1"/>
+              </a:cxn>
+              <a:cxn ang="0">
+                <a:pos x="connsiteX2" y="connsiteY2"/>
+              </a:cxn>
+              <a:cxn ang="0">
+                <a:pos x="connsiteX3" y="connsiteY3"/>
+              </a:cxn>
+              <a:cxn ang="0">
+                <a:pos x="connsiteX4" y="connsiteY4"/>
+              </a:cxn>
+              <a:cxn ang="0">
+                <a:pos x="connsiteX5" y="connsiteY5"/>
+              </a:cxn>
+              <a:cxn ang="0">
+                <a:pos x="connsiteX6" y="connsiteY6"/>
+              </a:cxn>
+              <a:cxn ang="0">
+                <a:pos x="connsiteX7" y="connsiteY7"/>
+              </a:cxn>
+              <a:cxn ang="0">
+                <a:pos x="connsiteX8" y="connsiteY8"/>
+              </a:cxn>
+              <a:cxn ang="0">
+                <a:pos x="connsiteX9" y="connsiteY9"/>
+              </a:cxn>
+              <a:cxn ang="0">
+                <a:pos x="connsiteX10" y="connsiteY10"/>
+              </a:cxn>
+              <a:cxn ang="0">
+                <a:pos x="connsiteX11" y="connsiteY11"/>
+              </a:cxn>
+              <a:cxn ang="0">
+                <a:pos x="connsiteX12" y="connsiteY12"/>
+              </a:cxn>
+              <a:cxn ang="0">
+                <a:pos x="connsiteX13" y="connsiteY13"/>
+              </a:cxn>
+              <a:cxn ang="0">
+                <a:pos x="connsiteX14" y="connsiteY14"/>
+              </a:cxn>
+              <a:cxn ang="0">
+                <a:pos x="connsiteX15" y="connsiteY15"/>
+              </a:cxn>
+              <a:cxn ang="0">
+                <a:pos x="connsiteX16" y="connsiteY16"/>
+              </a:cxn>
+              <a:cxn ang="0">
+                <a:pos x="connsiteX17" y="connsiteY17"/>
+              </a:cxn>
+              <a:cxn ang="0">
+                <a:pos x="connsiteX18" y="connsiteY18"/>
+              </a:cxn>
+              <a:cxn ang="0">
+                <a:pos x="connsiteX19" y="connsiteY19"/>
+              </a:cxn>
+              <a:cxn ang="0">
+                <a:pos x="connsiteX20" y="connsiteY20"/>
+              </a:cxn>
+              <a:cxn ang="0">
+                <a:pos x="connsiteX21" y="connsiteY21"/>
+              </a:cxn>
+              <a:cxn ang="0">
+                <a:pos x="connsiteX22" y="connsiteY22"/>
+              </a:cxn>
+              <a:cxn ang="0">
+                <a:pos x="connsiteX23" y="connsiteY23"/>
+              </a:cxn>
+              <a:cxn ang="0">
+                <a:pos x="connsiteX24" y="connsiteY24"/>
+              </a:cxn>
+              <a:cxn ang="0">
+                <a:pos x="connsiteX25" y="connsiteY25"/>
+              </a:cxn>
+              <a:cxn ang="0">
+                <a:pos x="connsiteX26" y="connsiteY26"/>
+              </a:cxn>
+              <a:cxn ang="0">
+                <a:pos x="connsiteX27" y="connsiteY27"/>
+              </a:cxn>
+              <a:cxn ang="0">
+                <a:pos x="connsiteX28" y="connsiteY28"/>
+              </a:cxn>
+              <a:cxn ang="0">
+                <a:pos x="connsiteX29" y="connsiteY29"/>
+              </a:cxn>
+              <a:cxn ang="0">
+                <a:pos x="connsiteX30" y="connsiteY30"/>
+              </a:cxn>
+              <a:cxn ang="0">
+                <a:pos x="connsiteX31" y="connsiteY31"/>
+              </a:cxn>
+              <a:cxn ang="0">
+                <a:pos x="connsiteX32" y="connsiteY32"/>
+              </a:cxn>
+              <a:cxn ang="0">
+                <a:pos x="connsiteX33" y="connsiteY33"/>
+              </a:cxn>
+              <a:cxn ang="0">
+                <a:pos x="connsiteX34" y="connsiteY34"/>
+              </a:cxn>
+              <a:cxn ang="0">
+                <a:pos x="connsiteX35" y="connsiteY35"/>
+              </a:cxn>
+            </a:cxnLst>
+            <a:rect l="l" t="t" r="r" b="b"/>
+            <a:pathLst>
+              <a:path w="559472" h="3709642">
+                <a:moveTo>
+                  <a:pt x="0" y="0"/>
+                </a:moveTo>
+                <a:lnTo>
+                  <a:pt x="473952" y="0"/>
+                </a:lnTo>
+                <a:lnTo>
+                  <a:pt x="485840" y="161194"/>
+                </a:lnTo>
+                <a:cubicBezTo>
+                  <a:pt x="552063" y="1147770"/>
+                  <a:pt x="592441" y="3086737"/>
+                  <a:pt x="523949" y="3672197"/>
+                </a:cubicBezTo>
+                <a:cubicBezTo>
+                  <a:pt x="500842" y="3684557"/>
+                  <a:pt x="477855" y="3697282"/>
+                  <a:pt x="454748" y="3709642"/>
+                </a:cubicBezTo>
+                <a:lnTo>
+                  <a:pt x="448224" y="3510471"/>
+                </a:lnTo>
+                <a:lnTo>
+                  <a:pt x="443564" y="3408563"/>
+                </a:lnTo>
+                <a:lnTo>
+                  <a:pt x="438902" y="3304407"/>
+                </a:lnTo>
+                <a:lnTo>
+                  <a:pt x="433941" y="3198777"/>
+                </a:lnTo>
+                <a:lnTo>
+                  <a:pt x="427584" y="3092510"/>
+                </a:lnTo>
+                <a:lnTo>
+                  <a:pt x="420988" y="2984390"/>
+                </a:lnTo>
+                <a:lnTo>
+                  <a:pt x="414330" y="2874401"/>
+                </a:lnTo>
+                <a:lnTo>
+                  <a:pt x="406840" y="2762980"/>
+                </a:lnTo>
+                <a:lnTo>
+                  <a:pt x="397745" y="2650566"/>
+                </a:lnTo>
+                <a:lnTo>
+                  <a:pt x="389154" y="2536612"/>
+                </a:lnTo>
+                <a:lnTo>
+                  <a:pt x="379225" y="2421642"/>
+                </a:lnTo>
+                <a:lnTo>
+                  <a:pt x="368316" y="2305627"/>
+                </a:lnTo>
+                <a:lnTo>
+                  <a:pt x="357466" y="2189233"/>
+                </a:lnTo>
+                <a:lnTo>
+                  <a:pt x="344982" y="2071473"/>
+                </a:lnTo>
+                <a:lnTo>
+                  <a:pt x="332466" y="1952216"/>
+                </a:lnTo>
+                <a:lnTo>
+                  <a:pt x="319121" y="1833776"/>
+                </a:lnTo>
+                <a:lnTo>
+                  <a:pt x="304408" y="1713948"/>
+                </a:lnTo>
+                <a:lnTo>
+                  <a:pt x="288685" y="1592703"/>
+                </a:lnTo>
+                <a:lnTo>
+                  <a:pt x="273050" y="1471451"/>
+                </a:lnTo>
+                <a:lnTo>
+                  <a:pt x="255813" y="1350328"/>
+                </a:lnTo>
+                <a:lnTo>
+                  <a:pt x="237060" y="1227080"/>
+                </a:lnTo>
+                <a:lnTo>
+                  <a:pt x="218488" y="1106065"/>
+                </a:lnTo>
+                <a:lnTo>
+                  <a:pt x="198221" y="982940"/>
+                </a:lnTo>
+                <a:lnTo>
+                  <a:pt x="177152" y="858755"/>
+                </a:lnTo>
+                <a:lnTo>
+                  <a:pt x="155551" y="736861"/>
+                </a:lnTo>
+                <a:lnTo>
+                  <a:pt x="131782" y="613645"/>
+                </a:lnTo>
+                <a:lnTo>
+                  <a:pt x="107123" y="490500"/>
+                </a:lnTo>
+                <a:lnTo>
+                  <a:pt x="82552" y="367348"/>
+                </a:lnTo>
+                <a:lnTo>
+                  <a:pt x="55608" y="244762"/>
+                </a:lnTo>
+                <a:lnTo>
+                  <a:pt x="28130" y="122220"/>
+                </a:lnTo>
+                <a:lnTo>
+                  <a:pt x="0" y="0"/>
+                </a:lnTo>
+                <a:close/>
+              </a:path>
+            </a:pathLst>
+          </a:custGeom>
+          <a:solidFill>
+            <a:schemeClr val="bg1">
+              <a:alpha val="20000"/>
+            </a:schemeClr>
+          </a:solidFill>
+          <a:ln>
+            <a:noFill/>
+          </a:ln>
+        </p:spPr>
+        <p:txBody>
+          <a:bodyPr rtlCol="0" anchor="ctr"/>
+          <a:lstStyle/>
+          <a:p>
+            <a:pPr algn="ctr"/>
+            <a:endParaRPr lang="en-US"/>
+          </a:p>
+        </p:txBody>
+      </p:sp>
+      <p:sp useBgFill="1">
+        <p:nvSpPr>
+          <p:cNvPr id="37" name="Freeform: Shape 24">
+            <a:extLst>
+              <a:ext uri="{FF2B5EF4-FFF2-40B4-BE49-F238E27FC236}">
+                <a16:creationId xmlns:a16="http://schemas.microsoft.com/office/drawing/2014/main" id="{608F427C-1EC9-4280-9367-F2B3AA063E82}"/>
+              </a:ext>
+              <a:ext uri="{C183D7F6-B498-43B3-948B-1728B52AA6E4}">
+                <adec:decorative xmlns:adec="http://schemas.microsoft.com/office/drawing/2017/decorative" val="1"/>
+              </a:ext>
+            </a:extLst>
+          </p:cNvPr>
+          <p:cNvSpPr>
+            <a:spLocks noGrp="1" noRot="1" noChangeAspect="1" noMove="1" noResize="1" noEditPoints="1" noAdjustHandles="1" noChangeArrowheads="1" noChangeShapeType="1" noTextEdit="1"/>
+          </p:cNvSpPr>
+          <p:nvPr>
+            <p:extLst>
+              <p:ext uri="{386F3935-93C4-4BCD-93E2-E3B085C9AB24}">
+                <p16:designElem xmlns:p16="http://schemas.microsoft.com/office/powerpoint/2015/main" val="1"/>
+              </p:ext>
+            </p:extLst>
+          </p:nvPr>
+        </p:nvSpPr>
+        <p:spPr>
+          <a:xfrm>
+            <a:off x="0" y="0"/>
+            <a:ext cx="7809954" cy="6858000"/>
+          </a:xfrm>
+          <a:custGeom>
+            <a:avLst/>
+            <a:gdLst>
+              <a:gd name="connsiteX0" fmla="*/ 6465239 w 7809954"/>
+              <a:gd name="connsiteY0" fmla="*/ 0 h 6858000"/>
+              <a:gd name="connsiteX1" fmla="*/ 7808777 w 7809954"/>
+              <a:gd name="connsiteY1" fmla="*/ 0 h 6858000"/>
+              <a:gd name="connsiteX2" fmla="*/ 7783732 w 7809954"/>
+              <a:gd name="connsiteY2" fmla="*/ 155676 h 6858000"/>
+              <a:gd name="connsiteX3" fmla="*/ 7759863 w 7809954"/>
+              <a:gd name="connsiteY3" fmla="*/ 310667 h 6858000"/>
+              <a:gd name="connsiteX4" fmla="*/ 7736499 w 7809954"/>
+              <a:gd name="connsiteY4" fmla="*/ 466344 h 6858000"/>
+              <a:gd name="connsiteX5" fmla="*/ 7716496 w 7809954"/>
+              <a:gd name="connsiteY5" fmla="*/ 622706 h 6858000"/>
+              <a:gd name="connsiteX6" fmla="*/ 7696325 w 7809954"/>
+              <a:gd name="connsiteY6" fmla="*/ 778383 h 6858000"/>
+              <a:gd name="connsiteX7" fmla="*/ 7677499 w 7809954"/>
+              <a:gd name="connsiteY7" fmla="*/ 934745 h 6858000"/>
+              <a:gd name="connsiteX8" fmla="*/ 7661363 w 7809954"/>
+              <a:gd name="connsiteY8" fmla="*/ 1089050 h 6858000"/>
+              <a:gd name="connsiteX9" fmla="*/ 7646067 w 7809954"/>
+              <a:gd name="connsiteY9" fmla="*/ 1245413 h 6858000"/>
+              <a:gd name="connsiteX10" fmla="*/ 7632115 w 7809954"/>
+              <a:gd name="connsiteY10" fmla="*/ 1401089 h 6858000"/>
+              <a:gd name="connsiteX11" fmla="*/ 7620013 w 7809954"/>
+              <a:gd name="connsiteY11" fmla="*/ 1554023 h 6858000"/>
+              <a:gd name="connsiteX12" fmla="*/ 7607910 w 7809954"/>
+              <a:gd name="connsiteY12" fmla="*/ 1709013 h 6858000"/>
+              <a:gd name="connsiteX13" fmla="*/ 7597825 w 7809954"/>
+              <a:gd name="connsiteY13" fmla="*/ 1861947 h 6858000"/>
+              <a:gd name="connsiteX14" fmla="*/ 7589925 w 7809954"/>
+              <a:gd name="connsiteY14" fmla="*/ 2014880 h 6858000"/>
+              <a:gd name="connsiteX15" fmla="*/ 7581688 w 7809954"/>
+              <a:gd name="connsiteY15" fmla="*/ 2167128 h 6858000"/>
+              <a:gd name="connsiteX16" fmla="*/ 7574797 w 7809954"/>
+              <a:gd name="connsiteY16" fmla="*/ 2318004 h 6858000"/>
+              <a:gd name="connsiteX17" fmla="*/ 7569922 w 7809954"/>
+              <a:gd name="connsiteY17" fmla="*/ 2467508 h 6858000"/>
+              <a:gd name="connsiteX18" fmla="*/ 7565720 w 7809954"/>
+              <a:gd name="connsiteY18" fmla="*/ 2617013 h 6858000"/>
+              <a:gd name="connsiteX19" fmla="*/ 7561686 w 7809954"/>
+              <a:gd name="connsiteY19" fmla="*/ 2765145 h 6858000"/>
+              <a:gd name="connsiteX20" fmla="*/ 7559837 w 7809954"/>
+              <a:gd name="connsiteY20" fmla="*/ 2911221 h 6858000"/>
+              <a:gd name="connsiteX21" fmla="*/ 7557820 w 7809954"/>
+              <a:gd name="connsiteY21" fmla="*/ 3057296 h 6858000"/>
+              <a:gd name="connsiteX22" fmla="*/ 7556811 w 7809954"/>
+              <a:gd name="connsiteY22" fmla="*/ 3201314 h 6858000"/>
+              <a:gd name="connsiteX23" fmla="*/ 7557820 w 7809954"/>
+              <a:gd name="connsiteY23" fmla="*/ 3343960 h 6858000"/>
+              <a:gd name="connsiteX24" fmla="*/ 7557820 w 7809954"/>
+              <a:gd name="connsiteY24" fmla="*/ 3485235 h 6858000"/>
+              <a:gd name="connsiteX25" fmla="*/ 7559837 w 7809954"/>
+              <a:gd name="connsiteY25" fmla="*/ 3625138 h 6858000"/>
+              <a:gd name="connsiteX26" fmla="*/ 7562862 w 7809954"/>
+              <a:gd name="connsiteY26" fmla="*/ 3762298 h 6858000"/>
+              <a:gd name="connsiteX27" fmla="*/ 7565720 w 7809954"/>
+              <a:gd name="connsiteY27" fmla="*/ 3898087 h 6858000"/>
+              <a:gd name="connsiteX28" fmla="*/ 7568914 w 7809954"/>
+              <a:gd name="connsiteY28" fmla="*/ 4031132 h 6858000"/>
+              <a:gd name="connsiteX29" fmla="*/ 7573788 w 7809954"/>
+              <a:gd name="connsiteY29" fmla="*/ 4163491 h 6858000"/>
+              <a:gd name="connsiteX30" fmla="*/ 7578999 w 7809954"/>
+              <a:gd name="connsiteY30" fmla="*/ 4293793 h 6858000"/>
+              <a:gd name="connsiteX31" fmla="*/ 7583705 w 7809954"/>
+              <a:gd name="connsiteY31" fmla="*/ 4421352 h 6858000"/>
+              <a:gd name="connsiteX32" fmla="*/ 7596985 w 7809954"/>
+              <a:gd name="connsiteY32" fmla="*/ 4670298 h 6858000"/>
+              <a:gd name="connsiteX33" fmla="*/ 7611104 w 7809954"/>
+              <a:gd name="connsiteY33" fmla="*/ 4908956 h 6858000"/>
+              <a:gd name="connsiteX34" fmla="*/ 7625896 w 7809954"/>
+              <a:gd name="connsiteY34" fmla="*/ 5138013 h 6858000"/>
+              <a:gd name="connsiteX35" fmla="*/ 7642201 w 7809954"/>
+              <a:gd name="connsiteY35" fmla="*/ 5354726 h 6858000"/>
+              <a:gd name="connsiteX36" fmla="*/ 7659178 w 7809954"/>
+              <a:gd name="connsiteY36" fmla="*/ 5561838 h 6858000"/>
+              <a:gd name="connsiteX37" fmla="*/ 7677499 w 7809954"/>
+              <a:gd name="connsiteY37" fmla="*/ 5753862 h 6858000"/>
+              <a:gd name="connsiteX38" fmla="*/ 7695485 w 7809954"/>
+              <a:gd name="connsiteY38" fmla="*/ 5934227 h 6858000"/>
+              <a:gd name="connsiteX39" fmla="*/ 7713470 w 7809954"/>
+              <a:gd name="connsiteY39" fmla="*/ 6100191 h 6858000"/>
+              <a:gd name="connsiteX40" fmla="*/ 7730447 w 7809954"/>
+              <a:gd name="connsiteY40" fmla="*/ 6252438 h 6858000"/>
+              <a:gd name="connsiteX41" fmla="*/ 7746584 w 7809954"/>
+              <a:gd name="connsiteY41" fmla="*/ 6387541 h 6858000"/>
+              <a:gd name="connsiteX42" fmla="*/ 7761880 w 7809954"/>
+              <a:gd name="connsiteY42" fmla="*/ 6509613 h 6858000"/>
+              <a:gd name="connsiteX43" fmla="*/ 7774655 w 7809954"/>
+              <a:gd name="connsiteY43" fmla="*/ 6612483 h 6858000"/>
+              <a:gd name="connsiteX44" fmla="*/ 7786757 w 7809954"/>
+              <a:gd name="connsiteY44" fmla="*/ 6698894 h 6858000"/>
+              <a:gd name="connsiteX45" fmla="*/ 7804071 w 7809954"/>
+              <a:gd name="connsiteY45" fmla="*/ 6817538 h 6858000"/>
+              <a:gd name="connsiteX46" fmla="*/ 7809954 w 7809954"/>
+              <a:gd name="connsiteY46" fmla="*/ 6858000 h 6858000"/>
+              <a:gd name="connsiteX47" fmla="*/ 7157124 w 7809954"/>
+              <a:gd name="connsiteY47" fmla="*/ 6858000 h 6858000"/>
+              <a:gd name="connsiteX48" fmla="*/ 7157124 w 7809954"/>
+              <a:gd name="connsiteY48" fmla="*/ 6858000 h 6858000"/>
+              <a:gd name="connsiteX49" fmla="*/ 0 w 7809954"/>
+              <a:gd name="connsiteY49" fmla="*/ 6858000 h 6858000"/>
+              <a:gd name="connsiteX50" fmla="*/ 0 w 7809954"/>
+              <a:gd name="connsiteY50" fmla="*/ 0 h 6858000"/>
+              <a:gd name="connsiteX51" fmla="*/ 6465239 w 7809954"/>
+              <a:gd name="connsiteY51" fmla="*/ 0 h 6858000"/>
+            </a:gdLst>
+            <a:ahLst/>
+            <a:cxnLst>
+              <a:cxn ang="0">
+                <a:pos x="connsiteX0" y="connsiteY0"/>
+              </a:cxn>
+              <a:cxn ang="0">
+                <a:pos x="connsiteX1" y="connsiteY1"/>
+              </a:cxn>
+              <a:cxn ang="0">
+                <a:pos x="connsiteX2" y="connsiteY2"/>
+              </a:cxn>
+              <a:cxn ang="0">
+                <a:pos x="connsiteX3" y="connsiteY3"/>
+              </a:cxn>
+              <a:cxn ang="0">
+                <a:pos x="connsiteX4" y="connsiteY4"/>
+              </a:cxn>
+              <a:cxn ang="0">
+                <a:pos x="connsiteX5" y="connsiteY5"/>
+              </a:cxn>
+              <a:cxn ang="0">
+                <a:pos x="connsiteX6" y="connsiteY6"/>
+              </a:cxn>
+              <a:cxn ang="0">
+                <a:pos x="connsiteX7" y="connsiteY7"/>
+              </a:cxn>
+              <a:cxn ang="0">
+                <a:pos x="connsiteX8" y="connsiteY8"/>
+              </a:cxn>
+              <a:cxn ang="0">
+                <a:pos x="connsiteX9" y="connsiteY9"/>
+              </a:cxn>
+              <a:cxn ang="0">
+                <a:pos x="connsiteX10" y="connsiteY10"/>
+              </a:cxn>
+              <a:cxn ang="0">
+                <a:pos x="connsiteX11" y="connsiteY11"/>
+              </a:cxn>
+              <a:cxn ang="0">
+                <a:pos x="connsiteX12" y="connsiteY12"/>
+              </a:cxn>
+              <a:cxn ang="0">
+                <a:pos x="connsiteX13" y="connsiteY13"/>
+              </a:cxn>
+              <a:cxn ang="0">
+                <a:pos x="connsiteX14" y="connsiteY14"/>
+              </a:cxn>
+              <a:cxn ang="0">
+                <a:pos x="connsiteX15" y="connsiteY15"/>
+              </a:cxn>
+              <a:cxn ang="0">
+                <a:pos x="connsiteX16" y="connsiteY16"/>
+              </a:cxn>
+              <a:cxn ang="0">
+                <a:pos x="connsiteX17" y="connsiteY17"/>
+              </a:cxn>
+              <a:cxn ang="0">
+                <a:pos x="connsiteX18" y="connsiteY18"/>
+              </a:cxn>
+              <a:cxn ang="0">
+                <a:pos x="connsiteX19" y="connsiteY19"/>
+              </a:cxn>
+              <a:cxn ang="0">
+                <a:pos x="connsiteX20" y="connsiteY20"/>
+              </a:cxn>
+              <a:cxn ang="0">
+                <a:pos x="connsiteX21" y="connsiteY21"/>
+              </a:cxn>
+              <a:cxn ang="0">
+                <a:pos x="connsiteX22" y="connsiteY22"/>
+              </a:cxn>
+              <a:cxn ang="0">
+                <a:pos x="connsiteX23" y="connsiteY23"/>
+              </a:cxn>
+              <a:cxn ang="0">
+                <a:pos x="connsiteX24" y="connsiteY24"/>
+              </a:cxn>
+              <a:cxn ang="0">
+                <a:pos x="connsiteX25" y="connsiteY25"/>
+              </a:cxn>
+              <a:cxn ang="0">
+                <a:pos x="connsiteX26" y="connsiteY26"/>
+              </a:cxn>
+              <a:cxn ang="0">
+                <a:pos x="connsiteX27" y="connsiteY27"/>
+              </a:cxn>
+              <a:cxn ang="0">
+                <a:pos x="connsiteX28" y="connsiteY28"/>
+              </a:cxn>
+              <a:cxn ang="0">
+                <a:pos x="connsiteX29" y="connsiteY29"/>
+              </a:cxn>
+              <a:cxn ang="0">
+                <a:pos x="connsiteX30" y="connsiteY30"/>
+              </a:cxn>
+              <a:cxn ang="0">
+                <a:pos x="connsiteX31" y="connsiteY31"/>
+              </a:cxn>
+              <a:cxn ang="0">
+                <a:pos x="connsiteX32" y="connsiteY32"/>
+              </a:cxn>
+              <a:cxn ang="0">
+                <a:pos x="connsiteX33" y="connsiteY33"/>
+              </a:cxn>
+              <a:cxn ang="0">
+                <a:pos x="connsiteX34" y="connsiteY34"/>
+              </a:cxn>
+              <a:cxn ang="0">
+                <a:pos x="connsiteX35" y="connsiteY35"/>
+              </a:cxn>
+              <a:cxn ang="0">
+                <a:pos x="connsiteX36" y="connsiteY36"/>
+              </a:cxn>
+              <a:cxn ang="0">
+                <a:pos x="connsiteX37" y="connsiteY37"/>
+              </a:cxn>
+              <a:cxn ang="0">
+                <a:pos x="connsiteX38" y="connsiteY38"/>
+              </a:cxn>
+              <a:cxn ang="0">
+                <a:pos x="connsiteX39" y="connsiteY39"/>
+              </a:cxn>
+              <a:cxn ang="0">
+                <a:pos x="connsiteX40" y="connsiteY40"/>
+              </a:cxn>
+              <a:cxn ang="0">
+                <a:pos x="connsiteX41" y="connsiteY41"/>
+              </a:cxn>
+              <a:cxn ang="0">
+                <a:pos x="connsiteX42" y="connsiteY42"/>
+              </a:cxn>
+              <a:cxn ang="0">
+                <a:pos x="connsiteX43" y="connsiteY43"/>
+              </a:cxn>
+              <a:cxn ang="0">
+                <a:pos x="connsiteX44" y="connsiteY44"/>
+              </a:cxn>
+              <a:cxn ang="0">
+                <a:pos x="connsiteX45" y="connsiteY45"/>
+              </a:cxn>
+              <a:cxn ang="0">
+                <a:pos x="connsiteX46" y="connsiteY46"/>
+              </a:cxn>
+              <a:cxn ang="0">
+                <a:pos x="connsiteX47" y="connsiteY47"/>
+              </a:cxn>
+              <a:cxn ang="0">
+                <a:pos x="connsiteX48" y="connsiteY48"/>
+              </a:cxn>
+              <a:cxn ang="0">
+                <a:pos x="connsiteX49" y="connsiteY49"/>
+              </a:cxn>
+              <a:cxn ang="0">
+                <a:pos x="connsiteX50" y="connsiteY50"/>
+              </a:cxn>
+              <a:cxn ang="0">
+                <a:pos x="connsiteX51" y="connsiteY51"/>
+              </a:cxn>
+            </a:cxnLst>
+            <a:rect l="l" t="t" r="r" b="b"/>
+            <a:pathLst>
+              <a:path w="7809954" h="6858000">
+                <a:moveTo>
+                  <a:pt x="6465239" y="0"/>
+                </a:moveTo>
+                <a:lnTo>
+                  <a:pt x="7808777" y="0"/>
+                </a:lnTo>
+                <a:lnTo>
+                  <a:pt x="7783732" y="155676"/>
+                </a:lnTo>
+                <a:lnTo>
+                  <a:pt x="7759863" y="310667"/>
+                </a:lnTo>
+                <a:lnTo>
+                  <a:pt x="7736499" y="466344"/>
+                </a:lnTo>
+                <a:lnTo>
+                  <a:pt x="7716496" y="622706"/>
+                </a:lnTo>
+                <a:lnTo>
+                  <a:pt x="7696325" y="778383"/>
+                </a:lnTo>
+                <a:lnTo>
+                  <a:pt x="7677499" y="934745"/>
+                </a:lnTo>
+                <a:lnTo>
+                  <a:pt x="7661363" y="1089050"/>
+                </a:lnTo>
+                <a:lnTo>
+                  <a:pt x="7646067" y="1245413"/>
+                </a:lnTo>
+                <a:lnTo>
+                  <a:pt x="7632115" y="1401089"/>
+                </a:lnTo>
+                <a:lnTo>
+                  <a:pt x="7620013" y="1554023"/>
+                </a:lnTo>
+                <a:lnTo>
+                  <a:pt x="7607910" y="1709013"/>
+                </a:lnTo>
+                <a:lnTo>
+                  <a:pt x="7597825" y="1861947"/>
+                </a:lnTo>
+                <a:lnTo>
+                  <a:pt x="7589925" y="2014880"/>
+                </a:lnTo>
+                <a:lnTo>
+                  <a:pt x="7581688" y="2167128"/>
+                </a:lnTo>
+                <a:lnTo>
+                  <a:pt x="7574797" y="2318004"/>
+                </a:lnTo>
+                <a:lnTo>
+                  <a:pt x="7569922" y="2467508"/>
+                </a:lnTo>
+                <a:lnTo>
+                  <a:pt x="7565720" y="2617013"/>
+                </a:lnTo>
+                <a:lnTo>
+                  <a:pt x="7561686" y="2765145"/>
+                </a:lnTo>
+                <a:lnTo>
+                  <a:pt x="7559837" y="2911221"/>
+                </a:lnTo>
+                <a:lnTo>
+                  <a:pt x="7557820" y="3057296"/>
+                </a:lnTo>
+                <a:lnTo>
+                  <a:pt x="7556811" y="3201314"/>
+                </a:lnTo>
+                <a:lnTo>
+                  <a:pt x="7557820" y="3343960"/>
+                </a:lnTo>
+                <a:lnTo>
+                  <a:pt x="7557820" y="3485235"/>
+                </a:lnTo>
+                <a:lnTo>
+                  <a:pt x="7559837" y="3625138"/>
+                </a:lnTo>
+                <a:lnTo>
+                  <a:pt x="7562862" y="3762298"/>
+                </a:lnTo>
+                <a:lnTo>
+                  <a:pt x="7565720" y="3898087"/>
+                </a:lnTo>
+                <a:lnTo>
+                  <a:pt x="7568914" y="4031132"/>
+                </a:lnTo>
+                <a:lnTo>
+                  <a:pt x="7573788" y="4163491"/>
+                </a:lnTo>
+                <a:lnTo>
+                  <a:pt x="7578999" y="4293793"/>
+                </a:lnTo>
+                <a:lnTo>
+                  <a:pt x="7583705" y="4421352"/>
+                </a:lnTo>
+                <a:lnTo>
+                  <a:pt x="7596985" y="4670298"/>
+                </a:lnTo>
+                <a:lnTo>
+                  <a:pt x="7611104" y="4908956"/>
+                </a:lnTo>
+                <a:lnTo>
+                  <a:pt x="7625896" y="5138013"/>
+                </a:lnTo>
+                <a:lnTo>
+                  <a:pt x="7642201" y="5354726"/>
+                </a:lnTo>
+                <a:lnTo>
+                  <a:pt x="7659178" y="5561838"/>
+                </a:lnTo>
+                <a:lnTo>
+                  <a:pt x="7677499" y="5753862"/>
+                </a:lnTo>
+                <a:lnTo>
+                  <a:pt x="7695485" y="5934227"/>
+                </a:lnTo>
+                <a:lnTo>
+                  <a:pt x="7713470" y="6100191"/>
+                </a:lnTo>
+                <a:lnTo>
+                  <a:pt x="7730447" y="6252438"/>
+                </a:lnTo>
+                <a:lnTo>
+                  <a:pt x="7746584" y="6387541"/>
+                </a:lnTo>
+                <a:lnTo>
+                  <a:pt x="7761880" y="6509613"/>
+                </a:lnTo>
+                <a:lnTo>
+                  <a:pt x="7774655" y="6612483"/>
+                </a:lnTo>
+                <a:lnTo>
+                  <a:pt x="7786757" y="6698894"/>
+                </a:lnTo>
+                <a:lnTo>
+                  <a:pt x="7804071" y="6817538"/>
+                </a:lnTo>
+                <a:lnTo>
+                  <a:pt x="7809954" y="6858000"/>
+                </a:lnTo>
+                <a:lnTo>
+                  <a:pt x="7157124" y="6858000"/>
+                </a:lnTo>
+                <a:lnTo>
+                  <a:pt x="7157124" y="6858000"/>
+                </a:lnTo>
+                <a:lnTo>
+                  <a:pt x="0" y="6858000"/>
+                </a:lnTo>
+                <a:lnTo>
+                  <a:pt x="0" y="0"/>
+                </a:lnTo>
+                <a:lnTo>
+                  <a:pt x="6465239" y="0"/>
+                </a:lnTo>
+                <a:close/>
+              </a:path>
+            </a:pathLst>
+          </a:custGeom>
+          <a:ln>
+            <a:noFill/>
+          </a:ln>
+        </p:spPr>
+        <p:style>
+          <a:lnRef idx="2">
+            <a:schemeClr val="accent1">
+              <a:shade val="50000"/>
+            </a:schemeClr>
+          </a:lnRef>
+          <a:fillRef idx="1">
+            <a:schemeClr val="accent1"/>
+          </a:fillRef>
+          <a:effectRef idx="0">
+            <a:schemeClr val="accent1"/>
+          </a:effectRef>
+          <a:fontRef idx="minor">
+            <a:schemeClr val="lt1"/>
+          </a:fontRef>
+        </p:style>
+        <p:txBody>
+          <a:bodyPr wrap="square" rtlCol="0" anchor="ctr">
+            <a:noAutofit/>
+          </a:bodyPr>
+          <a:lstStyle/>
+          <a:p>
+            <a:pPr algn="ctr"/>
+            <a:endParaRPr lang="en-US"/>
+          </a:p>
+        </p:txBody>
+      </p:sp>
+      <p:sp>
+        <p:nvSpPr>
+          <p:cNvPr id="38" name="Rectangle 26">
+            <a:extLst>
+              <a:ext uri="{FF2B5EF4-FFF2-40B4-BE49-F238E27FC236}">
+                <a16:creationId xmlns:a16="http://schemas.microsoft.com/office/drawing/2014/main" id="{F98810A7-E114-447A-A7D6-69B27CFB5650}"/>
+              </a:ext>
+              <a:ext uri="{C183D7F6-B498-43B3-948B-1728B52AA6E4}">
+                <adec:decorative xmlns:adec="http://schemas.microsoft.com/office/drawing/2017/decorative" val="1"/>
+              </a:ext>
+            </a:extLst>
+          </p:cNvPr>
+          <p:cNvSpPr>
+            <a:spLocks noGrp="1" noRot="1" noChangeAspect="1" noMove="1" noResize="1" noEditPoints="1" noAdjustHandles="1" noChangeArrowheads="1" noChangeShapeType="1" noTextEdit="1"/>
+          </p:cNvSpPr>
+          <p:nvPr>
+            <p:extLst>
+              <p:ext uri="{386F3935-93C4-4BCD-93E2-E3B085C9AB24}">
+                <p16:designElem xmlns:p16="http://schemas.microsoft.com/office/powerpoint/2015/main" val="1"/>
+              </p:ext>
+            </p:extLst>
+          </p:nvPr>
+        </p:nvSpPr>
+        <p:spPr>
+          <a:xfrm>
+            <a:off x="10437812" y="0"/>
+            <a:ext cx="685800" cy="1143000"/>
+          </a:xfrm>
+          <a:prstGeom prst="rect">
+            <a:avLst/>
+          </a:prstGeom>
+          <a:solidFill>
+            <a:schemeClr val="accent1"/>
+          </a:solidFill>
+          <a:ln>
+            <a:noFill/>
+          </a:ln>
+        </p:spPr>
+        <p:style>
+          <a:lnRef idx="1">
+            <a:schemeClr val="accent1"/>
+          </a:lnRef>
+          <a:fillRef idx="3">
+            <a:schemeClr val="accent1"/>
+          </a:fillRef>
+          <a:effectRef idx="2">
+            <a:schemeClr val="accent1"/>
+          </a:effectRef>
+          <a:fontRef idx="minor">
+            <a:schemeClr val="lt1"/>
+          </a:fontRef>
+        </p:style>
+      </p:sp>
+      <p:pic>
+        <p:nvPicPr>
+          <p:cNvPr id="4" name="Picture 3">
+            <a:extLst>
+              <a:ext uri="{FF2B5EF4-FFF2-40B4-BE49-F238E27FC236}">
+                <a16:creationId xmlns:a16="http://schemas.microsoft.com/office/drawing/2014/main" id="{440429E0-4318-4777-910D-E4CB3DE849DB}"/>
+              </a:ext>
+            </a:extLst>
+          </p:cNvPr>
+          <p:cNvPicPr/>
+          <p:nvPr/>
+        </p:nvPicPr>
+        <p:blipFill>
+          <a:blip r:embed="rId6">
+            <a:extLst>
+              <a:ext uri="{28A0092B-C50C-407E-A947-70E740481C1C}">
+                <a14:useLocalDpi xmlns:a14="http://schemas.microsoft.com/office/drawing/2010/main" val="0"/>
+              </a:ext>
+            </a:extLst>
+          </a:blip>
+          <a:stretch>
+            <a:fillRect/>
+          </a:stretch>
+        </p:blipFill>
+        <p:spPr bwMode="auto">
+          <a:xfrm>
+            <a:off x="410819" y="426780"/>
+            <a:ext cx="6839663" cy="5914002"/>
+          </a:xfrm>
+          <a:prstGeom prst="rect">
+            <a:avLst/>
+          </a:prstGeom>
+          <a:noFill/>
+          <a:effectLst/>
+        </p:spPr>
+      </p:pic>
+    </p:spTree>
+    <p:extLst>
+      <p:ext uri="{BB962C8B-B14F-4D97-AF65-F5344CB8AC3E}">
+        <p14:creationId xmlns:p14="http://schemas.microsoft.com/office/powerpoint/2010/main" val="3913640434"/>
+      </p:ext>
+    </p:extLst>
+  </p:cSld>
+  <p:clrMapOvr>
+    <a:overrideClrMapping bg1="lt1" tx1="dk1" bg2="lt2" tx2="dk2" accent1="accent1" accent2="accent2" accent3="accent3" accent4="accent4" accent5="accent5" accent6="accent6" hlink="hlink" folHlink="folHlink"/>
+  </p:clrMapOvr>
+</p:sld>
+</file>
+
+<file path=ppt/slides/slide8.xml><?xml version="1.0" encoding="utf-8"?>
+<p:sld xmlns:a="http://schemas.openxmlformats.org/drawingml/2006/main" xmlns:r="http://schemas.openxmlformats.org/officeDocument/2006/relationships" xmlns:p="http://schemas.openxmlformats.org/presentationml/2006/main">
+  <p:cSld>
+    <p:spTree>
+      <p:nvGrpSpPr>
+        <p:cNvPr id="1" name=""/>
+        <p:cNvGrpSpPr/>
+        <p:nvPr/>
+      </p:nvGrpSpPr>
+      <p:grpSpPr>
+        <a:xfrm>
+          <a:off x="0" y="0"/>
+          <a:ext cx="0" cy="0"/>
+          <a:chOff x="0" y="0"/>
+          <a:chExt cx="0" cy="0"/>
+        </a:xfrm>
+      </p:grpSpPr>
+      <p:sp>
+        <p:nvSpPr>
+          <p:cNvPr id="2" name="Title 1">
+            <a:extLst>
+              <a:ext uri="{FF2B5EF4-FFF2-40B4-BE49-F238E27FC236}">
+                <a16:creationId xmlns:a16="http://schemas.microsoft.com/office/drawing/2014/main" id="{409E1707-0672-43E1-91AF-4377E8403A3C}"/>
+              </a:ext>
+            </a:extLst>
+          </p:cNvPr>
+          <p:cNvSpPr>
+            <a:spLocks noGrp="1"/>
+          </p:cNvSpPr>
+          <p:nvPr>
+            <p:ph type="title"/>
+          </p:nvPr>
+        </p:nvSpPr>
+        <p:spPr/>
+        <p:txBody>
+          <a:bodyPr/>
+          <a:lstStyle/>
+          <a:p>
+            <a:pPr algn="ctr"/>
+            <a:r>
+              <a:rPr lang="en-US" dirty="0"/>
+              <a:t>Confusion Matrix and SVM</a:t>
+            </a:r>
+            <a:br>
+              <a:rPr lang="en-US" dirty="0"/>
+            </a:br>
+            <a:endParaRPr lang="en-US" dirty="0"/>
+          </a:p>
+        </p:txBody>
+      </p:sp>
+      <p:sp>
+        <p:nvSpPr>
+          <p:cNvPr id="3" name="Content Placeholder 2">
+            <a:extLst>
+              <a:ext uri="{FF2B5EF4-FFF2-40B4-BE49-F238E27FC236}">
+                <a16:creationId xmlns:a16="http://schemas.microsoft.com/office/drawing/2014/main" id="{74176F2D-4BC5-4AC0-AC96-DBDC7FAC5129}"/>
+              </a:ext>
+            </a:extLst>
+          </p:cNvPr>
+          <p:cNvSpPr>
+            <a:spLocks noGrp="1"/>
+          </p:cNvSpPr>
+          <p:nvPr>
+            <p:ph idx="1"/>
+          </p:nvPr>
+        </p:nvSpPr>
+        <p:spPr/>
+        <p:txBody>
+          <a:bodyPr/>
+          <a:lstStyle/>
+          <a:p>
+            <a:r>
+              <a:rPr lang="en-US" dirty="0"/>
+              <a:t>So when reading the matrix that we created it shows the states in the top 25 and compares them to the rest of the spectrum of the data and where it falls.</a:t>
+            </a:r>
+          </a:p>
+          <a:p>
+            <a:r>
+              <a:rPr lang="en-US" dirty="0"/>
+              <a:t>I have also used a generalized linear model to show the different results with the data such as the null and residual deviance having low values of 8.3972 and 8.3967 which means strong goodness of fit if and when the data is placed in the model like the bar chart.</a:t>
+            </a:r>
+          </a:p>
+          <a:p>
+            <a:r>
+              <a:rPr lang="en-US" dirty="0"/>
+              <a:t>Another key piece is the high statistical significance of 9.290e-07 which show the data being very relevant and essential in interpreting the rest of the data set.</a:t>
+            </a:r>
+          </a:p>
+          <a:p>
+            <a:pPr marL="0" indent="0">
+              <a:buNone/>
+            </a:pPr>
+            <a:endParaRPr lang="en-US" dirty="0"/>
+          </a:p>
+        </p:txBody>
+      </p:sp>
+    </p:spTree>
+    <p:extLst>
+      <p:ext uri="{BB962C8B-B14F-4D97-AF65-F5344CB8AC3E}">
+        <p14:creationId xmlns:p14="http://schemas.microsoft.com/office/powerpoint/2010/main" val="3637660610"/>
+      </p:ext>
+    </p:extLst>
+  </p:cSld>
+  <p:clrMapOvr>
+    <a:masterClrMapping/>
+  </p:clrMapOvr>
+</p:sld>
+</file>
+
+<file path=ppt/slides/slide9.xml><?xml version="1.0" encoding="utf-8"?>
+<p:sld xmlns:a="http://schemas.openxmlformats.org/drawingml/2006/main" xmlns:r="http://schemas.openxmlformats.org/officeDocument/2006/relationships" xmlns:p="http://schemas.openxmlformats.org/presentationml/2006/main">
+  <p:cSld>
+    <p:bg>
+      <p:bgPr>
+        <a:solidFill>
+          <a:schemeClr val="bg1"/>
+        </a:solidFill>
+        <a:effectLst/>
+      </p:bgPr>
+    </p:bg>
+    <p:spTree>
+      <p:nvGrpSpPr>
+        <p:cNvPr id="1" name=""/>
+        <p:cNvGrpSpPr/>
+        <p:nvPr/>
+      </p:nvGrpSpPr>
+      <p:grpSpPr>
+        <a:xfrm>
+          <a:off x="0" y="0"/>
+          <a:ext cx="0" cy="0"/>
+          <a:chOff x="0" y="0"/>
+          <a:chExt cx="0" cy="0"/>
+        </a:xfrm>
+      </p:grpSpPr>
+      <p:sp>
+        <p:nvSpPr>
+          <p:cNvPr id="34" name="Rectangle 33">
+            <a:extLst>
+              <a:ext uri="{FF2B5EF4-FFF2-40B4-BE49-F238E27FC236}">
+                <a16:creationId xmlns:a16="http://schemas.microsoft.com/office/drawing/2014/main" id="{B4AAD3FD-83A5-4B89-9F8F-01B8870865BE}"/>
+              </a:ext>
+              <a:ext uri="{C183D7F6-B498-43B3-948B-1728B52AA6E4}">
+                <adec:decorative xmlns:adec="http://schemas.microsoft.com/office/drawing/2017/decorative" val="1"/>
+              </a:ext>
+            </a:extLst>
+          </p:cNvPr>
+          <p:cNvSpPr>
+            <a:spLocks noGrp="1" noRot="1" noChangeAspect="1" noMove="1" noResize="1" noEditPoints="1" noAdjustHandles="1" noChangeArrowheads="1" noChangeShapeType="1" noTextEdit="1"/>
+          </p:cNvSpPr>
+          <p:nvPr>
+            <p:extLst>
+              <p:ext uri="{386F3935-93C4-4BCD-93E2-E3B085C9AB24}">
+                <p16:designElem xmlns:p16="http://schemas.microsoft.com/office/powerpoint/2015/main" val="1"/>
+              </p:ext>
+            </p:extLst>
+          </p:nvPr>
+        </p:nvSpPr>
+        <p:spPr>
+          <a:xfrm>
+            <a:off x="0" y="0"/>
+            <a:ext cx="12192000" cy="6858000"/>
+          </a:xfrm>
+          <a:prstGeom prst="rect">
+            <a:avLst/>
+          </a:prstGeom>
+          <a:ln>
+            <a:noFill/>
+          </a:ln>
+        </p:spPr>
+        <p:style>
+          <a:lnRef idx="2">
+            <a:schemeClr val="accent1">
+              <a:shade val="50000"/>
+            </a:schemeClr>
+          </a:lnRef>
+          <a:fillRef idx="1003">
+            <a:schemeClr val="dk2"/>
+          </a:fillRef>
+          <a:effectRef idx="0">
+            <a:schemeClr val="accent1"/>
+          </a:effectRef>
+          <a:fontRef idx="minor">
+            <a:schemeClr val="lt1"/>
+          </a:fontRef>
+        </p:style>
+        <p:txBody>
+          <a:bodyPr rtlCol="0" anchor="ctr"/>
+          <a:lstStyle/>
+          <a:p>
+            <a:pPr algn="ctr"/>
+            <a:endParaRPr lang="en-US"/>
+          </a:p>
+        </p:txBody>
+      </p:sp>
+      <p:sp>
+        <p:nvSpPr>
+          <p:cNvPr id="2" name="Title 1">
+            <a:extLst>
+              <a:ext uri="{FF2B5EF4-FFF2-40B4-BE49-F238E27FC236}">
+                <a16:creationId xmlns:a16="http://schemas.microsoft.com/office/drawing/2014/main" id="{C8162125-F6B4-44E4-8CB8-C6AF9B9D46E4}"/>
+              </a:ext>
+            </a:extLst>
+          </p:cNvPr>
+          <p:cNvSpPr>
+            <a:spLocks noGrp="1"/>
+          </p:cNvSpPr>
+          <p:nvPr>
+            <p:ph type="title"/>
+          </p:nvPr>
+        </p:nvSpPr>
+        <p:spPr>
+          <a:xfrm>
+            <a:off x="648931" y="629266"/>
+            <a:ext cx="4166510" cy="1622321"/>
+          </a:xfrm>
+        </p:spPr>
+        <p:txBody>
+          <a:bodyPr vert="horz" lIns="91440" tIns="45720" rIns="91440" bIns="45720" rtlCol="0">
+            <a:normAutofit/>
+          </a:bodyPr>
+          <a:lstStyle/>
+          <a:p>
+            <a:pPr>
+              <a:lnSpc>
+                <a:spcPct val="90000"/>
+              </a:lnSpc>
+            </a:pPr>
+            <a:r>
+              <a:rPr lang="en-US" sz="3600" b="0" i="0" kern="1200">
+                <a:solidFill>
+                  <a:srgbClr val="EBEBEB"/>
+                </a:solidFill>
+                <a:latin typeface="+mj-lt"/>
+                <a:ea typeface="+mj-ea"/>
+                <a:cs typeface="+mj-cs"/>
+              </a:rPr>
+              <a:t>Confusion matrix Diagram and SVM Stats</a:t>
+            </a:r>
+          </a:p>
+        </p:txBody>
+      </p:sp>
+      <p:sp>
+        <p:nvSpPr>
+          <p:cNvPr id="36" name="Freeform 31">
+            <a:extLst>
+              <a:ext uri="{FF2B5EF4-FFF2-40B4-BE49-F238E27FC236}">
+                <a16:creationId xmlns:a16="http://schemas.microsoft.com/office/drawing/2014/main" id="{61752F1D-FC0F-4103-9584-630E643CCDA6}"/>
+              </a:ext>
+              <a:ext uri="{C183D7F6-B498-43B3-948B-1728B52AA6E4}">
+                <adec:decorative xmlns:adec="http://schemas.microsoft.com/office/drawing/2017/decorative" val="1"/>
+              </a:ext>
+            </a:extLst>
+          </p:cNvPr>
+          <p:cNvSpPr>
+            <a:spLocks noGrp="1" noRot="1" noChangeAspect="1" noMove="1" noResize="1" noEditPoints="1" noAdjustHandles="1" noChangeArrowheads="1" noChangeShapeType="1" noTextEdit="1"/>
+          </p:cNvSpPr>
+          <p:nvPr>
+            <p:extLst>
+              <p:ext uri="{386F3935-93C4-4BCD-93E2-E3B085C9AB24}">
+                <p16:designElem xmlns:p16="http://schemas.microsoft.com/office/powerpoint/2015/main" val="1"/>
+              </p:ext>
+            </p:extLst>
+          </p:nvPr>
+        </p:nvSpPr>
+        <p:spPr>
+          <a:xfrm>
+            <a:off x="4994020" y="-1"/>
+            <a:ext cx="559472" cy="3709642"/>
+          </a:xfrm>
+          <a:custGeom>
+            <a:avLst/>
+            <a:gdLst>
+              <a:gd name="connsiteX0" fmla="*/ 0 w 559472"/>
+              <a:gd name="connsiteY0" fmla="*/ 0 h 3709642"/>
+              <a:gd name="connsiteX1" fmla="*/ 473952 w 559472"/>
+              <a:gd name="connsiteY1" fmla="*/ 0 h 3709642"/>
+              <a:gd name="connsiteX2" fmla="*/ 485840 w 559472"/>
+              <a:gd name="connsiteY2" fmla="*/ 161194 h 3709642"/>
+              <a:gd name="connsiteX3" fmla="*/ 523949 w 559472"/>
+              <a:gd name="connsiteY3" fmla="*/ 3672197 h 3709642"/>
+              <a:gd name="connsiteX4" fmla="*/ 454748 w 559472"/>
+              <a:gd name="connsiteY4" fmla="*/ 3709642 h 3709642"/>
+              <a:gd name="connsiteX5" fmla="*/ 448224 w 559472"/>
+              <a:gd name="connsiteY5" fmla="*/ 3510471 h 3709642"/>
+              <a:gd name="connsiteX6" fmla="*/ 443564 w 559472"/>
+              <a:gd name="connsiteY6" fmla="*/ 3408563 h 3709642"/>
+              <a:gd name="connsiteX7" fmla="*/ 438902 w 559472"/>
+              <a:gd name="connsiteY7" fmla="*/ 3304407 h 3709642"/>
+              <a:gd name="connsiteX8" fmla="*/ 433941 w 559472"/>
+              <a:gd name="connsiteY8" fmla="*/ 3198777 h 3709642"/>
+              <a:gd name="connsiteX9" fmla="*/ 427584 w 559472"/>
+              <a:gd name="connsiteY9" fmla="*/ 3092510 h 3709642"/>
+              <a:gd name="connsiteX10" fmla="*/ 420988 w 559472"/>
+              <a:gd name="connsiteY10" fmla="*/ 2984390 h 3709642"/>
+              <a:gd name="connsiteX11" fmla="*/ 414330 w 559472"/>
+              <a:gd name="connsiteY11" fmla="*/ 2874401 h 3709642"/>
+              <a:gd name="connsiteX12" fmla="*/ 406840 w 559472"/>
+              <a:gd name="connsiteY12" fmla="*/ 2762980 h 3709642"/>
+              <a:gd name="connsiteX13" fmla="*/ 397745 w 559472"/>
+              <a:gd name="connsiteY13" fmla="*/ 2650566 h 3709642"/>
+              <a:gd name="connsiteX14" fmla="*/ 389154 w 559472"/>
+              <a:gd name="connsiteY14" fmla="*/ 2536612 h 3709642"/>
+              <a:gd name="connsiteX15" fmla="*/ 379225 w 559472"/>
+              <a:gd name="connsiteY15" fmla="*/ 2421642 h 3709642"/>
+              <a:gd name="connsiteX16" fmla="*/ 368316 w 559472"/>
+              <a:gd name="connsiteY16" fmla="*/ 2305627 h 3709642"/>
+              <a:gd name="connsiteX17" fmla="*/ 357466 w 559472"/>
+              <a:gd name="connsiteY17" fmla="*/ 2189233 h 3709642"/>
+              <a:gd name="connsiteX18" fmla="*/ 344982 w 559472"/>
+              <a:gd name="connsiteY18" fmla="*/ 2071473 h 3709642"/>
+              <a:gd name="connsiteX19" fmla="*/ 332466 w 559472"/>
+              <a:gd name="connsiteY19" fmla="*/ 1952216 h 3709642"/>
+              <a:gd name="connsiteX20" fmla="*/ 319121 w 559472"/>
+              <a:gd name="connsiteY20" fmla="*/ 1833776 h 3709642"/>
+              <a:gd name="connsiteX21" fmla="*/ 304408 w 559472"/>
+              <a:gd name="connsiteY21" fmla="*/ 1713948 h 3709642"/>
+              <a:gd name="connsiteX22" fmla="*/ 288685 w 559472"/>
+              <a:gd name="connsiteY22" fmla="*/ 1592703 h 3709642"/>
+              <a:gd name="connsiteX23" fmla="*/ 273050 w 559472"/>
+              <a:gd name="connsiteY23" fmla="*/ 1471451 h 3709642"/>
+              <a:gd name="connsiteX24" fmla="*/ 255813 w 559472"/>
+              <a:gd name="connsiteY24" fmla="*/ 1350328 h 3709642"/>
+              <a:gd name="connsiteX25" fmla="*/ 237060 w 559472"/>
+              <a:gd name="connsiteY25" fmla="*/ 1227080 h 3709642"/>
+              <a:gd name="connsiteX26" fmla="*/ 218488 w 559472"/>
+              <a:gd name="connsiteY26" fmla="*/ 1106065 h 3709642"/>
+              <a:gd name="connsiteX27" fmla="*/ 198221 w 559472"/>
+              <a:gd name="connsiteY27" fmla="*/ 982940 h 3709642"/>
+              <a:gd name="connsiteX28" fmla="*/ 177152 w 559472"/>
+              <a:gd name="connsiteY28" fmla="*/ 858755 h 3709642"/>
+              <a:gd name="connsiteX29" fmla="*/ 155551 w 559472"/>
+              <a:gd name="connsiteY29" fmla="*/ 736861 h 3709642"/>
+              <a:gd name="connsiteX30" fmla="*/ 131782 w 559472"/>
+              <a:gd name="connsiteY30" fmla="*/ 613645 h 3709642"/>
+              <a:gd name="connsiteX31" fmla="*/ 107123 w 559472"/>
+              <a:gd name="connsiteY31" fmla="*/ 490500 h 3709642"/>
+              <a:gd name="connsiteX32" fmla="*/ 82552 w 559472"/>
+              <a:gd name="connsiteY32" fmla="*/ 367348 h 3709642"/>
+              <a:gd name="connsiteX33" fmla="*/ 55608 w 559472"/>
+              <a:gd name="connsiteY33" fmla="*/ 244762 h 3709642"/>
+              <a:gd name="connsiteX34" fmla="*/ 28130 w 559472"/>
+              <a:gd name="connsiteY34" fmla="*/ 122220 h 3709642"/>
+              <a:gd name="connsiteX35" fmla="*/ 0 w 559472"/>
+              <a:gd name="connsiteY35" fmla="*/ 0 h 3709642"/>
+            </a:gdLst>
+            <a:ahLst/>
+            <a:cxnLst>
+              <a:cxn ang="0">
+                <a:pos x="connsiteX0" y="connsiteY0"/>
+              </a:cxn>
+              <a:cxn ang="0">
+                <a:pos x="connsiteX1" y="connsiteY1"/>
+              </a:cxn>
+              <a:cxn ang="0">
+                <a:pos x="connsiteX2" y="connsiteY2"/>
+              </a:cxn>
+              <a:cxn ang="0">
+                <a:pos x="connsiteX3" y="connsiteY3"/>
+              </a:cxn>
+              <a:cxn ang="0">
+                <a:pos x="connsiteX4" y="connsiteY4"/>
+              </a:cxn>
+              <a:cxn ang="0">
+                <a:pos x="connsiteX5" y="connsiteY5"/>
+              </a:cxn>
+              <a:cxn ang="0">
+                <a:pos x="connsiteX6" y="connsiteY6"/>
+              </a:cxn>
+              <a:cxn ang="0">
+                <a:pos x="connsiteX7" y="connsiteY7"/>
+              </a:cxn>
+              <a:cxn ang="0">
+                <a:pos x="connsiteX8" y="connsiteY8"/>
+              </a:cxn>
+              <a:cxn ang="0">
+                <a:pos x="connsiteX9" y="connsiteY9"/>
+              </a:cxn>
+              <a:cxn ang="0">
+                <a:pos x="connsiteX10" y="connsiteY10"/>
+              </a:cxn>
+              <a:cxn ang="0">
+                <a:pos x="connsiteX11" y="connsiteY11"/>
+              </a:cxn>
+              <a:cxn ang="0">
+                <a:pos x="connsiteX12" y="connsiteY12"/>
+              </a:cxn>
+              <a:cxn ang="0">
+                <a:pos x="connsiteX13" y="connsiteY13"/>
+              </a:cxn>
+              <a:cxn ang="0">
+                <a:pos x="connsiteX14" y="connsiteY14"/>
+              </a:cxn>
+              <a:cxn ang="0">
+                <a:pos x="connsiteX15" y="connsiteY15"/>
+              </a:cxn>
+              <a:cxn ang="0">
+                <a:pos x="connsiteX16" y="connsiteY16"/>
+              </a:cxn>
+              <a:cxn ang="0">
+                <a:pos x="connsiteX17" y="connsiteY17"/>
+              </a:cxn>
+              <a:cxn ang="0">
+                <a:pos x="connsiteX18" y="connsiteY18"/>
+              </a:cxn>
+              <a:cxn ang="0">
+                <a:pos x="connsiteX19" y="connsiteY19"/>
+              </a:cxn>
+              <a:cxn ang="0">
+                <a:pos x="connsiteX20" y="connsiteY20"/>
+              </a:cxn>
+              <a:cxn ang="0">
+                <a:pos x="connsiteX21" y="connsiteY21"/>
+              </a:cxn>
+              <a:cxn ang="0">
+                <a:pos x="connsiteX22" y="connsiteY22"/>
+              </a:cxn>
+              <a:cxn ang="0">
+                <a:pos x="connsiteX23" y="connsiteY23"/>
+              </a:cxn>
+              <a:cxn ang="0">
+                <a:pos x="connsiteX24" y="connsiteY24"/>
+              </a:cxn>
+              <a:cxn ang="0">
+                <a:pos x="connsiteX25" y="connsiteY25"/>
+              </a:cxn>
+              <a:cxn ang="0">
+                <a:pos x="connsiteX26" y="connsiteY26"/>
+              </a:cxn>
+              <a:cxn ang="0">
+                <a:pos x="connsiteX27" y="connsiteY27"/>
+              </a:cxn>
+              <a:cxn ang="0">
+                <a:pos x="connsiteX28" y="connsiteY28"/>
+              </a:cxn>
+              <a:cxn ang="0">
+                <a:pos x="connsiteX29" y="connsiteY29"/>
+              </a:cxn>
+              <a:cxn ang="0">
+                <a:pos x="connsiteX30" y="connsiteY30"/>
+              </a:cxn>
+              <a:cxn ang="0">
+                <a:pos x="connsiteX31" y="connsiteY31"/>
+              </a:cxn>
+              <a:cxn ang="0">
+                <a:pos x="connsiteX32" y="connsiteY32"/>
+              </a:cxn>
+              <a:cxn ang="0">
+                <a:pos x="connsiteX33" y="connsiteY33"/>
+              </a:cxn>
+              <a:cxn ang="0">
+                <a:pos x="connsiteX34" y="connsiteY34"/>
+              </a:cxn>
+              <a:cxn ang="0">
+                <a:pos x="connsiteX35" y="connsiteY35"/>
+              </a:cxn>
+            </a:cxnLst>
+            <a:rect l="l" t="t" r="r" b="b"/>
+            <a:pathLst>
+              <a:path w="559472" h="3709642">
+                <a:moveTo>
+                  <a:pt x="0" y="0"/>
+                </a:moveTo>
+                <a:lnTo>
+                  <a:pt x="473952" y="0"/>
+                </a:lnTo>
+                <a:lnTo>
+                  <a:pt x="485840" y="161194"/>
+                </a:lnTo>
+                <a:cubicBezTo>
+                  <a:pt x="552063" y="1147770"/>
+                  <a:pt x="592441" y="3086737"/>
+                  <a:pt x="523949" y="3672197"/>
+                </a:cubicBezTo>
+                <a:cubicBezTo>
+                  <a:pt x="500842" y="3684557"/>
+                  <a:pt x="477855" y="3697282"/>
+                  <a:pt x="454748" y="3709642"/>
+                </a:cubicBezTo>
+                <a:lnTo>
+                  <a:pt x="448224" y="3510471"/>
+                </a:lnTo>
+                <a:lnTo>
+                  <a:pt x="443564" y="3408563"/>
+                </a:lnTo>
+                <a:lnTo>
+                  <a:pt x="438902" y="3304407"/>
+                </a:lnTo>
+                <a:lnTo>
+                  <a:pt x="433941" y="3198777"/>
+                </a:lnTo>
+                <a:lnTo>
+                  <a:pt x="427584" y="3092510"/>
+                </a:lnTo>
+                <a:lnTo>
+                  <a:pt x="420988" y="2984390"/>
+                </a:lnTo>
+                <a:lnTo>
+                  <a:pt x="414330" y="2874401"/>
+                </a:lnTo>
+                <a:lnTo>
+                  <a:pt x="406840" y="2762980"/>
+                </a:lnTo>
+                <a:lnTo>
+                  <a:pt x="397745" y="2650566"/>
+                </a:lnTo>
+                <a:lnTo>
+                  <a:pt x="389154" y="2536612"/>
+                </a:lnTo>
+                <a:lnTo>
+                  <a:pt x="379225" y="2421642"/>
+                </a:lnTo>
+                <a:lnTo>
+                  <a:pt x="368316" y="2305627"/>
+                </a:lnTo>
+                <a:lnTo>
+                  <a:pt x="357466" y="2189233"/>
+                </a:lnTo>
+                <a:lnTo>
+                  <a:pt x="344982" y="2071473"/>
+                </a:lnTo>
+                <a:lnTo>
+                  <a:pt x="332466" y="1952216"/>
+                </a:lnTo>
+                <a:lnTo>
+                  <a:pt x="319121" y="1833776"/>
+                </a:lnTo>
+                <a:lnTo>
+                  <a:pt x="304408" y="1713948"/>
+                </a:lnTo>
+                <a:lnTo>
+                  <a:pt x="288685" y="1592703"/>
+                </a:lnTo>
+                <a:lnTo>
+                  <a:pt x="273050" y="1471451"/>
+                </a:lnTo>
+                <a:lnTo>
+                  <a:pt x="255813" y="1350328"/>
+                </a:lnTo>
+                <a:lnTo>
+                  <a:pt x="237060" y="1227080"/>
+                </a:lnTo>
+                <a:lnTo>
+                  <a:pt x="218488" y="1106065"/>
+                </a:lnTo>
+                <a:lnTo>
+                  <a:pt x="198221" y="982940"/>
+                </a:lnTo>
+                <a:lnTo>
+                  <a:pt x="177152" y="858755"/>
+                </a:lnTo>
+                <a:lnTo>
+                  <a:pt x="155551" y="736861"/>
+                </a:lnTo>
+                <a:lnTo>
+                  <a:pt x="131782" y="613645"/>
+                </a:lnTo>
+                <a:lnTo>
+                  <a:pt x="107123" y="490500"/>
+                </a:lnTo>
+                <a:lnTo>
+                  <a:pt x="82552" y="367348"/>
+                </a:lnTo>
+                <a:lnTo>
+                  <a:pt x="55608" y="244762"/>
+                </a:lnTo>
+                <a:lnTo>
+                  <a:pt x="28130" y="122220"/>
+                </a:lnTo>
+                <a:lnTo>
+                  <a:pt x="0" y="0"/>
+                </a:lnTo>
+                <a:close/>
+              </a:path>
+            </a:pathLst>
+          </a:custGeom>
+          <a:solidFill>
+            <a:schemeClr val="bg1">
+              <a:alpha val="20000"/>
+            </a:schemeClr>
+          </a:solidFill>
+          <a:ln>
+            <a:noFill/>
+          </a:ln>
+        </p:spPr>
+        <p:txBody>
+          <a:bodyPr rtlCol="0" anchor="ctr"/>
+          <a:lstStyle/>
+          <a:p>
+            <a:pPr algn="ctr"/>
+            <a:endParaRPr lang="en-US"/>
+          </a:p>
+        </p:txBody>
+      </p:sp>
+      <p:sp useBgFill="1">
+        <p:nvSpPr>
+          <p:cNvPr id="38" name="Freeform: Shape 37">
+            <a:extLst>
+              <a:ext uri="{FF2B5EF4-FFF2-40B4-BE49-F238E27FC236}">
+                <a16:creationId xmlns:a16="http://schemas.microsoft.com/office/drawing/2014/main" id="{70151CB7-E7DE-4917-B831-01DF9CE01306}"/>
+              </a:ext>
+              <a:ext uri="{C183D7F6-B498-43B3-948B-1728B52AA6E4}">
+                <adec:decorative xmlns:adec="http://schemas.microsoft.com/office/drawing/2017/decorative" val="1"/>
+              </a:ext>
+            </a:extLst>
+          </p:cNvPr>
+          <p:cNvSpPr>
+            <a:spLocks noGrp="1" noRot="1" noChangeAspect="1" noMove="1" noResize="1" noEditPoints="1" noAdjustHandles="1" noChangeArrowheads="1" noChangeShapeType="1" noTextEdit="1"/>
+          </p:cNvSpPr>
+          <p:nvPr>
+            <p:extLst>
+              <p:ext uri="{386F3935-93C4-4BCD-93E2-E3B085C9AB24}">
+                <p16:designElem xmlns:p16="http://schemas.microsoft.com/office/powerpoint/2015/main" val="1"/>
+              </p:ext>
+            </p:extLst>
+          </p:nvPr>
+        </p:nvSpPr>
+        <p:spPr bwMode="gray">
+          <a:xfrm rot="16200000">
+            <a:off x="5270819" y="-63600"/>
+            <a:ext cx="6858001" cy="6985200"/>
+          </a:xfrm>
+          <a:custGeom>
+            <a:avLst/>
+            <a:gdLst>
+              <a:gd name="connsiteX0" fmla="*/ 6858001 w 6858001"/>
+              <a:gd name="connsiteY0" fmla="*/ 1177 h 6985200"/>
+              <a:gd name="connsiteX1" fmla="*/ 6858001 w 6858001"/>
+              <a:gd name="connsiteY1" fmla="*/ 1344715 h 6985200"/>
+              <a:gd name="connsiteX2" fmla="*/ 6858000 w 6858001"/>
+              <a:gd name="connsiteY2" fmla="*/ 1344715 h 6985200"/>
+              <a:gd name="connsiteX3" fmla="*/ 6858000 w 6858001"/>
+              <a:gd name="connsiteY3" fmla="*/ 6985200 h 6985200"/>
+              <a:gd name="connsiteX4" fmla="*/ 0 w 6858001"/>
+              <a:gd name="connsiteY4" fmla="*/ 6985199 h 6985200"/>
+              <a:gd name="connsiteX5" fmla="*/ 0 w 6858001"/>
+              <a:gd name="connsiteY5" fmla="*/ 886772 h 6985200"/>
+              <a:gd name="connsiteX6" fmla="*/ 1 w 6858001"/>
+              <a:gd name="connsiteY6" fmla="*/ 886772 h 6985200"/>
+              <a:gd name="connsiteX7" fmla="*/ 1 w 6858001"/>
+              <a:gd name="connsiteY7" fmla="*/ 0 h 6985200"/>
+              <a:gd name="connsiteX8" fmla="*/ 40463 w 6858001"/>
+              <a:gd name="connsiteY8" fmla="*/ 5883 h 6985200"/>
+              <a:gd name="connsiteX9" fmla="*/ 159107 w 6858001"/>
+              <a:gd name="connsiteY9" fmla="*/ 23196 h 6985200"/>
+              <a:gd name="connsiteX10" fmla="*/ 245518 w 6858001"/>
+              <a:gd name="connsiteY10" fmla="*/ 35299 h 6985200"/>
+              <a:gd name="connsiteX11" fmla="*/ 348388 w 6858001"/>
+              <a:gd name="connsiteY11" fmla="*/ 48073 h 6985200"/>
+              <a:gd name="connsiteX12" fmla="*/ 470460 w 6858001"/>
+              <a:gd name="connsiteY12" fmla="*/ 63369 h 6985200"/>
+              <a:gd name="connsiteX13" fmla="*/ 605563 w 6858001"/>
+              <a:gd name="connsiteY13" fmla="*/ 79506 h 6985200"/>
+              <a:gd name="connsiteX14" fmla="*/ 757810 w 6858001"/>
+              <a:gd name="connsiteY14" fmla="*/ 96483 h 6985200"/>
+              <a:gd name="connsiteX15" fmla="*/ 923774 w 6858001"/>
+              <a:gd name="connsiteY15" fmla="*/ 114469 h 6985200"/>
+              <a:gd name="connsiteX16" fmla="*/ 1104139 w 6858001"/>
+              <a:gd name="connsiteY16" fmla="*/ 132454 h 6985200"/>
+              <a:gd name="connsiteX17" fmla="*/ 1296163 w 6858001"/>
+              <a:gd name="connsiteY17" fmla="*/ 150776 h 6985200"/>
+              <a:gd name="connsiteX18" fmla="*/ 1503275 w 6858001"/>
+              <a:gd name="connsiteY18" fmla="*/ 167753 h 6985200"/>
+              <a:gd name="connsiteX19" fmla="*/ 1719988 w 6858001"/>
+              <a:gd name="connsiteY19" fmla="*/ 184058 h 6985200"/>
+              <a:gd name="connsiteX20" fmla="*/ 1949045 w 6858001"/>
+              <a:gd name="connsiteY20" fmla="*/ 198849 h 6985200"/>
+              <a:gd name="connsiteX21" fmla="*/ 2187703 w 6858001"/>
+              <a:gd name="connsiteY21" fmla="*/ 212969 h 6985200"/>
+              <a:gd name="connsiteX22" fmla="*/ 2436649 w 6858001"/>
+              <a:gd name="connsiteY22" fmla="*/ 226248 h 6985200"/>
+              <a:gd name="connsiteX23" fmla="*/ 2564208 w 6858001"/>
+              <a:gd name="connsiteY23" fmla="*/ 230955 h 6985200"/>
+              <a:gd name="connsiteX24" fmla="*/ 2694509 w 6858001"/>
+              <a:gd name="connsiteY24" fmla="*/ 236165 h 6985200"/>
+              <a:gd name="connsiteX25" fmla="*/ 2826869 w 6858001"/>
+              <a:gd name="connsiteY25" fmla="*/ 241040 h 6985200"/>
+              <a:gd name="connsiteX26" fmla="*/ 2959914 w 6858001"/>
+              <a:gd name="connsiteY26" fmla="*/ 244234 h 6985200"/>
+              <a:gd name="connsiteX27" fmla="*/ 3095702 w 6858001"/>
+              <a:gd name="connsiteY27" fmla="*/ 247091 h 6985200"/>
+              <a:gd name="connsiteX28" fmla="*/ 3232862 w 6858001"/>
+              <a:gd name="connsiteY28" fmla="*/ 250117 h 6985200"/>
+              <a:gd name="connsiteX29" fmla="*/ 3372766 w 6858001"/>
+              <a:gd name="connsiteY29" fmla="*/ 252134 h 6985200"/>
+              <a:gd name="connsiteX30" fmla="*/ 3514040 w 6858001"/>
+              <a:gd name="connsiteY30" fmla="*/ 252134 h 6985200"/>
+              <a:gd name="connsiteX31" fmla="*/ 3656686 w 6858001"/>
+              <a:gd name="connsiteY31" fmla="*/ 253142 h 6985200"/>
+              <a:gd name="connsiteX32" fmla="*/ 3800705 w 6858001"/>
+              <a:gd name="connsiteY32" fmla="*/ 252134 h 6985200"/>
+              <a:gd name="connsiteX33" fmla="*/ 3946780 w 6858001"/>
+              <a:gd name="connsiteY33" fmla="*/ 250117 h 6985200"/>
+              <a:gd name="connsiteX34" fmla="*/ 4092856 w 6858001"/>
+              <a:gd name="connsiteY34" fmla="*/ 248268 h 6985200"/>
+              <a:gd name="connsiteX35" fmla="*/ 4240988 w 6858001"/>
+              <a:gd name="connsiteY35" fmla="*/ 244234 h 6985200"/>
+              <a:gd name="connsiteX36" fmla="*/ 4390492 w 6858001"/>
+              <a:gd name="connsiteY36" fmla="*/ 240032 h 6985200"/>
+              <a:gd name="connsiteX37" fmla="*/ 4539997 w 6858001"/>
+              <a:gd name="connsiteY37" fmla="*/ 235157 h 6985200"/>
+              <a:gd name="connsiteX38" fmla="*/ 4690873 w 6858001"/>
+              <a:gd name="connsiteY38" fmla="*/ 228266 h 6985200"/>
+              <a:gd name="connsiteX39" fmla="*/ 4843120 w 6858001"/>
+              <a:gd name="connsiteY39" fmla="*/ 220029 h 6985200"/>
+              <a:gd name="connsiteX40" fmla="*/ 4996054 w 6858001"/>
+              <a:gd name="connsiteY40" fmla="*/ 212129 h 6985200"/>
+              <a:gd name="connsiteX41" fmla="*/ 5148987 w 6858001"/>
+              <a:gd name="connsiteY41" fmla="*/ 202044 h 6985200"/>
+              <a:gd name="connsiteX42" fmla="*/ 5303978 w 6858001"/>
+              <a:gd name="connsiteY42" fmla="*/ 189941 h 6985200"/>
+              <a:gd name="connsiteX43" fmla="*/ 5456911 w 6858001"/>
+              <a:gd name="connsiteY43" fmla="*/ 177839 h 6985200"/>
+              <a:gd name="connsiteX44" fmla="*/ 5612588 w 6858001"/>
+              <a:gd name="connsiteY44" fmla="*/ 163887 h 6985200"/>
+              <a:gd name="connsiteX45" fmla="*/ 5768950 w 6858001"/>
+              <a:gd name="connsiteY45" fmla="*/ 148591 h 6985200"/>
+              <a:gd name="connsiteX46" fmla="*/ 5923255 w 6858001"/>
+              <a:gd name="connsiteY46" fmla="*/ 132455 h 6985200"/>
+              <a:gd name="connsiteX47" fmla="*/ 6079618 w 6858001"/>
+              <a:gd name="connsiteY47" fmla="*/ 113629 h 6985200"/>
+              <a:gd name="connsiteX48" fmla="*/ 6235294 w 6858001"/>
+              <a:gd name="connsiteY48" fmla="*/ 93458 h 6985200"/>
+              <a:gd name="connsiteX49" fmla="*/ 6391657 w 6858001"/>
+              <a:gd name="connsiteY49" fmla="*/ 73455 h 6985200"/>
+              <a:gd name="connsiteX50" fmla="*/ 6547333 w 6858001"/>
+              <a:gd name="connsiteY50" fmla="*/ 50091 h 6985200"/>
+              <a:gd name="connsiteX51" fmla="*/ 6702324 w 6858001"/>
+              <a:gd name="connsiteY51" fmla="*/ 26222 h 6985200"/>
+            </a:gdLst>
+            <a:ahLst/>
+            <a:cxnLst>
+              <a:cxn ang="0">
+                <a:pos x="connsiteX0" y="connsiteY0"/>
+              </a:cxn>
+              <a:cxn ang="0">
+                <a:pos x="connsiteX1" y="connsiteY1"/>
+              </a:cxn>
+              <a:cxn ang="0">
+                <a:pos x="connsiteX2" y="connsiteY2"/>
+              </a:cxn>
+              <a:cxn ang="0">
+                <a:pos x="connsiteX3" y="connsiteY3"/>
+              </a:cxn>
+              <a:cxn ang="0">
+                <a:pos x="connsiteX4" y="connsiteY4"/>
+              </a:cxn>
+              <a:cxn ang="0">
+                <a:pos x="connsiteX5" y="connsiteY5"/>
+              </a:cxn>
+              <a:cxn ang="0">
+                <a:pos x="connsiteX6" y="connsiteY6"/>
+              </a:cxn>
+              <a:cxn ang="0">
+                <a:pos x="connsiteX7" y="connsiteY7"/>
+              </a:cxn>
+              <a:cxn ang="0">
+                <a:pos x="connsiteX8" y="connsiteY8"/>
+              </a:cxn>
+              <a:cxn ang="0">
+                <a:pos x="connsiteX9" y="connsiteY9"/>
+              </a:cxn>
+              <a:cxn ang="0">
+                <a:pos x="connsiteX10" y="connsiteY10"/>
+              </a:cxn>
+              <a:cxn ang="0">
+                <a:pos x="connsiteX11" y="connsiteY11"/>
+              </a:cxn>
+              <a:cxn ang="0">
+                <a:pos x="connsiteX12" y="connsiteY12"/>
+              </a:cxn>
+              <a:cxn ang="0">
+                <a:pos x="connsiteX13" y="connsiteY13"/>
+              </a:cxn>
+              <a:cxn ang="0">
+                <a:pos x="connsiteX14" y="connsiteY14"/>
+              </a:cxn>
+              <a:cxn ang="0">
+                <a:pos x="connsiteX15" y="connsiteY15"/>
+              </a:cxn>
+              <a:cxn ang="0">
+                <a:pos x="connsiteX16" y="connsiteY16"/>
+              </a:cxn>
+              <a:cxn ang="0">
+                <a:pos x="connsiteX17" y="connsiteY17"/>
+              </a:cxn>
+              <a:cxn ang="0">
+                <a:pos x="connsiteX18" y="connsiteY18"/>
+              </a:cxn>
+              <a:cxn ang="0">
+                <a:pos x="connsiteX19" y="connsiteY19"/>
+              </a:cxn>
+              <a:cxn ang="0">
+                <a:pos x="connsiteX20" y="connsiteY20"/>
+              </a:cxn>
+              <a:cxn ang="0">
+                <a:pos x="connsiteX21" y="connsiteY21"/>
+              </a:cxn>
+              <a:cxn ang="0">
+                <a:pos x="connsiteX22" y="connsiteY22"/>
+              </a:cxn>
+              <a:cxn ang="0">
+                <a:pos x="connsiteX23" y="connsiteY23"/>
+              </a:cxn>
+              <a:cxn ang="0">
+                <a:pos x="connsiteX24" y="connsiteY24"/>
+              </a:cxn>
+              <a:cxn ang="0">
+                <a:pos x="connsiteX25" y="connsiteY25"/>
+              </a:cxn>
+              <a:cxn ang="0">
+                <a:pos x="connsiteX26" y="connsiteY26"/>
+              </a:cxn>
+              <a:cxn ang="0">
+                <a:pos x="connsiteX27" y="connsiteY27"/>
+              </a:cxn>
+              <a:cxn ang="0">
+                <a:pos x="connsiteX28" y="connsiteY28"/>
+              </a:cxn>
+              <a:cxn ang="0">
+                <a:pos x="connsiteX29" y="connsiteY29"/>
+              </a:cxn>
+              <a:cxn ang="0">
+                <a:pos x="connsiteX30" y="connsiteY30"/>
+              </a:cxn>
+              <a:cxn ang="0">
+                <a:pos x="connsiteX31" y="connsiteY31"/>
+              </a:cxn>
+              <a:cxn ang="0">
+                <a:pos x="connsiteX32" y="connsiteY32"/>
+              </a:cxn>
+              <a:cxn ang="0">
+                <a:pos x="connsiteX33" y="connsiteY33"/>
+              </a:cxn>
+              <a:cxn ang="0">
+                <a:pos x="connsiteX34" y="connsiteY34"/>
+              </a:cxn>
+              <a:cxn ang="0">
+                <a:pos x="connsiteX35" y="connsiteY35"/>
+              </a:cxn>
+              <a:cxn ang="0">
+                <a:pos x="connsiteX36" y="connsiteY36"/>
+              </a:cxn>
+              <a:cxn ang="0">
+                <a:pos x="connsiteX37" y="connsiteY37"/>
+              </a:cxn>
+              <a:cxn ang="0">
+                <a:pos x="connsiteX38" y="connsiteY38"/>
+              </a:cxn>
+              <a:cxn ang="0">
+                <a:pos x="connsiteX39" y="connsiteY39"/>
+              </a:cxn>
+              <a:cxn ang="0">
+                <a:pos x="connsiteX40" y="connsiteY40"/>
+              </a:cxn>
+              <a:cxn ang="0">
+                <a:pos x="connsiteX41" y="connsiteY41"/>
+              </a:cxn>
+              <a:cxn ang="0">
+                <a:pos x="connsiteX42" y="connsiteY42"/>
+              </a:cxn>
+              <a:cxn ang="0">
+                <a:pos x="connsiteX43" y="connsiteY43"/>
+              </a:cxn>
+              <a:cxn ang="0">
+                <a:pos x="connsiteX44" y="connsiteY44"/>
+              </a:cxn>
+              <a:cxn ang="0">
+                <a:pos x="connsiteX45" y="connsiteY45"/>
+              </a:cxn>
+              <a:cxn ang="0">
+                <a:pos x="connsiteX46" y="connsiteY46"/>
+              </a:cxn>
+              <a:cxn ang="0">
+                <a:pos x="connsiteX47" y="connsiteY47"/>
+              </a:cxn>
+              <a:cxn ang="0">
+                <a:pos x="connsiteX48" y="connsiteY48"/>
+              </a:cxn>
+              <a:cxn ang="0">
+                <a:pos x="connsiteX49" y="connsiteY49"/>
+              </a:cxn>
+              <a:cxn ang="0">
+                <a:pos x="connsiteX50" y="connsiteY50"/>
+              </a:cxn>
+              <a:cxn ang="0">
+                <a:pos x="connsiteX51" y="connsiteY51"/>
+              </a:cxn>
+            </a:cxnLst>
+            <a:rect l="l" t="t" r="r" b="b"/>
+            <a:pathLst>
+              <a:path w="6858001" h="6985200">
+                <a:moveTo>
+                  <a:pt x="6858001" y="1177"/>
+                </a:moveTo>
+                <a:lnTo>
+                  <a:pt x="6858001" y="1344715"/>
+                </a:lnTo>
+                <a:lnTo>
+                  <a:pt x="6858000" y="1344715"/>
+                </a:lnTo>
+                <a:lnTo>
+                  <a:pt x="6858000" y="6985200"/>
+                </a:lnTo>
+                <a:lnTo>
+                  <a:pt x="0" y="6985199"/>
+                </a:lnTo>
+                <a:lnTo>
+                  <a:pt x="0" y="886772"/>
+                </a:lnTo>
+                <a:lnTo>
+                  <a:pt x="1" y="886772"/>
+                </a:lnTo>
+                <a:lnTo>
+                  <a:pt x="1" y="0"/>
+                </a:lnTo>
+                <a:lnTo>
+                  <a:pt x="40463" y="5883"/>
+                </a:lnTo>
+                <a:lnTo>
+                  <a:pt x="159107" y="23196"/>
+                </a:lnTo>
+                <a:lnTo>
+                  <a:pt x="245518" y="35299"/>
+                </a:lnTo>
+                <a:lnTo>
+                  <a:pt x="348388" y="48073"/>
+                </a:lnTo>
+                <a:lnTo>
+                  <a:pt x="470460" y="63369"/>
+                </a:lnTo>
+                <a:lnTo>
+                  <a:pt x="605563" y="79506"/>
+                </a:lnTo>
+                <a:lnTo>
+                  <a:pt x="757810" y="96483"/>
+                </a:lnTo>
+                <a:lnTo>
+                  <a:pt x="923774" y="114469"/>
+                </a:lnTo>
+                <a:lnTo>
+                  <a:pt x="1104139" y="132454"/>
+                </a:lnTo>
+                <a:lnTo>
+                  <a:pt x="1296163" y="150776"/>
+                </a:lnTo>
+                <a:lnTo>
+                  <a:pt x="1503275" y="167753"/>
+                </a:lnTo>
+                <a:lnTo>
+                  <a:pt x="1719988" y="184058"/>
+                </a:lnTo>
+                <a:lnTo>
+                  <a:pt x="1949045" y="198849"/>
+                </a:lnTo>
+                <a:lnTo>
+                  <a:pt x="2187703" y="212969"/>
+                </a:lnTo>
+                <a:lnTo>
+                  <a:pt x="2436649" y="226248"/>
+                </a:lnTo>
+                <a:lnTo>
+                  <a:pt x="2564208" y="230955"/>
+                </a:lnTo>
+                <a:lnTo>
+                  <a:pt x="2694509" y="236165"/>
+                </a:lnTo>
+                <a:lnTo>
+                  <a:pt x="2826869" y="241040"/>
+                </a:lnTo>
+                <a:lnTo>
+                  <a:pt x="2959914" y="244234"/>
+                </a:lnTo>
+                <a:lnTo>
+                  <a:pt x="3095702" y="247091"/>
+                </a:lnTo>
+                <a:lnTo>
+                  <a:pt x="3232862" y="250117"/>
+                </a:lnTo>
+                <a:lnTo>
+                  <a:pt x="3372766" y="252134"/>
+                </a:lnTo>
+                <a:lnTo>
+                  <a:pt x="3514040" y="252134"/>
+                </a:lnTo>
+                <a:lnTo>
+                  <a:pt x="3656686" y="253142"/>
+                </a:lnTo>
+                <a:lnTo>
+                  <a:pt x="3800705" y="252134"/>
+                </a:lnTo>
+                <a:lnTo>
+                  <a:pt x="3946780" y="250117"/>
+                </a:lnTo>
+                <a:lnTo>
+                  <a:pt x="4092856" y="248268"/>
+                </a:lnTo>
+                <a:lnTo>
+                  <a:pt x="4240988" y="244234"/>
+                </a:lnTo>
+                <a:lnTo>
+                  <a:pt x="4390492" y="240032"/>
+                </a:lnTo>
+                <a:lnTo>
+                  <a:pt x="4539997" y="235157"/>
+                </a:lnTo>
+                <a:lnTo>
+                  <a:pt x="4690873" y="228266"/>
+                </a:lnTo>
+                <a:lnTo>
+                  <a:pt x="4843120" y="220029"/>
+                </a:lnTo>
+                <a:lnTo>
+                  <a:pt x="4996054" y="212129"/>
+                </a:lnTo>
+                <a:lnTo>
+                  <a:pt x="5148987" y="202044"/>
+                </a:lnTo>
+                <a:lnTo>
+                  <a:pt x="5303978" y="189941"/>
+                </a:lnTo>
+                <a:lnTo>
+                  <a:pt x="5456911" y="177839"/>
+                </a:lnTo>
+                <a:lnTo>
+                  <a:pt x="5612588" y="163887"/>
+                </a:lnTo>
+                <a:lnTo>
+                  <a:pt x="5768950" y="148591"/>
+                </a:lnTo>
+                <a:lnTo>
+                  <a:pt x="5923255" y="132455"/>
+                </a:lnTo>
+                <a:lnTo>
+                  <a:pt x="6079618" y="113629"/>
+                </a:lnTo>
+                <a:lnTo>
+                  <a:pt x="6235294" y="93458"/>
+                </a:lnTo>
+                <a:lnTo>
+                  <a:pt x="6391657" y="73455"/>
+                </a:lnTo>
+                <a:lnTo>
+                  <a:pt x="6547333" y="50091"/>
+                </a:lnTo>
+                <a:lnTo>
+                  <a:pt x="6702324" y="26222"/>
+                </a:lnTo>
+                <a:close/>
+              </a:path>
+            </a:pathLst>
+          </a:custGeom>
+          <a:ln>
+            <a:noFill/>
+          </a:ln>
+        </p:spPr>
+      </p:sp>
+      <p:sp>
+        <p:nvSpPr>
+          <p:cNvPr id="40" name="Rectangle 39">
+            <a:extLst>
+              <a:ext uri="{FF2B5EF4-FFF2-40B4-BE49-F238E27FC236}">
+                <a16:creationId xmlns:a16="http://schemas.microsoft.com/office/drawing/2014/main" id="{A92A1116-1C84-41DF-B803-1F7B0883EC82}"/>
+              </a:ext>
+              <a:ext uri="{C183D7F6-B498-43B3-948B-1728B52AA6E4}">
+                <adec:decorative xmlns:adec="http://schemas.microsoft.com/office/drawing/2017/decorative" val="1"/>
+              </a:ext>
+            </a:extLst>
+          </p:cNvPr>
+          <p:cNvSpPr>
+            <a:spLocks noGrp="1" noRot="1" noChangeAspect="1" noMove="1" noResize="1" noEditPoints="1" noAdjustHandles="1" noChangeArrowheads="1" noChangeShapeType="1" noTextEdit="1"/>
+          </p:cNvSpPr>
+          <p:nvPr>
+            <p:extLst>
+              <p:ext uri="{386F3935-93C4-4BCD-93E2-E3B085C9AB24}">
+                <p16:designElem xmlns:p16="http://schemas.microsoft.com/office/powerpoint/2015/main" val="1"/>
+              </p:ext>
+            </p:extLst>
+          </p:nvPr>
+        </p:nvSpPr>
+        <p:spPr>
+          <a:xfrm>
+            <a:off x="10442448" y="0"/>
+            <a:ext cx="685800" cy="1143000"/>
+          </a:xfrm>
+          <a:prstGeom prst="rect">
+            <a:avLst/>
+          </a:prstGeom>
+          <a:solidFill>
+            <a:schemeClr val="accent1"/>
+          </a:solidFill>
+          <a:ln>
+            <a:noFill/>
+          </a:ln>
+        </p:spPr>
+        <p:style>
+          <a:lnRef idx="1">
+            <a:schemeClr val="accent1"/>
+          </a:lnRef>
+          <a:fillRef idx="3">
+            <a:schemeClr val="accent1"/>
+          </a:fillRef>
+          <a:effectRef idx="2">
+            <a:schemeClr val="accent1"/>
+          </a:effectRef>
+          <a:fontRef idx="minor">
+            <a:schemeClr val="lt1"/>
+          </a:fontRef>
+        </p:style>
+      </p:sp>
+      <p:pic>
+        <p:nvPicPr>
+          <p:cNvPr id="8" name="Content Placeholder 7">
+            <a:extLst>
+              <a:ext uri="{FF2B5EF4-FFF2-40B4-BE49-F238E27FC236}">
+                <a16:creationId xmlns:a16="http://schemas.microsoft.com/office/drawing/2014/main" id="{227736AA-469C-4DF3-B187-962F68E0A437}"/>
+              </a:ext>
+            </a:extLst>
+          </p:cNvPr>
+          <p:cNvPicPr>
+            <a:picLocks noGrp="1" noChangeAspect="1"/>
+          </p:cNvPicPr>
+          <p:nvPr>
+            <p:ph idx="1"/>
+          </p:nvPr>
+        </p:nvPicPr>
+        <p:blipFill>
+          <a:blip r:embed="rId2"/>
+          <a:stretch>
+            <a:fillRect/>
+          </a:stretch>
+        </p:blipFill>
+        <p:spPr>
+          <a:xfrm>
+            <a:off x="42654" y="2251586"/>
+            <a:ext cx="5206798" cy="4606411"/>
+          </a:xfrm>
+          <a:prstGeom prst="rect">
+            <a:avLst/>
+          </a:prstGeom>
+        </p:spPr>
+      </p:pic>
+      <p:pic>
+        <p:nvPicPr>
+          <p:cNvPr id="6" name="Picture 5">
+            <a:extLst>
+              <a:ext uri="{FF2B5EF4-FFF2-40B4-BE49-F238E27FC236}">
+                <a16:creationId xmlns:a16="http://schemas.microsoft.com/office/drawing/2014/main" id="{6B7E84E1-DD8E-46E0-87A8-78A53F0A1726}"/>
+              </a:ext>
+            </a:extLst>
+          </p:cNvPr>
+          <p:cNvPicPr>
+            <a:picLocks noChangeAspect="1"/>
+          </p:cNvPicPr>
+          <p:nvPr/>
+        </p:nvPicPr>
+        <p:blipFill>
+          <a:blip r:embed="rId3"/>
+          <a:stretch>
+            <a:fillRect/>
+          </a:stretch>
+        </p:blipFill>
+        <p:spPr>
+          <a:xfrm>
+            <a:off x="5291685" y="-2"/>
+            <a:ext cx="2719735" cy="6858000"/>
+          </a:xfrm>
+          <a:prstGeom prst="rect">
+            <a:avLst/>
+          </a:prstGeom>
+        </p:spPr>
+      </p:pic>
+      <p:pic>
+        <p:nvPicPr>
+          <p:cNvPr id="7" name="Picture 6">
+            <a:extLst>
+              <a:ext uri="{FF2B5EF4-FFF2-40B4-BE49-F238E27FC236}">
+                <a16:creationId xmlns:a16="http://schemas.microsoft.com/office/drawing/2014/main" id="{05192910-D731-46FE-A98B-AC1D5F1B5C76}"/>
+              </a:ext>
+            </a:extLst>
+          </p:cNvPr>
+          <p:cNvPicPr>
+            <a:picLocks noChangeAspect="1"/>
+          </p:cNvPicPr>
+          <p:nvPr/>
+        </p:nvPicPr>
+        <p:blipFill>
+          <a:blip r:embed="rId4"/>
+          <a:stretch>
+            <a:fillRect/>
+          </a:stretch>
+        </p:blipFill>
+        <p:spPr>
+          <a:xfrm>
+            <a:off x="8007083" y="-2"/>
+            <a:ext cx="2580801" cy="6858000"/>
+          </a:xfrm>
+          <a:prstGeom prst="rect">
+            <a:avLst/>
+          </a:prstGeom>
+        </p:spPr>
+      </p:pic>
+    </p:spTree>
+    <p:extLst>
+      <p:ext uri="{BB962C8B-B14F-4D97-AF65-F5344CB8AC3E}">
+        <p14:creationId xmlns:p14="http://schemas.microsoft.com/office/powerpoint/2010/main" val="3071618026"/>
+      </p:ext>
+    </p:extLst>
+  </p:cSld>
+  <p:clrMapOvr>
+    <a:overrideClrMapping bg1="lt1" tx1="dk1" bg2="lt2" tx2="dk2" accent1="accent1" accent2="accent2" accent3="accent3" accent4="accent4" accent5="accent5" accent6="accent6" hlink="hlink" folHlink="folHlink"/>
+  </p:clrMapOvr>
+</p:sld>
+</file>
+
 <file path=ppt/theme/theme1.xml><?xml version="1.0" encoding="utf-8"?>
 <a:theme xmlns:a="http://schemas.openxmlformats.org/drawingml/2006/main" name="Ion">
   <a:themeElements>

--- a/Final presentation_CIS435.pptx
+++ b/Final presentation_CIS435.pptx
@@ -10,10 +10,12 @@
     <p:sldId id="258" r:id="rId4"/>
     <p:sldId id="259" r:id="rId5"/>
     <p:sldId id="260" r:id="rId6"/>
-    <p:sldId id="261" r:id="rId7"/>
-    <p:sldId id="262" r:id="rId8"/>
-    <p:sldId id="263" r:id="rId9"/>
-    <p:sldId id="264" r:id="rId10"/>
+    <p:sldId id="265" r:id="rId7"/>
+    <p:sldId id="266" r:id="rId8"/>
+    <p:sldId id="261" r:id="rId9"/>
+    <p:sldId id="262" r:id="rId10"/>
+    <p:sldId id="263" r:id="rId11"/>
+    <p:sldId id="264" r:id="rId12"/>
   </p:sldIdLst>
   <p:sldSz cx="12192000" cy="6858000"/>
   <p:notesSz cx="6858000" cy="9144000"/>
@@ -306,7 +308,7 @@
           <a:p>
             <a:fld id="{4AAD347D-5ACD-4C99-B74B-A9C85AD731AF}" type="datetimeFigureOut">
               <a:rPr lang="en-US" dirty="0"/>
-              <a:t>5/3/2020</a:t>
+              <a:t>5/5/2020</a:t>
             </a:fld>
             <a:endParaRPr lang="en-US" dirty="0"/>
           </a:p>
@@ -576,7 +578,7 @@
           <a:p>
             <a:fld id="{4509A250-FF31-4206-8172-F9D3106AACB1}" type="datetimeFigureOut">
               <a:rPr lang="en-US" dirty="0"/>
-              <a:t>5/3/2020</a:t>
+              <a:t>5/5/2020</a:t>
             </a:fld>
             <a:endParaRPr lang="en-US" dirty="0"/>
           </a:p>
@@ -765,7 +767,7 @@
           <a:p>
             <a:fld id="{4509A250-FF31-4206-8172-F9D3106AACB1}" type="datetimeFigureOut">
               <a:rPr lang="en-US" dirty="0"/>
-              <a:t>5/3/2020</a:t>
+              <a:t>5/5/2020</a:t>
             </a:fld>
             <a:endParaRPr lang="en-US" dirty="0"/>
           </a:p>
@@ -1033,7 +1035,7 @@
           <a:p>
             <a:fld id="{4509A250-FF31-4206-8172-F9D3106AACB1}" type="datetimeFigureOut">
               <a:rPr lang="en-US" dirty="0"/>
-              <a:t>5/3/2020</a:t>
+              <a:t>5/5/2020</a:t>
             </a:fld>
             <a:endParaRPr lang="en-US" dirty="0"/>
           </a:p>
@@ -1369,7 +1371,7 @@
           <a:p>
             <a:fld id="{4509A250-FF31-4206-8172-F9D3106AACB1}" type="datetimeFigureOut">
               <a:rPr lang="en-US" dirty="0"/>
-              <a:t>5/3/2020</a:t>
+              <a:t>5/5/2020</a:t>
             </a:fld>
             <a:endParaRPr lang="en-US" dirty="0"/>
           </a:p>
@@ -1987,7 +1989,7 @@
           <a:p>
             <a:fld id="{4509A250-FF31-4206-8172-F9D3106AACB1}" type="datetimeFigureOut">
               <a:rPr lang="en-US" dirty="0"/>
-              <a:t>5/3/2020</a:t>
+              <a:t>5/5/2020</a:t>
             </a:fld>
             <a:endParaRPr lang="en-US" dirty="0"/>
           </a:p>
@@ -2842,7 +2844,7 @@
           <a:p>
             <a:fld id="{4509A250-FF31-4206-8172-F9D3106AACB1}" type="datetimeFigureOut">
               <a:rPr lang="en-US" dirty="0"/>
-              <a:t>5/3/2020</a:t>
+              <a:t>5/5/2020</a:t>
             </a:fld>
             <a:endParaRPr lang="en-US" dirty="0"/>
           </a:p>
@@ -3007,7 +3009,7 @@
           <a:p>
             <a:fld id="{4509A250-FF31-4206-8172-F9D3106AACB1}" type="datetimeFigureOut">
               <a:rPr lang="en-US" dirty="0"/>
-              <a:t>5/3/2020</a:t>
+              <a:t>5/5/2020</a:t>
             </a:fld>
             <a:endParaRPr lang="en-US" dirty="0"/>
           </a:p>
@@ -3182,7 +3184,7 @@
           <a:p>
             <a:fld id="{4509A250-FF31-4206-8172-F9D3106AACB1}" type="datetimeFigureOut">
               <a:rPr lang="en-US" dirty="0"/>
-              <a:t>5/3/2020</a:t>
+              <a:t>5/5/2020</a:t>
             </a:fld>
             <a:endParaRPr lang="en-US" dirty="0"/>
           </a:p>
@@ -3347,7 +3349,7 @@
           <a:p>
             <a:fld id="{4509A250-FF31-4206-8172-F9D3106AACB1}" type="datetimeFigureOut">
               <a:rPr lang="en-US" dirty="0"/>
-              <a:t>5/3/2020</a:t>
+              <a:t>5/5/2020</a:t>
             </a:fld>
             <a:endParaRPr lang="en-US" dirty="0"/>
           </a:p>
@@ -3589,7 +3591,7 @@
           <a:p>
             <a:fld id="{9796027F-7875-4030-9381-8BD8C4F21935}" type="datetimeFigureOut">
               <a:rPr lang="en-US" dirty="0"/>
-              <a:t>5/3/2020</a:t>
+              <a:t>5/5/2020</a:t>
             </a:fld>
             <a:endParaRPr lang="en-US" dirty="0"/>
           </a:p>
@@ -3876,7 +3878,7 @@
           <a:p>
             <a:fld id="{9796027F-7875-4030-9381-8BD8C4F21935}" type="datetimeFigureOut">
               <a:rPr lang="en-US" dirty="0"/>
-              <a:t>5/3/2020</a:t>
+              <a:t>5/5/2020</a:t>
             </a:fld>
             <a:endParaRPr lang="en-US" dirty="0"/>
           </a:p>
@@ -4315,7 +4317,7 @@
           <a:p>
             <a:fld id="{9796027F-7875-4030-9381-8BD8C4F21935}" type="datetimeFigureOut">
               <a:rPr lang="en-US" dirty="0"/>
-              <a:t>5/3/2020</a:t>
+              <a:t>5/5/2020</a:t>
             </a:fld>
             <a:endParaRPr lang="en-US" dirty="0"/>
           </a:p>
@@ -4428,7 +4430,7 @@
           <a:p>
             <a:fld id="{4509A250-FF31-4206-8172-F9D3106AACB1}" type="datetimeFigureOut">
               <a:rPr lang="en-US" dirty="0"/>
-              <a:t>5/3/2020</a:t>
+              <a:t>5/5/2020</a:t>
             </a:fld>
             <a:endParaRPr lang="en-US" dirty="0"/>
           </a:p>
@@ -4518,7 +4520,7 @@
           <a:p>
             <a:fld id="{4509A250-FF31-4206-8172-F9D3106AACB1}" type="datetimeFigureOut">
               <a:rPr lang="en-US" dirty="0"/>
-              <a:t>5/3/2020</a:t>
+              <a:t>5/5/2020</a:t>
             </a:fld>
             <a:endParaRPr lang="en-US" dirty="0"/>
           </a:p>
@@ -4792,7 +4794,7 @@
           <a:p>
             <a:fld id="{4509A250-FF31-4206-8172-F9D3106AACB1}" type="datetimeFigureOut">
               <a:rPr lang="en-US" dirty="0"/>
-              <a:t>5/3/2020</a:t>
+              <a:t>5/5/2020</a:t>
             </a:fld>
             <a:endParaRPr lang="en-US" dirty="0"/>
           </a:p>
@@ -5062,7 +5064,7 @@
           <a:p>
             <a:fld id="{4509A250-FF31-4206-8172-F9D3106AACB1}" type="datetimeFigureOut">
               <a:rPr lang="en-US" dirty="0"/>
-              <a:t>5/3/2020</a:t>
+              <a:t>5/5/2020</a:t>
             </a:fld>
             <a:endParaRPr lang="en-US" dirty="0"/>
           </a:p>
@@ -5486,7 +5488,7 @@
           <a:p>
             <a:fld id="{4AAD347D-5ACD-4C99-B74B-A9C85AD731AF}" type="datetimeFigureOut">
               <a:rPr lang="en-US" dirty="0"/>
-              <a:t>5/3/2020</a:t>
+              <a:t>5/5/2020</a:t>
             </a:fld>
             <a:endParaRPr lang="en-US" dirty="0"/>
           </a:p>
@@ -6094,6 +6096,1220 @@
 </p:sld>
 </file>
 
+<file path=ppt/slides/slide10.xml><?xml version="1.0" encoding="utf-8"?>
+<p:sld xmlns:a="http://schemas.openxmlformats.org/drawingml/2006/main" xmlns:r="http://schemas.openxmlformats.org/officeDocument/2006/relationships" xmlns:p="http://schemas.openxmlformats.org/presentationml/2006/main">
+  <p:cSld>
+    <p:spTree>
+      <p:nvGrpSpPr>
+        <p:cNvPr id="1" name=""/>
+        <p:cNvGrpSpPr/>
+        <p:nvPr/>
+      </p:nvGrpSpPr>
+      <p:grpSpPr>
+        <a:xfrm>
+          <a:off x="0" y="0"/>
+          <a:ext cx="0" cy="0"/>
+          <a:chOff x="0" y="0"/>
+          <a:chExt cx="0" cy="0"/>
+        </a:xfrm>
+      </p:grpSpPr>
+      <p:sp>
+        <p:nvSpPr>
+          <p:cNvPr id="2" name="Title 1">
+            <a:extLst>
+              <a:ext uri="{FF2B5EF4-FFF2-40B4-BE49-F238E27FC236}">
+                <a16:creationId xmlns:a16="http://schemas.microsoft.com/office/drawing/2014/main" id="{409E1707-0672-43E1-91AF-4377E8403A3C}"/>
+              </a:ext>
+            </a:extLst>
+          </p:cNvPr>
+          <p:cNvSpPr>
+            <a:spLocks noGrp="1"/>
+          </p:cNvSpPr>
+          <p:nvPr>
+            <p:ph type="title"/>
+          </p:nvPr>
+        </p:nvSpPr>
+        <p:spPr/>
+        <p:txBody>
+          <a:bodyPr/>
+          <a:lstStyle/>
+          <a:p>
+            <a:pPr algn="ctr"/>
+            <a:r>
+              <a:rPr lang="en-US" dirty="0"/>
+              <a:t>Confusion Matrix and SVM</a:t>
+            </a:r>
+            <a:br>
+              <a:rPr lang="en-US" dirty="0"/>
+            </a:br>
+            <a:endParaRPr lang="en-US" dirty="0"/>
+          </a:p>
+        </p:txBody>
+      </p:sp>
+      <p:sp>
+        <p:nvSpPr>
+          <p:cNvPr id="3" name="Content Placeholder 2">
+            <a:extLst>
+              <a:ext uri="{FF2B5EF4-FFF2-40B4-BE49-F238E27FC236}">
+                <a16:creationId xmlns:a16="http://schemas.microsoft.com/office/drawing/2014/main" id="{74176F2D-4BC5-4AC0-AC96-DBDC7FAC5129}"/>
+              </a:ext>
+            </a:extLst>
+          </p:cNvPr>
+          <p:cNvSpPr>
+            <a:spLocks noGrp="1"/>
+          </p:cNvSpPr>
+          <p:nvPr>
+            <p:ph idx="1"/>
+          </p:nvPr>
+        </p:nvSpPr>
+        <p:spPr/>
+        <p:txBody>
+          <a:bodyPr/>
+          <a:lstStyle/>
+          <a:p>
+            <a:r>
+              <a:rPr lang="en-US" dirty="0"/>
+              <a:t>So when reading the matrix that we created it shows the states in the top 25 and compares them to the rest of the spectrum of the data and where it falls.</a:t>
+            </a:r>
+          </a:p>
+          <a:p>
+            <a:r>
+              <a:rPr lang="en-US" dirty="0"/>
+              <a:t>I have also used a generalized linear model to show the different results with the data such as the null and residual deviance having low values of 8.3972 and 8.3967 which means strong goodness of fit if and when the data is placed in the model like the bar chart.</a:t>
+            </a:r>
+          </a:p>
+          <a:p>
+            <a:r>
+              <a:rPr lang="en-US" dirty="0"/>
+              <a:t>Another key piece is the high statistical significance of 9.290e-07 which show the data being very relevant and essential in interpreting the rest of the data set.</a:t>
+            </a:r>
+          </a:p>
+          <a:p>
+            <a:pPr marL="0" indent="0">
+              <a:buNone/>
+            </a:pPr>
+            <a:endParaRPr lang="en-US" dirty="0"/>
+          </a:p>
+        </p:txBody>
+      </p:sp>
+    </p:spTree>
+    <p:extLst>
+      <p:ext uri="{BB962C8B-B14F-4D97-AF65-F5344CB8AC3E}">
+        <p14:creationId xmlns:p14="http://schemas.microsoft.com/office/powerpoint/2010/main" val="3637660610"/>
+      </p:ext>
+    </p:extLst>
+  </p:cSld>
+  <p:clrMapOvr>
+    <a:masterClrMapping/>
+  </p:clrMapOvr>
+</p:sld>
+</file>
+
+<file path=ppt/slides/slide11.xml><?xml version="1.0" encoding="utf-8"?>
+<p:sld xmlns:a="http://schemas.openxmlformats.org/drawingml/2006/main" xmlns:r="http://schemas.openxmlformats.org/officeDocument/2006/relationships" xmlns:p="http://schemas.openxmlformats.org/presentationml/2006/main">
+  <p:cSld>
+    <p:bg>
+      <p:bgPr>
+        <a:solidFill>
+          <a:schemeClr val="bg1"/>
+        </a:solidFill>
+        <a:effectLst/>
+      </p:bgPr>
+    </p:bg>
+    <p:spTree>
+      <p:nvGrpSpPr>
+        <p:cNvPr id="1" name=""/>
+        <p:cNvGrpSpPr/>
+        <p:nvPr/>
+      </p:nvGrpSpPr>
+      <p:grpSpPr>
+        <a:xfrm>
+          <a:off x="0" y="0"/>
+          <a:ext cx="0" cy="0"/>
+          <a:chOff x="0" y="0"/>
+          <a:chExt cx="0" cy="0"/>
+        </a:xfrm>
+      </p:grpSpPr>
+      <p:sp>
+        <p:nvSpPr>
+          <p:cNvPr id="34" name="Rectangle 33">
+            <a:extLst>
+              <a:ext uri="{FF2B5EF4-FFF2-40B4-BE49-F238E27FC236}">
+                <a16:creationId xmlns:a16="http://schemas.microsoft.com/office/drawing/2014/main" id="{B4AAD3FD-83A5-4B89-9F8F-01B8870865BE}"/>
+              </a:ext>
+              <a:ext uri="{C183D7F6-B498-43B3-948B-1728B52AA6E4}">
+                <adec:decorative xmlns:adec="http://schemas.microsoft.com/office/drawing/2017/decorative" val="1"/>
+              </a:ext>
+            </a:extLst>
+          </p:cNvPr>
+          <p:cNvSpPr>
+            <a:spLocks noGrp="1" noRot="1" noChangeAspect="1" noMove="1" noResize="1" noEditPoints="1" noAdjustHandles="1" noChangeArrowheads="1" noChangeShapeType="1" noTextEdit="1"/>
+          </p:cNvSpPr>
+          <p:nvPr>
+            <p:extLst>
+              <p:ext uri="{386F3935-93C4-4BCD-93E2-E3B085C9AB24}">
+                <p16:designElem xmlns:p16="http://schemas.microsoft.com/office/powerpoint/2015/main" val="1"/>
+              </p:ext>
+            </p:extLst>
+          </p:nvPr>
+        </p:nvSpPr>
+        <p:spPr>
+          <a:xfrm>
+            <a:off x="0" y="0"/>
+            <a:ext cx="12192000" cy="6858000"/>
+          </a:xfrm>
+          <a:prstGeom prst="rect">
+            <a:avLst/>
+          </a:prstGeom>
+          <a:ln>
+            <a:noFill/>
+          </a:ln>
+        </p:spPr>
+        <p:style>
+          <a:lnRef idx="2">
+            <a:schemeClr val="accent1">
+              <a:shade val="50000"/>
+            </a:schemeClr>
+          </a:lnRef>
+          <a:fillRef idx="1003">
+            <a:schemeClr val="dk2"/>
+          </a:fillRef>
+          <a:effectRef idx="0">
+            <a:schemeClr val="accent1"/>
+          </a:effectRef>
+          <a:fontRef idx="minor">
+            <a:schemeClr val="lt1"/>
+          </a:fontRef>
+        </p:style>
+        <p:txBody>
+          <a:bodyPr rtlCol="0" anchor="ctr"/>
+          <a:lstStyle/>
+          <a:p>
+            <a:pPr algn="ctr"/>
+            <a:endParaRPr lang="en-US"/>
+          </a:p>
+        </p:txBody>
+      </p:sp>
+      <p:sp>
+        <p:nvSpPr>
+          <p:cNvPr id="2" name="Title 1">
+            <a:extLst>
+              <a:ext uri="{FF2B5EF4-FFF2-40B4-BE49-F238E27FC236}">
+                <a16:creationId xmlns:a16="http://schemas.microsoft.com/office/drawing/2014/main" id="{C8162125-F6B4-44E4-8CB8-C6AF9B9D46E4}"/>
+              </a:ext>
+            </a:extLst>
+          </p:cNvPr>
+          <p:cNvSpPr>
+            <a:spLocks noGrp="1"/>
+          </p:cNvSpPr>
+          <p:nvPr>
+            <p:ph type="title"/>
+          </p:nvPr>
+        </p:nvSpPr>
+        <p:spPr>
+          <a:xfrm>
+            <a:off x="648931" y="629266"/>
+            <a:ext cx="4166510" cy="1622321"/>
+          </a:xfrm>
+        </p:spPr>
+        <p:txBody>
+          <a:bodyPr vert="horz" lIns="91440" tIns="45720" rIns="91440" bIns="45720" rtlCol="0">
+            <a:normAutofit/>
+          </a:bodyPr>
+          <a:lstStyle/>
+          <a:p>
+            <a:pPr>
+              <a:lnSpc>
+                <a:spcPct val="90000"/>
+              </a:lnSpc>
+            </a:pPr>
+            <a:r>
+              <a:rPr lang="en-US" sz="3600" b="0" i="0" kern="1200">
+                <a:solidFill>
+                  <a:srgbClr val="EBEBEB"/>
+                </a:solidFill>
+                <a:latin typeface="+mj-lt"/>
+                <a:ea typeface="+mj-ea"/>
+                <a:cs typeface="+mj-cs"/>
+              </a:rPr>
+              <a:t>Confusion matrix Diagram and SVM Stats</a:t>
+            </a:r>
+          </a:p>
+        </p:txBody>
+      </p:sp>
+      <p:sp>
+        <p:nvSpPr>
+          <p:cNvPr id="36" name="Freeform 31">
+            <a:extLst>
+              <a:ext uri="{FF2B5EF4-FFF2-40B4-BE49-F238E27FC236}">
+                <a16:creationId xmlns:a16="http://schemas.microsoft.com/office/drawing/2014/main" id="{61752F1D-FC0F-4103-9584-630E643CCDA6}"/>
+              </a:ext>
+              <a:ext uri="{C183D7F6-B498-43B3-948B-1728B52AA6E4}">
+                <adec:decorative xmlns:adec="http://schemas.microsoft.com/office/drawing/2017/decorative" val="1"/>
+              </a:ext>
+            </a:extLst>
+          </p:cNvPr>
+          <p:cNvSpPr>
+            <a:spLocks noGrp="1" noRot="1" noChangeAspect="1" noMove="1" noResize="1" noEditPoints="1" noAdjustHandles="1" noChangeArrowheads="1" noChangeShapeType="1" noTextEdit="1"/>
+          </p:cNvSpPr>
+          <p:nvPr>
+            <p:extLst>
+              <p:ext uri="{386F3935-93C4-4BCD-93E2-E3B085C9AB24}">
+                <p16:designElem xmlns:p16="http://schemas.microsoft.com/office/powerpoint/2015/main" val="1"/>
+              </p:ext>
+            </p:extLst>
+          </p:nvPr>
+        </p:nvSpPr>
+        <p:spPr>
+          <a:xfrm>
+            <a:off x="4994020" y="-1"/>
+            <a:ext cx="559472" cy="3709642"/>
+          </a:xfrm>
+          <a:custGeom>
+            <a:avLst/>
+            <a:gdLst>
+              <a:gd name="connsiteX0" fmla="*/ 0 w 559472"/>
+              <a:gd name="connsiteY0" fmla="*/ 0 h 3709642"/>
+              <a:gd name="connsiteX1" fmla="*/ 473952 w 559472"/>
+              <a:gd name="connsiteY1" fmla="*/ 0 h 3709642"/>
+              <a:gd name="connsiteX2" fmla="*/ 485840 w 559472"/>
+              <a:gd name="connsiteY2" fmla="*/ 161194 h 3709642"/>
+              <a:gd name="connsiteX3" fmla="*/ 523949 w 559472"/>
+              <a:gd name="connsiteY3" fmla="*/ 3672197 h 3709642"/>
+              <a:gd name="connsiteX4" fmla="*/ 454748 w 559472"/>
+              <a:gd name="connsiteY4" fmla="*/ 3709642 h 3709642"/>
+              <a:gd name="connsiteX5" fmla="*/ 448224 w 559472"/>
+              <a:gd name="connsiteY5" fmla="*/ 3510471 h 3709642"/>
+              <a:gd name="connsiteX6" fmla="*/ 443564 w 559472"/>
+              <a:gd name="connsiteY6" fmla="*/ 3408563 h 3709642"/>
+              <a:gd name="connsiteX7" fmla="*/ 438902 w 559472"/>
+              <a:gd name="connsiteY7" fmla="*/ 3304407 h 3709642"/>
+              <a:gd name="connsiteX8" fmla="*/ 433941 w 559472"/>
+              <a:gd name="connsiteY8" fmla="*/ 3198777 h 3709642"/>
+              <a:gd name="connsiteX9" fmla="*/ 427584 w 559472"/>
+              <a:gd name="connsiteY9" fmla="*/ 3092510 h 3709642"/>
+              <a:gd name="connsiteX10" fmla="*/ 420988 w 559472"/>
+              <a:gd name="connsiteY10" fmla="*/ 2984390 h 3709642"/>
+              <a:gd name="connsiteX11" fmla="*/ 414330 w 559472"/>
+              <a:gd name="connsiteY11" fmla="*/ 2874401 h 3709642"/>
+              <a:gd name="connsiteX12" fmla="*/ 406840 w 559472"/>
+              <a:gd name="connsiteY12" fmla="*/ 2762980 h 3709642"/>
+              <a:gd name="connsiteX13" fmla="*/ 397745 w 559472"/>
+              <a:gd name="connsiteY13" fmla="*/ 2650566 h 3709642"/>
+              <a:gd name="connsiteX14" fmla="*/ 389154 w 559472"/>
+              <a:gd name="connsiteY14" fmla="*/ 2536612 h 3709642"/>
+              <a:gd name="connsiteX15" fmla="*/ 379225 w 559472"/>
+              <a:gd name="connsiteY15" fmla="*/ 2421642 h 3709642"/>
+              <a:gd name="connsiteX16" fmla="*/ 368316 w 559472"/>
+              <a:gd name="connsiteY16" fmla="*/ 2305627 h 3709642"/>
+              <a:gd name="connsiteX17" fmla="*/ 357466 w 559472"/>
+              <a:gd name="connsiteY17" fmla="*/ 2189233 h 3709642"/>
+              <a:gd name="connsiteX18" fmla="*/ 344982 w 559472"/>
+              <a:gd name="connsiteY18" fmla="*/ 2071473 h 3709642"/>
+              <a:gd name="connsiteX19" fmla="*/ 332466 w 559472"/>
+              <a:gd name="connsiteY19" fmla="*/ 1952216 h 3709642"/>
+              <a:gd name="connsiteX20" fmla="*/ 319121 w 559472"/>
+              <a:gd name="connsiteY20" fmla="*/ 1833776 h 3709642"/>
+              <a:gd name="connsiteX21" fmla="*/ 304408 w 559472"/>
+              <a:gd name="connsiteY21" fmla="*/ 1713948 h 3709642"/>
+              <a:gd name="connsiteX22" fmla="*/ 288685 w 559472"/>
+              <a:gd name="connsiteY22" fmla="*/ 1592703 h 3709642"/>
+              <a:gd name="connsiteX23" fmla="*/ 273050 w 559472"/>
+              <a:gd name="connsiteY23" fmla="*/ 1471451 h 3709642"/>
+              <a:gd name="connsiteX24" fmla="*/ 255813 w 559472"/>
+              <a:gd name="connsiteY24" fmla="*/ 1350328 h 3709642"/>
+              <a:gd name="connsiteX25" fmla="*/ 237060 w 559472"/>
+              <a:gd name="connsiteY25" fmla="*/ 1227080 h 3709642"/>
+              <a:gd name="connsiteX26" fmla="*/ 218488 w 559472"/>
+              <a:gd name="connsiteY26" fmla="*/ 1106065 h 3709642"/>
+              <a:gd name="connsiteX27" fmla="*/ 198221 w 559472"/>
+              <a:gd name="connsiteY27" fmla="*/ 982940 h 3709642"/>
+              <a:gd name="connsiteX28" fmla="*/ 177152 w 559472"/>
+              <a:gd name="connsiteY28" fmla="*/ 858755 h 3709642"/>
+              <a:gd name="connsiteX29" fmla="*/ 155551 w 559472"/>
+              <a:gd name="connsiteY29" fmla="*/ 736861 h 3709642"/>
+              <a:gd name="connsiteX30" fmla="*/ 131782 w 559472"/>
+              <a:gd name="connsiteY30" fmla="*/ 613645 h 3709642"/>
+              <a:gd name="connsiteX31" fmla="*/ 107123 w 559472"/>
+              <a:gd name="connsiteY31" fmla="*/ 490500 h 3709642"/>
+              <a:gd name="connsiteX32" fmla="*/ 82552 w 559472"/>
+              <a:gd name="connsiteY32" fmla="*/ 367348 h 3709642"/>
+              <a:gd name="connsiteX33" fmla="*/ 55608 w 559472"/>
+              <a:gd name="connsiteY33" fmla="*/ 244762 h 3709642"/>
+              <a:gd name="connsiteX34" fmla="*/ 28130 w 559472"/>
+              <a:gd name="connsiteY34" fmla="*/ 122220 h 3709642"/>
+              <a:gd name="connsiteX35" fmla="*/ 0 w 559472"/>
+              <a:gd name="connsiteY35" fmla="*/ 0 h 3709642"/>
+            </a:gdLst>
+            <a:ahLst/>
+            <a:cxnLst>
+              <a:cxn ang="0">
+                <a:pos x="connsiteX0" y="connsiteY0"/>
+              </a:cxn>
+              <a:cxn ang="0">
+                <a:pos x="connsiteX1" y="connsiteY1"/>
+              </a:cxn>
+              <a:cxn ang="0">
+                <a:pos x="connsiteX2" y="connsiteY2"/>
+              </a:cxn>
+              <a:cxn ang="0">
+                <a:pos x="connsiteX3" y="connsiteY3"/>
+              </a:cxn>
+              <a:cxn ang="0">
+                <a:pos x="connsiteX4" y="connsiteY4"/>
+              </a:cxn>
+              <a:cxn ang="0">
+                <a:pos x="connsiteX5" y="connsiteY5"/>
+              </a:cxn>
+              <a:cxn ang="0">
+                <a:pos x="connsiteX6" y="connsiteY6"/>
+              </a:cxn>
+              <a:cxn ang="0">
+                <a:pos x="connsiteX7" y="connsiteY7"/>
+              </a:cxn>
+              <a:cxn ang="0">
+                <a:pos x="connsiteX8" y="connsiteY8"/>
+              </a:cxn>
+              <a:cxn ang="0">
+                <a:pos x="connsiteX9" y="connsiteY9"/>
+              </a:cxn>
+              <a:cxn ang="0">
+                <a:pos x="connsiteX10" y="connsiteY10"/>
+              </a:cxn>
+              <a:cxn ang="0">
+                <a:pos x="connsiteX11" y="connsiteY11"/>
+              </a:cxn>
+              <a:cxn ang="0">
+                <a:pos x="connsiteX12" y="connsiteY12"/>
+              </a:cxn>
+              <a:cxn ang="0">
+                <a:pos x="connsiteX13" y="connsiteY13"/>
+              </a:cxn>
+              <a:cxn ang="0">
+                <a:pos x="connsiteX14" y="connsiteY14"/>
+              </a:cxn>
+              <a:cxn ang="0">
+                <a:pos x="connsiteX15" y="connsiteY15"/>
+              </a:cxn>
+              <a:cxn ang="0">
+                <a:pos x="connsiteX16" y="connsiteY16"/>
+              </a:cxn>
+              <a:cxn ang="0">
+                <a:pos x="connsiteX17" y="connsiteY17"/>
+              </a:cxn>
+              <a:cxn ang="0">
+                <a:pos x="connsiteX18" y="connsiteY18"/>
+              </a:cxn>
+              <a:cxn ang="0">
+                <a:pos x="connsiteX19" y="connsiteY19"/>
+              </a:cxn>
+              <a:cxn ang="0">
+                <a:pos x="connsiteX20" y="connsiteY20"/>
+              </a:cxn>
+              <a:cxn ang="0">
+                <a:pos x="connsiteX21" y="connsiteY21"/>
+              </a:cxn>
+              <a:cxn ang="0">
+                <a:pos x="connsiteX22" y="connsiteY22"/>
+              </a:cxn>
+              <a:cxn ang="0">
+                <a:pos x="connsiteX23" y="connsiteY23"/>
+              </a:cxn>
+              <a:cxn ang="0">
+                <a:pos x="connsiteX24" y="connsiteY24"/>
+              </a:cxn>
+              <a:cxn ang="0">
+                <a:pos x="connsiteX25" y="connsiteY25"/>
+              </a:cxn>
+              <a:cxn ang="0">
+                <a:pos x="connsiteX26" y="connsiteY26"/>
+              </a:cxn>
+              <a:cxn ang="0">
+                <a:pos x="connsiteX27" y="connsiteY27"/>
+              </a:cxn>
+              <a:cxn ang="0">
+                <a:pos x="connsiteX28" y="connsiteY28"/>
+              </a:cxn>
+              <a:cxn ang="0">
+                <a:pos x="connsiteX29" y="connsiteY29"/>
+              </a:cxn>
+              <a:cxn ang="0">
+                <a:pos x="connsiteX30" y="connsiteY30"/>
+              </a:cxn>
+              <a:cxn ang="0">
+                <a:pos x="connsiteX31" y="connsiteY31"/>
+              </a:cxn>
+              <a:cxn ang="0">
+                <a:pos x="connsiteX32" y="connsiteY32"/>
+              </a:cxn>
+              <a:cxn ang="0">
+                <a:pos x="connsiteX33" y="connsiteY33"/>
+              </a:cxn>
+              <a:cxn ang="0">
+                <a:pos x="connsiteX34" y="connsiteY34"/>
+              </a:cxn>
+              <a:cxn ang="0">
+                <a:pos x="connsiteX35" y="connsiteY35"/>
+              </a:cxn>
+            </a:cxnLst>
+            <a:rect l="l" t="t" r="r" b="b"/>
+            <a:pathLst>
+              <a:path w="559472" h="3709642">
+                <a:moveTo>
+                  <a:pt x="0" y="0"/>
+                </a:moveTo>
+                <a:lnTo>
+                  <a:pt x="473952" y="0"/>
+                </a:lnTo>
+                <a:lnTo>
+                  <a:pt x="485840" y="161194"/>
+                </a:lnTo>
+                <a:cubicBezTo>
+                  <a:pt x="552063" y="1147770"/>
+                  <a:pt x="592441" y="3086737"/>
+                  <a:pt x="523949" y="3672197"/>
+                </a:cubicBezTo>
+                <a:cubicBezTo>
+                  <a:pt x="500842" y="3684557"/>
+                  <a:pt x="477855" y="3697282"/>
+                  <a:pt x="454748" y="3709642"/>
+                </a:cubicBezTo>
+                <a:lnTo>
+                  <a:pt x="448224" y="3510471"/>
+                </a:lnTo>
+                <a:lnTo>
+                  <a:pt x="443564" y="3408563"/>
+                </a:lnTo>
+                <a:lnTo>
+                  <a:pt x="438902" y="3304407"/>
+                </a:lnTo>
+                <a:lnTo>
+                  <a:pt x="433941" y="3198777"/>
+                </a:lnTo>
+                <a:lnTo>
+                  <a:pt x="427584" y="3092510"/>
+                </a:lnTo>
+                <a:lnTo>
+                  <a:pt x="420988" y="2984390"/>
+                </a:lnTo>
+                <a:lnTo>
+                  <a:pt x="414330" y="2874401"/>
+                </a:lnTo>
+                <a:lnTo>
+                  <a:pt x="406840" y="2762980"/>
+                </a:lnTo>
+                <a:lnTo>
+                  <a:pt x="397745" y="2650566"/>
+                </a:lnTo>
+                <a:lnTo>
+                  <a:pt x="389154" y="2536612"/>
+                </a:lnTo>
+                <a:lnTo>
+                  <a:pt x="379225" y="2421642"/>
+                </a:lnTo>
+                <a:lnTo>
+                  <a:pt x="368316" y="2305627"/>
+                </a:lnTo>
+                <a:lnTo>
+                  <a:pt x="357466" y="2189233"/>
+                </a:lnTo>
+                <a:lnTo>
+                  <a:pt x="344982" y="2071473"/>
+                </a:lnTo>
+                <a:lnTo>
+                  <a:pt x="332466" y="1952216"/>
+                </a:lnTo>
+                <a:lnTo>
+                  <a:pt x="319121" y="1833776"/>
+                </a:lnTo>
+                <a:lnTo>
+                  <a:pt x="304408" y="1713948"/>
+                </a:lnTo>
+                <a:lnTo>
+                  <a:pt x="288685" y="1592703"/>
+                </a:lnTo>
+                <a:lnTo>
+                  <a:pt x="273050" y="1471451"/>
+                </a:lnTo>
+                <a:lnTo>
+                  <a:pt x="255813" y="1350328"/>
+                </a:lnTo>
+                <a:lnTo>
+                  <a:pt x="237060" y="1227080"/>
+                </a:lnTo>
+                <a:lnTo>
+                  <a:pt x="218488" y="1106065"/>
+                </a:lnTo>
+                <a:lnTo>
+                  <a:pt x="198221" y="982940"/>
+                </a:lnTo>
+                <a:lnTo>
+                  <a:pt x="177152" y="858755"/>
+                </a:lnTo>
+                <a:lnTo>
+                  <a:pt x="155551" y="736861"/>
+                </a:lnTo>
+                <a:lnTo>
+                  <a:pt x="131782" y="613645"/>
+                </a:lnTo>
+                <a:lnTo>
+                  <a:pt x="107123" y="490500"/>
+                </a:lnTo>
+                <a:lnTo>
+                  <a:pt x="82552" y="367348"/>
+                </a:lnTo>
+                <a:lnTo>
+                  <a:pt x="55608" y="244762"/>
+                </a:lnTo>
+                <a:lnTo>
+                  <a:pt x="28130" y="122220"/>
+                </a:lnTo>
+                <a:lnTo>
+                  <a:pt x="0" y="0"/>
+                </a:lnTo>
+                <a:close/>
+              </a:path>
+            </a:pathLst>
+          </a:custGeom>
+          <a:solidFill>
+            <a:schemeClr val="bg1">
+              <a:alpha val="20000"/>
+            </a:schemeClr>
+          </a:solidFill>
+          <a:ln>
+            <a:noFill/>
+          </a:ln>
+        </p:spPr>
+        <p:txBody>
+          <a:bodyPr rtlCol="0" anchor="ctr"/>
+          <a:lstStyle/>
+          <a:p>
+            <a:pPr algn="ctr"/>
+            <a:endParaRPr lang="en-US"/>
+          </a:p>
+        </p:txBody>
+      </p:sp>
+      <p:sp useBgFill="1">
+        <p:nvSpPr>
+          <p:cNvPr id="38" name="Freeform: Shape 37">
+            <a:extLst>
+              <a:ext uri="{FF2B5EF4-FFF2-40B4-BE49-F238E27FC236}">
+                <a16:creationId xmlns:a16="http://schemas.microsoft.com/office/drawing/2014/main" id="{70151CB7-E7DE-4917-B831-01DF9CE01306}"/>
+              </a:ext>
+              <a:ext uri="{C183D7F6-B498-43B3-948B-1728B52AA6E4}">
+                <adec:decorative xmlns:adec="http://schemas.microsoft.com/office/drawing/2017/decorative" val="1"/>
+              </a:ext>
+            </a:extLst>
+          </p:cNvPr>
+          <p:cNvSpPr>
+            <a:spLocks noGrp="1" noRot="1" noChangeAspect="1" noMove="1" noResize="1" noEditPoints="1" noAdjustHandles="1" noChangeArrowheads="1" noChangeShapeType="1" noTextEdit="1"/>
+          </p:cNvSpPr>
+          <p:nvPr>
+            <p:extLst>
+              <p:ext uri="{386F3935-93C4-4BCD-93E2-E3B085C9AB24}">
+                <p16:designElem xmlns:p16="http://schemas.microsoft.com/office/powerpoint/2015/main" val="1"/>
+              </p:ext>
+            </p:extLst>
+          </p:nvPr>
+        </p:nvSpPr>
+        <p:spPr bwMode="gray">
+          <a:xfrm rot="16200000">
+            <a:off x="5270819" y="-63600"/>
+            <a:ext cx="6858001" cy="6985200"/>
+          </a:xfrm>
+          <a:custGeom>
+            <a:avLst/>
+            <a:gdLst>
+              <a:gd name="connsiteX0" fmla="*/ 6858001 w 6858001"/>
+              <a:gd name="connsiteY0" fmla="*/ 1177 h 6985200"/>
+              <a:gd name="connsiteX1" fmla="*/ 6858001 w 6858001"/>
+              <a:gd name="connsiteY1" fmla="*/ 1344715 h 6985200"/>
+              <a:gd name="connsiteX2" fmla="*/ 6858000 w 6858001"/>
+              <a:gd name="connsiteY2" fmla="*/ 1344715 h 6985200"/>
+              <a:gd name="connsiteX3" fmla="*/ 6858000 w 6858001"/>
+              <a:gd name="connsiteY3" fmla="*/ 6985200 h 6985200"/>
+              <a:gd name="connsiteX4" fmla="*/ 0 w 6858001"/>
+              <a:gd name="connsiteY4" fmla="*/ 6985199 h 6985200"/>
+              <a:gd name="connsiteX5" fmla="*/ 0 w 6858001"/>
+              <a:gd name="connsiteY5" fmla="*/ 886772 h 6985200"/>
+              <a:gd name="connsiteX6" fmla="*/ 1 w 6858001"/>
+              <a:gd name="connsiteY6" fmla="*/ 886772 h 6985200"/>
+              <a:gd name="connsiteX7" fmla="*/ 1 w 6858001"/>
+              <a:gd name="connsiteY7" fmla="*/ 0 h 6985200"/>
+              <a:gd name="connsiteX8" fmla="*/ 40463 w 6858001"/>
+              <a:gd name="connsiteY8" fmla="*/ 5883 h 6985200"/>
+              <a:gd name="connsiteX9" fmla="*/ 159107 w 6858001"/>
+              <a:gd name="connsiteY9" fmla="*/ 23196 h 6985200"/>
+              <a:gd name="connsiteX10" fmla="*/ 245518 w 6858001"/>
+              <a:gd name="connsiteY10" fmla="*/ 35299 h 6985200"/>
+              <a:gd name="connsiteX11" fmla="*/ 348388 w 6858001"/>
+              <a:gd name="connsiteY11" fmla="*/ 48073 h 6985200"/>
+              <a:gd name="connsiteX12" fmla="*/ 470460 w 6858001"/>
+              <a:gd name="connsiteY12" fmla="*/ 63369 h 6985200"/>
+              <a:gd name="connsiteX13" fmla="*/ 605563 w 6858001"/>
+              <a:gd name="connsiteY13" fmla="*/ 79506 h 6985200"/>
+              <a:gd name="connsiteX14" fmla="*/ 757810 w 6858001"/>
+              <a:gd name="connsiteY14" fmla="*/ 96483 h 6985200"/>
+              <a:gd name="connsiteX15" fmla="*/ 923774 w 6858001"/>
+              <a:gd name="connsiteY15" fmla="*/ 114469 h 6985200"/>
+              <a:gd name="connsiteX16" fmla="*/ 1104139 w 6858001"/>
+              <a:gd name="connsiteY16" fmla="*/ 132454 h 6985200"/>
+              <a:gd name="connsiteX17" fmla="*/ 1296163 w 6858001"/>
+              <a:gd name="connsiteY17" fmla="*/ 150776 h 6985200"/>
+              <a:gd name="connsiteX18" fmla="*/ 1503275 w 6858001"/>
+              <a:gd name="connsiteY18" fmla="*/ 167753 h 6985200"/>
+              <a:gd name="connsiteX19" fmla="*/ 1719988 w 6858001"/>
+              <a:gd name="connsiteY19" fmla="*/ 184058 h 6985200"/>
+              <a:gd name="connsiteX20" fmla="*/ 1949045 w 6858001"/>
+              <a:gd name="connsiteY20" fmla="*/ 198849 h 6985200"/>
+              <a:gd name="connsiteX21" fmla="*/ 2187703 w 6858001"/>
+              <a:gd name="connsiteY21" fmla="*/ 212969 h 6985200"/>
+              <a:gd name="connsiteX22" fmla="*/ 2436649 w 6858001"/>
+              <a:gd name="connsiteY22" fmla="*/ 226248 h 6985200"/>
+              <a:gd name="connsiteX23" fmla="*/ 2564208 w 6858001"/>
+              <a:gd name="connsiteY23" fmla="*/ 230955 h 6985200"/>
+              <a:gd name="connsiteX24" fmla="*/ 2694509 w 6858001"/>
+              <a:gd name="connsiteY24" fmla="*/ 236165 h 6985200"/>
+              <a:gd name="connsiteX25" fmla="*/ 2826869 w 6858001"/>
+              <a:gd name="connsiteY25" fmla="*/ 241040 h 6985200"/>
+              <a:gd name="connsiteX26" fmla="*/ 2959914 w 6858001"/>
+              <a:gd name="connsiteY26" fmla="*/ 244234 h 6985200"/>
+              <a:gd name="connsiteX27" fmla="*/ 3095702 w 6858001"/>
+              <a:gd name="connsiteY27" fmla="*/ 247091 h 6985200"/>
+              <a:gd name="connsiteX28" fmla="*/ 3232862 w 6858001"/>
+              <a:gd name="connsiteY28" fmla="*/ 250117 h 6985200"/>
+              <a:gd name="connsiteX29" fmla="*/ 3372766 w 6858001"/>
+              <a:gd name="connsiteY29" fmla="*/ 252134 h 6985200"/>
+              <a:gd name="connsiteX30" fmla="*/ 3514040 w 6858001"/>
+              <a:gd name="connsiteY30" fmla="*/ 252134 h 6985200"/>
+              <a:gd name="connsiteX31" fmla="*/ 3656686 w 6858001"/>
+              <a:gd name="connsiteY31" fmla="*/ 253142 h 6985200"/>
+              <a:gd name="connsiteX32" fmla="*/ 3800705 w 6858001"/>
+              <a:gd name="connsiteY32" fmla="*/ 252134 h 6985200"/>
+              <a:gd name="connsiteX33" fmla="*/ 3946780 w 6858001"/>
+              <a:gd name="connsiteY33" fmla="*/ 250117 h 6985200"/>
+              <a:gd name="connsiteX34" fmla="*/ 4092856 w 6858001"/>
+              <a:gd name="connsiteY34" fmla="*/ 248268 h 6985200"/>
+              <a:gd name="connsiteX35" fmla="*/ 4240988 w 6858001"/>
+              <a:gd name="connsiteY35" fmla="*/ 244234 h 6985200"/>
+              <a:gd name="connsiteX36" fmla="*/ 4390492 w 6858001"/>
+              <a:gd name="connsiteY36" fmla="*/ 240032 h 6985200"/>
+              <a:gd name="connsiteX37" fmla="*/ 4539997 w 6858001"/>
+              <a:gd name="connsiteY37" fmla="*/ 235157 h 6985200"/>
+              <a:gd name="connsiteX38" fmla="*/ 4690873 w 6858001"/>
+              <a:gd name="connsiteY38" fmla="*/ 228266 h 6985200"/>
+              <a:gd name="connsiteX39" fmla="*/ 4843120 w 6858001"/>
+              <a:gd name="connsiteY39" fmla="*/ 220029 h 6985200"/>
+              <a:gd name="connsiteX40" fmla="*/ 4996054 w 6858001"/>
+              <a:gd name="connsiteY40" fmla="*/ 212129 h 6985200"/>
+              <a:gd name="connsiteX41" fmla="*/ 5148987 w 6858001"/>
+              <a:gd name="connsiteY41" fmla="*/ 202044 h 6985200"/>
+              <a:gd name="connsiteX42" fmla="*/ 5303978 w 6858001"/>
+              <a:gd name="connsiteY42" fmla="*/ 189941 h 6985200"/>
+              <a:gd name="connsiteX43" fmla="*/ 5456911 w 6858001"/>
+              <a:gd name="connsiteY43" fmla="*/ 177839 h 6985200"/>
+              <a:gd name="connsiteX44" fmla="*/ 5612588 w 6858001"/>
+              <a:gd name="connsiteY44" fmla="*/ 163887 h 6985200"/>
+              <a:gd name="connsiteX45" fmla="*/ 5768950 w 6858001"/>
+              <a:gd name="connsiteY45" fmla="*/ 148591 h 6985200"/>
+              <a:gd name="connsiteX46" fmla="*/ 5923255 w 6858001"/>
+              <a:gd name="connsiteY46" fmla="*/ 132455 h 6985200"/>
+              <a:gd name="connsiteX47" fmla="*/ 6079618 w 6858001"/>
+              <a:gd name="connsiteY47" fmla="*/ 113629 h 6985200"/>
+              <a:gd name="connsiteX48" fmla="*/ 6235294 w 6858001"/>
+              <a:gd name="connsiteY48" fmla="*/ 93458 h 6985200"/>
+              <a:gd name="connsiteX49" fmla="*/ 6391657 w 6858001"/>
+              <a:gd name="connsiteY49" fmla="*/ 73455 h 6985200"/>
+              <a:gd name="connsiteX50" fmla="*/ 6547333 w 6858001"/>
+              <a:gd name="connsiteY50" fmla="*/ 50091 h 6985200"/>
+              <a:gd name="connsiteX51" fmla="*/ 6702324 w 6858001"/>
+              <a:gd name="connsiteY51" fmla="*/ 26222 h 6985200"/>
+            </a:gdLst>
+            <a:ahLst/>
+            <a:cxnLst>
+              <a:cxn ang="0">
+                <a:pos x="connsiteX0" y="connsiteY0"/>
+              </a:cxn>
+              <a:cxn ang="0">
+                <a:pos x="connsiteX1" y="connsiteY1"/>
+              </a:cxn>
+              <a:cxn ang="0">
+                <a:pos x="connsiteX2" y="connsiteY2"/>
+              </a:cxn>
+              <a:cxn ang="0">
+                <a:pos x="connsiteX3" y="connsiteY3"/>
+              </a:cxn>
+              <a:cxn ang="0">
+                <a:pos x="connsiteX4" y="connsiteY4"/>
+              </a:cxn>
+              <a:cxn ang="0">
+                <a:pos x="connsiteX5" y="connsiteY5"/>
+              </a:cxn>
+              <a:cxn ang="0">
+                <a:pos x="connsiteX6" y="connsiteY6"/>
+              </a:cxn>
+              <a:cxn ang="0">
+                <a:pos x="connsiteX7" y="connsiteY7"/>
+              </a:cxn>
+              <a:cxn ang="0">
+                <a:pos x="connsiteX8" y="connsiteY8"/>
+              </a:cxn>
+              <a:cxn ang="0">
+                <a:pos x="connsiteX9" y="connsiteY9"/>
+              </a:cxn>
+              <a:cxn ang="0">
+                <a:pos x="connsiteX10" y="connsiteY10"/>
+              </a:cxn>
+              <a:cxn ang="0">
+                <a:pos x="connsiteX11" y="connsiteY11"/>
+              </a:cxn>
+              <a:cxn ang="0">
+                <a:pos x="connsiteX12" y="connsiteY12"/>
+              </a:cxn>
+              <a:cxn ang="0">
+                <a:pos x="connsiteX13" y="connsiteY13"/>
+              </a:cxn>
+              <a:cxn ang="0">
+                <a:pos x="connsiteX14" y="connsiteY14"/>
+              </a:cxn>
+              <a:cxn ang="0">
+                <a:pos x="connsiteX15" y="connsiteY15"/>
+              </a:cxn>
+              <a:cxn ang="0">
+                <a:pos x="connsiteX16" y="connsiteY16"/>
+              </a:cxn>
+              <a:cxn ang="0">
+                <a:pos x="connsiteX17" y="connsiteY17"/>
+              </a:cxn>
+              <a:cxn ang="0">
+                <a:pos x="connsiteX18" y="connsiteY18"/>
+              </a:cxn>
+              <a:cxn ang="0">
+                <a:pos x="connsiteX19" y="connsiteY19"/>
+              </a:cxn>
+              <a:cxn ang="0">
+                <a:pos x="connsiteX20" y="connsiteY20"/>
+              </a:cxn>
+              <a:cxn ang="0">
+                <a:pos x="connsiteX21" y="connsiteY21"/>
+              </a:cxn>
+              <a:cxn ang="0">
+                <a:pos x="connsiteX22" y="connsiteY22"/>
+              </a:cxn>
+              <a:cxn ang="0">
+                <a:pos x="connsiteX23" y="connsiteY23"/>
+              </a:cxn>
+              <a:cxn ang="0">
+                <a:pos x="connsiteX24" y="connsiteY24"/>
+              </a:cxn>
+              <a:cxn ang="0">
+                <a:pos x="connsiteX25" y="connsiteY25"/>
+              </a:cxn>
+              <a:cxn ang="0">
+                <a:pos x="connsiteX26" y="connsiteY26"/>
+              </a:cxn>
+              <a:cxn ang="0">
+                <a:pos x="connsiteX27" y="connsiteY27"/>
+              </a:cxn>
+              <a:cxn ang="0">
+                <a:pos x="connsiteX28" y="connsiteY28"/>
+              </a:cxn>
+              <a:cxn ang="0">
+                <a:pos x="connsiteX29" y="connsiteY29"/>
+              </a:cxn>
+              <a:cxn ang="0">
+                <a:pos x="connsiteX30" y="connsiteY30"/>
+              </a:cxn>
+              <a:cxn ang="0">
+                <a:pos x="connsiteX31" y="connsiteY31"/>
+              </a:cxn>
+              <a:cxn ang="0">
+                <a:pos x="connsiteX32" y="connsiteY32"/>
+              </a:cxn>
+              <a:cxn ang="0">
+                <a:pos x="connsiteX33" y="connsiteY33"/>
+              </a:cxn>
+              <a:cxn ang="0">
+                <a:pos x="connsiteX34" y="connsiteY34"/>
+              </a:cxn>
+              <a:cxn ang="0">
+                <a:pos x="connsiteX35" y="connsiteY35"/>
+              </a:cxn>
+              <a:cxn ang="0">
+                <a:pos x="connsiteX36" y="connsiteY36"/>
+              </a:cxn>
+              <a:cxn ang="0">
+                <a:pos x="connsiteX37" y="connsiteY37"/>
+              </a:cxn>
+              <a:cxn ang="0">
+                <a:pos x="connsiteX38" y="connsiteY38"/>
+              </a:cxn>
+              <a:cxn ang="0">
+                <a:pos x="connsiteX39" y="connsiteY39"/>
+              </a:cxn>
+              <a:cxn ang="0">
+                <a:pos x="connsiteX40" y="connsiteY40"/>
+              </a:cxn>
+              <a:cxn ang="0">
+                <a:pos x="connsiteX41" y="connsiteY41"/>
+              </a:cxn>
+              <a:cxn ang="0">
+                <a:pos x="connsiteX42" y="connsiteY42"/>
+              </a:cxn>
+              <a:cxn ang="0">
+                <a:pos x="connsiteX43" y="connsiteY43"/>
+              </a:cxn>
+              <a:cxn ang="0">
+                <a:pos x="connsiteX44" y="connsiteY44"/>
+              </a:cxn>
+              <a:cxn ang="0">
+                <a:pos x="connsiteX45" y="connsiteY45"/>
+              </a:cxn>
+              <a:cxn ang="0">
+                <a:pos x="connsiteX46" y="connsiteY46"/>
+              </a:cxn>
+              <a:cxn ang="0">
+                <a:pos x="connsiteX47" y="connsiteY47"/>
+              </a:cxn>
+              <a:cxn ang="0">
+                <a:pos x="connsiteX48" y="connsiteY48"/>
+              </a:cxn>
+              <a:cxn ang="0">
+                <a:pos x="connsiteX49" y="connsiteY49"/>
+              </a:cxn>
+              <a:cxn ang="0">
+                <a:pos x="connsiteX50" y="connsiteY50"/>
+              </a:cxn>
+              <a:cxn ang="0">
+                <a:pos x="connsiteX51" y="connsiteY51"/>
+              </a:cxn>
+            </a:cxnLst>
+            <a:rect l="l" t="t" r="r" b="b"/>
+            <a:pathLst>
+              <a:path w="6858001" h="6985200">
+                <a:moveTo>
+                  <a:pt x="6858001" y="1177"/>
+                </a:moveTo>
+                <a:lnTo>
+                  <a:pt x="6858001" y="1344715"/>
+                </a:lnTo>
+                <a:lnTo>
+                  <a:pt x="6858000" y="1344715"/>
+                </a:lnTo>
+                <a:lnTo>
+                  <a:pt x="6858000" y="6985200"/>
+                </a:lnTo>
+                <a:lnTo>
+                  <a:pt x="0" y="6985199"/>
+                </a:lnTo>
+                <a:lnTo>
+                  <a:pt x="0" y="886772"/>
+                </a:lnTo>
+                <a:lnTo>
+                  <a:pt x="1" y="886772"/>
+                </a:lnTo>
+                <a:lnTo>
+                  <a:pt x="1" y="0"/>
+                </a:lnTo>
+                <a:lnTo>
+                  <a:pt x="40463" y="5883"/>
+                </a:lnTo>
+                <a:lnTo>
+                  <a:pt x="159107" y="23196"/>
+                </a:lnTo>
+                <a:lnTo>
+                  <a:pt x="245518" y="35299"/>
+                </a:lnTo>
+                <a:lnTo>
+                  <a:pt x="348388" y="48073"/>
+                </a:lnTo>
+                <a:lnTo>
+                  <a:pt x="470460" y="63369"/>
+                </a:lnTo>
+                <a:lnTo>
+                  <a:pt x="605563" y="79506"/>
+                </a:lnTo>
+                <a:lnTo>
+                  <a:pt x="757810" y="96483"/>
+                </a:lnTo>
+                <a:lnTo>
+                  <a:pt x="923774" y="114469"/>
+                </a:lnTo>
+                <a:lnTo>
+                  <a:pt x="1104139" y="132454"/>
+                </a:lnTo>
+                <a:lnTo>
+                  <a:pt x="1296163" y="150776"/>
+                </a:lnTo>
+                <a:lnTo>
+                  <a:pt x="1503275" y="167753"/>
+                </a:lnTo>
+                <a:lnTo>
+                  <a:pt x="1719988" y="184058"/>
+                </a:lnTo>
+                <a:lnTo>
+                  <a:pt x="1949045" y="198849"/>
+                </a:lnTo>
+                <a:lnTo>
+                  <a:pt x="2187703" y="212969"/>
+                </a:lnTo>
+                <a:lnTo>
+                  <a:pt x="2436649" y="226248"/>
+                </a:lnTo>
+                <a:lnTo>
+                  <a:pt x="2564208" y="230955"/>
+                </a:lnTo>
+                <a:lnTo>
+                  <a:pt x="2694509" y="236165"/>
+                </a:lnTo>
+                <a:lnTo>
+                  <a:pt x="2826869" y="241040"/>
+                </a:lnTo>
+                <a:lnTo>
+                  <a:pt x="2959914" y="244234"/>
+                </a:lnTo>
+                <a:lnTo>
+                  <a:pt x="3095702" y="247091"/>
+                </a:lnTo>
+                <a:lnTo>
+                  <a:pt x="3232862" y="250117"/>
+                </a:lnTo>
+                <a:lnTo>
+                  <a:pt x="3372766" y="252134"/>
+                </a:lnTo>
+                <a:lnTo>
+                  <a:pt x="3514040" y="252134"/>
+                </a:lnTo>
+                <a:lnTo>
+                  <a:pt x="3656686" y="253142"/>
+                </a:lnTo>
+                <a:lnTo>
+                  <a:pt x="3800705" y="252134"/>
+                </a:lnTo>
+                <a:lnTo>
+                  <a:pt x="3946780" y="250117"/>
+                </a:lnTo>
+                <a:lnTo>
+                  <a:pt x="4092856" y="248268"/>
+                </a:lnTo>
+                <a:lnTo>
+                  <a:pt x="4240988" y="244234"/>
+                </a:lnTo>
+                <a:lnTo>
+                  <a:pt x="4390492" y="240032"/>
+                </a:lnTo>
+                <a:lnTo>
+                  <a:pt x="4539997" y="235157"/>
+                </a:lnTo>
+                <a:lnTo>
+                  <a:pt x="4690873" y="228266"/>
+                </a:lnTo>
+                <a:lnTo>
+                  <a:pt x="4843120" y="220029"/>
+                </a:lnTo>
+                <a:lnTo>
+                  <a:pt x="4996054" y="212129"/>
+                </a:lnTo>
+                <a:lnTo>
+                  <a:pt x="5148987" y="202044"/>
+                </a:lnTo>
+                <a:lnTo>
+                  <a:pt x="5303978" y="189941"/>
+                </a:lnTo>
+                <a:lnTo>
+                  <a:pt x="5456911" y="177839"/>
+                </a:lnTo>
+                <a:lnTo>
+                  <a:pt x="5612588" y="163887"/>
+                </a:lnTo>
+                <a:lnTo>
+                  <a:pt x="5768950" y="148591"/>
+                </a:lnTo>
+                <a:lnTo>
+                  <a:pt x="5923255" y="132455"/>
+                </a:lnTo>
+                <a:lnTo>
+                  <a:pt x="6079618" y="113629"/>
+                </a:lnTo>
+                <a:lnTo>
+                  <a:pt x="6235294" y="93458"/>
+                </a:lnTo>
+                <a:lnTo>
+                  <a:pt x="6391657" y="73455"/>
+                </a:lnTo>
+                <a:lnTo>
+                  <a:pt x="6547333" y="50091"/>
+                </a:lnTo>
+                <a:lnTo>
+                  <a:pt x="6702324" y="26222"/>
+                </a:lnTo>
+                <a:close/>
+              </a:path>
+            </a:pathLst>
+          </a:custGeom>
+          <a:ln>
+            <a:noFill/>
+          </a:ln>
+        </p:spPr>
+      </p:sp>
+      <p:sp>
+        <p:nvSpPr>
+          <p:cNvPr id="40" name="Rectangle 39">
+            <a:extLst>
+              <a:ext uri="{FF2B5EF4-FFF2-40B4-BE49-F238E27FC236}">
+                <a16:creationId xmlns:a16="http://schemas.microsoft.com/office/drawing/2014/main" id="{A92A1116-1C84-41DF-B803-1F7B0883EC82}"/>
+              </a:ext>
+              <a:ext uri="{C183D7F6-B498-43B3-948B-1728B52AA6E4}">
+                <adec:decorative xmlns:adec="http://schemas.microsoft.com/office/drawing/2017/decorative" val="1"/>
+              </a:ext>
+            </a:extLst>
+          </p:cNvPr>
+          <p:cNvSpPr>
+            <a:spLocks noGrp="1" noRot="1" noChangeAspect="1" noMove="1" noResize="1" noEditPoints="1" noAdjustHandles="1" noChangeArrowheads="1" noChangeShapeType="1" noTextEdit="1"/>
+          </p:cNvSpPr>
+          <p:nvPr>
+            <p:extLst>
+              <p:ext uri="{386F3935-93C4-4BCD-93E2-E3B085C9AB24}">
+                <p16:designElem xmlns:p16="http://schemas.microsoft.com/office/powerpoint/2015/main" val="1"/>
+              </p:ext>
+            </p:extLst>
+          </p:nvPr>
+        </p:nvSpPr>
+        <p:spPr>
+          <a:xfrm>
+            <a:off x="10442448" y="0"/>
+            <a:ext cx="685800" cy="1143000"/>
+          </a:xfrm>
+          <a:prstGeom prst="rect">
+            <a:avLst/>
+          </a:prstGeom>
+          <a:solidFill>
+            <a:schemeClr val="accent1"/>
+          </a:solidFill>
+          <a:ln>
+            <a:noFill/>
+          </a:ln>
+        </p:spPr>
+        <p:style>
+          <a:lnRef idx="1">
+            <a:schemeClr val="accent1"/>
+          </a:lnRef>
+          <a:fillRef idx="3">
+            <a:schemeClr val="accent1"/>
+          </a:fillRef>
+          <a:effectRef idx="2">
+            <a:schemeClr val="accent1"/>
+          </a:effectRef>
+          <a:fontRef idx="minor">
+            <a:schemeClr val="lt1"/>
+          </a:fontRef>
+        </p:style>
+      </p:sp>
+      <p:pic>
+        <p:nvPicPr>
+          <p:cNvPr id="8" name="Content Placeholder 7">
+            <a:extLst>
+              <a:ext uri="{FF2B5EF4-FFF2-40B4-BE49-F238E27FC236}">
+                <a16:creationId xmlns:a16="http://schemas.microsoft.com/office/drawing/2014/main" id="{227736AA-469C-4DF3-B187-962F68E0A437}"/>
+              </a:ext>
+            </a:extLst>
+          </p:cNvPr>
+          <p:cNvPicPr>
+            <a:picLocks noGrp="1" noChangeAspect="1"/>
+          </p:cNvPicPr>
+          <p:nvPr>
+            <p:ph idx="1"/>
+          </p:nvPr>
+        </p:nvPicPr>
+        <p:blipFill>
+          <a:blip r:embed="rId2"/>
+          <a:stretch>
+            <a:fillRect/>
+          </a:stretch>
+        </p:blipFill>
+        <p:spPr>
+          <a:xfrm>
+            <a:off x="42654" y="2251586"/>
+            <a:ext cx="5206798" cy="4606411"/>
+          </a:xfrm>
+          <a:prstGeom prst="rect">
+            <a:avLst/>
+          </a:prstGeom>
+        </p:spPr>
+      </p:pic>
+      <p:pic>
+        <p:nvPicPr>
+          <p:cNvPr id="6" name="Picture 5">
+            <a:extLst>
+              <a:ext uri="{FF2B5EF4-FFF2-40B4-BE49-F238E27FC236}">
+                <a16:creationId xmlns:a16="http://schemas.microsoft.com/office/drawing/2014/main" id="{6B7E84E1-DD8E-46E0-87A8-78A53F0A1726}"/>
+              </a:ext>
+            </a:extLst>
+          </p:cNvPr>
+          <p:cNvPicPr>
+            <a:picLocks noChangeAspect="1"/>
+          </p:cNvPicPr>
+          <p:nvPr/>
+        </p:nvPicPr>
+        <p:blipFill>
+          <a:blip r:embed="rId3"/>
+          <a:stretch>
+            <a:fillRect/>
+          </a:stretch>
+        </p:blipFill>
+        <p:spPr>
+          <a:xfrm>
+            <a:off x="5291685" y="-2"/>
+            <a:ext cx="2719735" cy="6858000"/>
+          </a:xfrm>
+          <a:prstGeom prst="rect">
+            <a:avLst/>
+          </a:prstGeom>
+        </p:spPr>
+      </p:pic>
+      <p:pic>
+        <p:nvPicPr>
+          <p:cNvPr id="7" name="Picture 6">
+            <a:extLst>
+              <a:ext uri="{FF2B5EF4-FFF2-40B4-BE49-F238E27FC236}">
+                <a16:creationId xmlns:a16="http://schemas.microsoft.com/office/drawing/2014/main" id="{05192910-D731-46FE-A98B-AC1D5F1B5C76}"/>
+              </a:ext>
+            </a:extLst>
+          </p:cNvPr>
+          <p:cNvPicPr>
+            <a:picLocks noChangeAspect="1"/>
+          </p:cNvPicPr>
+          <p:nvPr/>
+        </p:nvPicPr>
+        <p:blipFill>
+          <a:blip r:embed="rId4"/>
+          <a:stretch>
+            <a:fillRect/>
+          </a:stretch>
+        </p:blipFill>
+        <p:spPr>
+          <a:xfrm>
+            <a:off x="8007083" y="-2"/>
+            <a:ext cx="2580801" cy="6858000"/>
+          </a:xfrm>
+          <a:prstGeom prst="rect">
+            <a:avLst/>
+          </a:prstGeom>
+        </p:spPr>
+      </p:pic>
+    </p:spTree>
+    <p:extLst>
+      <p:ext uri="{BB962C8B-B14F-4D97-AF65-F5344CB8AC3E}">
+        <p14:creationId xmlns:p14="http://schemas.microsoft.com/office/powerpoint/2010/main" val="3071618026"/>
+      </p:ext>
+    </p:extLst>
+  </p:cSld>
+  <p:clrMapOvr>
+    <a:overrideClrMapping bg1="lt1" tx1="dk1" bg2="lt2" tx2="dk2" accent1="accent1" accent2="accent2" accent3="accent3" accent4="accent4" accent5="accent5" accent6="accent6" hlink="hlink" folHlink="folHlink"/>
+  </p:clrMapOvr>
+</p:sld>
+</file>
+
 <file path=ppt/slides/slide2.xml><?xml version="1.0" encoding="utf-8"?>
 <p:sld xmlns:a="http://schemas.openxmlformats.org/drawingml/2006/main" xmlns:r="http://schemas.openxmlformats.org/officeDocument/2006/relationships" xmlns:p="http://schemas.openxmlformats.org/presentationml/2006/main">
   <p:cSld>
@@ -6483,7 +7699,43 @@
           <a:bodyPr/>
           <a:lstStyle/>
           <a:p>
-            <a:endParaRPr lang="en-US"/>
+            <a:r>
+              <a:rPr lang="en-US" dirty="0"/>
+              <a:t>See correlation of security breaches over time</a:t>
+            </a:r>
+          </a:p>
+          <a:p>
+            <a:r>
+              <a:rPr lang="en-US" dirty="0"/>
+              <a:t>See the correlation between type of breach and number of individuals effected by the breach</a:t>
+            </a:r>
+          </a:p>
+          <a:p>
+            <a:r>
+              <a:rPr lang="en-US" dirty="0"/>
+              <a:t>See the correlation between the number of breaches and location by state</a:t>
+            </a:r>
+          </a:p>
+          <a:p>
+            <a:r>
+              <a:rPr lang="en-US" dirty="0"/>
+              <a:t>We wanted to see</a:t>
+            </a:r>
+          </a:p>
+          <a:p>
+            <a:r>
+              <a:rPr lang="en-US" dirty="0"/>
+              <a:t>We also wanted to see which type of breach is most common</a:t>
+            </a:r>
+          </a:p>
+          <a:p>
+            <a:r>
+              <a:rPr lang="en-US" dirty="0"/>
+              <a:t>All this information so companies can make better decisions about what kinds of security to invest more resources </a:t>
+            </a:r>
+          </a:p>
+          <a:p>
+            <a:endParaRPr lang="en-US" dirty="0"/>
           </a:p>
         </p:txBody>
       </p:sp>
@@ -6522,6 +7774,215 @@
           <p:cNvPr id="2" name="Title 1">
             <a:extLst>
               <a:ext uri="{FF2B5EF4-FFF2-40B4-BE49-F238E27FC236}">
+                <a16:creationId xmlns:a16="http://schemas.microsoft.com/office/drawing/2014/main" id="{CB5CE5E7-8A27-4B08-9DCA-010E02327D47}"/>
+              </a:ext>
+            </a:extLst>
+          </p:cNvPr>
+          <p:cNvSpPr>
+            <a:spLocks noGrp="1"/>
+          </p:cNvSpPr>
+          <p:nvPr>
+            <p:ph type="title"/>
+          </p:nvPr>
+        </p:nvSpPr>
+        <p:spPr/>
+        <p:txBody>
+          <a:bodyPr/>
+          <a:lstStyle/>
+          <a:p>
+            <a:r>
+              <a:rPr lang="en-US" dirty="0"/>
+              <a:t>Dataset</a:t>
+            </a:r>
+          </a:p>
+        </p:txBody>
+      </p:sp>
+      <p:sp>
+        <p:nvSpPr>
+          <p:cNvPr id="3" name="Content Placeholder 2">
+            <a:extLst>
+              <a:ext uri="{FF2B5EF4-FFF2-40B4-BE49-F238E27FC236}">
+                <a16:creationId xmlns:a16="http://schemas.microsoft.com/office/drawing/2014/main" id="{2A191A4D-F631-4BDC-B1C9-E93CE4A8B8F2}"/>
+              </a:ext>
+            </a:extLst>
+          </p:cNvPr>
+          <p:cNvSpPr>
+            <a:spLocks noGrp="1"/>
+          </p:cNvSpPr>
+          <p:nvPr>
+            <p:ph idx="1"/>
+          </p:nvPr>
+        </p:nvSpPr>
+        <p:spPr/>
+        <p:txBody>
+          <a:bodyPr/>
+          <a:lstStyle/>
+          <a:p>
+            <a:r>
+              <a:rPr lang="en-US" dirty="0"/>
+              <a:t>Various information regarding data breaches in the US</a:t>
+            </a:r>
+          </a:p>
+          <a:p>
+            <a:r>
+              <a:rPr lang="en-US" u="sng" dirty="0">
+                <a:hlinkClick r:id="rId2"/>
+              </a:rPr>
+              <a:t>https://public.tableau.com/profile/chris1505#!/vizhome/DatasetExplorationandDowbload/DatabaseDash?publish=yes</a:t>
+            </a:r>
+            <a:r>
+              <a:rPr lang="en-US" dirty="0"/>
+              <a:t>.</a:t>
+            </a:r>
+          </a:p>
+          <a:p>
+            <a:endParaRPr lang="en-US" dirty="0"/>
+          </a:p>
+        </p:txBody>
+      </p:sp>
+    </p:spTree>
+    <p:extLst>
+      <p:ext uri="{BB962C8B-B14F-4D97-AF65-F5344CB8AC3E}">
+        <p14:creationId xmlns:p14="http://schemas.microsoft.com/office/powerpoint/2010/main" val="2520534428"/>
+      </p:ext>
+    </p:extLst>
+  </p:cSld>
+  <p:clrMapOvr>
+    <a:masterClrMapping/>
+  </p:clrMapOvr>
+</p:sld>
+</file>
+
+<file path=ppt/slides/slide7.xml><?xml version="1.0" encoding="utf-8"?>
+<p:sld xmlns:a="http://schemas.openxmlformats.org/drawingml/2006/main" xmlns:r="http://schemas.openxmlformats.org/officeDocument/2006/relationships" xmlns:p="http://schemas.openxmlformats.org/presentationml/2006/main">
+  <p:cSld>
+    <p:spTree>
+      <p:nvGrpSpPr>
+        <p:cNvPr id="1" name=""/>
+        <p:cNvGrpSpPr/>
+        <p:nvPr/>
+      </p:nvGrpSpPr>
+      <p:grpSpPr>
+        <a:xfrm>
+          <a:off x="0" y="0"/>
+          <a:ext cx="0" cy="0"/>
+          <a:chOff x="0" y="0"/>
+          <a:chExt cx="0" cy="0"/>
+        </a:xfrm>
+      </p:grpSpPr>
+      <p:sp>
+        <p:nvSpPr>
+          <p:cNvPr id="2" name="Title 1">
+            <a:extLst>
+              <a:ext uri="{FF2B5EF4-FFF2-40B4-BE49-F238E27FC236}">
+                <a16:creationId xmlns:a16="http://schemas.microsoft.com/office/drawing/2014/main" id="{F6245BC1-A248-44F8-B86B-F4D0F295699E}"/>
+              </a:ext>
+            </a:extLst>
+          </p:cNvPr>
+          <p:cNvSpPr>
+            <a:spLocks noGrp="1"/>
+          </p:cNvSpPr>
+          <p:nvPr>
+            <p:ph type="title"/>
+          </p:nvPr>
+        </p:nvSpPr>
+        <p:spPr/>
+        <p:txBody>
+          <a:bodyPr/>
+          <a:lstStyle/>
+          <a:p>
+            <a:r>
+              <a:rPr lang="en-US" dirty="0"/>
+              <a:t>Cleaning the Dataset</a:t>
+            </a:r>
+          </a:p>
+        </p:txBody>
+      </p:sp>
+      <p:sp>
+        <p:nvSpPr>
+          <p:cNvPr id="3" name="Content Placeholder 2">
+            <a:extLst>
+              <a:ext uri="{FF2B5EF4-FFF2-40B4-BE49-F238E27FC236}">
+                <a16:creationId xmlns:a16="http://schemas.microsoft.com/office/drawing/2014/main" id="{5C9EE4AD-9CE5-478C-822F-67F47BD6A35E}"/>
+              </a:ext>
+            </a:extLst>
+          </p:cNvPr>
+          <p:cNvSpPr>
+            <a:spLocks noGrp="1"/>
+          </p:cNvSpPr>
+          <p:nvPr>
+            <p:ph idx="1"/>
+          </p:nvPr>
+        </p:nvSpPr>
+        <p:spPr/>
+        <p:txBody>
+          <a:bodyPr/>
+          <a:lstStyle/>
+          <a:p>
+            <a:r>
+              <a:rPr lang="en-US" dirty="0"/>
+              <a:t>Removed some irrelevant rows</a:t>
+            </a:r>
+          </a:p>
+          <a:p>
+            <a:r>
+              <a:rPr lang="en-US" dirty="0"/>
+              <a:t>Corrected the names of some companies</a:t>
+            </a:r>
+          </a:p>
+          <a:p>
+            <a:r>
+              <a:rPr lang="en-US" dirty="0"/>
+              <a:t>Changed dates to date datatype instead of char string</a:t>
+            </a:r>
+          </a:p>
+          <a:p>
+            <a:pPr lvl="1"/>
+            <a:r>
+              <a:rPr lang="en-US" dirty="0"/>
+              <a:t>Easier to use date data and sort by time</a:t>
+            </a:r>
+          </a:p>
+          <a:p>
+            <a:endParaRPr lang="en-US" dirty="0"/>
+          </a:p>
+        </p:txBody>
+      </p:sp>
+    </p:spTree>
+    <p:extLst>
+      <p:ext uri="{BB962C8B-B14F-4D97-AF65-F5344CB8AC3E}">
+        <p14:creationId xmlns:p14="http://schemas.microsoft.com/office/powerpoint/2010/main" val="2092159196"/>
+      </p:ext>
+    </p:extLst>
+  </p:cSld>
+  <p:clrMapOvr>
+    <a:masterClrMapping/>
+  </p:clrMapOvr>
+</p:sld>
+</file>
+
+<file path=ppt/slides/slide8.xml><?xml version="1.0" encoding="utf-8"?>
+<p:sld xmlns:a="http://schemas.openxmlformats.org/drawingml/2006/main" xmlns:r="http://schemas.openxmlformats.org/officeDocument/2006/relationships" xmlns:p="http://schemas.openxmlformats.org/presentationml/2006/main">
+  <p:cSld>
+    <p:spTree>
+      <p:nvGrpSpPr>
+        <p:cNvPr id="1" name=""/>
+        <p:cNvGrpSpPr/>
+        <p:nvPr/>
+      </p:nvGrpSpPr>
+      <p:grpSpPr>
+        <a:xfrm>
+          <a:off x="0" y="0"/>
+          <a:ext cx="0" cy="0"/>
+          <a:chOff x="0" y="0"/>
+          <a:chExt cx="0" cy="0"/>
+        </a:xfrm>
+      </p:grpSpPr>
+      <p:sp>
+        <p:nvSpPr>
+          <p:cNvPr id="2" name="Title 1">
+            <a:extLst>
+              <a:ext uri="{FF2B5EF4-FFF2-40B4-BE49-F238E27FC236}">
                 <a16:creationId xmlns:a16="http://schemas.microsoft.com/office/drawing/2014/main" id="{472E65E1-D1E4-45C6-B505-C4489B3FFE67}"/>
               </a:ext>
             </a:extLst>
@@ -6623,7 +8084,7 @@
 </p:sld>
 </file>
 
-<file path=ppt/slides/slide7.xml><?xml version="1.0" encoding="utf-8"?>
+<file path=ppt/slides/slide9.xml><?xml version="1.0" encoding="utf-8"?>
 <p:sld xmlns:a="http://schemas.openxmlformats.org/drawingml/2006/main" xmlns:r="http://schemas.openxmlformats.org/officeDocument/2006/relationships" xmlns:p="http://schemas.openxmlformats.org/presentationml/2006/main">
   <p:cSld>
     <p:bg>
@@ -7993,1220 +9454,6 @@
     <p:extLst>
       <p:ext uri="{BB962C8B-B14F-4D97-AF65-F5344CB8AC3E}">
         <p14:creationId xmlns:p14="http://schemas.microsoft.com/office/powerpoint/2010/main" val="3913640434"/>
-      </p:ext>
-    </p:extLst>
-  </p:cSld>
-  <p:clrMapOvr>
-    <a:overrideClrMapping bg1="lt1" tx1="dk1" bg2="lt2" tx2="dk2" accent1="accent1" accent2="accent2" accent3="accent3" accent4="accent4" accent5="accent5" accent6="accent6" hlink="hlink" folHlink="folHlink"/>
-  </p:clrMapOvr>
-</p:sld>
-</file>
-
-<file path=ppt/slides/slide8.xml><?xml version="1.0" encoding="utf-8"?>
-<p:sld xmlns:a="http://schemas.openxmlformats.org/drawingml/2006/main" xmlns:r="http://schemas.openxmlformats.org/officeDocument/2006/relationships" xmlns:p="http://schemas.openxmlformats.org/presentationml/2006/main">
-  <p:cSld>
-    <p:spTree>
-      <p:nvGrpSpPr>
-        <p:cNvPr id="1" name=""/>
-        <p:cNvGrpSpPr/>
-        <p:nvPr/>
-      </p:nvGrpSpPr>
-      <p:grpSpPr>
-        <a:xfrm>
-          <a:off x="0" y="0"/>
-          <a:ext cx="0" cy="0"/>
-          <a:chOff x="0" y="0"/>
-          <a:chExt cx="0" cy="0"/>
-        </a:xfrm>
-      </p:grpSpPr>
-      <p:sp>
-        <p:nvSpPr>
-          <p:cNvPr id="2" name="Title 1">
-            <a:extLst>
-              <a:ext uri="{FF2B5EF4-FFF2-40B4-BE49-F238E27FC236}">
-                <a16:creationId xmlns:a16="http://schemas.microsoft.com/office/drawing/2014/main" id="{409E1707-0672-43E1-91AF-4377E8403A3C}"/>
-              </a:ext>
-            </a:extLst>
-          </p:cNvPr>
-          <p:cNvSpPr>
-            <a:spLocks noGrp="1"/>
-          </p:cNvSpPr>
-          <p:nvPr>
-            <p:ph type="title"/>
-          </p:nvPr>
-        </p:nvSpPr>
-        <p:spPr/>
-        <p:txBody>
-          <a:bodyPr/>
-          <a:lstStyle/>
-          <a:p>
-            <a:pPr algn="ctr"/>
-            <a:r>
-              <a:rPr lang="en-US" dirty="0"/>
-              <a:t>Confusion Matrix and SVM</a:t>
-            </a:r>
-            <a:br>
-              <a:rPr lang="en-US" dirty="0"/>
-            </a:br>
-            <a:endParaRPr lang="en-US" dirty="0"/>
-          </a:p>
-        </p:txBody>
-      </p:sp>
-      <p:sp>
-        <p:nvSpPr>
-          <p:cNvPr id="3" name="Content Placeholder 2">
-            <a:extLst>
-              <a:ext uri="{FF2B5EF4-FFF2-40B4-BE49-F238E27FC236}">
-                <a16:creationId xmlns:a16="http://schemas.microsoft.com/office/drawing/2014/main" id="{74176F2D-4BC5-4AC0-AC96-DBDC7FAC5129}"/>
-              </a:ext>
-            </a:extLst>
-          </p:cNvPr>
-          <p:cNvSpPr>
-            <a:spLocks noGrp="1"/>
-          </p:cNvSpPr>
-          <p:nvPr>
-            <p:ph idx="1"/>
-          </p:nvPr>
-        </p:nvSpPr>
-        <p:spPr/>
-        <p:txBody>
-          <a:bodyPr/>
-          <a:lstStyle/>
-          <a:p>
-            <a:r>
-              <a:rPr lang="en-US" dirty="0"/>
-              <a:t>So when reading the matrix that we created it shows the states in the top 25 and compares them to the rest of the spectrum of the data and where it falls.</a:t>
-            </a:r>
-          </a:p>
-          <a:p>
-            <a:r>
-              <a:rPr lang="en-US" dirty="0"/>
-              <a:t>I have also used a generalized linear model to show the different results with the data such as the null and residual deviance having low values of 8.3972 and 8.3967 which means strong goodness of fit if and when the data is placed in the model like the bar chart.</a:t>
-            </a:r>
-          </a:p>
-          <a:p>
-            <a:r>
-              <a:rPr lang="en-US" dirty="0"/>
-              <a:t>Another key piece is the high statistical significance of 9.290e-07 which show the data being very relevant and essential in interpreting the rest of the data set.</a:t>
-            </a:r>
-          </a:p>
-          <a:p>
-            <a:pPr marL="0" indent="0">
-              <a:buNone/>
-            </a:pPr>
-            <a:endParaRPr lang="en-US" dirty="0"/>
-          </a:p>
-        </p:txBody>
-      </p:sp>
-    </p:spTree>
-    <p:extLst>
-      <p:ext uri="{BB962C8B-B14F-4D97-AF65-F5344CB8AC3E}">
-        <p14:creationId xmlns:p14="http://schemas.microsoft.com/office/powerpoint/2010/main" val="3637660610"/>
-      </p:ext>
-    </p:extLst>
-  </p:cSld>
-  <p:clrMapOvr>
-    <a:masterClrMapping/>
-  </p:clrMapOvr>
-</p:sld>
-</file>
-
-<file path=ppt/slides/slide9.xml><?xml version="1.0" encoding="utf-8"?>
-<p:sld xmlns:a="http://schemas.openxmlformats.org/drawingml/2006/main" xmlns:r="http://schemas.openxmlformats.org/officeDocument/2006/relationships" xmlns:p="http://schemas.openxmlformats.org/presentationml/2006/main">
-  <p:cSld>
-    <p:bg>
-      <p:bgPr>
-        <a:solidFill>
-          <a:schemeClr val="bg1"/>
-        </a:solidFill>
-        <a:effectLst/>
-      </p:bgPr>
-    </p:bg>
-    <p:spTree>
-      <p:nvGrpSpPr>
-        <p:cNvPr id="1" name=""/>
-        <p:cNvGrpSpPr/>
-        <p:nvPr/>
-      </p:nvGrpSpPr>
-      <p:grpSpPr>
-        <a:xfrm>
-          <a:off x="0" y="0"/>
-          <a:ext cx="0" cy="0"/>
-          <a:chOff x="0" y="0"/>
-          <a:chExt cx="0" cy="0"/>
-        </a:xfrm>
-      </p:grpSpPr>
-      <p:sp>
-        <p:nvSpPr>
-          <p:cNvPr id="34" name="Rectangle 33">
-            <a:extLst>
-              <a:ext uri="{FF2B5EF4-FFF2-40B4-BE49-F238E27FC236}">
-                <a16:creationId xmlns:a16="http://schemas.microsoft.com/office/drawing/2014/main" id="{B4AAD3FD-83A5-4B89-9F8F-01B8870865BE}"/>
-              </a:ext>
-              <a:ext uri="{C183D7F6-B498-43B3-948B-1728B52AA6E4}">
-                <adec:decorative xmlns:adec="http://schemas.microsoft.com/office/drawing/2017/decorative" val="1"/>
-              </a:ext>
-            </a:extLst>
-          </p:cNvPr>
-          <p:cNvSpPr>
-            <a:spLocks noGrp="1" noRot="1" noChangeAspect="1" noMove="1" noResize="1" noEditPoints="1" noAdjustHandles="1" noChangeArrowheads="1" noChangeShapeType="1" noTextEdit="1"/>
-          </p:cNvSpPr>
-          <p:nvPr>
-            <p:extLst>
-              <p:ext uri="{386F3935-93C4-4BCD-93E2-E3B085C9AB24}">
-                <p16:designElem xmlns:p16="http://schemas.microsoft.com/office/powerpoint/2015/main" val="1"/>
-              </p:ext>
-            </p:extLst>
-          </p:nvPr>
-        </p:nvSpPr>
-        <p:spPr>
-          <a:xfrm>
-            <a:off x="0" y="0"/>
-            <a:ext cx="12192000" cy="6858000"/>
-          </a:xfrm>
-          <a:prstGeom prst="rect">
-            <a:avLst/>
-          </a:prstGeom>
-          <a:ln>
-            <a:noFill/>
-          </a:ln>
-        </p:spPr>
-        <p:style>
-          <a:lnRef idx="2">
-            <a:schemeClr val="accent1">
-              <a:shade val="50000"/>
-            </a:schemeClr>
-          </a:lnRef>
-          <a:fillRef idx="1003">
-            <a:schemeClr val="dk2"/>
-          </a:fillRef>
-          <a:effectRef idx="0">
-            <a:schemeClr val="accent1"/>
-          </a:effectRef>
-          <a:fontRef idx="minor">
-            <a:schemeClr val="lt1"/>
-          </a:fontRef>
-        </p:style>
-        <p:txBody>
-          <a:bodyPr rtlCol="0" anchor="ctr"/>
-          <a:lstStyle/>
-          <a:p>
-            <a:pPr algn="ctr"/>
-            <a:endParaRPr lang="en-US"/>
-          </a:p>
-        </p:txBody>
-      </p:sp>
-      <p:sp>
-        <p:nvSpPr>
-          <p:cNvPr id="2" name="Title 1">
-            <a:extLst>
-              <a:ext uri="{FF2B5EF4-FFF2-40B4-BE49-F238E27FC236}">
-                <a16:creationId xmlns:a16="http://schemas.microsoft.com/office/drawing/2014/main" id="{C8162125-F6B4-44E4-8CB8-C6AF9B9D46E4}"/>
-              </a:ext>
-            </a:extLst>
-          </p:cNvPr>
-          <p:cNvSpPr>
-            <a:spLocks noGrp="1"/>
-          </p:cNvSpPr>
-          <p:nvPr>
-            <p:ph type="title"/>
-          </p:nvPr>
-        </p:nvSpPr>
-        <p:spPr>
-          <a:xfrm>
-            <a:off x="648931" y="629266"/>
-            <a:ext cx="4166510" cy="1622321"/>
-          </a:xfrm>
-        </p:spPr>
-        <p:txBody>
-          <a:bodyPr vert="horz" lIns="91440" tIns="45720" rIns="91440" bIns="45720" rtlCol="0">
-            <a:normAutofit/>
-          </a:bodyPr>
-          <a:lstStyle/>
-          <a:p>
-            <a:pPr>
-              <a:lnSpc>
-                <a:spcPct val="90000"/>
-              </a:lnSpc>
-            </a:pPr>
-            <a:r>
-              <a:rPr lang="en-US" sz="3600" b="0" i="0" kern="1200">
-                <a:solidFill>
-                  <a:srgbClr val="EBEBEB"/>
-                </a:solidFill>
-                <a:latin typeface="+mj-lt"/>
-                <a:ea typeface="+mj-ea"/>
-                <a:cs typeface="+mj-cs"/>
-              </a:rPr>
-              <a:t>Confusion matrix Diagram and SVM Stats</a:t>
-            </a:r>
-          </a:p>
-        </p:txBody>
-      </p:sp>
-      <p:sp>
-        <p:nvSpPr>
-          <p:cNvPr id="36" name="Freeform 31">
-            <a:extLst>
-              <a:ext uri="{FF2B5EF4-FFF2-40B4-BE49-F238E27FC236}">
-                <a16:creationId xmlns:a16="http://schemas.microsoft.com/office/drawing/2014/main" id="{61752F1D-FC0F-4103-9584-630E643CCDA6}"/>
-              </a:ext>
-              <a:ext uri="{C183D7F6-B498-43B3-948B-1728B52AA6E4}">
-                <adec:decorative xmlns:adec="http://schemas.microsoft.com/office/drawing/2017/decorative" val="1"/>
-              </a:ext>
-            </a:extLst>
-          </p:cNvPr>
-          <p:cNvSpPr>
-            <a:spLocks noGrp="1" noRot="1" noChangeAspect="1" noMove="1" noResize="1" noEditPoints="1" noAdjustHandles="1" noChangeArrowheads="1" noChangeShapeType="1" noTextEdit="1"/>
-          </p:cNvSpPr>
-          <p:nvPr>
-            <p:extLst>
-              <p:ext uri="{386F3935-93C4-4BCD-93E2-E3B085C9AB24}">
-                <p16:designElem xmlns:p16="http://schemas.microsoft.com/office/powerpoint/2015/main" val="1"/>
-              </p:ext>
-            </p:extLst>
-          </p:nvPr>
-        </p:nvSpPr>
-        <p:spPr>
-          <a:xfrm>
-            <a:off x="4994020" y="-1"/>
-            <a:ext cx="559472" cy="3709642"/>
-          </a:xfrm>
-          <a:custGeom>
-            <a:avLst/>
-            <a:gdLst>
-              <a:gd name="connsiteX0" fmla="*/ 0 w 559472"/>
-              <a:gd name="connsiteY0" fmla="*/ 0 h 3709642"/>
-              <a:gd name="connsiteX1" fmla="*/ 473952 w 559472"/>
-              <a:gd name="connsiteY1" fmla="*/ 0 h 3709642"/>
-              <a:gd name="connsiteX2" fmla="*/ 485840 w 559472"/>
-              <a:gd name="connsiteY2" fmla="*/ 161194 h 3709642"/>
-              <a:gd name="connsiteX3" fmla="*/ 523949 w 559472"/>
-              <a:gd name="connsiteY3" fmla="*/ 3672197 h 3709642"/>
-              <a:gd name="connsiteX4" fmla="*/ 454748 w 559472"/>
-              <a:gd name="connsiteY4" fmla="*/ 3709642 h 3709642"/>
-              <a:gd name="connsiteX5" fmla="*/ 448224 w 559472"/>
-              <a:gd name="connsiteY5" fmla="*/ 3510471 h 3709642"/>
-              <a:gd name="connsiteX6" fmla="*/ 443564 w 559472"/>
-              <a:gd name="connsiteY6" fmla="*/ 3408563 h 3709642"/>
-              <a:gd name="connsiteX7" fmla="*/ 438902 w 559472"/>
-              <a:gd name="connsiteY7" fmla="*/ 3304407 h 3709642"/>
-              <a:gd name="connsiteX8" fmla="*/ 433941 w 559472"/>
-              <a:gd name="connsiteY8" fmla="*/ 3198777 h 3709642"/>
-              <a:gd name="connsiteX9" fmla="*/ 427584 w 559472"/>
-              <a:gd name="connsiteY9" fmla="*/ 3092510 h 3709642"/>
-              <a:gd name="connsiteX10" fmla="*/ 420988 w 559472"/>
-              <a:gd name="connsiteY10" fmla="*/ 2984390 h 3709642"/>
-              <a:gd name="connsiteX11" fmla="*/ 414330 w 559472"/>
-              <a:gd name="connsiteY11" fmla="*/ 2874401 h 3709642"/>
-              <a:gd name="connsiteX12" fmla="*/ 406840 w 559472"/>
-              <a:gd name="connsiteY12" fmla="*/ 2762980 h 3709642"/>
-              <a:gd name="connsiteX13" fmla="*/ 397745 w 559472"/>
-              <a:gd name="connsiteY13" fmla="*/ 2650566 h 3709642"/>
-              <a:gd name="connsiteX14" fmla="*/ 389154 w 559472"/>
-              <a:gd name="connsiteY14" fmla="*/ 2536612 h 3709642"/>
-              <a:gd name="connsiteX15" fmla="*/ 379225 w 559472"/>
-              <a:gd name="connsiteY15" fmla="*/ 2421642 h 3709642"/>
-              <a:gd name="connsiteX16" fmla="*/ 368316 w 559472"/>
-              <a:gd name="connsiteY16" fmla="*/ 2305627 h 3709642"/>
-              <a:gd name="connsiteX17" fmla="*/ 357466 w 559472"/>
-              <a:gd name="connsiteY17" fmla="*/ 2189233 h 3709642"/>
-              <a:gd name="connsiteX18" fmla="*/ 344982 w 559472"/>
-              <a:gd name="connsiteY18" fmla="*/ 2071473 h 3709642"/>
-              <a:gd name="connsiteX19" fmla="*/ 332466 w 559472"/>
-              <a:gd name="connsiteY19" fmla="*/ 1952216 h 3709642"/>
-              <a:gd name="connsiteX20" fmla="*/ 319121 w 559472"/>
-              <a:gd name="connsiteY20" fmla="*/ 1833776 h 3709642"/>
-              <a:gd name="connsiteX21" fmla="*/ 304408 w 559472"/>
-              <a:gd name="connsiteY21" fmla="*/ 1713948 h 3709642"/>
-              <a:gd name="connsiteX22" fmla="*/ 288685 w 559472"/>
-              <a:gd name="connsiteY22" fmla="*/ 1592703 h 3709642"/>
-              <a:gd name="connsiteX23" fmla="*/ 273050 w 559472"/>
-              <a:gd name="connsiteY23" fmla="*/ 1471451 h 3709642"/>
-              <a:gd name="connsiteX24" fmla="*/ 255813 w 559472"/>
-              <a:gd name="connsiteY24" fmla="*/ 1350328 h 3709642"/>
-              <a:gd name="connsiteX25" fmla="*/ 237060 w 559472"/>
-              <a:gd name="connsiteY25" fmla="*/ 1227080 h 3709642"/>
-              <a:gd name="connsiteX26" fmla="*/ 218488 w 559472"/>
-              <a:gd name="connsiteY26" fmla="*/ 1106065 h 3709642"/>
-              <a:gd name="connsiteX27" fmla="*/ 198221 w 559472"/>
-              <a:gd name="connsiteY27" fmla="*/ 982940 h 3709642"/>
-              <a:gd name="connsiteX28" fmla="*/ 177152 w 559472"/>
-              <a:gd name="connsiteY28" fmla="*/ 858755 h 3709642"/>
-              <a:gd name="connsiteX29" fmla="*/ 155551 w 559472"/>
-              <a:gd name="connsiteY29" fmla="*/ 736861 h 3709642"/>
-              <a:gd name="connsiteX30" fmla="*/ 131782 w 559472"/>
-              <a:gd name="connsiteY30" fmla="*/ 613645 h 3709642"/>
-              <a:gd name="connsiteX31" fmla="*/ 107123 w 559472"/>
-              <a:gd name="connsiteY31" fmla="*/ 490500 h 3709642"/>
-              <a:gd name="connsiteX32" fmla="*/ 82552 w 559472"/>
-              <a:gd name="connsiteY32" fmla="*/ 367348 h 3709642"/>
-              <a:gd name="connsiteX33" fmla="*/ 55608 w 559472"/>
-              <a:gd name="connsiteY33" fmla="*/ 244762 h 3709642"/>
-              <a:gd name="connsiteX34" fmla="*/ 28130 w 559472"/>
-              <a:gd name="connsiteY34" fmla="*/ 122220 h 3709642"/>
-              <a:gd name="connsiteX35" fmla="*/ 0 w 559472"/>
-              <a:gd name="connsiteY35" fmla="*/ 0 h 3709642"/>
-            </a:gdLst>
-            <a:ahLst/>
-            <a:cxnLst>
-              <a:cxn ang="0">
-                <a:pos x="connsiteX0" y="connsiteY0"/>
-              </a:cxn>
-              <a:cxn ang="0">
-                <a:pos x="connsiteX1" y="connsiteY1"/>
-              </a:cxn>
-              <a:cxn ang="0">
-                <a:pos x="connsiteX2" y="connsiteY2"/>
-              </a:cxn>
-              <a:cxn ang="0">
-                <a:pos x="connsiteX3" y="connsiteY3"/>
-              </a:cxn>
-              <a:cxn ang="0">
-                <a:pos x="connsiteX4" y="connsiteY4"/>
-              </a:cxn>
-              <a:cxn ang="0">
-                <a:pos x="connsiteX5" y="connsiteY5"/>
-              </a:cxn>
-              <a:cxn ang="0">
-                <a:pos x="connsiteX6" y="connsiteY6"/>
-              </a:cxn>
-              <a:cxn ang="0">
-                <a:pos x="connsiteX7" y="connsiteY7"/>
-              </a:cxn>
-              <a:cxn ang="0">
-                <a:pos x="connsiteX8" y="connsiteY8"/>
-              </a:cxn>
-              <a:cxn ang="0">
-                <a:pos x="connsiteX9" y="connsiteY9"/>
-              </a:cxn>
-              <a:cxn ang="0">
-                <a:pos x="connsiteX10" y="connsiteY10"/>
-              </a:cxn>
-              <a:cxn ang="0">
-                <a:pos x="connsiteX11" y="connsiteY11"/>
-              </a:cxn>
-              <a:cxn ang="0">
-                <a:pos x="connsiteX12" y="connsiteY12"/>
-              </a:cxn>
-              <a:cxn ang="0">
-                <a:pos x="connsiteX13" y="connsiteY13"/>
-              </a:cxn>
-              <a:cxn ang="0">
-                <a:pos x="connsiteX14" y="connsiteY14"/>
-              </a:cxn>
-              <a:cxn ang="0">
-                <a:pos x="connsiteX15" y="connsiteY15"/>
-              </a:cxn>
-              <a:cxn ang="0">
-                <a:pos x="connsiteX16" y="connsiteY16"/>
-              </a:cxn>
-              <a:cxn ang="0">
-                <a:pos x="connsiteX17" y="connsiteY17"/>
-              </a:cxn>
-              <a:cxn ang="0">
-                <a:pos x="connsiteX18" y="connsiteY18"/>
-              </a:cxn>
-              <a:cxn ang="0">
-                <a:pos x="connsiteX19" y="connsiteY19"/>
-              </a:cxn>
-              <a:cxn ang="0">
-                <a:pos x="connsiteX20" y="connsiteY20"/>
-              </a:cxn>
-              <a:cxn ang="0">
-                <a:pos x="connsiteX21" y="connsiteY21"/>
-              </a:cxn>
-              <a:cxn ang="0">
-                <a:pos x="connsiteX22" y="connsiteY22"/>
-              </a:cxn>
-              <a:cxn ang="0">
-                <a:pos x="connsiteX23" y="connsiteY23"/>
-              </a:cxn>
-              <a:cxn ang="0">
-                <a:pos x="connsiteX24" y="connsiteY24"/>
-              </a:cxn>
-              <a:cxn ang="0">
-                <a:pos x="connsiteX25" y="connsiteY25"/>
-              </a:cxn>
-              <a:cxn ang="0">
-                <a:pos x="connsiteX26" y="connsiteY26"/>
-              </a:cxn>
-              <a:cxn ang="0">
-                <a:pos x="connsiteX27" y="connsiteY27"/>
-              </a:cxn>
-              <a:cxn ang="0">
-                <a:pos x="connsiteX28" y="connsiteY28"/>
-              </a:cxn>
-              <a:cxn ang="0">
-                <a:pos x="connsiteX29" y="connsiteY29"/>
-              </a:cxn>
-              <a:cxn ang="0">
-                <a:pos x="connsiteX30" y="connsiteY30"/>
-              </a:cxn>
-              <a:cxn ang="0">
-                <a:pos x="connsiteX31" y="connsiteY31"/>
-              </a:cxn>
-              <a:cxn ang="0">
-                <a:pos x="connsiteX32" y="connsiteY32"/>
-              </a:cxn>
-              <a:cxn ang="0">
-                <a:pos x="connsiteX33" y="connsiteY33"/>
-              </a:cxn>
-              <a:cxn ang="0">
-                <a:pos x="connsiteX34" y="connsiteY34"/>
-              </a:cxn>
-              <a:cxn ang="0">
-                <a:pos x="connsiteX35" y="connsiteY35"/>
-              </a:cxn>
-            </a:cxnLst>
-            <a:rect l="l" t="t" r="r" b="b"/>
-            <a:pathLst>
-              <a:path w="559472" h="3709642">
-                <a:moveTo>
-                  <a:pt x="0" y="0"/>
-                </a:moveTo>
-                <a:lnTo>
-                  <a:pt x="473952" y="0"/>
-                </a:lnTo>
-                <a:lnTo>
-                  <a:pt x="485840" y="161194"/>
-                </a:lnTo>
-                <a:cubicBezTo>
-                  <a:pt x="552063" y="1147770"/>
-                  <a:pt x="592441" y="3086737"/>
-                  <a:pt x="523949" y="3672197"/>
-                </a:cubicBezTo>
-                <a:cubicBezTo>
-                  <a:pt x="500842" y="3684557"/>
-                  <a:pt x="477855" y="3697282"/>
-                  <a:pt x="454748" y="3709642"/>
-                </a:cubicBezTo>
-                <a:lnTo>
-                  <a:pt x="448224" y="3510471"/>
-                </a:lnTo>
-                <a:lnTo>
-                  <a:pt x="443564" y="3408563"/>
-                </a:lnTo>
-                <a:lnTo>
-                  <a:pt x="438902" y="3304407"/>
-                </a:lnTo>
-                <a:lnTo>
-                  <a:pt x="433941" y="3198777"/>
-                </a:lnTo>
-                <a:lnTo>
-                  <a:pt x="427584" y="3092510"/>
-                </a:lnTo>
-                <a:lnTo>
-                  <a:pt x="420988" y="2984390"/>
-                </a:lnTo>
-                <a:lnTo>
-                  <a:pt x="414330" y="2874401"/>
-                </a:lnTo>
-                <a:lnTo>
-                  <a:pt x="406840" y="2762980"/>
-                </a:lnTo>
-                <a:lnTo>
-                  <a:pt x="397745" y="2650566"/>
-                </a:lnTo>
-                <a:lnTo>
-                  <a:pt x="389154" y="2536612"/>
-                </a:lnTo>
-                <a:lnTo>
-                  <a:pt x="379225" y="2421642"/>
-                </a:lnTo>
-                <a:lnTo>
-                  <a:pt x="368316" y="2305627"/>
-                </a:lnTo>
-                <a:lnTo>
-                  <a:pt x="357466" y="2189233"/>
-                </a:lnTo>
-                <a:lnTo>
-                  <a:pt x="344982" y="2071473"/>
-                </a:lnTo>
-                <a:lnTo>
-                  <a:pt x="332466" y="1952216"/>
-                </a:lnTo>
-                <a:lnTo>
-                  <a:pt x="319121" y="1833776"/>
-                </a:lnTo>
-                <a:lnTo>
-                  <a:pt x="304408" y="1713948"/>
-                </a:lnTo>
-                <a:lnTo>
-                  <a:pt x="288685" y="1592703"/>
-                </a:lnTo>
-                <a:lnTo>
-                  <a:pt x="273050" y="1471451"/>
-                </a:lnTo>
-                <a:lnTo>
-                  <a:pt x="255813" y="1350328"/>
-                </a:lnTo>
-                <a:lnTo>
-                  <a:pt x="237060" y="1227080"/>
-                </a:lnTo>
-                <a:lnTo>
-                  <a:pt x="218488" y="1106065"/>
-                </a:lnTo>
-                <a:lnTo>
-                  <a:pt x="198221" y="982940"/>
-                </a:lnTo>
-                <a:lnTo>
-                  <a:pt x="177152" y="858755"/>
-                </a:lnTo>
-                <a:lnTo>
-                  <a:pt x="155551" y="736861"/>
-                </a:lnTo>
-                <a:lnTo>
-                  <a:pt x="131782" y="613645"/>
-                </a:lnTo>
-                <a:lnTo>
-                  <a:pt x="107123" y="490500"/>
-                </a:lnTo>
-                <a:lnTo>
-                  <a:pt x="82552" y="367348"/>
-                </a:lnTo>
-                <a:lnTo>
-                  <a:pt x="55608" y="244762"/>
-                </a:lnTo>
-                <a:lnTo>
-                  <a:pt x="28130" y="122220"/>
-                </a:lnTo>
-                <a:lnTo>
-                  <a:pt x="0" y="0"/>
-                </a:lnTo>
-                <a:close/>
-              </a:path>
-            </a:pathLst>
-          </a:custGeom>
-          <a:solidFill>
-            <a:schemeClr val="bg1">
-              <a:alpha val="20000"/>
-            </a:schemeClr>
-          </a:solidFill>
-          <a:ln>
-            <a:noFill/>
-          </a:ln>
-        </p:spPr>
-        <p:txBody>
-          <a:bodyPr rtlCol="0" anchor="ctr"/>
-          <a:lstStyle/>
-          <a:p>
-            <a:pPr algn="ctr"/>
-            <a:endParaRPr lang="en-US"/>
-          </a:p>
-        </p:txBody>
-      </p:sp>
-      <p:sp useBgFill="1">
-        <p:nvSpPr>
-          <p:cNvPr id="38" name="Freeform: Shape 37">
-            <a:extLst>
-              <a:ext uri="{FF2B5EF4-FFF2-40B4-BE49-F238E27FC236}">
-                <a16:creationId xmlns:a16="http://schemas.microsoft.com/office/drawing/2014/main" id="{70151CB7-E7DE-4917-B831-01DF9CE01306}"/>
-              </a:ext>
-              <a:ext uri="{C183D7F6-B498-43B3-948B-1728B52AA6E4}">
-                <adec:decorative xmlns:adec="http://schemas.microsoft.com/office/drawing/2017/decorative" val="1"/>
-              </a:ext>
-            </a:extLst>
-          </p:cNvPr>
-          <p:cNvSpPr>
-            <a:spLocks noGrp="1" noRot="1" noChangeAspect="1" noMove="1" noResize="1" noEditPoints="1" noAdjustHandles="1" noChangeArrowheads="1" noChangeShapeType="1" noTextEdit="1"/>
-          </p:cNvSpPr>
-          <p:nvPr>
-            <p:extLst>
-              <p:ext uri="{386F3935-93C4-4BCD-93E2-E3B085C9AB24}">
-                <p16:designElem xmlns:p16="http://schemas.microsoft.com/office/powerpoint/2015/main" val="1"/>
-              </p:ext>
-            </p:extLst>
-          </p:nvPr>
-        </p:nvSpPr>
-        <p:spPr bwMode="gray">
-          <a:xfrm rot="16200000">
-            <a:off x="5270819" y="-63600"/>
-            <a:ext cx="6858001" cy="6985200"/>
-          </a:xfrm>
-          <a:custGeom>
-            <a:avLst/>
-            <a:gdLst>
-              <a:gd name="connsiteX0" fmla="*/ 6858001 w 6858001"/>
-              <a:gd name="connsiteY0" fmla="*/ 1177 h 6985200"/>
-              <a:gd name="connsiteX1" fmla="*/ 6858001 w 6858001"/>
-              <a:gd name="connsiteY1" fmla="*/ 1344715 h 6985200"/>
-              <a:gd name="connsiteX2" fmla="*/ 6858000 w 6858001"/>
-              <a:gd name="connsiteY2" fmla="*/ 1344715 h 6985200"/>
-              <a:gd name="connsiteX3" fmla="*/ 6858000 w 6858001"/>
-              <a:gd name="connsiteY3" fmla="*/ 6985200 h 6985200"/>
-              <a:gd name="connsiteX4" fmla="*/ 0 w 6858001"/>
-              <a:gd name="connsiteY4" fmla="*/ 6985199 h 6985200"/>
-              <a:gd name="connsiteX5" fmla="*/ 0 w 6858001"/>
-              <a:gd name="connsiteY5" fmla="*/ 886772 h 6985200"/>
-              <a:gd name="connsiteX6" fmla="*/ 1 w 6858001"/>
-              <a:gd name="connsiteY6" fmla="*/ 886772 h 6985200"/>
-              <a:gd name="connsiteX7" fmla="*/ 1 w 6858001"/>
-              <a:gd name="connsiteY7" fmla="*/ 0 h 6985200"/>
-              <a:gd name="connsiteX8" fmla="*/ 40463 w 6858001"/>
-              <a:gd name="connsiteY8" fmla="*/ 5883 h 6985200"/>
-              <a:gd name="connsiteX9" fmla="*/ 159107 w 6858001"/>
-              <a:gd name="connsiteY9" fmla="*/ 23196 h 6985200"/>
-              <a:gd name="connsiteX10" fmla="*/ 245518 w 6858001"/>
-              <a:gd name="connsiteY10" fmla="*/ 35299 h 6985200"/>
-              <a:gd name="connsiteX11" fmla="*/ 348388 w 6858001"/>
-              <a:gd name="connsiteY11" fmla="*/ 48073 h 6985200"/>
-              <a:gd name="connsiteX12" fmla="*/ 470460 w 6858001"/>
-              <a:gd name="connsiteY12" fmla="*/ 63369 h 6985200"/>
-              <a:gd name="connsiteX13" fmla="*/ 605563 w 6858001"/>
-              <a:gd name="connsiteY13" fmla="*/ 79506 h 6985200"/>
-              <a:gd name="connsiteX14" fmla="*/ 757810 w 6858001"/>
-              <a:gd name="connsiteY14" fmla="*/ 96483 h 6985200"/>
-              <a:gd name="connsiteX15" fmla="*/ 923774 w 6858001"/>
-              <a:gd name="connsiteY15" fmla="*/ 114469 h 6985200"/>
-              <a:gd name="connsiteX16" fmla="*/ 1104139 w 6858001"/>
-              <a:gd name="connsiteY16" fmla="*/ 132454 h 6985200"/>
-              <a:gd name="connsiteX17" fmla="*/ 1296163 w 6858001"/>
-              <a:gd name="connsiteY17" fmla="*/ 150776 h 6985200"/>
-              <a:gd name="connsiteX18" fmla="*/ 1503275 w 6858001"/>
-              <a:gd name="connsiteY18" fmla="*/ 167753 h 6985200"/>
-              <a:gd name="connsiteX19" fmla="*/ 1719988 w 6858001"/>
-              <a:gd name="connsiteY19" fmla="*/ 184058 h 6985200"/>
-              <a:gd name="connsiteX20" fmla="*/ 1949045 w 6858001"/>
-              <a:gd name="connsiteY20" fmla="*/ 198849 h 6985200"/>
-              <a:gd name="connsiteX21" fmla="*/ 2187703 w 6858001"/>
-              <a:gd name="connsiteY21" fmla="*/ 212969 h 6985200"/>
-              <a:gd name="connsiteX22" fmla="*/ 2436649 w 6858001"/>
-              <a:gd name="connsiteY22" fmla="*/ 226248 h 6985200"/>
-              <a:gd name="connsiteX23" fmla="*/ 2564208 w 6858001"/>
-              <a:gd name="connsiteY23" fmla="*/ 230955 h 6985200"/>
-              <a:gd name="connsiteX24" fmla="*/ 2694509 w 6858001"/>
-              <a:gd name="connsiteY24" fmla="*/ 236165 h 6985200"/>
-              <a:gd name="connsiteX25" fmla="*/ 2826869 w 6858001"/>
-              <a:gd name="connsiteY25" fmla="*/ 241040 h 6985200"/>
-              <a:gd name="connsiteX26" fmla="*/ 2959914 w 6858001"/>
-              <a:gd name="connsiteY26" fmla="*/ 244234 h 6985200"/>
-              <a:gd name="connsiteX27" fmla="*/ 3095702 w 6858001"/>
-              <a:gd name="connsiteY27" fmla="*/ 247091 h 6985200"/>
-              <a:gd name="connsiteX28" fmla="*/ 3232862 w 6858001"/>
-              <a:gd name="connsiteY28" fmla="*/ 250117 h 6985200"/>
-              <a:gd name="connsiteX29" fmla="*/ 3372766 w 6858001"/>
-              <a:gd name="connsiteY29" fmla="*/ 252134 h 6985200"/>
-              <a:gd name="connsiteX30" fmla="*/ 3514040 w 6858001"/>
-              <a:gd name="connsiteY30" fmla="*/ 252134 h 6985200"/>
-              <a:gd name="connsiteX31" fmla="*/ 3656686 w 6858001"/>
-              <a:gd name="connsiteY31" fmla="*/ 253142 h 6985200"/>
-              <a:gd name="connsiteX32" fmla="*/ 3800705 w 6858001"/>
-              <a:gd name="connsiteY32" fmla="*/ 252134 h 6985200"/>
-              <a:gd name="connsiteX33" fmla="*/ 3946780 w 6858001"/>
-              <a:gd name="connsiteY33" fmla="*/ 250117 h 6985200"/>
-              <a:gd name="connsiteX34" fmla="*/ 4092856 w 6858001"/>
-              <a:gd name="connsiteY34" fmla="*/ 248268 h 6985200"/>
-              <a:gd name="connsiteX35" fmla="*/ 4240988 w 6858001"/>
-              <a:gd name="connsiteY35" fmla="*/ 244234 h 6985200"/>
-              <a:gd name="connsiteX36" fmla="*/ 4390492 w 6858001"/>
-              <a:gd name="connsiteY36" fmla="*/ 240032 h 6985200"/>
-              <a:gd name="connsiteX37" fmla="*/ 4539997 w 6858001"/>
-              <a:gd name="connsiteY37" fmla="*/ 235157 h 6985200"/>
-              <a:gd name="connsiteX38" fmla="*/ 4690873 w 6858001"/>
-              <a:gd name="connsiteY38" fmla="*/ 228266 h 6985200"/>
-              <a:gd name="connsiteX39" fmla="*/ 4843120 w 6858001"/>
-              <a:gd name="connsiteY39" fmla="*/ 220029 h 6985200"/>
-              <a:gd name="connsiteX40" fmla="*/ 4996054 w 6858001"/>
-              <a:gd name="connsiteY40" fmla="*/ 212129 h 6985200"/>
-              <a:gd name="connsiteX41" fmla="*/ 5148987 w 6858001"/>
-              <a:gd name="connsiteY41" fmla="*/ 202044 h 6985200"/>
-              <a:gd name="connsiteX42" fmla="*/ 5303978 w 6858001"/>
-              <a:gd name="connsiteY42" fmla="*/ 189941 h 6985200"/>
-              <a:gd name="connsiteX43" fmla="*/ 5456911 w 6858001"/>
-              <a:gd name="connsiteY43" fmla="*/ 177839 h 6985200"/>
-              <a:gd name="connsiteX44" fmla="*/ 5612588 w 6858001"/>
-              <a:gd name="connsiteY44" fmla="*/ 163887 h 6985200"/>
-              <a:gd name="connsiteX45" fmla="*/ 5768950 w 6858001"/>
-              <a:gd name="connsiteY45" fmla="*/ 148591 h 6985200"/>
-              <a:gd name="connsiteX46" fmla="*/ 5923255 w 6858001"/>
-              <a:gd name="connsiteY46" fmla="*/ 132455 h 6985200"/>
-              <a:gd name="connsiteX47" fmla="*/ 6079618 w 6858001"/>
-              <a:gd name="connsiteY47" fmla="*/ 113629 h 6985200"/>
-              <a:gd name="connsiteX48" fmla="*/ 6235294 w 6858001"/>
-              <a:gd name="connsiteY48" fmla="*/ 93458 h 6985200"/>
-              <a:gd name="connsiteX49" fmla="*/ 6391657 w 6858001"/>
-              <a:gd name="connsiteY49" fmla="*/ 73455 h 6985200"/>
-              <a:gd name="connsiteX50" fmla="*/ 6547333 w 6858001"/>
-              <a:gd name="connsiteY50" fmla="*/ 50091 h 6985200"/>
-              <a:gd name="connsiteX51" fmla="*/ 6702324 w 6858001"/>
-              <a:gd name="connsiteY51" fmla="*/ 26222 h 6985200"/>
-            </a:gdLst>
-            <a:ahLst/>
-            <a:cxnLst>
-              <a:cxn ang="0">
-                <a:pos x="connsiteX0" y="connsiteY0"/>
-              </a:cxn>
-              <a:cxn ang="0">
-                <a:pos x="connsiteX1" y="connsiteY1"/>
-              </a:cxn>
-              <a:cxn ang="0">
-                <a:pos x="connsiteX2" y="connsiteY2"/>
-              </a:cxn>
-              <a:cxn ang="0">
-                <a:pos x="connsiteX3" y="connsiteY3"/>
-              </a:cxn>
-              <a:cxn ang="0">
-                <a:pos x="connsiteX4" y="connsiteY4"/>
-              </a:cxn>
-              <a:cxn ang="0">
-                <a:pos x="connsiteX5" y="connsiteY5"/>
-              </a:cxn>
-              <a:cxn ang="0">
-                <a:pos x="connsiteX6" y="connsiteY6"/>
-              </a:cxn>
-              <a:cxn ang="0">
-                <a:pos x="connsiteX7" y="connsiteY7"/>
-              </a:cxn>
-              <a:cxn ang="0">
-                <a:pos x="connsiteX8" y="connsiteY8"/>
-              </a:cxn>
-              <a:cxn ang="0">
-                <a:pos x="connsiteX9" y="connsiteY9"/>
-              </a:cxn>
-              <a:cxn ang="0">
-                <a:pos x="connsiteX10" y="connsiteY10"/>
-              </a:cxn>
-              <a:cxn ang="0">
-                <a:pos x="connsiteX11" y="connsiteY11"/>
-              </a:cxn>
-              <a:cxn ang="0">
-                <a:pos x="connsiteX12" y="connsiteY12"/>
-              </a:cxn>
-              <a:cxn ang="0">
-                <a:pos x="connsiteX13" y="connsiteY13"/>
-              </a:cxn>
-              <a:cxn ang="0">
-                <a:pos x="connsiteX14" y="connsiteY14"/>
-              </a:cxn>
-              <a:cxn ang="0">
-                <a:pos x="connsiteX15" y="connsiteY15"/>
-              </a:cxn>
-              <a:cxn ang="0">
-                <a:pos x="connsiteX16" y="connsiteY16"/>
-              </a:cxn>
-              <a:cxn ang="0">
-                <a:pos x="connsiteX17" y="connsiteY17"/>
-              </a:cxn>
-              <a:cxn ang="0">
-                <a:pos x="connsiteX18" y="connsiteY18"/>
-              </a:cxn>
-              <a:cxn ang="0">
-                <a:pos x="connsiteX19" y="connsiteY19"/>
-              </a:cxn>
-              <a:cxn ang="0">
-                <a:pos x="connsiteX20" y="connsiteY20"/>
-              </a:cxn>
-              <a:cxn ang="0">
-                <a:pos x="connsiteX21" y="connsiteY21"/>
-              </a:cxn>
-              <a:cxn ang="0">
-                <a:pos x="connsiteX22" y="connsiteY22"/>
-              </a:cxn>
-              <a:cxn ang="0">
-                <a:pos x="connsiteX23" y="connsiteY23"/>
-              </a:cxn>
-              <a:cxn ang="0">
-                <a:pos x="connsiteX24" y="connsiteY24"/>
-              </a:cxn>
-              <a:cxn ang="0">
-                <a:pos x="connsiteX25" y="connsiteY25"/>
-              </a:cxn>
-              <a:cxn ang="0">
-                <a:pos x="connsiteX26" y="connsiteY26"/>
-              </a:cxn>
-              <a:cxn ang="0">
-                <a:pos x="connsiteX27" y="connsiteY27"/>
-              </a:cxn>
-              <a:cxn ang="0">
-                <a:pos x="connsiteX28" y="connsiteY28"/>
-              </a:cxn>
-              <a:cxn ang="0">
-                <a:pos x="connsiteX29" y="connsiteY29"/>
-              </a:cxn>
-              <a:cxn ang="0">
-                <a:pos x="connsiteX30" y="connsiteY30"/>
-              </a:cxn>
-              <a:cxn ang="0">
-                <a:pos x="connsiteX31" y="connsiteY31"/>
-              </a:cxn>
-              <a:cxn ang="0">
-                <a:pos x="connsiteX32" y="connsiteY32"/>
-              </a:cxn>
-              <a:cxn ang="0">
-                <a:pos x="connsiteX33" y="connsiteY33"/>
-              </a:cxn>
-              <a:cxn ang="0">
-                <a:pos x="connsiteX34" y="connsiteY34"/>
-              </a:cxn>
-              <a:cxn ang="0">
-                <a:pos x="connsiteX35" y="connsiteY35"/>
-              </a:cxn>
-              <a:cxn ang="0">
-                <a:pos x="connsiteX36" y="connsiteY36"/>
-              </a:cxn>
-              <a:cxn ang="0">
-                <a:pos x="connsiteX37" y="connsiteY37"/>
-              </a:cxn>
-              <a:cxn ang="0">
-                <a:pos x="connsiteX38" y="connsiteY38"/>
-              </a:cxn>
-              <a:cxn ang="0">
-                <a:pos x="connsiteX39" y="connsiteY39"/>
-              </a:cxn>
-              <a:cxn ang="0">
-                <a:pos x="connsiteX40" y="connsiteY40"/>
-              </a:cxn>
-              <a:cxn ang="0">
-                <a:pos x="connsiteX41" y="connsiteY41"/>
-              </a:cxn>
-              <a:cxn ang="0">
-                <a:pos x="connsiteX42" y="connsiteY42"/>
-              </a:cxn>
-              <a:cxn ang="0">
-                <a:pos x="connsiteX43" y="connsiteY43"/>
-              </a:cxn>
-              <a:cxn ang="0">
-                <a:pos x="connsiteX44" y="connsiteY44"/>
-              </a:cxn>
-              <a:cxn ang="0">
-                <a:pos x="connsiteX45" y="connsiteY45"/>
-              </a:cxn>
-              <a:cxn ang="0">
-                <a:pos x="connsiteX46" y="connsiteY46"/>
-              </a:cxn>
-              <a:cxn ang="0">
-                <a:pos x="connsiteX47" y="connsiteY47"/>
-              </a:cxn>
-              <a:cxn ang="0">
-                <a:pos x="connsiteX48" y="connsiteY48"/>
-              </a:cxn>
-              <a:cxn ang="0">
-                <a:pos x="connsiteX49" y="connsiteY49"/>
-              </a:cxn>
-              <a:cxn ang="0">
-                <a:pos x="connsiteX50" y="connsiteY50"/>
-              </a:cxn>
-              <a:cxn ang="0">
-                <a:pos x="connsiteX51" y="connsiteY51"/>
-              </a:cxn>
-            </a:cxnLst>
-            <a:rect l="l" t="t" r="r" b="b"/>
-            <a:pathLst>
-              <a:path w="6858001" h="6985200">
-                <a:moveTo>
-                  <a:pt x="6858001" y="1177"/>
-                </a:moveTo>
-                <a:lnTo>
-                  <a:pt x="6858001" y="1344715"/>
-                </a:lnTo>
-                <a:lnTo>
-                  <a:pt x="6858000" y="1344715"/>
-                </a:lnTo>
-                <a:lnTo>
-                  <a:pt x="6858000" y="6985200"/>
-                </a:lnTo>
-                <a:lnTo>
-                  <a:pt x="0" y="6985199"/>
-                </a:lnTo>
-                <a:lnTo>
-                  <a:pt x="0" y="886772"/>
-                </a:lnTo>
-                <a:lnTo>
-                  <a:pt x="1" y="886772"/>
-                </a:lnTo>
-                <a:lnTo>
-                  <a:pt x="1" y="0"/>
-                </a:lnTo>
-                <a:lnTo>
-                  <a:pt x="40463" y="5883"/>
-                </a:lnTo>
-                <a:lnTo>
-                  <a:pt x="159107" y="23196"/>
-                </a:lnTo>
-                <a:lnTo>
-                  <a:pt x="245518" y="35299"/>
-                </a:lnTo>
-                <a:lnTo>
-                  <a:pt x="348388" y="48073"/>
-                </a:lnTo>
-                <a:lnTo>
-                  <a:pt x="470460" y="63369"/>
-                </a:lnTo>
-                <a:lnTo>
-                  <a:pt x="605563" y="79506"/>
-                </a:lnTo>
-                <a:lnTo>
-                  <a:pt x="757810" y="96483"/>
-                </a:lnTo>
-                <a:lnTo>
-                  <a:pt x="923774" y="114469"/>
-                </a:lnTo>
-                <a:lnTo>
-                  <a:pt x="1104139" y="132454"/>
-                </a:lnTo>
-                <a:lnTo>
-                  <a:pt x="1296163" y="150776"/>
-                </a:lnTo>
-                <a:lnTo>
-                  <a:pt x="1503275" y="167753"/>
-                </a:lnTo>
-                <a:lnTo>
-                  <a:pt x="1719988" y="184058"/>
-                </a:lnTo>
-                <a:lnTo>
-                  <a:pt x="1949045" y="198849"/>
-                </a:lnTo>
-                <a:lnTo>
-                  <a:pt x="2187703" y="212969"/>
-                </a:lnTo>
-                <a:lnTo>
-                  <a:pt x="2436649" y="226248"/>
-                </a:lnTo>
-                <a:lnTo>
-                  <a:pt x="2564208" y="230955"/>
-                </a:lnTo>
-                <a:lnTo>
-                  <a:pt x="2694509" y="236165"/>
-                </a:lnTo>
-                <a:lnTo>
-                  <a:pt x="2826869" y="241040"/>
-                </a:lnTo>
-                <a:lnTo>
-                  <a:pt x="2959914" y="244234"/>
-                </a:lnTo>
-                <a:lnTo>
-                  <a:pt x="3095702" y="247091"/>
-                </a:lnTo>
-                <a:lnTo>
-                  <a:pt x="3232862" y="250117"/>
-                </a:lnTo>
-                <a:lnTo>
-                  <a:pt x="3372766" y="252134"/>
-                </a:lnTo>
-                <a:lnTo>
-                  <a:pt x="3514040" y="252134"/>
-                </a:lnTo>
-                <a:lnTo>
-                  <a:pt x="3656686" y="253142"/>
-                </a:lnTo>
-                <a:lnTo>
-                  <a:pt x="3800705" y="252134"/>
-                </a:lnTo>
-                <a:lnTo>
-                  <a:pt x="3946780" y="250117"/>
-                </a:lnTo>
-                <a:lnTo>
-                  <a:pt x="4092856" y="248268"/>
-                </a:lnTo>
-                <a:lnTo>
-                  <a:pt x="4240988" y="244234"/>
-                </a:lnTo>
-                <a:lnTo>
-                  <a:pt x="4390492" y="240032"/>
-                </a:lnTo>
-                <a:lnTo>
-                  <a:pt x="4539997" y="235157"/>
-                </a:lnTo>
-                <a:lnTo>
-                  <a:pt x="4690873" y="228266"/>
-                </a:lnTo>
-                <a:lnTo>
-                  <a:pt x="4843120" y="220029"/>
-                </a:lnTo>
-                <a:lnTo>
-                  <a:pt x="4996054" y="212129"/>
-                </a:lnTo>
-                <a:lnTo>
-                  <a:pt x="5148987" y="202044"/>
-                </a:lnTo>
-                <a:lnTo>
-                  <a:pt x="5303978" y="189941"/>
-                </a:lnTo>
-                <a:lnTo>
-                  <a:pt x="5456911" y="177839"/>
-                </a:lnTo>
-                <a:lnTo>
-                  <a:pt x="5612588" y="163887"/>
-                </a:lnTo>
-                <a:lnTo>
-                  <a:pt x="5768950" y="148591"/>
-                </a:lnTo>
-                <a:lnTo>
-                  <a:pt x="5923255" y="132455"/>
-                </a:lnTo>
-                <a:lnTo>
-                  <a:pt x="6079618" y="113629"/>
-                </a:lnTo>
-                <a:lnTo>
-                  <a:pt x="6235294" y="93458"/>
-                </a:lnTo>
-                <a:lnTo>
-                  <a:pt x="6391657" y="73455"/>
-                </a:lnTo>
-                <a:lnTo>
-                  <a:pt x="6547333" y="50091"/>
-                </a:lnTo>
-                <a:lnTo>
-                  <a:pt x="6702324" y="26222"/>
-                </a:lnTo>
-                <a:close/>
-              </a:path>
-            </a:pathLst>
-          </a:custGeom>
-          <a:ln>
-            <a:noFill/>
-          </a:ln>
-        </p:spPr>
-      </p:sp>
-      <p:sp>
-        <p:nvSpPr>
-          <p:cNvPr id="40" name="Rectangle 39">
-            <a:extLst>
-              <a:ext uri="{FF2B5EF4-FFF2-40B4-BE49-F238E27FC236}">
-                <a16:creationId xmlns:a16="http://schemas.microsoft.com/office/drawing/2014/main" id="{A92A1116-1C84-41DF-B803-1F7B0883EC82}"/>
-              </a:ext>
-              <a:ext uri="{C183D7F6-B498-43B3-948B-1728B52AA6E4}">
-                <adec:decorative xmlns:adec="http://schemas.microsoft.com/office/drawing/2017/decorative" val="1"/>
-              </a:ext>
-            </a:extLst>
-          </p:cNvPr>
-          <p:cNvSpPr>
-            <a:spLocks noGrp="1" noRot="1" noChangeAspect="1" noMove="1" noResize="1" noEditPoints="1" noAdjustHandles="1" noChangeArrowheads="1" noChangeShapeType="1" noTextEdit="1"/>
-          </p:cNvSpPr>
-          <p:nvPr>
-            <p:extLst>
-              <p:ext uri="{386F3935-93C4-4BCD-93E2-E3B085C9AB24}">
-                <p16:designElem xmlns:p16="http://schemas.microsoft.com/office/powerpoint/2015/main" val="1"/>
-              </p:ext>
-            </p:extLst>
-          </p:nvPr>
-        </p:nvSpPr>
-        <p:spPr>
-          <a:xfrm>
-            <a:off x="10442448" y="0"/>
-            <a:ext cx="685800" cy="1143000"/>
-          </a:xfrm>
-          <a:prstGeom prst="rect">
-            <a:avLst/>
-          </a:prstGeom>
-          <a:solidFill>
-            <a:schemeClr val="accent1"/>
-          </a:solidFill>
-          <a:ln>
-            <a:noFill/>
-          </a:ln>
-        </p:spPr>
-        <p:style>
-          <a:lnRef idx="1">
-            <a:schemeClr val="accent1"/>
-          </a:lnRef>
-          <a:fillRef idx="3">
-            <a:schemeClr val="accent1"/>
-          </a:fillRef>
-          <a:effectRef idx="2">
-            <a:schemeClr val="accent1"/>
-          </a:effectRef>
-          <a:fontRef idx="minor">
-            <a:schemeClr val="lt1"/>
-          </a:fontRef>
-        </p:style>
-      </p:sp>
-      <p:pic>
-        <p:nvPicPr>
-          <p:cNvPr id="8" name="Content Placeholder 7">
-            <a:extLst>
-              <a:ext uri="{FF2B5EF4-FFF2-40B4-BE49-F238E27FC236}">
-                <a16:creationId xmlns:a16="http://schemas.microsoft.com/office/drawing/2014/main" id="{227736AA-469C-4DF3-B187-962F68E0A437}"/>
-              </a:ext>
-            </a:extLst>
-          </p:cNvPr>
-          <p:cNvPicPr>
-            <a:picLocks noGrp="1" noChangeAspect="1"/>
-          </p:cNvPicPr>
-          <p:nvPr>
-            <p:ph idx="1"/>
-          </p:nvPr>
-        </p:nvPicPr>
-        <p:blipFill>
-          <a:blip r:embed="rId2"/>
-          <a:stretch>
-            <a:fillRect/>
-          </a:stretch>
-        </p:blipFill>
-        <p:spPr>
-          <a:xfrm>
-            <a:off x="42654" y="2251586"/>
-            <a:ext cx="5206798" cy="4606411"/>
-          </a:xfrm>
-          <a:prstGeom prst="rect">
-            <a:avLst/>
-          </a:prstGeom>
-        </p:spPr>
-      </p:pic>
-      <p:pic>
-        <p:nvPicPr>
-          <p:cNvPr id="6" name="Picture 5">
-            <a:extLst>
-              <a:ext uri="{FF2B5EF4-FFF2-40B4-BE49-F238E27FC236}">
-                <a16:creationId xmlns:a16="http://schemas.microsoft.com/office/drawing/2014/main" id="{6B7E84E1-DD8E-46E0-87A8-78A53F0A1726}"/>
-              </a:ext>
-            </a:extLst>
-          </p:cNvPr>
-          <p:cNvPicPr>
-            <a:picLocks noChangeAspect="1"/>
-          </p:cNvPicPr>
-          <p:nvPr/>
-        </p:nvPicPr>
-        <p:blipFill>
-          <a:blip r:embed="rId3"/>
-          <a:stretch>
-            <a:fillRect/>
-          </a:stretch>
-        </p:blipFill>
-        <p:spPr>
-          <a:xfrm>
-            <a:off x="5291685" y="-2"/>
-            <a:ext cx="2719735" cy="6858000"/>
-          </a:xfrm>
-          <a:prstGeom prst="rect">
-            <a:avLst/>
-          </a:prstGeom>
-        </p:spPr>
-      </p:pic>
-      <p:pic>
-        <p:nvPicPr>
-          <p:cNvPr id="7" name="Picture 6">
-            <a:extLst>
-              <a:ext uri="{FF2B5EF4-FFF2-40B4-BE49-F238E27FC236}">
-                <a16:creationId xmlns:a16="http://schemas.microsoft.com/office/drawing/2014/main" id="{05192910-D731-46FE-A98B-AC1D5F1B5C76}"/>
-              </a:ext>
-            </a:extLst>
-          </p:cNvPr>
-          <p:cNvPicPr>
-            <a:picLocks noChangeAspect="1"/>
-          </p:cNvPicPr>
-          <p:nvPr/>
-        </p:nvPicPr>
-        <p:blipFill>
-          <a:blip r:embed="rId4"/>
-          <a:stretch>
-            <a:fillRect/>
-          </a:stretch>
-        </p:blipFill>
-        <p:spPr>
-          <a:xfrm>
-            <a:off x="8007083" y="-2"/>
-            <a:ext cx="2580801" cy="6858000"/>
-          </a:xfrm>
-          <a:prstGeom prst="rect">
-            <a:avLst/>
-          </a:prstGeom>
-        </p:spPr>
-      </p:pic>
-    </p:spTree>
-    <p:extLst>
-      <p:ext uri="{BB962C8B-B14F-4D97-AF65-F5344CB8AC3E}">
-        <p14:creationId xmlns:p14="http://schemas.microsoft.com/office/powerpoint/2010/main" val="3071618026"/>
       </p:ext>
     </p:extLst>
   </p:cSld>

--- a/Final presentation_CIS435.pptx
+++ b/Final presentation_CIS435.pptx
@@ -11,11 +11,15 @@
     <p:sldId id="259" r:id="rId5"/>
     <p:sldId id="260" r:id="rId6"/>
     <p:sldId id="265" r:id="rId7"/>
-    <p:sldId id="266" r:id="rId8"/>
-    <p:sldId id="261" r:id="rId9"/>
-    <p:sldId id="262" r:id="rId10"/>
-    <p:sldId id="263" r:id="rId11"/>
-    <p:sldId id="264" r:id="rId12"/>
+    <p:sldId id="270" r:id="rId8"/>
+    <p:sldId id="271" r:id="rId9"/>
+    <p:sldId id="266" r:id="rId10"/>
+    <p:sldId id="261" r:id="rId11"/>
+    <p:sldId id="262" r:id="rId12"/>
+    <p:sldId id="263" r:id="rId13"/>
+    <p:sldId id="264" r:id="rId14"/>
+    <p:sldId id="267" r:id="rId15"/>
+    <p:sldId id="268" r:id="rId16"/>
   </p:sldIdLst>
   <p:sldSz cx="12192000" cy="6858000"/>
   <p:notesSz cx="6858000" cy="9144000"/>
@@ -308,7 +312,7 @@
           <a:p>
             <a:fld id="{4AAD347D-5ACD-4C99-B74B-A9C85AD731AF}" type="datetimeFigureOut">
               <a:rPr lang="en-US" dirty="0"/>
-              <a:t>5/5/2020</a:t>
+              <a:t>5/6/2020</a:t>
             </a:fld>
             <a:endParaRPr lang="en-US" dirty="0"/>
           </a:p>
@@ -578,7 +582,7 @@
           <a:p>
             <a:fld id="{4509A250-FF31-4206-8172-F9D3106AACB1}" type="datetimeFigureOut">
               <a:rPr lang="en-US" dirty="0"/>
-              <a:t>5/5/2020</a:t>
+              <a:t>5/6/2020</a:t>
             </a:fld>
             <a:endParaRPr lang="en-US" dirty="0"/>
           </a:p>
@@ -767,7 +771,7 @@
           <a:p>
             <a:fld id="{4509A250-FF31-4206-8172-F9D3106AACB1}" type="datetimeFigureOut">
               <a:rPr lang="en-US" dirty="0"/>
-              <a:t>5/5/2020</a:t>
+              <a:t>5/6/2020</a:t>
             </a:fld>
             <a:endParaRPr lang="en-US" dirty="0"/>
           </a:p>
@@ -1035,7 +1039,7 @@
           <a:p>
             <a:fld id="{4509A250-FF31-4206-8172-F9D3106AACB1}" type="datetimeFigureOut">
               <a:rPr lang="en-US" dirty="0"/>
-              <a:t>5/5/2020</a:t>
+              <a:t>5/6/2020</a:t>
             </a:fld>
             <a:endParaRPr lang="en-US" dirty="0"/>
           </a:p>
@@ -1371,7 +1375,7 @@
           <a:p>
             <a:fld id="{4509A250-FF31-4206-8172-F9D3106AACB1}" type="datetimeFigureOut">
               <a:rPr lang="en-US" dirty="0"/>
-              <a:t>5/5/2020</a:t>
+              <a:t>5/6/2020</a:t>
             </a:fld>
             <a:endParaRPr lang="en-US" dirty="0"/>
           </a:p>
@@ -1989,7 +1993,7 @@
           <a:p>
             <a:fld id="{4509A250-FF31-4206-8172-F9D3106AACB1}" type="datetimeFigureOut">
               <a:rPr lang="en-US" dirty="0"/>
-              <a:t>5/5/2020</a:t>
+              <a:t>5/6/2020</a:t>
             </a:fld>
             <a:endParaRPr lang="en-US" dirty="0"/>
           </a:p>
@@ -2844,7 +2848,7 @@
           <a:p>
             <a:fld id="{4509A250-FF31-4206-8172-F9D3106AACB1}" type="datetimeFigureOut">
               <a:rPr lang="en-US" dirty="0"/>
-              <a:t>5/5/2020</a:t>
+              <a:t>5/6/2020</a:t>
             </a:fld>
             <a:endParaRPr lang="en-US" dirty="0"/>
           </a:p>
@@ -3009,7 +3013,7 @@
           <a:p>
             <a:fld id="{4509A250-FF31-4206-8172-F9D3106AACB1}" type="datetimeFigureOut">
               <a:rPr lang="en-US" dirty="0"/>
-              <a:t>5/5/2020</a:t>
+              <a:t>5/6/2020</a:t>
             </a:fld>
             <a:endParaRPr lang="en-US" dirty="0"/>
           </a:p>
@@ -3184,7 +3188,7 @@
           <a:p>
             <a:fld id="{4509A250-FF31-4206-8172-F9D3106AACB1}" type="datetimeFigureOut">
               <a:rPr lang="en-US" dirty="0"/>
-              <a:t>5/5/2020</a:t>
+              <a:t>5/6/2020</a:t>
             </a:fld>
             <a:endParaRPr lang="en-US" dirty="0"/>
           </a:p>
@@ -3349,7 +3353,7 @@
           <a:p>
             <a:fld id="{4509A250-FF31-4206-8172-F9D3106AACB1}" type="datetimeFigureOut">
               <a:rPr lang="en-US" dirty="0"/>
-              <a:t>5/5/2020</a:t>
+              <a:t>5/6/2020</a:t>
             </a:fld>
             <a:endParaRPr lang="en-US" dirty="0"/>
           </a:p>
@@ -3591,7 +3595,7 @@
           <a:p>
             <a:fld id="{9796027F-7875-4030-9381-8BD8C4F21935}" type="datetimeFigureOut">
               <a:rPr lang="en-US" dirty="0"/>
-              <a:t>5/5/2020</a:t>
+              <a:t>5/6/2020</a:t>
             </a:fld>
             <a:endParaRPr lang="en-US" dirty="0"/>
           </a:p>
@@ -3878,7 +3882,7 @@
           <a:p>
             <a:fld id="{9796027F-7875-4030-9381-8BD8C4F21935}" type="datetimeFigureOut">
               <a:rPr lang="en-US" dirty="0"/>
-              <a:t>5/5/2020</a:t>
+              <a:t>5/6/2020</a:t>
             </a:fld>
             <a:endParaRPr lang="en-US" dirty="0"/>
           </a:p>
@@ -4317,7 +4321,7 @@
           <a:p>
             <a:fld id="{9796027F-7875-4030-9381-8BD8C4F21935}" type="datetimeFigureOut">
               <a:rPr lang="en-US" dirty="0"/>
-              <a:t>5/5/2020</a:t>
+              <a:t>5/6/2020</a:t>
             </a:fld>
             <a:endParaRPr lang="en-US" dirty="0"/>
           </a:p>
@@ -4430,7 +4434,7 @@
           <a:p>
             <a:fld id="{4509A250-FF31-4206-8172-F9D3106AACB1}" type="datetimeFigureOut">
               <a:rPr lang="en-US" dirty="0"/>
-              <a:t>5/5/2020</a:t>
+              <a:t>5/6/2020</a:t>
             </a:fld>
             <a:endParaRPr lang="en-US" dirty="0"/>
           </a:p>
@@ -4520,7 +4524,7 @@
           <a:p>
             <a:fld id="{4509A250-FF31-4206-8172-F9D3106AACB1}" type="datetimeFigureOut">
               <a:rPr lang="en-US" dirty="0"/>
-              <a:t>5/5/2020</a:t>
+              <a:t>5/6/2020</a:t>
             </a:fld>
             <a:endParaRPr lang="en-US" dirty="0"/>
           </a:p>
@@ -4794,7 +4798,7 @@
           <a:p>
             <a:fld id="{4509A250-FF31-4206-8172-F9D3106AACB1}" type="datetimeFigureOut">
               <a:rPr lang="en-US" dirty="0"/>
-              <a:t>5/5/2020</a:t>
+              <a:t>5/6/2020</a:t>
             </a:fld>
             <a:endParaRPr lang="en-US" dirty="0"/>
           </a:p>
@@ -5064,7 +5068,7 @@
           <a:p>
             <a:fld id="{4509A250-FF31-4206-8172-F9D3106AACB1}" type="datetimeFigureOut">
               <a:rPr lang="en-US" dirty="0"/>
-              <a:t>5/5/2020</a:t>
+              <a:t>5/6/2020</a:t>
             </a:fld>
             <a:endParaRPr lang="en-US" dirty="0"/>
           </a:p>
@@ -5488,7 +5492,7 @@
           <a:p>
             <a:fld id="{4AAD347D-5ACD-4C99-B74B-A9C85AD731AF}" type="datetimeFigureOut">
               <a:rPr lang="en-US" dirty="0"/>
-              <a:t>5/5/2020</a:t>
+              <a:t>5/6/2020</a:t>
             </a:fld>
             <a:endParaRPr lang="en-US" dirty="0"/>
           </a:p>
@@ -6118,6 +6122,1508 @@
           <p:cNvPr id="2" name="Title 1">
             <a:extLst>
               <a:ext uri="{FF2B5EF4-FFF2-40B4-BE49-F238E27FC236}">
+                <a16:creationId xmlns:a16="http://schemas.microsoft.com/office/drawing/2014/main" id="{472E65E1-D1E4-45C6-B505-C4489B3FFE67}"/>
+              </a:ext>
+            </a:extLst>
+          </p:cNvPr>
+          <p:cNvSpPr>
+            <a:spLocks noGrp="1"/>
+          </p:cNvSpPr>
+          <p:nvPr>
+            <p:ph type="title"/>
+          </p:nvPr>
+        </p:nvSpPr>
+        <p:spPr/>
+        <p:txBody>
+          <a:bodyPr/>
+          <a:lstStyle/>
+          <a:p>
+            <a:r>
+              <a:rPr lang="en-US" sz="2800" dirty="0"/>
+              <a:t>Which states have the largest number of individual breaches and what type of data breach was most dominant?</a:t>
+            </a:r>
+          </a:p>
+        </p:txBody>
+      </p:sp>
+      <p:sp>
+        <p:nvSpPr>
+          <p:cNvPr id="3" name="Content Placeholder 2">
+            <a:extLst>
+              <a:ext uri="{FF2B5EF4-FFF2-40B4-BE49-F238E27FC236}">
+                <a16:creationId xmlns:a16="http://schemas.microsoft.com/office/drawing/2014/main" id="{977A3D45-C3C5-471A-A3F6-80FC13B4FF16}"/>
+              </a:ext>
+            </a:extLst>
+          </p:cNvPr>
+          <p:cNvSpPr>
+            <a:spLocks noGrp="1"/>
+          </p:cNvSpPr>
+          <p:nvPr>
+            <p:ph idx="1"/>
+          </p:nvPr>
+        </p:nvSpPr>
+        <p:spPr>
+          <a:xfrm>
+            <a:off x="646111" y="2081093"/>
+            <a:ext cx="8946541" cy="4195481"/>
+          </a:xfrm>
+        </p:spPr>
+        <p:txBody>
+          <a:bodyPr>
+            <a:normAutofit fontScale="92500" lnSpcReduction="10000"/>
+          </a:bodyPr>
+          <a:lstStyle/>
+          <a:p>
+            <a:pPr marL="0" indent="0">
+              <a:buNone/>
+            </a:pPr>
+            <a:r>
+              <a:rPr lang="en-US" dirty="0"/>
+              <a:t>Throughout 2009-2015 there were many large data breaches that occurred but some more significant than other so when I came across this question I ask myself how could make these number more easy to follow so I narrowed down the data set to the top 25 states.</a:t>
+            </a:r>
+          </a:p>
+          <a:p>
+            <a:pPr marL="0" indent="0">
+              <a:buNone/>
+            </a:pPr>
+            <a:r>
+              <a:rPr lang="en-US" dirty="0"/>
+              <a:t>I thought by doing this it would give a clear picture of which breaches where the largest and most dominant. I came to the conclusion of Illinois having around 4 million individuals affected and Virginia had the largest amount from one attack at 4.9 million individuals.</a:t>
+            </a:r>
+          </a:p>
+          <a:p>
+            <a:pPr marL="0" indent="0">
+              <a:buNone/>
+            </a:pPr>
+            <a:r>
+              <a:rPr lang="en-US" dirty="0"/>
+              <a:t>Some states such as California and Florida had multiple events affecting individuals and not just one California having 5 events them totaling to around 3.7 million and Florida totaling around 2.2 million individuals.</a:t>
+            </a:r>
+          </a:p>
+          <a:p>
+            <a:pPr marL="0" indent="0">
+              <a:buNone/>
+            </a:pPr>
+            <a:r>
+              <a:rPr lang="en-US" dirty="0"/>
+              <a:t>I used visualizations such as a bar chart and confusion matrix to better comprehend how these are seen.</a:t>
+            </a:r>
+          </a:p>
+        </p:txBody>
+      </p:sp>
+    </p:spTree>
+    <p:extLst>
+      <p:ext uri="{BB962C8B-B14F-4D97-AF65-F5344CB8AC3E}">
+        <p14:creationId xmlns:p14="http://schemas.microsoft.com/office/powerpoint/2010/main" val="3261865359"/>
+      </p:ext>
+    </p:extLst>
+  </p:cSld>
+  <p:clrMapOvr>
+    <a:masterClrMapping/>
+  </p:clrMapOvr>
+</p:sld>
+</file>
+
+<file path=ppt/slides/slide11.xml><?xml version="1.0" encoding="utf-8"?>
+<p:sld xmlns:a="http://schemas.openxmlformats.org/drawingml/2006/main" xmlns:r="http://schemas.openxmlformats.org/officeDocument/2006/relationships" xmlns:p="http://schemas.openxmlformats.org/presentationml/2006/main">
+  <p:cSld>
+    <p:bg>
+      <p:bgPr>
+        <a:solidFill>
+          <a:schemeClr val="bg1"/>
+        </a:solidFill>
+        <a:effectLst/>
+      </p:bgPr>
+    </p:bg>
+    <p:spTree>
+      <p:nvGrpSpPr>
+        <p:cNvPr id="1" name=""/>
+        <p:cNvGrpSpPr/>
+        <p:nvPr/>
+      </p:nvGrpSpPr>
+      <p:grpSpPr>
+        <a:xfrm>
+          <a:off x="0" y="0"/>
+          <a:ext cx="0" cy="0"/>
+          <a:chOff x="0" y="0"/>
+          <a:chExt cx="0" cy="0"/>
+        </a:xfrm>
+      </p:grpSpPr>
+      <p:pic>
+        <p:nvPicPr>
+          <p:cNvPr id="29" name="Picture 8">
+            <a:extLst>
+              <a:ext uri="{FF2B5EF4-FFF2-40B4-BE49-F238E27FC236}">
+                <a16:creationId xmlns:a16="http://schemas.microsoft.com/office/drawing/2014/main" id="{41B68C77-138E-4BF7-A276-BD0C78A4219F}"/>
+              </a:ext>
+              <a:ext uri="{C183D7F6-B498-43B3-948B-1728B52AA6E4}">
+                <adec:decorative xmlns:adec="http://schemas.microsoft.com/office/drawing/2017/decorative" val="1"/>
+              </a:ext>
+            </a:extLst>
+          </p:cNvPr>
+          <p:cNvPicPr>
+            <a:picLocks noGrp="1" noRot="1" noChangeAspect="1" noMove="1" noResize="1" noEditPoints="1" noAdjustHandles="1" noChangeArrowheads="1" noChangeShapeType="1" noCrop="1"/>
+          </p:cNvPicPr>
+          <p:nvPr>
+            <p:extLst>
+              <p:ext uri="{386F3935-93C4-4BCD-93E2-E3B085C9AB24}">
+                <p16:designElem xmlns:p16="http://schemas.microsoft.com/office/powerpoint/2015/main" val="1"/>
+              </p:ext>
+            </p:extLst>
+          </p:nvPr>
+        </p:nvPicPr>
+        <p:blipFill rotWithShape="1">
+          <a:blip r:embed="rId2">
+            <a:extLst>
+              <a:ext uri="{28A0092B-C50C-407E-A947-70E740481C1C}">
+                <a14:useLocalDpi xmlns:a14="http://schemas.microsoft.com/office/drawing/2010/main" val="0"/>
+              </a:ext>
+            </a:extLst>
+          </a:blip>
+          <a:srcRect l="3613"/>
+          <a:stretch/>
+        </p:blipFill>
+        <p:spPr>
+          <a:xfrm>
+            <a:off x="0" y="2669685"/>
+            <a:ext cx="4037012" cy="4188315"/>
+          </a:xfrm>
+          <a:prstGeom prst="rect">
+            <a:avLst/>
+          </a:prstGeom>
+        </p:spPr>
+      </p:pic>
+      <p:pic>
+        <p:nvPicPr>
+          <p:cNvPr id="30" name="Picture 10">
+            <a:extLst>
+              <a:ext uri="{FF2B5EF4-FFF2-40B4-BE49-F238E27FC236}">
+                <a16:creationId xmlns:a16="http://schemas.microsoft.com/office/drawing/2014/main" id="{7C268552-D473-46ED-B1B8-422042C4DEF1}"/>
+              </a:ext>
+              <a:ext uri="{C183D7F6-B498-43B3-948B-1728B52AA6E4}">
+                <adec:decorative xmlns:adec="http://schemas.microsoft.com/office/drawing/2017/decorative" val="1"/>
+              </a:ext>
+            </a:extLst>
+          </p:cNvPr>
+          <p:cNvPicPr>
+            <a:picLocks noGrp="1" noRot="1" noChangeAspect="1" noMove="1" noResize="1" noEditPoints="1" noAdjustHandles="1" noChangeArrowheads="1" noChangeShapeType="1" noCrop="1"/>
+          </p:cNvPicPr>
+          <p:nvPr>
+            <p:extLst>
+              <p:ext uri="{386F3935-93C4-4BCD-93E2-E3B085C9AB24}">
+                <p16:designElem xmlns:p16="http://schemas.microsoft.com/office/powerpoint/2015/main" val="1"/>
+              </p:ext>
+            </p:extLst>
+          </p:nvPr>
+        </p:nvPicPr>
+        <p:blipFill rotWithShape="1">
+          <a:blip r:embed="rId3">
+            <a:extLst>
+              <a:ext uri="{28A0092B-C50C-407E-A947-70E740481C1C}">
+                <a14:useLocalDpi xmlns:a14="http://schemas.microsoft.com/office/drawing/2010/main" val="0"/>
+              </a:ext>
+            </a:extLst>
+          </a:blip>
+          <a:srcRect l="35640"/>
+          <a:stretch/>
+        </p:blipFill>
+        <p:spPr>
+          <a:xfrm>
+            <a:off x="0" y="2892347"/>
+            <a:ext cx="1522412" cy="2365453"/>
+          </a:xfrm>
+          <a:prstGeom prst="rect">
+            <a:avLst/>
+          </a:prstGeom>
+        </p:spPr>
+      </p:pic>
+      <p:sp>
+        <p:nvSpPr>
+          <p:cNvPr id="31" name="Oval 12">
+            <a:extLst>
+              <a:ext uri="{FF2B5EF4-FFF2-40B4-BE49-F238E27FC236}">
+                <a16:creationId xmlns:a16="http://schemas.microsoft.com/office/drawing/2014/main" id="{4AC0CD9D-7610-4620-93B4-798CCD9AB581}"/>
+              </a:ext>
+              <a:ext uri="{C183D7F6-B498-43B3-948B-1728B52AA6E4}">
+                <adec:decorative xmlns:adec="http://schemas.microsoft.com/office/drawing/2017/decorative" val="1"/>
+              </a:ext>
+            </a:extLst>
+          </p:cNvPr>
+          <p:cNvSpPr>
+            <a:spLocks noGrp="1" noRot="1" noChangeAspect="1" noMove="1" noResize="1" noEditPoints="1" noAdjustHandles="1" noChangeArrowheads="1" noChangeShapeType="1" noTextEdit="1"/>
+          </p:cNvSpPr>
+          <p:nvPr>
+            <p:extLst>
+              <p:ext uri="{386F3935-93C4-4BCD-93E2-E3B085C9AB24}">
+                <p16:designElem xmlns:p16="http://schemas.microsoft.com/office/powerpoint/2015/main" val="1"/>
+              </p:ext>
+            </p:extLst>
+          </p:nvPr>
+        </p:nvSpPr>
+        <p:spPr>
+          <a:xfrm>
+            <a:off x="8609012" y="1676400"/>
+            <a:ext cx="2819400" cy="2819400"/>
+          </a:xfrm>
+          <a:prstGeom prst="ellipse">
+            <a:avLst/>
+          </a:prstGeom>
+          <a:gradFill flip="none" rotWithShape="1">
+            <a:gsLst>
+              <a:gs pos="0">
+                <a:schemeClr val="bg2">
+                  <a:lumMod val="60000"/>
+                  <a:lumOff val="40000"/>
+                  <a:alpha val="7000"/>
+                </a:schemeClr>
+              </a:gs>
+              <a:gs pos="69000">
+                <a:schemeClr val="bg2">
+                  <a:lumMod val="60000"/>
+                  <a:lumOff val="40000"/>
+                  <a:alpha val="0"/>
+                </a:schemeClr>
+              </a:gs>
+              <a:gs pos="36000">
+                <a:schemeClr val="bg2">
+                  <a:lumMod val="60000"/>
+                  <a:lumOff val="40000"/>
+                  <a:alpha val="6000"/>
+                </a:schemeClr>
+              </a:gs>
+            </a:gsLst>
+            <a:path path="circle">
+              <a:fillToRect l="50000" t="50000" r="50000" b="50000"/>
+            </a:path>
+            <a:tileRect/>
+          </a:gradFill>
+          <a:ln>
+            <a:noFill/>
+          </a:ln>
+          <a:effectLst/>
+        </p:spPr>
+        <p:style>
+          <a:lnRef idx="1">
+            <a:schemeClr val="accent1"/>
+          </a:lnRef>
+          <a:fillRef idx="3">
+            <a:schemeClr val="accent1"/>
+          </a:fillRef>
+          <a:effectRef idx="2">
+            <a:schemeClr val="accent1"/>
+          </a:effectRef>
+          <a:fontRef idx="minor">
+            <a:schemeClr val="lt1"/>
+          </a:fontRef>
+        </p:style>
+      </p:sp>
+      <p:pic>
+        <p:nvPicPr>
+          <p:cNvPr id="32" name="Picture 14">
+            <a:extLst>
+              <a:ext uri="{FF2B5EF4-FFF2-40B4-BE49-F238E27FC236}">
+                <a16:creationId xmlns:a16="http://schemas.microsoft.com/office/drawing/2014/main" id="{B9238B3E-24AA-439A-B527-6C5DF6D72145}"/>
+              </a:ext>
+              <a:ext uri="{C183D7F6-B498-43B3-948B-1728B52AA6E4}">
+                <adec:decorative xmlns:adec="http://schemas.microsoft.com/office/drawing/2017/decorative" val="1"/>
+              </a:ext>
+            </a:extLst>
+          </p:cNvPr>
+          <p:cNvPicPr>
+            <a:picLocks noGrp="1" noRot="1" noChangeAspect="1" noMove="1" noResize="1" noEditPoints="1" noAdjustHandles="1" noChangeArrowheads="1" noChangeShapeType="1" noCrop="1"/>
+          </p:cNvPicPr>
+          <p:nvPr>
+            <p:extLst>
+              <p:ext uri="{386F3935-93C4-4BCD-93E2-E3B085C9AB24}">
+                <p16:designElem xmlns:p16="http://schemas.microsoft.com/office/powerpoint/2015/main" val="1"/>
+              </p:ext>
+            </p:extLst>
+          </p:nvPr>
+        </p:nvPicPr>
+        <p:blipFill rotWithShape="1">
+          <a:blip r:embed="rId4">
+            <a:extLst>
+              <a:ext uri="{28A0092B-C50C-407E-A947-70E740481C1C}">
+                <a14:useLocalDpi xmlns:a14="http://schemas.microsoft.com/office/drawing/2010/main" val="0"/>
+              </a:ext>
+            </a:extLst>
+          </a:blip>
+          <a:srcRect t="28813"/>
+          <a:stretch/>
+        </p:blipFill>
+        <p:spPr>
+          <a:xfrm>
+            <a:off x="7999412" y="0"/>
+            <a:ext cx="1603387" cy="1141407"/>
+          </a:xfrm>
+          <a:prstGeom prst="rect">
+            <a:avLst/>
+          </a:prstGeom>
+        </p:spPr>
+      </p:pic>
+      <p:pic>
+        <p:nvPicPr>
+          <p:cNvPr id="33" name="Picture 16">
+            <a:extLst>
+              <a:ext uri="{FF2B5EF4-FFF2-40B4-BE49-F238E27FC236}">
+                <a16:creationId xmlns:a16="http://schemas.microsoft.com/office/drawing/2014/main" id="{69F01145-BEA3-4CBF-AA21-10077B948CA8}"/>
+              </a:ext>
+              <a:ext uri="{C183D7F6-B498-43B3-948B-1728B52AA6E4}">
+                <adec:decorative xmlns:adec="http://schemas.microsoft.com/office/drawing/2017/decorative" val="1"/>
+              </a:ext>
+            </a:extLst>
+          </p:cNvPr>
+          <p:cNvPicPr>
+            <a:picLocks noGrp="1" noRot="1" noChangeAspect="1" noMove="1" noResize="1" noEditPoints="1" noAdjustHandles="1" noChangeArrowheads="1" noChangeShapeType="1" noCrop="1"/>
+          </p:cNvPicPr>
+          <p:nvPr>
+            <p:extLst>
+              <p:ext uri="{386F3935-93C4-4BCD-93E2-E3B085C9AB24}">
+                <p16:designElem xmlns:p16="http://schemas.microsoft.com/office/powerpoint/2015/main" val="1"/>
+              </p:ext>
+            </p:extLst>
+          </p:nvPr>
+        </p:nvPicPr>
+        <p:blipFill rotWithShape="1">
+          <a:blip r:embed="rId5">
+            <a:extLst>
+              <a:ext uri="{28A0092B-C50C-407E-A947-70E740481C1C}">
+                <a14:useLocalDpi xmlns:a14="http://schemas.microsoft.com/office/drawing/2010/main" val="0"/>
+              </a:ext>
+            </a:extLst>
+          </a:blip>
+          <a:srcRect b="23320"/>
+          <a:stretch/>
+        </p:blipFill>
+        <p:spPr>
+          <a:xfrm>
+            <a:off x="8605878" y="6096000"/>
+            <a:ext cx="993734" cy="762000"/>
+          </a:xfrm>
+          <a:prstGeom prst="rect">
+            <a:avLst/>
+          </a:prstGeom>
+        </p:spPr>
+      </p:pic>
+      <p:sp>
+        <p:nvSpPr>
+          <p:cNvPr id="34" name="Rectangle 18">
+            <a:extLst>
+              <a:ext uri="{FF2B5EF4-FFF2-40B4-BE49-F238E27FC236}">
+                <a16:creationId xmlns:a16="http://schemas.microsoft.com/office/drawing/2014/main" id="{DE4D62F9-188E-4530-84C2-24BDEE4BEB82}"/>
+              </a:ext>
+              <a:ext uri="{C183D7F6-B498-43B3-948B-1728B52AA6E4}">
+                <adec:decorative xmlns:adec="http://schemas.microsoft.com/office/drawing/2017/decorative" val="1"/>
+              </a:ext>
+            </a:extLst>
+          </p:cNvPr>
+          <p:cNvSpPr>
+            <a:spLocks noGrp="1" noRot="1" noChangeAspect="1" noMove="1" noResize="1" noEditPoints="1" noAdjustHandles="1" noChangeArrowheads="1" noChangeShapeType="1" noTextEdit="1"/>
+          </p:cNvSpPr>
+          <p:nvPr>
+            <p:extLst>
+              <p:ext uri="{386F3935-93C4-4BCD-93E2-E3B085C9AB24}">
+                <p16:designElem xmlns:p16="http://schemas.microsoft.com/office/powerpoint/2015/main" val="1"/>
+              </p:ext>
+            </p:extLst>
+          </p:nvPr>
+        </p:nvSpPr>
+        <p:spPr>
+          <a:xfrm>
+            <a:off x="10437812" y="0"/>
+            <a:ext cx="685800" cy="1143000"/>
+          </a:xfrm>
+          <a:prstGeom prst="rect">
+            <a:avLst/>
+          </a:prstGeom>
+          <a:solidFill>
+            <a:schemeClr val="accent1"/>
+          </a:solidFill>
+          <a:ln>
+            <a:noFill/>
+          </a:ln>
+        </p:spPr>
+        <p:style>
+          <a:lnRef idx="1">
+            <a:schemeClr val="accent1"/>
+          </a:lnRef>
+          <a:fillRef idx="3">
+            <a:schemeClr val="accent1"/>
+          </a:fillRef>
+          <a:effectRef idx="2">
+            <a:schemeClr val="accent1"/>
+          </a:effectRef>
+          <a:fontRef idx="minor">
+            <a:schemeClr val="lt1"/>
+          </a:fontRef>
+        </p:style>
+      </p:sp>
+      <p:sp>
+        <p:nvSpPr>
+          <p:cNvPr id="35" name="Rectangle 20">
+            <a:extLst>
+              <a:ext uri="{FF2B5EF4-FFF2-40B4-BE49-F238E27FC236}">
+                <a16:creationId xmlns:a16="http://schemas.microsoft.com/office/drawing/2014/main" id="{757B325C-3E35-45CF-9D07-3BCB281F3B9C}"/>
+              </a:ext>
+              <a:ext uri="{C183D7F6-B498-43B3-948B-1728B52AA6E4}">
+                <adec:decorative xmlns:adec="http://schemas.microsoft.com/office/drawing/2017/decorative" val="1"/>
+              </a:ext>
+            </a:extLst>
+          </p:cNvPr>
+          <p:cNvSpPr>
+            <a:spLocks noGrp="1" noRot="1" noChangeAspect="1" noMove="1" noResize="1" noEditPoints="1" noAdjustHandles="1" noChangeArrowheads="1" noChangeShapeType="1" noTextEdit="1"/>
+          </p:cNvSpPr>
+          <p:nvPr>
+            <p:extLst>
+              <p:ext uri="{386F3935-93C4-4BCD-93E2-E3B085C9AB24}">
+                <p16:designElem xmlns:p16="http://schemas.microsoft.com/office/powerpoint/2015/main" val="1"/>
+              </p:ext>
+            </p:extLst>
+          </p:nvPr>
+        </p:nvSpPr>
+        <p:spPr>
+          <a:xfrm>
+            <a:off x="0" y="0"/>
+            <a:ext cx="12192000" cy="6858000"/>
+          </a:xfrm>
+          <a:prstGeom prst="rect">
+            <a:avLst/>
+          </a:prstGeom>
+          <a:ln>
+            <a:noFill/>
+          </a:ln>
+        </p:spPr>
+        <p:style>
+          <a:lnRef idx="2">
+            <a:schemeClr val="accent1">
+              <a:shade val="50000"/>
+            </a:schemeClr>
+          </a:lnRef>
+          <a:fillRef idx="1003">
+            <a:schemeClr val="dk2"/>
+          </a:fillRef>
+          <a:effectRef idx="0">
+            <a:schemeClr val="accent1"/>
+          </a:effectRef>
+          <a:fontRef idx="minor">
+            <a:schemeClr val="lt1"/>
+          </a:fontRef>
+        </p:style>
+        <p:txBody>
+          <a:bodyPr rtlCol="0" anchor="ctr"/>
+          <a:lstStyle/>
+          <a:p>
+            <a:pPr algn="ctr"/>
+            <a:endParaRPr lang="en-US"/>
+          </a:p>
+        </p:txBody>
+      </p:sp>
+      <p:sp>
+        <p:nvSpPr>
+          <p:cNvPr id="2" name="Title 1">
+            <a:extLst>
+              <a:ext uri="{FF2B5EF4-FFF2-40B4-BE49-F238E27FC236}">
+                <a16:creationId xmlns:a16="http://schemas.microsoft.com/office/drawing/2014/main" id="{C0AFA06A-033A-4861-8E48-B54B4BF86768}"/>
+              </a:ext>
+            </a:extLst>
+          </p:cNvPr>
+          <p:cNvSpPr>
+            <a:spLocks noGrp="1"/>
+          </p:cNvSpPr>
+          <p:nvPr>
+            <p:ph type="title"/>
+          </p:nvPr>
+        </p:nvSpPr>
+        <p:spPr>
+          <a:xfrm>
+            <a:off x="8191925" y="1325880"/>
+            <a:ext cx="3352375" cy="3066507"/>
+          </a:xfrm>
+        </p:spPr>
+        <p:txBody>
+          <a:bodyPr vert="horz" lIns="91440" tIns="45720" rIns="91440" bIns="45720" rtlCol="0" anchor="b">
+            <a:normAutofit/>
+          </a:bodyPr>
+          <a:lstStyle/>
+          <a:p>
+            <a:r>
+              <a:rPr lang="en-US" sz="5400" b="0" i="0" kern="1200">
+                <a:solidFill>
+                  <a:srgbClr val="EBEBEB"/>
+                </a:solidFill>
+                <a:latin typeface="+mj-lt"/>
+                <a:ea typeface="+mj-ea"/>
+                <a:cs typeface="+mj-cs"/>
+              </a:rPr>
+              <a:t>Bar Chart</a:t>
+            </a:r>
+          </a:p>
+        </p:txBody>
+      </p:sp>
+      <p:sp>
+        <p:nvSpPr>
+          <p:cNvPr id="36" name="Freeform 36">
+            <a:extLst>
+              <a:ext uri="{FF2B5EF4-FFF2-40B4-BE49-F238E27FC236}">
+                <a16:creationId xmlns:a16="http://schemas.microsoft.com/office/drawing/2014/main" id="{C24BEC42-AFF3-40D1-93A2-A27A42E1E23C}"/>
+              </a:ext>
+              <a:ext uri="{C183D7F6-B498-43B3-948B-1728B52AA6E4}">
+                <adec:decorative xmlns:adec="http://schemas.microsoft.com/office/drawing/2017/decorative" val="1"/>
+              </a:ext>
+            </a:extLst>
+          </p:cNvPr>
+          <p:cNvSpPr>
+            <a:spLocks noGrp="1" noRot="1" noChangeAspect="1" noMove="1" noResize="1" noEditPoints="1" noAdjustHandles="1" noChangeArrowheads="1" noChangeShapeType="1" noTextEdit="1"/>
+          </p:cNvSpPr>
+          <p:nvPr>
+            <p:extLst>
+              <p:ext uri="{386F3935-93C4-4BCD-93E2-E3B085C9AB24}">
+                <p16:designElem xmlns:p16="http://schemas.microsoft.com/office/powerpoint/2015/main" val="1"/>
+              </p:ext>
+            </p:extLst>
+          </p:nvPr>
+        </p:nvSpPr>
+        <p:spPr>
+          <a:xfrm flipH="1">
+            <a:off x="7463681" y="-1"/>
+            <a:ext cx="559472" cy="3709642"/>
+          </a:xfrm>
+          <a:custGeom>
+            <a:avLst/>
+            <a:gdLst>
+              <a:gd name="connsiteX0" fmla="*/ 0 w 559472"/>
+              <a:gd name="connsiteY0" fmla="*/ 0 h 3709642"/>
+              <a:gd name="connsiteX1" fmla="*/ 473952 w 559472"/>
+              <a:gd name="connsiteY1" fmla="*/ 0 h 3709642"/>
+              <a:gd name="connsiteX2" fmla="*/ 485840 w 559472"/>
+              <a:gd name="connsiteY2" fmla="*/ 161194 h 3709642"/>
+              <a:gd name="connsiteX3" fmla="*/ 523949 w 559472"/>
+              <a:gd name="connsiteY3" fmla="*/ 3672197 h 3709642"/>
+              <a:gd name="connsiteX4" fmla="*/ 454748 w 559472"/>
+              <a:gd name="connsiteY4" fmla="*/ 3709642 h 3709642"/>
+              <a:gd name="connsiteX5" fmla="*/ 448224 w 559472"/>
+              <a:gd name="connsiteY5" fmla="*/ 3510471 h 3709642"/>
+              <a:gd name="connsiteX6" fmla="*/ 443564 w 559472"/>
+              <a:gd name="connsiteY6" fmla="*/ 3408563 h 3709642"/>
+              <a:gd name="connsiteX7" fmla="*/ 438902 w 559472"/>
+              <a:gd name="connsiteY7" fmla="*/ 3304407 h 3709642"/>
+              <a:gd name="connsiteX8" fmla="*/ 433941 w 559472"/>
+              <a:gd name="connsiteY8" fmla="*/ 3198777 h 3709642"/>
+              <a:gd name="connsiteX9" fmla="*/ 427584 w 559472"/>
+              <a:gd name="connsiteY9" fmla="*/ 3092510 h 3709642"/>
+              <a:gd name="connsiteX10" fmla="*/ 420988 w 559472"/>
+              <a:gd name="connsiteY10" fmla="*/ 2984390 h 3709642"/>
+              <a:gd name="connsiteX11" fmla="*/ 414330 w 559472"/>
+              <a:gd name="connsiteY11" fmla="*/ 2874401 h 3709642"/>
+              <a:gd name="connsiteX12" fmla="*/ 406840 w 559472"/>
+              <a:gd name="connsiteY12" fmla="*/ 2762980 h 3709642"/>
+              <a:gd name="connsiteX13" fmla="*/ 397745 w 559472"/>
+              <a:gd name="connsiteY13" fmla="*/ 2650566 h 3709642"/>
+              <a:gd name="connsiteX14" fmla="*/ 389154 w 559472"/>
+              <a:gd name="connsiteY14" fmla="*/ 2536612 h 3709642"/>
+              <a:gd name="connsiteX15" fmla="*/ 379225 w 559472"/>
+              <a:gd name="connsiteY15" fmla="*/ 2421642 h 3709642"/>
+              <a:gd name="connsiteX16" fmla="*/ 368316 w 559472"/>
+              <a:gd name="connsiteY16" fmla="*/ 2305627 h 3709642"/>
+              <a:gd name="connsiteX17" fmla="*/ 357466 w 559472"/>
+              <a:gd name="connsiteY17" fmla="*/ 2189233 h 3709642"/>
+              <a:gd name="connsiteX18" fmla="*/ 344982 w 559472"/>
+              <a:gd name="connsiteY18" fmla="*/ 2071473 h 3709642"/>
+              <a:gd name="connsiteX19" fmla="*/ 332466 w 559472"/>
+              <a:gd name="connsiteY19" fmla="*/ 1952216 h 3709642"/>
+              <a:gd name="connsiteX20" fmla="*/ 319121 w 559472"/>
+              <a:gd name="connsiteY20" fmla="*/ 1833776 h 3709642"/>
+              <a:gd name="connsiteX21" fmla="*/ 304408 w 559472"/>
+              <a:gd name="connsiteY21" fmla="*/ 1713948 h 3709642"/>
+              <a:gd name="connsiteX22" fmla="*/ 288685 w 559472"/>
+              <a:gd name="connsiteY22" fmla="*/ 1592703 h 3709642"/>
+              <a:gd name="connsiteX23" fmla="*/ 273050 w 559472"/>
+              <a:gd name="connsiteY23" fmla="*/ 1471451 h 3709642"/>
+              <a:gd name="connsiteX24" fmla="*/ 255813 w 559472"/>
+              <a:gd name="connsiteY24" fmla="*/ 1350328 h 3709642"/>
+              <a:gd name="connsiteX25" fmla="*/ 237060 w 559472"/>
+              <a:gd name="connsiteY25" fmla="*/ 1227080 h 3709642"/>
+              <a:gd name="connsiteX26" fmla="*/ 218488 w 559472"/>
+              <a:gd name="connsiteY26" fmla="*/ 1106065 h 3709642"/>
+              <a:gd name="connsiteX27" fmla="*/ 198221 w 559472"/>
+              <a:gd name="connsiteY27" fmla="*/ 982940 h 3709642"/>
+              <a:gd name="connsiteX28" fmla="*/ 177152 w 559472"/>
+              <a:gd name="connsiteY28" fmla="*/ 858755 h 3709642"/>
+              <a:gd name="connsiteX29" fmla="*/ 155551 w 559472"/>
+              <a:gd name="connsiteY29" fmla="*/ 736861 h 3709642"/>
+              <a:gd name="connsiteX30" fmla="*/ 131782 w 559472"/>
+              <a:gd name="connsiteY30" fmla="*/ 613645 h 3709642"/>
+              <a:gd name="connsiteX31" fmla="*/ 107123 w 559472"/>
+              <a:gd name="connsiteY31" fmla="*/ 490500 h 3709642"/>
+              <a:gd name="connsiteX32" fmla="*/ 82552 w 559472"/>
+              <a:gd name="connsiteY32" fmla="*/ 367348 h 3709642"/>
+              <a:gd name="connsiteX33" fmla="*/ 55608 w 559472"/>
+              <a:gd name="connsiteY33" fmla="*/ 244762 h 3709642"/>
+              <a:gd name="connsiteX34" fmla="*/ 28130 w 559472"/>
+              <a:gd name="connsiteY34" fmla="*/ 122220 h 3709642"/>
+              <a:gd name="connsiteX35" fmla="*/ 0 w 559472"/>
+              <a:gd name="connsiteY35" fmla="*/ 0 h 3709642"/>
+            </a:gdLst>
+            <a:ahLst/>
+            <a:cxnLst>
+              <a:cxn ang="0">
+                <a:pos x="connsiteX0" y="connsiteY0"/>
+              </a:cxn>
+              <a:cxn ang="0">
+                <a:pos x="connsiteX1" y="connsiteY1"/>
+              </a:cxn>
+              <a:cxn ang="0">
+                <a:pos x="connsiteX2" y="connsiteY2"/>
+              </a:cxn>
+              <a:cxn ang="0">
+                <a:pos x="connsiteX3" y="connsiteY3"/>
+              </a:cxn>
+              <a:cxn ang="0">
+                <a:pos x="connsiteX4" y="connsiteY4"/>
+              </a:cxn>
+              <a:cxn ang="0">
+                <a:pos x="connsiteX5" y="connsiteY5"/>
+              </a:cxn>
+              <a:cxn ang="0">
+                <a:pos x="connsiteX6" y="connsiteY6"/>
+              </a:cxn>
+              <a:cxn ang="0">
+                <a:pos x="connsiteX7" y="connsiteY7"/>
+              </a:cxn>
+              <a:cxn ang="0">
+                <a:pos x="connsiteX8" y="connsiteY8"/>
+              </a:cxn>
+              <a:cxn ang="0">
+                <a:pos x="connsiteX9" y="connsiteY9"/>
+              </a:cxn>
+              <a:cxn ang="0">
+                <a:pos x="connsiteX10" y="connsiteY10"/>
+              </a:cxn>
+              <a:cxn ang="0">
+                <a:pos x="connsiteX11" y="connsiteY11"/>
+              </a:cxn>
+              <a:cxn ang="0">
+                <a:pos x="connsiteX12" y="connsiteY12"/>
+              </a:cxn>
+              <a:cxn ang="0">
+                <a:pos x="connsiteX13" y="connsiteY13"/>
+              </a:cxn>
+              <a:cxn ang="0">
+                <a:pos x="connsiteX14" y="connsiteY14"/>
+              </a:cxn>
+              <a:cxn ang="0">
+                <a:pos x="connsiteX15" y="connsiteY15"/>
+              </a:cxn>
+              <a:cxn ang="0">
+                <a:pos x="connsiteX16" y="connsiteY16"/>
+              </a:cxn>
+              <a:cxn ang="0">
+                <a:pos x="connsiteX17" y="connsiteY17"/>
+              </a:cxn>
+              <a:cxn ang="0">
+                <a:pos x="connsiteX18" y="connsiteY18"/>
+              </a:cxn>
+              <a:cxn ang="0">
+                <a:pos x="connsiteX19" y="connsiteY19"/>
+              </a:cxn>
+              <a:cxn ang="0">
+                <a:pos x="connsiteX20" y="connsiteY20"/>
+              </a:cxn>
+              <a:cxn ang="0">
+                <a:pos x="connsiteX21" y="connsiteY21"/>
+              </a:cxn>
+              <a:cxn ang="0">
+                <a:pos x="connsiteX22" y="connsiteY22"/>
+              </a:cxn>
+              <a:cxn ang="0">
+                <a:pos x="connsiteX23" y="connsiteY23"/>
+              </a:cxn>
+              <a:cxn ang="0">
+                <a:pos x="connsiteX24" y="connsiteY24"/>
+              </a:cxn>
+              <a:cxn ang="0">
+                <a:pos x="connsiteX25" y="connsiteY25"/>
+              </a:cxn>
+              <a:cxn ang="0">
+                <a:pos x="connsiteX26" y="connsiteY26"/>
+              </a:cxn>
+              <a:cxn ang="0">
+                <a:pos x="connsiteX27" y="connsiteY27"/>
+              </a:cxn>
+              <a:cxn ang="0">
+                <a:pos x="connsiteX28" y="connsiteY28"/>
+              </a:cxn>
+              <a:cxn ang="0">
+                <a:pos x="connsiteX29" y="connsiteY29"/>
+              </a:cxn>
+              <a:cxn ang="0">
+                <a:pos x="connsiteX30" y="connsiteY30"/>
+              </a:cxn>
+              <a:cxn ang="0">
+                <a:pos x="connsiteX31" y="connsiteY31"/>
+              </a:cxn>
+              <a:cxn ang="0">
+                <a:pos x="connsiteX32" y="connsiteY32"/>
+              </a:cxn>
+              <a:cxn ang="0">
+                <a:pos x="connsiteX33" y="connsiteY33"/>
+              </a:cxn>
+              <a:cxn ang="0">
+                <a:pos x="connsiteX34" y="connsiteY34"/>
+              </a:cxn>
+              <a:cxn ang="0">
+                <a:pos x="connsiteX35" y="connsiteY35"/>
+              </a:cxn>
+            </a:cxnLst>
+            <a:rect l="l" t="t" r="r" b="b"/>
+            <a:pathLst>
+              <a:path w="559472" h="3709642">
+                <a:moveTo>
+                  <a:pt x="0" y="0"/>
+                </a:moveTo>
+                <a:lnTo>
+                  <a:pt x="473952" y="0"/>
+                </a:lnTo>
+                <a:lnTo>
+                  <a:pt x="485840" y="161194"/>
+                </a:lnTo>
+                <a:cubicBezTo>
+                  <a:pt x="552063" y="1147770"/>
+                  <a:pt x="592441" y="3086737"/>
+                  <a:pt x="523949" y="3672197"/>
+                </a:cubicBezTo>
+                <a:cubicBezTo>
+                  <a:pt x="500842" y="3684557"/>
+                  <a:pt x="477855" y="3697282"/>
+                  <a:pt x="454748" y="3709642"/>
+                </a:cubicBezTo>
+                <a:lnTo>
+                  <a:pt x="448224" y="3510471"/>
+                </a:lnTo>
+                <a:lnTo>
+                  <a:pt x="443564" y="3408563"/>
+                </a:lnTo>
+                <a:lnTo>
+                  <a:pt x="438902" y="3304407"/>
+                </a:lnTo>
+                <a:lnTo>
+                  <a:pt x="433941" y="3198777"/>
+                </a:lnTo>
+                <a:lnTo>
+                  <a:pt x="427584" y="3092510"/>
+                </a:lnTo>
+                <a:lnTo>
+                  <a:pt x="420988" y="2984390"/>
+                </a:lnTo>
+                <a:lnTo>
+                  <a:pt x="414330" y="2874401"/>
+                </a:lnTo>
+                <a:lnTo>
+                  <a:pt x="406840" y="2762980"/>
+                </a:lnTo>
+                <a:lnTo>
+                  <a:pt x="397745" y="2650566"/>
+                </a:lnTo>
+                <a:lnTo>
+                  <a:pt x="389154" y="2536612"/>
+                </a:lnTo>
+                <a:lnTo>
+                  <a:pt x="379225" y="2421642"/>
+                </a:lnTo>
+                <a:lnTo>
+                  <a:pt x="368316" y="2305627"/>
+                </a:lnTo>
+                <a:lnTo>
+                  <a:pt x="357466" y="2189233"/>
+                </a:lnTo>
+                <a:lnTo>
+                  <a:pt x="344982" y="2071473"/>
+                </a:lnTo>
+                <a:lnTo>
+                  <a:pt x="332466" y="1952216"/>
+                </a:lnTo>
+                <a:lnTo>
+                  <a:pt x="319121" y="1833776"/>
+                </a:lnTo>
+                <a:lnTo>
+                  <a:pt x="304408" y="1713948"/>
+                </a:lnTo>
+                <a:lnTo>
+                  <a:pt x="288685" y="1592703"/>
+                </a:lnTo>
+                <a:lnTo>
+                  <a:pt x="273050" y="1471451"/>
+                </a:lnTo>
+                <a:lnTo>
+                  <a:pt x="255813" y="1350328"/>
+                </a:lnTo>
+                <a:lnTo>
+                  <a:pt x="237060" y="1227080"/>
+                </a:lnTo>
+                <a:lnTo>
+                  <a:pt x="218488" y="1106065"/>
+                </a:lnTo>
+                <a:lnTo>
+                  <a:pt x="198221" y="982940"/>
+                </a:lnTo>
+                <a:lnTo>
+                  <a:pt x="177152" y="858755"/>
+                </a:lnTo>
+                <a:lnTo>
+                  <a:pt x="155551" y="736861"/>
+                </a:lnTo>
+                <a:lnTo>
+                  <a:pt x="131782" y="613645"/>
+                </a:lnTo>
+                <a:lnTo>
+                  <a:pt x="107123" y="490500"/>
+                </a:lnTo>
+                <a:lnTo>
+                  <a:pt x="82552" y="367348"/>
+                </a:lnTo>
+                <a:lnTo>
+                  <a:pt x="55608" y="244762"/>
+                </a:lnTo>
+                <a:lnTo>
+                  <a:pt x="28130" y="122220"/>
+                </a:lnTo>
+                <a:lnTo>
+                  <a:pt x="0" y="0"/>
+                </a:lnTo>
+                <a:close/>
+              </a:path>
+            </a:pathLst>
+          </a:custGeom>
+          <a:solidFill>
+            <a:schemeClr val="bg1">
+              <a:alpha val="20000"/>
+            </a:schemeClr>
+          </a:solidFill>
+          <a:ln>
+            <a:noFill/>
+          </a:ln>
+        </p:spPr>
+        <p:txBody>
+          <a:bodyPr rtlCol="0" anchor="ctr"/>
+          <a:lstStyle/>
+          <a:p>
+            <a:pPr algn="ctr"/>
+            <a:endParaRPr lang="en-US"/>
+          </a:p>
+        </p:txBody>
+      </p:sp>
+      <p:sp useBgFill="1">
+        <p:nvSpPr>
+          <p:cNvPr id="37" name="Freeform: Shape 24">
+            <a:extLst>
+              <a:ext uri="{FF2B5EF4-FFF2-40B4-BE49-F238E27FC236}">
+                <a16:creationId xmlns:a16="http://schemas.microsoft.com/office/drawing/2014/main" id="{608F427C-1EC9-4280-9367-F2B3AA063E82}"/>
+              </a:ext>
+              <a:ext uri="{C183D7F6-B498-43B3-948B-1728B52AA6E4}">
+                <adec:decorative xmlns:adec="http://schemas.microsoft.com/office/drawing/2017/decorative" val="1"/>
+              </a:ext>
+            </a:extLst>
+          </p:cNvPr>
+          <p:cNvSpPr>
+            <a:spLocks noGrp="1" noRot="1" noChangeAspect="1" noMove="1" noResize="1" noEditPoints="1" noAdjustHandles="1" noChangeArrowheads="1" noChangeShapeType="1" noTextEdit="1"/>
+          </p:cNvSpPr>
+          <p:nvPr>
+            <p:extLst>
+              <p:ext uri="{386F3935-93C4-4BCD-93E2-E3B085C9AB24}">
+                <p16:designElem xmlns:p16="http://schemas.microsoft.com/office/powerpoint/2015/main" val="1"/>
+              </p:ext>
+            </p:extLst>
+          </p:nvPr>
+        </p:nvSpPr>
+        <p:spPr>
+          <a:xfrm>
+            <a:off x="0" y="0"/>
+            <a:ext cx="7809954" cy="6858000"/>
+          </a:xfrm>
+          <a:custGeom>
+            <a:avLst/>
+            <a:gdLst>
+              <a:gd name="connsiteX0" fmla="*/ 6465239 w 7809954"/>
+              <a:gd name="connsiteY0" fmla="*/ 0 h 6858000"/>
+              <a:gd name="connsiteX1" fmla="*/ 7808777 w 7809954"/>
+              <a:gd name="connsiteY1" fmla="*/ 0 h 6858000"/>
+              <a:gd name="connsiteX2" fmla="*/ 7783732 w 7809954"/>
+              <a:gd name="connsiteY2" fmla="*/ 155676 h 6858000"/>
+              <a:gd name="connsiteX3" fmla="*/ 7759863 w 7809954"/>
+              <a:gd name="connsiteY3" fmla="*/ 310667 h 6858000"/>
+              <a:gd name="connsiteX4" fmla="*/ 7736499 w 7809954"/>
+              <a:gd name="connsiteY4" fmla="*/ 466344 h 6858000"/>
+              <a:gd name="connsiteX5" fmla="*/ 7716496 w 7809954"/>
+              <a:gd name="connsiteY5" fmla="*/ 622706 h 6858000"/>
+              <a:gd name="connsiteX6" fmla="*/ 7696325 w 7809954"/>
+              <a:gd name="connsiteY6" fmla="*/ 778383 h 6858000"/>
+              <a:gd name="connsiteX7" fmla="*/ 7677499 w 7809954"/>
+              <a:gd name="connsiteY7" fmla="*/ 934745 h 6858000"/>
+              <a:gd name="connsiteX8" fmla="*/ 7661363 w 7809954"/>
+              <a:gd name="connsiteY8" fmla="*/ 1089050 h 6858000"/>
+              <a:gd name="connsiteX9" fmla="*/ 7646067 w 7809954"/>
+              <a:gd name="connsiteY9" fmla="*/ 1245413 h 6858000"/>
+              <a:gd name="connsiteX10" fmla="*/ 7632115 w 7809954"/>
+              <a:gd name="connsiteY10" fmla="*/ 1401089 h 6858000"/>
+              <a:gd name="connsiteX11" fmla="*/ 7620013 w 7809954"/>
+              <a:gd name="connsiteY11" fmla="*/ 1554023 h 6858000"/>
+              <a:gd name="connsiteX12" fmla="*/ 7607910 w 7809954"/>
+              <a:gd name="connsiteY12" fmla="*/ 1709013 h 6858000"/>
+              <a:gd name="connsiteX13" fmla="*/ 7597825 w 7809954"/>
+              <a:gd name="connsiteY13" fmla="*/ 1861947 h 6858000"/>
+              <a:gd name="connsiteX14" fmla="*/ 7589925 w 7809954"/>
+              <a:gd name="connsiteY14" fmla="*/ 2014880 h 6858000"/>
+              <a:gd name="connsiteX15" fmla="*/ 7581688 w 7809954"/>
+              <a:gd name="connsiteY15" fmla="*/ 2167128 h 6858000"/>
+              <a:gd name="connsiteX16" fmla="*/ 7574797 w 7809954"/>
+              <a:gd name="connsiteY16" fmla="*/ 2318004 h 6858000"/>
+              <a:gd name="connsiteX17" fmla="*/ 7569922 w 7809954"/>
+              <a:gd name="connsiteY17" fmla="*/ 2467508 h 6858000"/>
+              <a:gd name="connsiteX18" fmla="*/ 7565720 w 7809954"/>
+              <a:gd name="connsiteY18" fmla="*/ 2617013 h 6858000"/>
+              <a:gd name="connsiteX19" fmla="*/ 7561686 w 7809954"/>
+              <a:gd name="connsiteY19" fmla="*/ 2765145 h 6858000"/>
+              <a:gd name="connsiteX20" fmla="*/ 7559837 w 7809954"/>
+              <a:gd name="connsiteY20" fmla="*/ 2911221 h 6858000"/>
+              <a:gd name="connsiteX21" fmla="*/ 7557820 w 7809954"/>
+              <a:gd name="connsiteY21" fmla="*/ 3057296 h 6858000"/>
+              <a:gd name="connsiteX22" fmla="*/ 7556811 w 7809954"/>
+              <a:gd name="connsiteY22" fmla="*/ 3201314 h 6858000"/>
+              <a:gd name="connsiteX23" fmla="*/ 7557820 w 7809954"/>
+              <a:gd name="connsiteY23" fmla="*/ 3343960 h 6858000"/>
+              <a:gd name="connsiteX24" fmla="*/ 7557820 w 7809954"/>
+              <a:gd name="connsiteY24" fmla="*/ 3485235 h 6858000"/>
+              <a:gd name="connsiteX25" fmla="*/ 7559837 w 7809954"/>
+              <a:gd name="connsiteY25" fmla="*/ 3625138 h 6858000"/>
+              <a:gd name="connsiteX26" fmla="*/ 7562862 w 7809954"/>
+              <a:gd name="connsiteY26" fmla="*/ 3762298 h 6858000"/>
+              <a:gd name="connsiteX27" fmla="*/ 7565720 w 7809954"/>
+              <a:gd name="connsiteY27" fmla="*/ 3898087 h 6858000"/>
+              <a:gd name="connsiteX28" fmla="*/ 7568914 w 7809954"/>
+              <a:gd name="connsiteY28" fmla="*/ 4031132 h 6858000"/>
+              <a:gd name="connsiteX29" fmla="*/ 7573788 w 7809954"/>
+              <a:gd name="connsiteY29" fmla="*/ 4163491 h 6858000"/>
+              <a:gd name="connsiteX30" fmla="*/ 7578999 w 7809954"/>
+              <a:gd name="connsiteY30" fmla="*/ 4293793 h 6858000"/>
+              <a:gd name="connsiteX31" fmla="*/ 7583705 w 7809954"/>
+              <a:gd name="connsiteY31" fmla="*/ 4421352 h 6858000"/>
+              <a:gd name="connsiteX32" fmla="*/ 7596985 w 7809954"/>
+              <a:gd name="connsiteY32" fmla="*/ 4670298 h 6858000"/>
+              <a:gd name="connsiteX33" fmla="*/ 7611104 w 7809954"/>
+              <a:gd name="connsiteY33" fmla="*/ 4908956 h 6858000"/>
+              <a:gd name="connsiteX34" fmla="*/ 7625896 w 7809954"/>
+              <a:gd name="connsiteY34" fmla="*/ 5138013 h 6858000"/>
+              <a:gd name="connsiteX35" fmla="*/ 7642201 w 7809954"/>
+              <a:gd name="connsiteY35" fmla="*/ 5354726 h 6858000"/>
+              <a:gd name="connsiteX36" fmla="*/ 7659178 w 7809954"/>
+              <a:gd name="connsiteY36" fmla="*/ 5561838 h 6858000"/>
+              <a:gd name="connsiteX37" fmla="*/ 7677499 w 7809954"/>
+              <a:gd name="connsiteY37" fmla="*/ 5753862 h 6858000"/>
+              <a:gd name="connsiteX38" fmla="*/ 7695485 w 7809954"/>
+              <a:gd name="connsiteY38" fmla="*/ 5934227 h 6858000"/>
+              <a:gd name="connsiteX39" fmla="*/ 7713470 w 7809954"/>
+              <a:gd name="connsiteY39" fmla="*/ 6100191 h 6858000"/>
+              <a:gd name="connsiteX40" fmla="*/ 7730447 w 7809954"/>
+              <a:gd name="connsiteY40" fmla="*/ 6252438 h 6858000"/>
+              <a:gd name="connsiteX41" fmla="*/ 7746584 w 7809954"/>
+              <a:gd name="connsiteY41" fmla="*/ 6387541 h 6858000"/>
+              <a:gd name="connsiteX42" fmla="*/ 7761880 w 7809954"/>
+              <a:gd name="connsiteY42" fmla="*/ 6509613 h 6858000"/>
+              <a:gd name="connsiteX43" fmla="*/ 7774655 w 7809954"/>
+              <a:gd name="connsiteY43" fmla="*/ 6612483 h 6858000"/>
+              <a:gd name="connsiteX44" fmla="*/ 7786757 w 7809954"/>
+              <a:gd name="connsiteY44" fmla="*/ 6698894 h 6858000"/>
+              <a:gd name="connsiteX45" fmla="*/ 7804071 w 7809954"/>
+              <a:gd name="connsiteY45" fmla="*/ 6817538 h 6858000"/>
+              <a:gd name="connsiteX46" fmla="*/ 7809954 w 7809954"/>
+              <a:gd name="connsiteY46" fmla="*/ 6858000 h 6858000"/>
+              <a:gd name="connsiteX47" fmla="*/ 7157124 w 7809954"/>
+              <a:gd name="connsiteY47" fmla="*/ 6858000 h 6858000"/>
+              <a:gd name="connsiteX48" fmla="*/ 7157124 w 7809954"/>
+              <a:gd name="connsiteY48" fmla="*/ 6858000 h 6858000"/>
+              <a:gd name="connsiteX49" fmla="*/ 0 w 7809954"/>
+              <a:gd name="connsiteY49" fmla="*/ 6858000 h 6858000"/>
+              <a:gd name="connsiteX50" fmla="*/ 0 w 7809954"/>
+              <a:gd name="connsiteY50" fmla="*/ 0 h 6858000"/>
+              <a:gd name="connsiteX51" fmla="*/ 6465239 w 7809954"/>
+              <a:gd name="connsiteY51" fmla="*/ 0 h 6858000"/>
+            </a:gdLst>
+            <a:ahLst/>
+            <a:cxnLst>
+              <a:cxn ang="0">
+                <a:pos x="connsiteX0" y="connsiteY0"/>
+              </a:cxn>
+              <a:cxn ang="0">
+                <a:pos x="connsiteX1" y="connsiteY1"/>
+              </a:cxn>
+              <a:cxn ang="0">
+                <a:pos x="connsiteX2" y="connsiteY2"/>
+              </a:cxn>
+              <a:cxn ang="0">
+                <a:pos x="connsiteX3" y="connsiteY3"/>
+              </a:cxn>
+              <a:cxn ang="0">
+                <a:pos x="connsiteX4" y="connsiteY4"/>
+              </a:cxn>
+              <a:cxn ang="0">
+                <a:pos x="connsiteX5" y="connsiteY5"/>
+              </a:cxn>
+              <a:cxn ang="0">
+                <a:pos x="connsiteX6" y="connsiteY6"/>
+              </a:cxn>
+              <a:cxn ang="0">
+                <a:pos x="connsiteX7" y="connsiteY7"/>
+              </a:cxn>
+              <a:cxn ang="0">
+                <a:pos x="connsiteX8" y="connsiteY8"/>
+              </a:cxn>
+              <a:cxn ang="0">
+                <a:pos x="connsiteX9" y="connsiteY9"/>
+              </a:cxn>
+              <a:cxn ang="0">
+                <a:pos x="connsiteX10" y="connsiteY10"/>
+              </a:cxn>
+              <a:cxn ang="0">
+                <a:pos x="connsiteX11" y="connsiteY11"/>
+              </a:cxn>
+              <a:cxn ang="0">
+                <a:pos x="connsiteX12" y="connsiteY12"/>
+              </a:cxn>
+              <a:cxn ang="0">
+                <a:pos x="connsiteX13" y="connsiteY13"/>
+              </a:cxn>
+              <a:cxn ang="0">
+                <a:pos x="connsiteX14" y="connsiteY14"/>
+              </a:cxn>
+              <a:cxn ang="0">
+                <a:pos x="connsiteX15" y="connsiteY15"/>
+              </a:cxn>
+              <a:cxn ang="0">
+                <a:pos x="connsiteX16" y="connsiteY16"/>
+              </a:cxn>
+              <a:cxn ang="0">
+                <a:pos x="connsiteX17" y="connsiteY17"/>
+              </a:cxn>
+              <a:cxn ang="0">
+                <a:pos x="connsiteX18" y="connsiteY18"/>
+              </a:cxn>
+              <a:cxn ang="0">
+                <a:pos x="connsiteX19" y="connsiteY19"/>
+              </a:cxn>
+              <a:cxn ang="0">
+                <a:pos x="connsiteX20" y="connsiteY20"/>
+              </a:cxn>
+              <a:cxn ang="0">
+                <a:pos x="connsiteX21" y="connsiteY21"/>
+              </a:cxn>
+              <a:cxn ang="0">
+                <a:pos x="connsiteX22" y="connsiteY22"/>
+              </a:cxn>
+              <a:cxn ang="0">
+                <a:pos x="connsiteX23" y="connsiteY23"/>
+              </a:cxn>
+              <a:cxn ang="0">
+                <a:pos x="connsiteX24" y="connsiteY24"/>
+              </a:cxn>
+              <a:cxn ang="0">
+                <a:pos x="connsiteX25" y="connsiteY25"/>
+              </a:cxn>
+              <a:cxn ang="0">
+                <a:pos x="connsiteX26" y="connsiteY26"/>
+              </a:cxn>
+              <a:cxn ang="0">
+                <a:pos x="connsiteX27" y="connsiteY27"/>
+              </a:cxn>
+              <a:cxn ang="0">
+                <a:pos x="connsiteX28" y="connsiteY28"/>
+              </a:cxn>
+              <a:cxn ang="0">
+                <a:pos x="connsiteX29" y="connsiteY29"/>
+              </a:cxn>
+              <a:cxn ang="0">
+                <a:pos x="connsiteX30" y="connsiteY30"/>
+              </a:cxn>
+              <a:cxn ang="0">
+                <a:pos x="connsiteX31" y="connsiteY31"/>
+              </a:cxn>
+              <a:cxn ang="0">
+                <a:pos x="connsiteX32" y="connsiteY32"/>
+              </a:cxn>
+              <a:cxn ang="0">
+                <a:pos x="connsiteX33" y="connsiteY33"/>
+              </a:cxn>
+              <a:cxn ang="0">
+                <a:pos x="connsiteX34" y="connsiteY34"/>
+              </a:cxn>
+              <a:cxn ang="0">
+                <a:pos x="connsiteX35" y="connsiteY35"/>
+              </a:cxn>
+              <a:cxn ang="0">
+                <a:pos x="connsiteX36" y="connsiteY36"/>
+              </a:cxn>
+              <a:cxn ang="0">
+                <a:pos x="connsiteX37" y="connsiteY37"/>
+              </a:cxn>
+              <a:cxn ang="0">
+                <a:pos x="connsiteX38" y="connsiteY38"/>
+              </a:cxn>
+              <a:cxn ang="0">
+                <a:pos x="connsiteX39" y="connsiteY39"/>
+              </a:cxn>
+              <a:cxn ang="0">
+                <a:pos x="connsiteX40" y="connsiteY40"/>
+              </a:cxn>
+              <a:cxn ang="0">
+                <a:pos x="connsiteX41" y="connsiteY41"/>
+              </a:cxn>
+              <a:cxn ang="0">
+                <a:pos x="connsiteX42" y="connsiteY42"/>
+              </a:cxn>
+              <a:cxn ang="0">
+                <a:pos x="connsiteX43" y="connsiteY43"/>
+              </a:cxn>
+              <a:cxn ang="0">
+                <a:pos x="connsiteX44" y="connsiteY44"/>
+              </a:cxn>
+              <a:cxn ang="0">
+                <a:pos x="connsiteX45" y="connsiteY45"/>
+              </a:cxn>
+              <a:cxn ang="0">
+                <a:pos x="connsiteX46" y="connsiteY46"/>
+              </a:cxn>
+              <a:cxn ang="0">
+                <a:pos x="connsiteX47" y="connsiteY47"/>
+              </a:cxn>
+              <a:cxn ang="0">
+                <a:pos x="connsiteX48" y="connsiteY48"/>
+              </a:cxn>
+              <a:cxn ang="0">
+                <a:pos x="connsiteX49" y="connsiteY49"/>
+              </a:cxn>
+              <a:cxn ang="0">
+                <a:pos x="connsiteX50" y="connsiteY50"/>
+              </a:cxn>
+              <a:cxn ang="0">
+                <a:pos x="connsiteX51" y="connsiteY51"/>
+              </a:cxn>
+            </a:cxnLst>
+            <a:rect l="l" t="t" r="r" b="b"/>
+            <a:pathLst>
+              <a:path w="7809954" h="6858000">
+                <a:moveTo>
+                  <a:pt x="6465239" y="0"/>
+                </a:moveTo>
+                <a:lnTo>
+                  <a:pt x="7808777" y="0"/>
+                </a:lnTo>
+                <a:lnTo>
+                  <a:pt x="7783732" y="155676"/>
+                </a:lnTo>
+                <a:lnTo>
+                  <a:pt x="7759863" y="310667"/>
+                </a:lnTo>
+                <a:lnTo>
+                  <a:pt x="7736499" y="466344"/>
+                </a:lnTo>
+                <a:lnTo>
+                  <a:pt x="7716496" y="622706"/>
+                </a:lnTo>
+                <a:lnTo>
+                  <a:pt x="7696325" y="778383"/>
+                </a:lnTo>
+                <a:lnTo>
+                  <a:pt x="7677499" y="934745"/>
+                </a:lnTo>
+                <a:lnTo>
+                  <a:pt x="7661363" y="1089050"/>
+                </a:lnTo>
+                <a:lnTo>
+                  <a:pt x="7646067" y="1245413"/>
+                </a:lnTo>
+                <a:lnTo>
+                  <a:pt x="7632115" y="1401089"/>
+                </a:lnTo>
+                <a:lnTo>
+                  <a:pt x="7620013" y="1554023"/>
+                </a:lnTo>
+                <a:lnTo>
+                  <a:pt x="7607910" y="1709013"/>
+                </a:lnTo>
+                <a:lnTo>
+                  <a:pt x="7597825" y="1861947"/>
+                </a:lnTo>
+                <a:lnTo>
+                  <a:pt x="7589925" y="2014880"/>
+                </a:lnTo>
+                <a:lnTo>
+                  <a:pt x="7581688" y="2167128"/>
+                </a:lnTo>
+                <a:lnTo>
+                  <a:pt x="7574797" y="2318004"/>
+                </a:lnTo>
+                <a:lnTo>
+                  <a:pt x="7569922" y="2467508"/>
+                </a:lnTo>
+                <a:lnTo>
+                  <a:pt x="7565720" y="2617013"/>
+                </a:lnTo>
+                <a:lnTo>
+                  <a:pt x="7561686" y="2765145"/>
+                </a:lnTo>
+                <a:lnTo>
+                  <a:pt x="7559837" y="2911221"/>
+                </a:lnTo>
+                <a:lnTo>
+                  <a:pt x="7557820" y="3057296"/>
+                </a:lnTo>
+                <a:lnTo>
+                  <a:pt x="7556811" y="3201314"/>
+                </a:lnTo>
+                <a:lnTo>
+                  <a:pt x="7557820" y="3343960"/>
+                </a:lnTo>
+                <a:lnTo>
+                  <a:pt x="7557820" y="3485235"/>
+                </a:lnTo>
+                <a:lnTo>
+                  <a:pt x="7559837" y="3625138"/>
+                </a:lnTo>
+                <a:lnTo>
+                  <a:pt x="7562862" y="3762298"/>
+                </a:lnTo>
+                <a:lnTo>
+                  <a:pt x="7565720" y="3898087"/>
+                </a:lnTo>
+                <a:lnTo>
+                  <a:pt x="7568914" y="4031132"/>
+                </a:lnTo>
+                <a:lnTo>
+                  <a:pt x="7573788" y="4163491"/>
+                </a:lnTo>
+                <a:lnTo>
+                  <a:pt x="7578999" y="4293793"/>
+                </a:lnTo>
+                <a:lnTo>
+                  <a:pt x="7583705" y="4421352"/>
+                </a:lnTo>
+                <a:lnTo>
+                  <a:pt x="7596985" y="4670298"/>
+                </a:lnTo>
+                <a:lnTo>
+                  <a:pt x="7611104" y="4908956"/>
+                </a:lnTo>
+                <a:lnTo>
+                  <a:pt x="7625896" y="5138013"/>
+                </a:lnTo>
+                <a:lnTo>
+                  <a:pt x="7642201" y="5354726"/>
+                </a:lnTo>
+                <a:lnTo>
+                  <a:pt x="7659178" y="5561838"/>
+                </a:lnTo>
+                <a:lnTo>
+                  <a:pt x="7677499" y="5753862"/>
+                </a:lnTo>
+                <a:lnTo>
+                  <a:pt x="7695485" y="5934227"/>
+                </a:lnTo>
+                <a:lnTo>
+                  <a:pt x="7713470" y="6100191"/>
+                </a:lnTo>
+                <a:lnTo>
+                  <a:pt x="7730447" y="6252438"/>
+                </a:lnTo>
+                <a:lnTo>
+                  <a:pt x="7746584" y="6387541"/>
+                </a:lnTo>
+                <a:lnTo>
+                  <a:pt x="7761880" y="6509613"/>
+                </a:lnTo>
+                <a:lnTo>
+                  <a:pt x="7774655" y="6612483"/>
+                </a:lnTo>
+                <a:lnTo>
+                  <a:pt x="7786757" y="6698894"/>
+                </a:lnTo>
+                <a:lnTo>
+                  <a:pt x="7804071" y="6817538"/>
+                </a:lnTo>
+                <a:lnTo>
+                  <a:pt x="7809954" y="6858000"/>
+                </a:lnTo>
+                <a:lnTo>
+                  <a:pt x="7157124" y="6858000"/>
+                </a:lnTo>
+                <a:lnTo>
+                  <a:pt x="7157124" y="6858000"/>
+                </a:lnTo>
+                <a:lnTo>
+                  <a:pt x="0" y="6858000"/>
+                </a:lnTo>
+                <a:lnTo>
+                  <a:pt x="0" y="0"/>
+                </a:lnTo>
+                <a:lnTo>
+                  <a:pt x="6465239" y="0"/>
+                </a:lnTo>
+                <a:close/>
+              </a:path>
+            </a:pathLst>
+          </a:custGeom>
+          <a:ln>
+            <a:noFill/>
+          </a:ln>
+        </p:spPr>
+        <p:style>
+          <a:lnRef idx="2">
+            <a:schemeClr val="accent1">
+              <a:shade val="50000"/>
+            </a:schemeClr>
+          </a:lnRef>
+          <a:fillRef idx="1">
+            <a:schemeClr val="accent1"/>
+          </a:fillRef>
+          <a:effectRef idx="0">
+            <a:schemeClr val="accent1"/>
+          </a:effectRef>
+          <a:fontRef idx="minor">
+            <a:schemeClr val="lt1"/>
+          </a:fontRef>
+        </p:style>
+        <p:txBody>
+          <a:bodyPr wrap="square" rtlCol="0" anchor="ctr">
+            <a:noAutofit/>
+          </a:bodyPr>
+          <a:lstStyle/>
+          <a:p>
+            <a:pPr algn="ctr"/>
+            <a:endParaRPr lang="en-US"/>
+          </a:p>
+        </p:txBody>
+      </p:sp>
+      <p:sp>
+        <p:nvSpPr>
+          <p:cNvPr id="38" name="Rectangle 26">
+            <a:extLst>
+              <a:ext uri="{FF2B5EF4-FFF2-40B4-BE49-F238E27FC236}">
+                <a16:creationId xmlns:a16="http://schemas.microsoft.com/office/drawing/2014/main" id="{F98810A7-E114-447A-A7D6-69B27CFB5650}"/>
+              </a:ext>
+              <a:ext uri="{C183D7F6-B498-43B3-948B-1728B52AA6E4}">
+                <adec:decorative xmlns:adec="http://schemas.microsoft.com/office/drawing/2017/decorative" val="1"/>
+              </a:ext>
+            </a:extLst>
+          </p:cNvPr>
+          <p:cNvSpPr>
+            <a:spLocks noGrp="1" noRot="1" noChangeAspect="1" noMove="1" noResize="1" noEditPoints="1" noAdjustHandles="1" noChangeArrowheads="1" noChangeShapeType="1" noTextEdit="1"/>
+          </p:cNvSpPr>
+          <p:nvPr>
+            <p:extLst>
+              <p:ext uri="{386F3935-93C4-4BCD-93E2-E3B085C9AB24}">
+                <p16:designElem xmlns:p16="http://schemas.microsoft.com/office/powerpoint/2015/main" val="1"/>
+              </p:ext>
+            </p:extLst>
+          </p:nvPr>
+        </p:nvSpPr>
+        <p:spPr>
+          <a:xfrm>
+            <a:off x="10437812" y="0"/>
+            <a:ext cx="685800" cy="1143000"/>
+          </a:xfrm>
+          <a:prstGeom prst="rect">
+            <a:avLst/>
+          </a:prstGeom>
+          <a:solidFill>
+            <a:schemeClr val="accent1"/>
+          </a:solidFill>
+          <a:ln>
+            <a:noFill/>
+          </a:ln>
+        </p:spPr>
+        <p:style>
+          <a:lnRef idx="1">
+            <a:schemeClr val="accent1"/>
+          </a:lnRef>
+          <a:fillRef idx="3">
+            <a:schemeClr val="accent1"/>
+          </a:fillRef>
+          <a:effectRef idx="2">
+            <a:schemeClr val="accent1"/>
+          </a:effectRef>
+          <a:fontRef idx="minor">
+            <a:schemeClr val="lt1"/>
+          </a:fontRef>
+        </p:style>
+      </p:sp>
+      <p:pic>
+        <p:nvPicPr>
+          <p:cNvPr id="4" name="Picture 3">
+            <a:extLst>
+              <a:ext uri="{FF2B5EF4-FFF2-40B4-BE49-F238E27FC236}">
+                <a16:creationId xmlns:a16="http://schemas.microsoft.com/office/drawing/2014/main" id="{440429E0-4318-4777-910D-E4CB3DE849DB}"/>
+              </a:ext>
+            </a:extLst>
+          </p:cNvPr>
+          <p:cNvPicPr/>
+          <p:nvPr/>
+        </p:nvPicPr>
+        <p:blipFill>
+          <a:blip r:embed="rId6">
+            <a:extLst>
+              <a:ext uri="{28A0092B-C50C-407E-A947-70E740481C1C}">
+                <a14:useLocalDpi xmlns:a14="http://schemas.microsoft.com/office/drawing/2010/main" val="0"/>
+              </a:ext>
+            </a:extLst>
+          </a:blip>
+          <a:stretch>
+            <a:fillRect/>
+          </a:stretch>
+        </p:blipFill>
+        <p:spPr bwMode="auto">
+          <a:xfrm>
+            <a:off x="410819" y="426780"/>
+            <a:ext cx="6839663" cy="5914002"/>
+          </a:xfrm>
+          <a:prstGeom prst="rect">
+            <a:avLst/>
+          </a:prstGeom>
+          <a:noFill/>
+          <a:effectLst/>
+        </p:spPr>
+      </p:pic>
+    </p:spTree>
+    <p:extLst>
+      <p:ext uri="{BB962C8B-B14F-4D97-AF65-F5344CB8AC3E}">
+        <p14:creationId xmlns:p14="http://schemas.microsoft.com/office/powerpoint/2010/main" val="3913640434"/>
+      </p:ext>
+    </p:extLst>
+  </p:cSld>
+  <p:clrMapOvr>
+    <a:overrideClrMapping bg1="lt1" tx1="dk1" bg2="lt2" tx2="dk2" accent1="accent1" accent2="accent2" accent3="accent3" accent4="accent4" accent5="accent5" accent6="accent6" hlink="hlink" folHlink="folHlink"/>
+  </p:clrMapOvr>
+</p:sld>
+</file>
+
+<file path=ppt/slides/slide12.xml><?xml version="1.0" encoding="utf-8"?>
+<p:sld xmlns:a="http://schemas.openxmlformats.org/drawingml/2006/main" xmlns:r="http://schemas.openxmlformats.org/officeDocument/2006/relationships" xmlns:p="http://schemas.openxmlformats.org/presentationml/2006/main">
+  <p:cSld>
+    <p:spTree>
+      <p:nvGrpSpPr>
+        <p:cNvPr id="1" name=""/>
+        <p:cNvGrpSpPr/>
+        <p:nvPr/>
+      </p:nvGrpSpPr>
+      <p:grpSpPr>
+        <a:xfrm>
+          <a:off x="0" y="0"/>
+          <a:ext cx="0" cy="0"/>
+          <a:chOff x="0" y="0"/>
+          <a:chExt cx="0" cy="0"/>
+        </a:xfrm>
+      </p:grpSpPr>
+      <p:sp>
+        <p:nvSpPr>
+          <p:cNvPr id="2" name="Title 1">
+            <a:extLst>
+              <a:ext uri="{FF2B5EF4-FFF2-40B4-BE49-F238E27FC236}">
                 <a16:creationId xmlns:a16="http://schemas.microsoft.com/office/drawing/2014/main" id="{409E1707-0672-43E1-91AF-4377E8403A3C}"/>
               </a:ext>
             </a:extLst>
@@ -6205,7 +7711,7 @@
 </p:sld>
 </file>
 
-<file path=ppt/slides/slide11.xml><?xml version="1.0" encoding="utf-8"?>
+<file path=ppt/slides/slide13.xml><?xml version="1.0" encoding="utf-8"?>
 <p:sld xmlns:a="http://schemas.openxmlformats.org/drawingml/2006/main" xmlns:r="http://schemas.openxmlformats.org/officeDocument/2006/relationships" xmlns:p="http://schemas.openxmlformats.org/presentationml/2006/main">
   <p:cSld>
     <p:bg>
@@ -7310,7 +8816,7 @@
 </p:sld>
 </file>
 
-<file path=ppt/slides/slide2.xml><?xml version="1.0" encoding="utf-8"?>
+<file path=ppt/slides/slide14.xml><?xml version="1.0" encoding="utf-8"?>
 <p:sld xmlns:a="http://schemas.openxmlformats.org/drawingml/2006/main" xmlns:r="http://schemas.openxmlformats.org/officeDocument/2006/relationships" xmlns:p="http://schemas.openxmlformats.org/presentationml/2006/main">
   <p:cSld>
     <p:spTree>
@@ -7332,7 +8838,7 @@
           <p:cNvPr id="2" name="Title 1">
             <a:extLst>
               <a:ext uri="{FF2B5EF4-FFF2-40B4-BE49-F238E27FC236}">
-                <a16:creationId xmlns:a16="http://schemas.microsoft.com/office/drawing/2014/main" id="{0BA87CEF-92AD-624D-8157-F2FE156E9724}"/>
+                <a16:creationId xmlns:a16="http://schemas.microsoft.com/office/drawing/2014/main" id="{387F6A8F-E452-43C3-A04A-1C80FAE8CC36}"/>
               </a:ext>
             </a:extLst>
           </p:cNvPr>
@@ -7349,8 +8855,8 @@
           <a:lstStyle/>
           <a:p>
             <a:r>
-              <a:rPr lang="en-US" dirty="0"/>
-              <a:t>Abstract</a:t>
+              <a:rPr lang="en-US" sz="3200" dirty="0"/>
+              <a:t>Are certain devices more susceptible to data breaches according to the data given? </a:t>
             </a:r>
           </a:p>
         </p:txBody>
@@ -7360,7 +8866,7 @@
           <p:cNvPr id="3" name="Content Placeholder 2">
             <a:extLst>
               <a:ext uri="{FF2B5EF4-FFF2-40B4-BE49-F238E27FC236}">
-                <a16:creationId xmlns:a16="http://schemas.microsoft.com/office/drawing/2014/main" id="{6D853F37-E5BE-9D49-956B-7E027C80DA96}"/>
+                <a16:creationId xmlns:a16="http://schemas.microsoft.com/office/drawing/2014/main" id="{922282B7-97A0-40B5-93B2-78C83C1142AC}"/>
               </a:ext>
             </a:extLst>
           </p:cNvPr>
@@ -7376,40 +8882,38 @@
           <a:bodyPr/>
           <a:lstStyle/>
           <a:p>
+            <a:pPr marL="0" indent="0">
+              <a:buNone/>
+            </a:pPr>
             <a:r>
               <a:rPr lang="en-US" dirty="0"/>
-              <a:t>In this project we will discuss a detailed analysis of Cyber Security breaches in the USA from 2009 to 2014.</a:t>
-            </a:r>
-          </a:p>
-          <a:p>
+              <a:t>To determine which devices were more susceptible to data breaches first we had to clean up the data to remove the parts of the data that had multiple points of breach.</a:t>
+            </a:r>
+          </a:p>
+          <a:p>
+            <a:pPr marL="0" indent="0">
+              <a:buNone/>
+            </a:pPr>
             <a:r>
               <a:rPr lang="en-US" dirty="0"/>
-              <a:t>The conclusions we have drawn from the analysis of this data set have been from using various techniques writing code in R and </a:t>
-            </a:r>
-            <a:r>
-              <a:rPr lang="en-US" dirty="0" err="1"/>
-              <a:t>Rstudio</a:t>
-            </a:r>
+              <a:t>To best demonstrate visually which device was most likely to be breached we used a bar chart. Which showed, the Number of Breaches per Data Storage Device that was breached. </a:t>
+            </a:r>
+          </a:p>
+          <a:p>
+            <a:pPr marL="0" indent="0">
+              <a:buNone/>
+            </a:pPr>
             <a:r>
               <a:rPr lang="en-US" dirty="0"/>
-              <a:t>.</a:t>
-            </a:r>
-          </a:p>
-          <a:p>
-            <a:r>
-              <a:rPr lang="en-US" dirty="0"/>
-              <a:t> These conclusions in real world scenarios with the correct data set could lead to important business decisions that may help lead to significant updates in a companies security of software, systems, and  decrease in loss of money and information due to cybersecurity breaches.</a:t>
-            </a:r>
-          </a:p>
-          <a:p>
-            <a:endParaRPr lang="en-US" dirty="0"/>
+              <a:t>Based on our findings data stored on a piece of paper was most likely to be breached. But, a Laptop was a very close second as can be seen in the bar chart that follows. </a:t>
+            </a:r>
           </a:p>
         </p:txBody>
       </p:sp>
     </p:spTree>
     <p:extLst>
       <p:ext uri="{BB962C8B-B14F-4D97-AF65-F5344CB8AC3E}">
-        <p14:creationId xmlns:p14="http://schemas.microsoft.com/office/powerpoint/2010/main" val="769961253"/>
+        <p14:creationId xmlns:p14="http://schemas.microsoft.com/office/powerpoint/2010/main" val="2083356367"/>
       </p:ext>
     </p:extLst>
   </p:cSld>
@@ -7419,672 +8923,7 @@
 </p:sld>
 </file>
 
-<file path=ppt/slides/slide3.xml><?xml version="1.0" encoding="utf-8"?>
-<p:sld xmlns:a="http://schemas.openxmlformats.org/drawingml/2006/main" xmlns:r="http://schemas.openxmlformats.org/officeDocument/2006/relationships" xmlns:p="http://schemas.openxmlformats.org/presentationml/2006/main">
-  <p:cSld>
-    <p:spTree>
-      <p:nvGrpSpPr>
-        <p:cNvPr id="1" name=""/>
-        <p:cNvGrpSpPr/>
-        <p:nvPr/>
-      </p:nvGrpSpPr>
-      <p:grpSpPr>
-        <a:xfrm>
-          <a:off x="0" y="0"/>
-          <a:ext cx="0" cy="0"/>
-          <a:chOff x="0" y="0"/>
-          <a:chExt cx="0" cy="0"/>
-        </a:xfrm>
-      </p:grpSpPr>
-      <p:sp>
-        <p:nvSpPr>
-          <p:cNvPr id="2" name="Title 1">
-            <a:extLst>
-              <a:ext uri="{FF2B5EF4-FFF2-40B4-BE49-F238E27FC236}">
-                <a16:creationId xmlns:a16="http://schemas.microsoft.com/office/drawing/2014/main" id="{9372FDFE-A02B-574B-8954-31A0BEB897D2}"/>
-              </a:ext>
-            </a:extLst>
-          </p:cNvPr>
-          <p:cNvSpPr>
-            <a:spLocks noGrp="1"/>
-          </p:cNvSpPr>
-          <p:nvPr>
-            <p:ph type="title"/>
-          </p:nvPr>
-        </p:nvSpPr>
-        <p:spPr/>
-        <p:txBody>
-          <a:bodyPr/>
-          <a:lstStyle/>
-          <a:p>
-            <a:r>
-              <a:rPr lang="en-US" dirty="0"/>
-              <a:t>Introduction</a:t>
-            </a:r>
-          </a:p>
-        </p:txBody>
-      </p:sp>
-      <p:sp>
-        <p:nvSpPr>
-          <p:cNvPr id="3" name="Content Placeholder 2">
-            <a:extLst>
-              <a:ext uri="{FF2B5EF4-FFF2-40B4-BE49-F238E27FC236}">
-                <a16:creationId xmlns:a16="http://schemas.microsoft.com/office/drawing/2014/main" id="{3EAD8C75-ABEE-C24E-B778-624480C5267C}"/>
-              </a:ext>
-            </a:extLst>
-          </p:cNvPr>
-          <p:cNvSpPr>
-            <a:spLocks noGrp="1"/>
-          </p:cNvSpPr>
-          <p:nvPr>
-            <p:ph idx="1"/>
-          </p:nvPr>
-        </p:nvSpPr>
-        <p:spPr/>
-        <p:txBody>
-          <a:bodyPr/>
-          <a:lstStyle/>
-          <a:p>
-            <a:r>
-              <a:rPr lang="en-US" dirty="0"/>
-              <a:t>During our research we used the USA cybersecurity breaches data-set to draw useful information for any entity interested in updating security measures to better prepare for the future.</a:t>
-            </a:r>
-          </a:p>
-          <a:p>
-            <a:r>
-              <a:rPr lang="en-US" dirty="0"/>
-              <a:t>With a Team of 5 we were able to define pertinent questions that by answering would help us produce useful information about our subject matter.</a:t>
-            </a:r>
-          </a:p>
-          <a:p>
-            <a:r>
-              <a:rPr lang="en-US" dirty="0"/>
-              <a:t>The problem that we are trying to solve Is how to effectively address future cybersecurity breaches and avoid them with the observations  made from the data.</a:t>
-            </a:r>
-          </a:p>
-          <a:p>
-            <a:r>
-              <a:rPr lang="en-US" dirty="0"/>
-              <a:t>This problem was chosen because of previous classes of some team members as well as an interest in cybersecurity for other members. </a:t>
-            </a:r>
-          </a:p>
-          <a:p>
-            <a:pPr marL="0" indent="0">
-              <a:buNone/>
-            </a:pPr>
-            <a:endParaRPr lang="en-US" dirty="0"/>
-          </a:p>
-        </p:txBody>
-      </p:sp>
-    </p:spTree>
-    <p:extLst>
-      <p:ext uri="{BB962C8B-B14F-4D97-AF65-F5344CB8AC3E}">
-        <p14:creationId xmlns:p14="http://schemas.microsoft.com/office/powerpoint/2010/main" val="394933443"/>
-      </p:ext>
-    </p:extLst>
-  </p:cSld>
-  <p:clrMapOvr>
-    <a:masterClrMapping/>
-  </p:clrMapOvr>
-</p:sld>
-</file>
-
-<file path=ppt/slides/slide4.xml><?xml version="1.0" encoding="utf-8"?>
-<p:sld xmlns:a="http://schemas.openxmlformats.org/drawingml/2006/main" xmlns:r="http://schemas.openxmlformats.org/officeDocument/2006/relationships" xmlns:p="http://schemas.openxmlformats.org/presentationml/2006/main">
-  <p:cSld>
-    <p:spTree>
-      <p:nvGrpSpPr>
-        <p:cNvPr id="1" name=""/>
-        <p:cNvGrpSpPr/>
-        <p:nvPr/>
-      </p:nvGrpSpPr>
-      <p:grpSpPr>
-        <a:xfrm>
-          <a:off x="0" y="0"/>
-          <a:ext cx="0" cy="0"/>
-          <a:chOff x="0" y="0"/>
-          <a:chExt cx="0" cy="0"/>
-        </a:xfrm>
-      </p:grpSpPr>
-      <p:sp>
-        <p:nvSpPr>
-          <p:cNvPr id="2" name="Title 1">
-            <a:extLst>
-              <a:ext uri="{FF2B5EF4-FFF2-40B4-BE49-F238E27FC236}">
-                <a16:creationId xmlns:a16="http://schemas.microsoft.com/office/drawing/2014/main" id="{04D0840A-4DAC-4C43-9BB4-7694F1E3EE03}"/>
-              </a:ext>
-            </a:extLst>
-          </p:cNvPr>
-          <p:cNvSpPr>
-            <a:spLocks noGrp="1"/>
-          </p:cNvSpPr>
-          <p:nvPr>
-            <p:ph type="title"/>
-          </p:nvPr>
-        </p:nvSpPr>
-        <p:spPr/>
-        <p:txBody>
-          <a:bodyPr/>
-          <a:lstStyle/>
-          <a:p>
-            <a:r>
-              <a:rPr lang="en-US" dirty="0"/>
-              <a:t>Introduction continued</a:t>
-            </a:r>
-          </a:p>
-        </p:txBody>
-      </p:sp>
-      <p:sp>
-        <p:nvSpPr>
-          <p:cNvPr id="3" name="Content Placeholder 2">
-            <a:extLst>
-              <a:ext uri="{FF2B5EF4-FFF2-40B4-BE49-F238E27FC236}">
-                <a16:creationId xmlns:a16="http://schemas.microsoft.com/office/drawing/2014/main" id="{EBF7F786-45D0-3C42-9F02-61E7A6A1F3FD}"/>
-              </a:ext>
-            </a:extLst>
-          </p:cNvPr>
-          <p:cNvSpPr>
-            <a:spLocks noGrp="1"/>
-          </p:cNvSpPr>
-          <p:nvPr>
-            <p:ph idx="1"/>
-          </p:nvPr>
-        </p:nvSpPr>
-        <p:spPr/>
-        <p:txBody>
-          <a:bodyPr/>
-          <a:lstStyle/>
-          <a:p>
-            <a:r>
-              <a:rPr lang="en-US" dirty="0"/>
-              <a:t>As a team of 5 members each member was tasked with developing a question that would lead to our end goal of defining the truths from the data to avoid future breaches. </a:t>
-            </a:r>
-          </a:p>
-          <a:p>
-            <a:r>
-              <a:rPr lang="en-US" dirty="0"/>
-              <a:t>Along with developing a question each member was also tasked with providing an answer to that question.</a:t>
-            </a:r>
-          </a:p>
-          <a:p>
-            <a:r>
-              <a:rPr lang="en-US" dirty="0"/>
-              <a:t>On top of answering these questions our team has also provided multiple predictive models that will predict the number of breaches per year after our data set no longer has information available.</a:t>
-            </a:r>
-          </a:p>
-          <a:p>
-            <a:r>
-              <a:rPr lang="en-US" dirty="0"/>
-              <a:t> Our data set contains the following details, number of breaches, Year, date breached, individuals affected, summary of breach, name of entity breached, the state where the breach took place, type of breach, and location of breached information.</a:t>
-            </a:r>
-          </a:p>
-        </p:txBody>
-      </p:sp>
-    </p:spTree>
-    <p:extLst>
-      <p:ext uri="{BB962C8B-B14F-4D97-AF65-F5344CB8AC3E}">
-        <p14:creationId xmlns:p14="http://schemas.microsoft.com/office/powerpoint/2010/main" val="1492577265"/>
-      </p:ext>
-    </p:extLst>
-  </p:cSld>
-  <p:clrMapOvr>
-    <a:masterClrMapping/>
-  </p:clrMapOvr>
-</p:sld>
-</file>
-
-<file path=ppt/slides/slide5.xml><?xml version="1.0" encoding="utf-8"?>
-<p:sld xmlns:a="http://schemas.openxmlformats.org/drawingml/2006/main" xmlns:r="http://schemas.openxmlformats.org/officeDocument/2006/relationships" xmlns:p="http://schemas.openxmlformats.org/presentationml/2006/main">
-  <p:cSld>
-    <p:spTree>
-      <p:nvGrpSpPr>
-        <p:cNvPr id="1" name=""/>
-        <p:cNvGrpSpPr/>
-        <p:nvPr/>
-      </p:nvGrpSpPr>
-      <p:grpSpPr>
-        <a:xfrm>
-          <a:off x="0" y="0"/>
-          <a:ext cx="0" cy="0"/>
-          <a:chOff x="0" y="0"/>
-          <a:chExt cx="0" cy="0"/>
-        </a:xfrm>
-      </p:grpSpPr>
-      <p:sp>
-        <p:nvSpPr>
-          <p:cNvPr id="2" name="Title 1">
-            <a:extLst>
-              <a:ext uri="{FF2B5EF4-FFF2-40B4-BE49-F238E27FC236}">
-                <a16:creationId xmlns:a16="http://schemas.microsoft.com/office/drawing/2014/main" id="{EB96F413-45F6-AF46-8B99-ECF54348F848}"/>
-              </a:ext>
-            </a:extLst>
-          </p:cNvPr>
-          <p:cNvSpPr>
-            <a:spLocks noGrp="1"/>
-          </p:cNvSpPr>
-          <p:nvPr>
-            <p:ph type="title"/>
-          </p:nvPr>
-        </p:nvSpPr>
-        <p:spPr/>
-        <p:txBody>
-          <a:bodyPr/>
-          <a:lstStyle/>
-          <a:p>
-            <a:r>
-              <a:rPr lang="en-US" dirty="0"/>
-              <a:t>Initial goals </a:t>
-            </a:r>
-          </a:p>
-        </p:txBody>
-      </p:sp>
-      <p:sp>
-        <p:nvSpPr>
-          <p:cNvPr id="3" name="Content Placeholder 2">
-            <a:extLst>
-              <a:ext uri="{FF2B5EF4-FFF2-40B4-BE49-F238E27FC236}">
-                <a16:creationId xmlns:a16="http://schemas.microsoft.com/office/drawing/2014/main" id="{DF9C784D-EF14-D74A-A1EB-D12DC301596B}"/>
-              </a:ext>
-            </a:extLst>
-          </p:cNvPr>
-          <p:cNvSpPr>
-            <a:spLocks noGrp="1"/>
-          </p:cNvSpPr>
-          <p:nvPr>
-            <p:ph idx="1"/>
-          </p:nvPr>
-        </p:nvSpPr>
-        <p:spPr/>
-        <p:txBody>
-          <a:bodyPr/>
-          <a:lstStyle/>
-          <a:p>
-            <a:r>
-              <a:rPr lang="en-US" dirty="0"/>
-              <a:t>See correlation of security breaches over time</a:t>
-            </a:r>
-          </a:p>
-          <a:p>
-            <a:r>
-              <a:rPr lang="en-US" dirty="0"/>
-              <a:t>See the correlation between type of breach and number of individuals effected by the breach</a:t>
-            </a:r>
-          </a:p>
-          <a:p>
-            <a:r>
-              <a:rPr lang="en-US" dirty="0"/>
-              <a:t>See the correlation between the number of breaches and location by state</a:t>
-            </a:r>
-          </a:p>
-          <a:p>
-            <a:r>
-              <a:rPr lang="en-US" dirty="0"/>
-              <a:t>We wanted to see</a:t>
-            </a:r>
-          </a:p>
-          <a:p>
-            <a:r>
-              <a:rPr lang="en-US" dirty="0"/>
-              <a:t>We also wanted to see which type of breach is most common</a:t>
-            </a:r>
-          </a:p>
-          <a:p>
-            <a:r>
-              <a:rPr lang="en-US" dirty="0"/>
-              <a:t>All this information so companies can make better decisions about what kinds of security to invest more resources </a:t>
-            </a:r>
-          </a:p>
-          <a:p>
-            <a:endParaRPr lang="en-US" dirty="0"/>
-          </a:p>
-        </p:txBody>
-      </p:sp>
-    </p:spTree>
-    <p:extLst>
-      <p:ext uri="{BB962C8B-B14F-4D97-AF65-F5344CB8AC3E}">
-        <p14:creationId xmlns:p14="http://schemas.microsoft.com/office/powerpoint/2010/main" val="3807735262"/>
-      </p:ext>
-    </p:extLst>
-  </p:cSld>
-  <p:clrMapOvr>
-    <a:masterClrMapping/>
-  </p:clrMapOvr>
-</p:sld>
-</file>
-
-<file path=ppt/slides/slide6.xml><?xml version="1.0" encoding="utf-8"?>
-<p:sld xmlns:a="http://schemas.openxmlformats.org/drawingml/2006/main" xmlns:r="http://schemas.openxmlformats.org/officeDocument/2006/relationships" xmlns:p="http://schemas.openxmlformats.org/presentationml/2006/main">
-  <p:cSld>
-    <p:spTree>
-      <p:nvGrpSpPr>
-        <p:cNvPr id="1" name=""/>
-        <p:cNvGrpSpPr/>
-        <p:nvPr/>
-      </p:nvGrpSpPr>
-      <p:grpSpPr>
-        <a:xfrm>
-          <a:off x="0" y="0"/>
-          <a:ext cx="0" cy="0"/>
-          <a:chOff x="0" y="0"/>
-          <a:chExt cx="0" cy="0"/>
-        </a:xfrm>
-      </p:grpSpPr>
-      <p:sp>
-        <p:nvSpPr>
-          <p:cNvPr id="2" name="Title 1">
-            <a:extLst>
-              <a:ext uri="{FF2B5EF4-FFF2-40B4-BE49-F238E27FC236}">
-                <a16:creationId xmlns:a16="http://schemas.microsoft.com/office/drawing/2014/main" id="{CB5CE5E7-8A27-4B08-9DCA-010E02327D47}"/>
-              </a:ext>
-            </a:extLst>
-          </p:cNvPr>
-          <p:cNvSpPr>
-            <a:spLocks noGrp="1"/>
-          </p:cNvSpPr>
-          <p:nvPr>
-            <p:ph type="title"/>
-          </p:nvPr>
-        </p:nvSpPr>
-        <p:spPr/>
-        <p:txBody>
-          <a:bodyPr/>
-          <a:lstStyle/>
-          <a:p>
-            <a:r>
-              <a:rPr lang="en-US" dirty="0"/>
-              <a:t>Dataset</a:t>
-            </a:r>
-          </a:p>
-        </p:txBody>
-      </p:sp>
-      <p:sp>
-        <p:nvSpPr>
-          <p:cNvPr id="3" name="Content Placeholder 2">
-            <a:extLst>
-              <a:ext uri="{FF2B5EF4-FFF2-40B4-BE49-F238E27FC236}">
-                <a16:creationId xmlns:a16="http://schemas.microsoft.com/office/drawing/2014/main" id="{2A191A4D-F631-4BDC-B1C9-E93CE4A8B8F2}"/>
-              </a:ext>
-            </a:extLst>
-          </p:cNvPr>
-          <p:cNvSpPr>
-            <a:spLocks noGrp="1"/>
-          </p:cNvSpPr>
-          <p:nvPr>
-            <p:ph idx="1"/>
-          </p:nvPr>
-        </p:nvSpPr>
-        <p:spPr/>
-        <p:txBody>
-          <a:bodyPr/>
-          <a:lstStyle/>
-          <a:p>
-            <a:r>
-              <a:rPr lang="en-US" dirty="0"/>
-              <a:t>Various information regarding data breaches in the US</a:t>
-            </a:r>
-          </a:p>
-          <a:p>
-            <a:r>
-              <a:rPr lang="en-US" u="sng" dirty="0">
-                <a:hlinkClick r:id="rId2"/>
-              </a:rPr>
-              <a:t>https://public.tableau.com/profile/chris1505#!/vizhome/DatasetExplorationandDowbload/DatabaseDash?publish=yes</a:t>
-            </a:r>
-            <a:r>
-              <a:rPr lang="en-US" dirty="0"/>
-              <a:t>.</a:t>
-            </a:r>
-          </a:p>
-          <a:p>
-            <a:endParaRPr lang="en-US" dirty="0"/>
-          </a:p>
-        </p:txBody>
-      </p:sp>
-    </p:spTree>
-    <p:extLst>
-      <p:ext uri="{BB962C8B-B14F-4D97-AF65-F5344CB8AC3E}">
-        <p14:creationId xmlns:p14="http://schemas.microsoft.com/office/powerpoint/2010/main" val="2520534428"/>
-      </p:ext>
-    </p:extLst>
-  </p:cSld>
-  <p:clrMapOvr>
-    <a:masterClrMapping/>
-  </p:clrMapOvr>
-</p:sld>
-</file>
-
-<file path=ppt/slides/slide7.xml><?xml version="1.0" encoding="utf-8"?>
-<p:sld xmlns:a="http://schemas.openxmlformats.org/drawingml/2006/main" xmlns:r="http://schemas.openxmlformats.org/officeDocument/2006/relationships" xmlns:p="http://schemas.openxmlformats.org/presentationml/2006/main">
-  <p:cSld>
-    <p:spTree>
-      <p:nvGrpSpPr>
-        <p:cNvPr id="1" name=""/>
-        <p:cNvGrpSpPr/>
-        <p:nvPr/>
-      </p:nvGrpSpPr>
-      <p:grpSpPr>
-        <a:xfrm>
-          <a:off x="0" y="0"/>
-          <a:ext cx="0" cy="0"/>
-          <a:chOff x="0" y="0"/>
-          <a:chExt cx="0" cy="0"/>
-        </a:xfrm>
-      </p:grpSpPr>
-      <p:sp>
-        <p:nvSpPr>
-          <p:cNvPr id="2" name="Title 1">
-            <a:extLst>
-              <a:ext uri="{FF2B5EF4-FFF2-40B4-BE49-F238E27FC236}">
-                <a16:creationId xmlns:a16="http://schemas.microsoft.com/office/drawing/2014/main" id="{F6245BC1-A248-44F8-B86B-F4D0F295699E}"/>
-              </a:ext>
-            </a:extLst>
-          </p:cNvPr>
-          <p:cNvSpPr>
-            <a:spLocks noGrp="1"/>
-          </p:cNvSpPr>
-          <p:nvPr>
-            <p:ph type="title"/>
-          </p:nvPr>
-        </p:nvSpPr>
-        <p:spPr/>
-        <p:txBody>
-          <a:bodyPr/>
-          <a:lstStyle/>
-          <a:p>
-            <a:r>
-              <a:rPr lang="en-US" dirty="0"/>
-              <a:t>Cleaning the Dataset</a:t>
-            </a:r>
-          </a:p>
-        </p:txBody>
-      </p:sp>
-      <p:sp>
-        <p:nvSpPr>
-          <p:cNvPr id="3" name="Content Placeholder 2">
-            <a:extLst>
-              <a:ext uri="{FF2B5EF4-FFF2-40B4-BE49-F238E27FC236}">
-                <a16:creationId xmlns:a16="http://schemas.microsoft.com/office/drawing/2014/main" id="{5C9EE4AD-9CE5-478C-822F-67F47BD6A35E}"/>
-              </a:ext>
-            </a:extLst>
-          </p:cNvPr>
-          <p:cNvSpPr>
-            <a:spLocks noGrp="1"/>
-          </p:cNvSpPr>
-          <p:nvPr>
-            <p:ph idx="1"/>
-          </p:nvPr>
-        </p:nvSpPr>
-        <p:spPr/>
-        <p:txBody>
-          <a:bodyPr/>
-          <a:lstStyle/>
-          <a:p>
-            <a:r>
-              <a:rPr lang="en-US" dirty="0"/>
-              <a:t>Removed some irrelevant rows</a:t>
-            </a:r>
-          </a:p>
-          <a:p>
-            <a:r>
-              <a:rPr lang="en-US" dirty="0"/>
-              <a:t>Corrected the names of some companies</a:t>
-            </a:r>
-          </a:p>
-          <a:p>
-            <a:r>
-              <a:rPr lang="en-US" dirty="0"/>
-              <a:t>Changed dates to date datatype instead of char string</a:t>
-            </a:r>
-          </a:p>
-          <a:p>
-            <a:pPr lvl="1"/>
-            <a:r>
-              <a:rPr lang="en-US" dirty="0"/>
-              <a:t>Easier to use date data and sort by time</a:t>
-            </a:r>
-          </a:p>
-          <a:p>
-            <a:endParaRPr lang="en-US" dirty="0"/>
-          </a:p>
-        </p:txBody>
-      </p:sp>
-    </p:spTree>
-    <p:extLst>
-      <p:ext uri="{BB962C8B-B14F-4D97-AF65-F5344CB8AC3E}">
-        <p14:creationId xmlns:p14="http://schemas.microsoft.com/office/powerpoint/2010/main" val="2092159196"/>
-      </p:ext>
-    </p:extLst>
-  </p:cSld>
-  <p:clrMapOvr>
-    <a:masterClrMapping/>
-  </p:clrMapOvr>
-</p:sld>
-</file>
-
-<file path=ppt/slides/slide8.xml><?xml version="1.0" encoding="utf-8"?>
-<p:sld xmlns:a="http://schemas.openxmlformats.org/drawingml/2006/main" xmlns:r="http://schemas.openxmlformats.org/officeDocument/2006/relationships" xmlns:p="http://schemas.openxmlformats.org/presentationml/2006/main">
-  <p:cSld>
-    <p:spTree>
-      <p:nvGrpSpPr>
-        <p:cNvPr id="1" name=""/>
-        <p:cNvGrpSpPr/>
-        <p:nvPr/>
-      </p:nvGrpSpPr>
-      <p:grpSpPr>
-        <a:xfrm>
-          <a:off x="0" y="0"/>
-          <a:ext cx="0" cy="0"/>
-          <a:chOff x="0" y="0"/>
-          <a:chExt cx="0" cy="0"/>
-        </a:xfrm>
-      </p:grpSpPr>
-      <p:sp>
-        <p:nvSpPr>
-          <p:cNvPr id="2" name="Title 1">
-            <a:extLst>
-              <a:ext uri="{FF2B5EF4-FFF2-40B4-BE49-F238E27FC236}">
-                <a16:creationId xmlns:a16="http://schemas.microsoft.com/office/drawing/2014/main" id="{472E65E1-D1E4-45C6-B505-C4489B3FFE67}"/>
-              </a:ext>
-            </a:extLst>
-          </p:cNvPr>
-          <p:cNvSpPr>
-            <a:spLocks noGrp="1"/>
-          </p:cNvSpPr>
-          <p:nvPr>
-            <p:ph type="title"/>
-          </p:nvPr>
-        </p:nvSpPr>
-        <p:spPr/>
-        <p:txBody>
-          <a:bodyPr/>
-          <a:lstStyle/>
-          <a:p>
-            <a:r>
-              <a:rPr lang="en-US" sz="2800" dirty="0"/>
-              <a:t>Which states have the largest number of individual breaches and what type of data breach was most dominant?</a:t>
-            </a:r>
-          </a:p>
-        </p:txBody>
-      </p:sp>
-      <p:sp>
-        <p:nvSpPr>
-          <p:cNvPr id="3" name="Content Placeholder 2">
-            <a:extLst>
-              <a:ext uri="{FF2B5EF4-FFF2-40B4-BE49-F238E27FC236}">
-                <a16:creationId xmlns:a16="http://schemas.microsoft.com/office/drawing/2014/main" id="{977A3D45-C3C5-471A-A3F6-80FC13B4FF16}"/>
-              </a:ext>
-            </a:extLst>
-          </p:cNvPr>
-          <p:cNvSpPr>
-            <a:spLocks noGrp="1"/>
-          </p:cNvSpPr>
-          <p:nvPr>
-            <p:ph idx="1"/>
-          </p:nvPr>
-        </p:nvSpPr>
-        <p:spPr>
-          <a:xfrm>
-            <a:off x="646111" y="2081093"/>
-            <a:ext cx="8946541" cy="4195481"/>
-          </a:xfrm>
-        </p:spPr>
-        <p:txBody>
-          <a:bodyPr>
-            <a:normAutofit fontScale="92500" lnSpcReduction="10000"/>
-          </a:bodyPr>
-          <a:lstStyle/>
-          <a:p>
-            <a:pPr marL="0" indent="0">
-              <a:buNone/>
-            </a:pPr>
-            <a:r>
-              <a:rPr lang="en-US" dirty="0"/>
-              <a:t>Throughout 2009-2015 there were many large data breaches that occurred but some more significant than other so when I came across this question I ask myself how could make these number more easy to follow so I narrowed down the data set to the top 25 states.</a:t>
-            </a:r>
-          </a:p>
-          <a:p>
-            <a:pPr marL="0" indent="0">
-              <a:buNone/>
-            </a:pPr>
-            <a:r>
-              <a:rPr lang="en-US" dirty="0"/>
-              <a:t>I thought by doing this it would give a clear picture of which breaches where the largest and most dominant. I came to the conclusion of Illinois having around 4 million individuals affected and Virginia had the largest amount from one attack at 4.9 million individuals.</a:t>
-            </a:r>
-          </a:p>
-          <a:p>
-            <a:pPr marL="0" indent="0">
-              <a:buNone/>
-            </a:pPr>
-            <a:r>
-              <a:rPr lang="en-US" dirty="0"/>
-              <a:t>Some states such as California and Florida had multiple events affecting individuals and not just one California having 5 events them totaling to around 3.7 million and Florida totaling around 2.2 million individuals.</a:t>
-            </a:r>
-          </a:p>
-          <a:p>
-            <a:pPr marL="0" indent="0">
-              <a:buNone/>
-            </a:pPr>
-            <a:r>
-              <a:rPr lang="en-US" dirty="0"/>
-              <a:t>I used visualizations such as a bar chart and confusion matrix to better comprehend how these are seen.</a:t>
-            </a:r>
-          </a:p>
-        </p:txBody>
-      </p:sp>
-    </p:spTree>
-    <p:extLst>
-      <p:ext uri="{BB962C8B-B14F-4D97-AF65-F5344CB8AC3E}">
-        <p14:creationId xmlns:p14="http://schemas.microsoft.com/office/powerpoint/2010/main" val="3261865359"/>
-      </p:ext>
-    </p:extLst>
-  </p:cSld>
-  <p:clrMapOvr>
-    <a:masterClrMapping/>
-  </p:clrMapOvr>
-</p:sld>
-</file>
-
-<file path=ppt/slides/slide9.xml><?xml version="1.0" encoding="utf-8"?>
+<file path=ppt/slides/slide15.xml><?xml version="1.0" encoding="utf-8"?>
 <p:sld xmlns:a="http://schemas.openxmlformats.org/drawingml/2006/main" xmlns:r="http://schemas.openxmlformats.org/officeDocument/2006/relationships" xmlns:p="http://schemas.openxmlformats.org/presentationml/2006/main">
   <p:cSld>
     <p:bg>
@@ -8111,7 +8950,7 @@
       </p:grpSpPr>
       <p:pic>
         <p:nvPicPr>
-          <p:cNvPr id="29" name="Picture 8">
+          <p:cNvPr id="32" name="Picture 31">
             <a:extLst>
               <a:ext uri="{FF2B5EF4-FFF2-40B4-BE49-F238E27FC236}">
                 <a16:creationId xmlns:a16="http://schemas.microsoft.com/office/drawing/2014/main" id="{41B68C77-138E-4BF7-A276-BD0C78A4219F}"/>
@@ -8155,7 +8994,7 @@
       </p:pic>
       <p:pic>
         <p:nvPicPr>
-          <p:cNvPr id="30" name="Picture 10">
+          <p:cNvPr id="34" name="Picture 33">
             <a:extLst>
               <a:ext uri="{FF2B5EF4-FFF2-40B4-BE49-F238E27FC236}">
                 <a16:creationId xmlns:a16="http://schemas.microsoft.com/office/drawing/2014/main" id="{7C268552-D473-46ED-B1B8-422042C4DEF1}"/>
@@ -8199,7 +9038,7 @@
       </p:pic>
       <p:sp>
         <p:nvSpPr>
-          <p:cNvPr id="31" name="Oval 12">
+          <p:cNvPr id="36" name="Oval 35">
             <a:extLst>
               <a:ext uri="{FF2B5EF4-FFF2-40B4-BE49-F238E27FC236}">
                 <a16:creationId xmlns:a16="http://schemas.microsoft.com/office/drawing/2014/main" id="{4AC0CD9D-7610-4620-93B4-798CCD9AB581}"/>
@@ -8279,7 +9118,7 @@
       </p:sp>
       <p:pic>
         <p:nvPicPr>
-          <p:cNvPr id="32" name="Picture 14">
+          <p:cNvPr id="38" name="Picture 37">
             <a:extLst>
               <a:ext uri="{FF2B5EF4-FFF2-40B4-BE49-F238E27FC236}">
                 <a16:creationId xmlns:a16="http://schemas.microsoft.com/office/drawing/2014/main" id="{B9238B3E-24AA-439A-B527-6C5DF6D72145}"/>
@@ -8323,7 +9162,7 @@
       </p:pic>
       <p:pic>
         <p:nvPicPr>
-          <p:cNvPr id="33" name="Picture 16">
+          <p:cNvPr id="40" name="Picture 39">
             <a:extLst>
               <a:ext uri="{FF2B5EF4-FFF2-40B4-BE49-F238E27FC236}">
                 <a16:creationId xmlns:a16="http://schemas.microsoft.com/office/drawing/2014/main" id="{69F01145-BEA3-4CBF-AA21-10077B948CA8}"/>
@@ -8367,7 +9206,7 @@
       </p:pic>
       <p:sp>
         <p:nvSpPr>
-          <p:cNvPr id="34" name="Rectangle 18">
+          <p:cNvPr id="42" name="Rectangle 41">
             <a:extLst>
               <a:ext uri="{FF2B5EF4-FFF2-40B4-BE49-F238E27FC236}">
                 <a16:creationId xmlns:a16="http://schemas.microsoft.com/office/drawing/2014/main" id="{DE4D62F9-188E-4530-84C2-24BDEE4BEB82}"/>
@@ -8418,12 +9257,12 @@
           </a:fontRef>
         </p:style>
       </p:sp>
-      <p:sp>
-        <p:nvSpPr>
-          <p:cNvPr id="35" name="Rectangle 20">
+      <p:sp useBgFill="1">
+        <p:nvSpPr>
+          <p:cNvPr id="44" name="Rectangle 43">
             <a:extLst>
               <a:ext uri="{FF2B5EF4-FFF2-40B4-BE49-F238E27FC236}">
-                <a16:creationId xmlns:a16="http://schemas.microsoft.com/office/drawing/2014/main" id="{757B325C-3E35-45CF-9D07-3BCB281F3B9C}"/>
+                <a16:creationId xmlns:a16="http://schemas.microsoft.com/office/drawing/2014/main" id="{D27CF008-4B18-436D-B2D5-C1346C12438E}"/>
               </a:ext>
               <a:ext uri="{C183D7F6-B498-43B3-948B-1728B52AA6E4}">
                 <adec:decorative xmlns:adec="http://schemas.microsoft.com/office/drawing/2017/decorative" val="1"/>
@@ -8443,893 +9282,12 @@
         </p:nvSpPr>
         <p:spPr>
           <a:xfrm>
-            <a:off x="0" y="0"/>
-            <a:ext cx="12192000" cy="6858000"/>
+            <a:off x="0" y="-5"/>
+            <a:ext cx="12191695" cy="4730744"/>
           </a:xfrm>
           <a:prstGeom prst="rect">
             <a:avLst/>
           </a:prstGeom>
-          <a:ln>
-            <a:noFill/>
-          </a:ln>
-        </p:spPr>
-        <p:style>
-          <a:lnRef idx="2">
-            <a:schemeClr val="accent1">
-              <a:shade val="50000"/>
-            </a:schemeClr>
-          </a:lnRef>
-          <a:fillRef idx="1003">
-            <a:schemeClr val="dk2"/>
-          </a:fillRef>
-          <a:effectRef idx="0">
-            <a:schemeClr val="accent1"/>
-          </a:effectRef>
-          <a:fontRef idx="minor">
-            <a:schemeClr val="lt1"/>
-          </a:fontRef>
-        </p:style>
-        <p:txBody>
-          <a:bodyPr rtlCol="0" anchor="ctr"/>
-          <a:lstStyle/>
-          <a:p>
-            <a:pPr algn="ctr"/>
-            <a:endParaRPr lang="en-US"/>
-          </a:p>
-        </p:txBody>
-      </p:sp>
-      <p:sp>
-        <p:nvSpPr>
-          <p:cNvPr id="2" name="Title 1">
-            <a:extLst>
-              <a:ext uri="{FF2B5EF4-FFF2-40B4-BE49-F238E27FC236}">
-                <a16:creationId xmlns:a16="http://schemas.microsoft.com/office/drawing/2014/main" id="{C0AFA06A-033A-4861-8E48-B54B4BF86768}"/>
-              </a:ext>
-            </a:extLst>
-          </p:cNvPr>
-          <p:cNvSpPr>
-            <a:spLocks noGrp="1"/>
-          </p:cNvSpPr>
-          <p:nvPr>
-            <p:ph type="title"/>
-          </p:nvPr>
-        </p:nvSpPr>
-        <p:spPr>
-          <a:xfrm>
-            <a:off x="8191925" y="1325880"/>
-            <a:ext cx="3352375" cy="3066507"/>
-          </a:xfrm>
-        </p:spPr>
-        <p:txBody>
-          <a:bodyPr vert="horz" lIns="91440" tIns="45720" rIns="91440" bIns="45720" rtlCol="0" anchor="b">
-            <a:normAutofit/>
-          </a:bodyPr>
-          <a:lstStyle/>
-          <a:p>
-            <a:r>
-              <a:rPr lang="en-US" sz="5400" b="0" i="0" kern="1200">
-                <a:solidFill>
-                  <a:srgbClr val="EBEBEB"/>
-                </a:solidFill>
-                <a:latin typeface="+mj-lt"/>
-                <a:ea typeface="+mj-ea"/>
-                <a:cs typeface="+mj-cs"/>
-              </a:rPr>
-              <a:t>Bar Chart</a:t>
-            </a:r>
-          </a:p>
-        </p:txBody>
-      </p:sp>
-      <p:sp>
-        <p:nvSpPr>
-          <p:cNvPr id="36" name="Freeform 36">
-            <a:extLst>
-              <a:ext uri="{FF2B5EF4-FFF2-40B4-BE49-F238E27FC236}">
-                <a16:creationId xmlns:a16="http://schemas.microsoft.com/office/drawing/2014/main" id="{C24BEC42-AFF3-40D1-93A2-A27A42E1E23C}"/>
-              </a:ext>
-              <a:ext uri="{C183D7F6-B498-43B3-948B-1728B52AA6E4}">
-                <adec:decorative xmlns:adec="http://schemas.microsoft.com/office/drawing/2017/decorative" val="1"/>
-              </a:ext>
-            </a:extLst>
-          </p:cNvPr>
-          <p:cNvSpPr>
-            <a:spLocks noGrp="1" noRot="1" noChangeAspect="1" noMove="1" noResize="1" noEditPoints="1" noAdjustHandles="1" noChangeArrowheads="1" noChangeShapeType="1" noTextEdit="1"/>
-          </p:cNvSpPr>
-          <p:nvPr>
-            <p:extLst>
-              <p:ext uri="{386F3935-93C4-4BCD-93E2-E3B085C9AB24}">
-                <p16:designElem xmlns:p16="http://schemas.microsoft.com/office/powerpoint/2015/main" val="1"/>
-              </p:ext>
-            </p:extLst>
-          </p:nvPr>
-        </p:nvSpPr>
-        <p:spPr>
-          <a:xfrm flipH="1">
-            <a:off x="7463681" y="-1"/>
-            <a:ext cx="559472" cy="3709642"/>
-          </a:xfrm>
-          <a:custGeom>
-            <a:avLst/>
-            <a:gdLst>
-              <a:gd name="connsiteX0" fmla="*/ 0 w 559472"/>
-              <a:gd name="connsiteY0" fmla="*/ 0 h 3709642"/>
-              <a:gd name="connsiteX1" fmla="*/ 473952 w 559472"/>
-              <a:gd name="connsiteY1" fmla="*/ 0 h 3709642"/>
-              <a:gd name="connsiteX2" fmla="*/ 485840 w 559472"/>
-              <a:gd name="connsiteY2" fmla="*/ 161194 h 3709642"/>
-              <a:gd name="connsiteX3" fmla="*/ 523949 w 559472"/>
-              <a:gd name="connsiteY3" fmla="*/ 3672197 h 3709642"/>
-              <a:gd name="connsiteX4" fmla="*/ 454748 w 559472"/>
-              <a:gd name="connsiteY4" fmla="*/ 3709642 h 3709642"/>
-              <a:gd name="connsiteX5" fmla="*/ 448224 w 559472"/>
-              <a:gd name="connsiteY5" fmla="*/ 3510471 h 3709642"/>
-              <a:gd name="connsiteX6" fmla="*/ 443564 w 559472"/>
-              <a:gd name="connsiteY6" fmla="*/ 3408563 h 3709642"/>
-              <a:gd name="connsiteX7" fmla="*/ 438902 w 559472"/>
-              <a:gd name="connsiteY7" fmla="*/ 3304407 h 3709642"/>
-              <a:gd name="connsiteX8" fmla="*/ 433941 w 559472"/>
-              <a:gd name="connsiteY8" fmla="*/ 3198777 h 3709642"/>
-              <a:gd name="connsiteX9" fmla="*/ 427584 w 559472"/>
-              <a:gd name="connsiteY9" fmla="*/ 3092510 h 3709642"/>
-              <a:gd name="connsiteX10" fmla="*/ 420988 w 559472"/>
-              <a:gd name="connsiteY10" fmla="*/ 2984390 h 3709642"/>
-              <a:gd name="connsiteX11" fmla="*/ 414330 w 559472"/>
-              <a:gd name="connsiteY11" fmla="*/ 2874401 h 3709642"/>
-              <a:gd name="connsiteX12" fmla="*/ 406840 w 559472"/>
-              <a:gd name="connsiteY12" fmla="*/ 2762980 h 3709642"/>
-              <a:gd name="connsiteX13" fmla="*/ 397745 w 559472"/>
-              <a:gd name="connsiteY13" fmla="*/ 2650566 h 3709642"/>
-              <a:gd name="connsiteX14" fmla="*/ 389154 w 559472"/>
-              <a:gd name="connsiteY14" fmla="*/ 2536612 h 3709642"/>
-              <a:gd name="connsiteX15" fmla="*/ 379225 w 559472"/>
-              <a:gd name="connsiteY15" fmla="*/ 2421642 h 3709642"/>
-              <a:gd name="connsiteX16" fmla="*/ 368316 w 559472"/>
-              <a:gd name="connsiteY16" fmla="*/ 2305627 h 3709642"/>
-              <a:gd name="connsiteX17" fmla="*/ 357466 w 559472"/>
-              <a:gd name="connsiteY17" fmla="*/ 2189233 h 3709642"/>
-              <a:gd name="connsiteX18" fmla="*/ 344982 w 559472"/>
-              <a:gd name="connsiteY18" fmla="*/ 2071473 h 3709642"/>
-              <a:gd name="connsiteX19" fmla="*/ 332466 w 559472"/>
-              <a:gd name="connsiteY19" fmla="*/ 1952216 h 3709642"/>
-              <a:gd name="connsiteX20" fmla="*/ 319121 w 559472"/>
-              <a:gd name="connsiteY20" fmla="*/ 1833776 h 3709642"/>
-              <a:gd name="connsiteX21" fmla="*/ 304408 w 559472"/>
-              <a:gd name="connsiteY21" fmla="*/ 1713948 h 3709642"/>
-              <a:gd name="connsiteX22" fmla="*/ 288685 w 559472"/>
-              <a:gd name="connsiteY22" fmla="*/ 1592703 h 3709642"/>
-              <a:gd name="connsiteX23" fmla="*/ 273050 w 559472"/>
-              <a:gd name="connsiteY23" fmla="*/ 1471451 h 3709642"/>
-              <a:gd name="connsiteX24" fmla="*/ 255813 w 559472"/>
-              <a:gd name="connsiteY24" fmla="*/ 1350328 h 3709642"/>
-              <a:gd name="connsiteX25" fmla="*/ 237060 w 559472"/>
-              <a:gd name="connsiteY25" fmla="*/ 1227080 h 3709642"/>
-              <a:gd name="connsiteX26" fmla="*/ 218488 w 559472"/>
-              <a:gd name="connsiteY26" fmla="*/ 1106065 h 3709642"/>
-              <a:gd name="connsiteX27" fmla="*/ 198221 w 559472"/>
-              <a:gd name="connsiteY27" fmla="*/ 982940 h 3709642"/>
-              <a:gd name="connsiteX28" fmla="*/ 177152 w 559472"/>
-              <a:gd name="connsiteY28" fmla="*/ 858755 h 3709642"/>
-              <a:gd name="connsiteX29" fmla="*/ 155551 w 559472"/>
-              <a:gd name="connsiteY29" fmla="*/ 736861 h 3709642"/>
-              <a:gd name="connsiteX30" fmla="*/ 131782 w 559472"/>
-              <a:gd name="connsiteY30" fmla="*/ 613645 h 3709642"/>
-              <a:gd name="connsiteX31" fmla="*/ 107123 w 559472"/>
-              <a:gd name="connsiteY31" fmla="*/ 490500 h 3709642"/>
-              <a:gd name="connsiteX32" fmla="*/ 82552 w 559472"/>
-              <a:gd name="connsiteY32" fmla="*/ 367348 h 3709642"/>
-              <a:gd name="connsiteX33" fmla="*/ 55608 w 559472"/>
-              <a:gd name="connsiteY33" fmla="*/ 244762 h 3709642"/>
-              <a:gd name="connsiteX34" fmla="*/ 28130 w 559472"/>
-              <a:gd name="connsiteY34" fmla="*/ 122220 h 3709642"/>
-              <a:gd name="connsiteX35" fmla="*/ 0 w 559472"/>
-              <a:gd name="connsiteY35" fmla="*/ 0 h 3709642"/>
-            </a:gdLst>
-            <a:ahLst/>
-            <a:cxnLst>
-              <a:cxn ang="0">
-                <a:pos x="connsiteX0" y="connsiteY0"/>
-              </a:cxn>
-              <a:cxn ang="0">
-                <a:pos x="connsiteX1" y="connsiteY1"/>
-              </a:cxn>
-              <a:cxn ang="0">
-                <a:pos x="connsiteX2" y="connsiteY2"/>
-              </a:cxn>
-              <a:cxn ang="0">
-                <a:pos x="connsiteX3" y="connsiteY3"/>
-              </a:cxn>
-              <a:cxn ang="0">
-                <a:pos x="connsiteX4" y="connsiteY4"/>
-              </a:cxn>
-              <a:cxn ang="0">
-                <a:pos x="connsiteX5" y="connsiteY5"/>
-              </a:cxn>
-              <a:cxn ang="0">
-                <a:pos x="connsiteX6" y="connsiteY6"/>
-              </a:cxn>
-              <a:cxn ang="0">
-                <a:pos x="connsiteX7" y="connsiteY7"/>
-              </a:cxn>
-              <a:cxn ang="0">
-                <a:pos x="connsiteX8" y="connsiteY8"/>
-              </a:cxn>
-              <a:cxn ang="0">
-                <a:pos x="connsiteX9" y="connsiteY9"/>
-              </a:cxn>
-              <a:cxn ang="0">
-                <a:pos x="connsiteX10" y="connsiteY10"/>
-              </a:cxn>
-              <a:cxn ang="0">
-                <a:pos x="connsiteX11" y="connsiteY11"/>
-              </a:cxn>
-              <a:cxn ang="0">
-                <a:pos x="connsiteX12" y="connsiteY12"/>
-              </a:cxn>
-              <a:cxn ang="0">
-                <a:pos x="connsiteX13" y="connsiteY13"/>
-              </a:cxn>
-              <a:cxn ang="0">
-                <a:pos x="connsiteX14" y="connsiteY14"/>
-              </a:cxn>
-              <a:cxn ang="0">
-                <a:pos x="connsiteX15" y="connsiteY15"/>
-              </a:cxn>
-              <a:cxn ang="0">
-                <a:pos x="connsiteX16" y="connsiteY16"/>
-              </a:cxn>
-              <a:cxn ang="0">
-                <a:pos x="connsiteX17" y="connsiteY17"/>
-              </a:cxn>
-              <a:cxn ang="0">
-                <a:pos x="connsiteX18" y="connsiteY18"/>
-              </a:cxn>
-              <a:cxn ang="0">
-                <a:pos x="connsiteX19" y="connsiteY19"/>
-              </a:cxn>
-              <a:cxn ang="0">
-                <a:pos x="connsiteX20" y="connsiteY20"/>
-              </a:cxn>
-              <a:cxn ang="0">
-                <a:pos x="connsiteX21" y="connsiteY21"/>
-              </a:cxn>
-              <a:cxn ang="0">
-                <a:pos x="connsiteX22" y="connsiteY22"/>
-              </a:cxn>
-              <a:cxn ang="0">
-                <a:pos x="connsiteX23" y="connsiteY23"/>
-              </a:cxn>
-              <a:cxn ang="0">
-                <a:pos x="connsiteX24" y="connsiteY24"/>
-              </a:cxn>
-              <a:cxn ang="0">
-                <a:pos x="connsiteX25" y="connsiteY25"/>
-              </a:cxn>
-              <a:cxn ang="0">
-                <a:pos x="connsiteX26" y="connsiteY26"/>
-              </a:cxn>
-              <a:cxn ang="0">
-                <a:pos x="connsiteX27" y="connsiteY27"/>
-              </a:cxn>
-              <a:cxn ang="0">
-                <a:pos x="connsiteX28" y="connsiteY28"/>
-              </a:cxn>
-              <a:cxn ang="0">
-                <a:pos x="connsiteX29" y="connsiteY29"/>
-              </a:cxn>
-              <a:cxn ang="0">
-                <a:pos x="connsiteX30" y="connsiteY30"/>
-              </a:cxn>
-              <a:cxn ang="0">
-                <a:pos x="connsiteX31" y="connsiteY31"/>
-              </a:cxn>
-              <a:cxn ang="0">
-                <a:pos x="connsiteX32" y="connsiteY32"/>
-              </a:cxn>
-              <a:cxn ang="0">
-                <a:pos x="connsiteX33" y="connsiteY33"/>
-              </a:cxn>
-              <a:cxn ang="0">
-                <a:pos x="connsiteX34" y="connsiteY34"/>
-              </a:cxn>
-              <a:cxn ang="0">
-                <a:pos x="connsiteX35" y="connsiteY35"/>
-              </a:cxn>
-            </a:cxnLst>
-            <a:rect l="l" t="t" r="r" b="b"/>
-            <a:pathLst>
-              <a:path w="559472" h="3709642">
-                <a:moveTo>
-                  <a:pt x="0" y="0"/>
-                </a:moveTo>
-                <a:lnTo>
-                  <a:pt x="473952" y="0"/>
-                </a:lnTo>
-                <a:lnTo>
-                  <a:pt x="485840" y="161194"/>
-                </a:lnTo>
-                <a:cubicBezTo>
-                  <a:pt x="552063" y="1147770"/>
-                  <a:pt x="592441" y="3086737"/>
-                  <a:pt x="523949" y="3672197"/>
-                </a:cubicBezTo>
-                <a:cubicBezTo>
-                  <a:pt x="500842" y="3684557"/>
-                  <a:pt x="477855" y="3697282"/>
-                  <a:pt x="454748" y="3709642"/>
-                </a:cubicBezTo>
-                <a:lnTo>
-                  <a:pt x="448224" y="3510471"/>
-                </a:lnTo>
-                <a:lnTo>
-                  <a:pt x="443564" y="3408563"/>
-                </a:lnTo>
-                <a:lnTo>
-                  <a:pt x="438902" y="3304407"/>
-                </a:lnTo>
-                <a:lnTo>
-                  <a:pt x="433941" y="3198777"/>
-                </a:lnTo>
-                <a:lnTo>
-                  <a:pt x="427584" y="3092510"/>
-                </a:lnTo>
-                <a:lnTo>
-                  <a:pt x="420988" y="2984390"/>
-                </a:lnTo>
-                <a:lnTo>
-                  <a:pt x="414330" y="2874401"/>
-                </a:lnTo>
-                <a:lnTo>
-                  <a:pt x="406840" y="2762980"/>
-                </a:lnTo>
-                <a:lnTo>
-                  <a:pt x="397745" y="2650566"/>
-                </a:lnTo>
-                <a:lnTo>
-                  <a:pt x="389154" y="2536612"/>
-                </a:lnTo>
-                <a:lnTo>
-                  <a:pt x="379225" y="2421642"/>
-                </a:lnTo>
-                <a:lnTo>
-                  <a:pt x="368316" y="2305627"/>
-                </a:lnTo>
-                <a:lnTo>
-                  <a:pt x="357466" y="2189233"/>
-                </a:lnTo>
-                <a:lnTo>
-                  <a:pt x="344982" y="2071473"/>
-                </a:lnTo>
-                <a:lnTo>
-                  <a:pt x="332466" y="1952216"/>
-                </a:lnTo>
-                <a:lnTo>
-                  <a:pt x="319121" y="1833776"/>
-                </a:lnTo>
-                <a:lnTo>
-                  <a:pt x="304408" y="1713948"/>
-                </a:lnTo>
-                <a:lnTo>
-                  <a:pt x="288685" y="1592703"/>
-                </a:lnTo>
-                <a:lnTo>
-                  <a:pt x="273050" y="1471451"/>
-                </a:lnTo>
-                <a:lnTo>
-                  <a:pt x="255813" y="1350328"/>
-                </a:lnTo>
-                <a:lnTo>
-                  <a:pt x="237060" y="1227080"/>
-                </a:lnTo>
-                <a:lnTo>
-                  <a:pt x="218488" y="1106065"/>
-                </a:lnTo>
-                <a:lnTo>
-                  <a:pt x="198221" y="982940"/>
-                </a:lnTo>
-                <a:lnTo>
-                  <a:pt x="177152" y="858755"/>
-                </a:lnTo>
-                <a:lnTo>
-                  <a:pt x="155551" y="736861"/>
-                </a:lnTo>
-                <a:lnTo>
-                  <a:pt x="131782" y="613645"/>
-                </a:lnTo>
-                <a:lnTo>
-                  <a:pt x="107123" y="490500"/>
-                </a:lnTo>
-                <a:lnTo>
-                  <a:pt x="82552" y="367348"/>
-                </a:lnTo>
-                <a:lnTo>
-                  <a:pt x="55608" y="244762"/>
-                </a:lnTo>
-                <a:lnTo>
-                  <a:pt x="28130" y="122220"/>
-                </a:lnTo>
-                <a:lnTo>
-                  <a:pt x="0" y="0"/>
-                </a:lnTo>
-                <a:close/>
-              </a:path>
-            </a:pathLst>
-          </a:custGeom>
-          <a:solidFill>
-            <a:schemeClr val="bg1">
-              <a:alpha val="20000"/>
-            </a:schemeClr>
-          </a:solidFill>
-          <a:ln>
-            <a:noFill/>
-          </a:ln>
-        </p:spPr>
-        <p:txBody>
-          <a:bodyPr rtlCol="0" anchor="ctr"/>
-          <a:lstStyle/>
-          <a:p>
-            <a:pPr algn="ctr"/>
-            <a:endParaRPr lang="en-US"/>
-          </a:p>
-        </p:txBody>
-      </p:sp>
-      <p:sp useBgFill="1">
-        <p:nvSpPr>
-          <p:cNvPr id="37" name="Freeform: Shape 24">
-            <a:extLst>
-              <a:ext uri="{FF2B5EF4-FFF2-40B4-BE49-F238E27FC236}">
-                <a16:creationId xmlns:a16="http://schemas.microsoft.com/office/drawing/2014/main" id="{608F427C-1EC9-4280-9367-F2B3AA063E82}"/>
-              </a:ext>
-              <a:ext uri="{C183D7F6-B498-43B3-948B-1728B52AA6E4}">
-                <adec:decorative xmlns:adec="http://schemas.microsoft.com/office/drawing/2017/decorative" val="1"/>
-              </a:ext>
-            </a:extLst>
-          </p:cNvPr>
-          <p:cNvSpPr>
-            <a:spLocks noGrp="1" noRot="1" noChangeAspect="1" noMove="1" noResize="1" noEditPoints="1" noAdjustHandles="1" noChangeArrowheads="1" noChangeShapeType="1" noTextEdit="1"/>
-          </p:cNvSpPr>
-          <p:nvPr>
-            <p:extLst>
-              <p:ext uri="{386F3935-93C4-4BCD-93E2-E3B085C9AB24}">
-                <p16:designElem xmlns:p16="http://schemas.microsoft.com/office/powerpoint/2015/main" val="1"/>
-              </p:ext>
-            </p:extLst>
-          </p:nvPr>
-        </p:nvSpPr>
-        <p:spPr>
-          <a:xfrm>
-            <a:off x="0" y="0"/>
-            <a:ext cx="7809954" cy="6858000"/>
-          </a:xfrm>
-          <a:custGeom>
-            <a:avLst/>
-            <a:gdLst>
-              <a:gd name="connsiteX0" fmla="*/ 6465239 w 7809954"/>
-              <a:gd name="connsiteY0" fmla="*/ 0 h 6858000"/>
-              <a:gd name="connsiteX1" fmla="*/ 7808777 w 7809954"/>
-              <a:gd name="connsiteY1" fmla="*/ 0 h 6858000"/>
-              <a:gd name="connsiteX2" fmla="*/ 7783732 w 7809954"/>
-              <a:gd name="connsiteY2" fmla="*/ 155676 h 6858000"/>
-              <a:gd name="connsiteX3" fmla="*/ 7759863 w 7809954"/>
-              <a:gd name="connsiteY3" fmla="*/ 310667 h 6858000"/>
-              <a:gd name="connsiteX4" fmla="*/ 7736499 w 7809954"/>
-              <a:gd name="connsiteY4" fmla="*/ 466344 h 6858000"/>
-              <a:gd name="connsiteX5" fmla="*/ 7716496 w 7809954"/>
-              <a:gd name="connsiteY5" fmla="*/ 622706 h 6858000"/>
-              <a:gd name="connsiteX6" fmla="*/ 7696325 w 7809954"/>
-              <a:gd name="connsiteY6" fmla="*/ 778383 h 6858000"/>
-              <a:gd name="connsiteX7" fmla="*/ 7677499 w 7809954"/>
-              <a:gd name="connsiteY7" fmla="*/ 934745 h 6858000"/>
-              <a:gd name="connsiteX8" fmla="*/ 7661363 w 7809954"/>
-              <a:gd name="connsiteY8" fmla="*/ 1089050 h 6858000"/>
-              <a:gd name="connsiteX9" fmla="*/ 7646067 w 7809954"/>
-              <a:gd name="connsiteY9" fmla="*/ 1245413 h 6858000"/>
-              <a:gd name="connsiteX10" fmla="*/ 7632115 w 7809954"/>
-              <a:gd name="connsiteY10" fmla="*/ 1401089 h 6858000"/>
-              <a:gd name="connsiteX11" fmla="*/ 7620013 w 7809954"/>
-              <a:gd name="connsiteY11" fmla="*/ 1554023 h 6858000"/>
-              <a:gd name="connsiteX12" fmla="*/ 7607910 w 7809954"/>
-              <a:gd name="connsiteY12" fmla="*/ 1709013 h 6858000"/>
-              <a:gd name="connsiteX13" fmla="*/ 7597825 w 7809954"/>
-              <a:gd name="connsiteY13" fmla="*/ 1861947 h 6858000"/>
-              <a:gd name="connsiteX14" fmla="*/ 7589925 w 7809954"/>
-              <a:gd name="connsiteY14" fmla="*/ 2014880 h 6858000"/>
-              <a:gd name="connsiteX15" fmla="*/ 7581688 w 7809954"/>
-              <a:gd name="connsiteY15" fmla="*/ 2167128 h 6858000"/>
-              <a:gd name="connsiteX16" fmla="*/ 7574797 w 7809954"/>
-              <a:gd name="connsiteY16" fmla="*/ 2318004 h 6858000"/>
-              <a:gd name="connsiteX17" fmla="*/ 7569922 w 7809954"/>
-              <a:gd name="connsiteY17" fmla="*/ 2467508 h 6858000"/>
-              <a:gd name="connsiteX18" fmla="*/ 7565720 w 7809954"/>
-              <a:gd name="connsiteY18" fmla="*/ 2617013 h 6858000"/>
-              <a:gd name="connsiteX19" fmla="*/ 7561686 w 7809954"/>
-              <a:gd name="connsiteY19" fmla="*/ 2765145 h 6858000"/>
-              <a:gd name="connsiteX20" fmla="*/ 7559837 w 7809954"/>
-              <a:gd name="connsiteY20" fmla="*/ 2911221 h 6858000"/>
-              <a:gd name="connsiteX21" fmla="*/ 7557820 w 7809954"/>
-              <a:gd name="connsiteY21" fmla="*/ 3057296 h 6858000"/>
-              <a:gd name="connsiteX22" fmla="*/ 7556811 w 7809954"/>
-              <a:gd name="connsiteY22" fmla="*/ 3201314 h 6858000"/>
-              <a:gd name="connsiteX23" fmla="*/ 7557820 w 7809954"/>
-              <a:gd name="connsiteY23" fmla="*/ 3343960 h 6858000"/>
-              <a:gd name="connsiteX24" fmla="*/ 7557820 w 7809954"/>
-              <a:gd name="connsiteY24" fmla="*/ 3485235 h 6858000"/>
-              <a:gd name="connsiteX25" fmla="*/ 7559837 w 7809954"/>
-              <a:gd name="connsiteY25" fmla="*/ 3625138 h 6858000"/>
-              <a:gd name="connsiteX26" fmla="*/ 7562862 w 7809954"/>
-              <a:gd name="connsiteY26" fmla="*/ 3762298 h 6858000"/>
-              <a:gd name="connsiteX27" fmla="*/ 7565720 w 7809954"/>
-              <a:gd name="connsiteY27" fmla="*/ 3898087 h 6858000"/>
-              <a:gd name="connsiteX28" fmla="*/ 7568914 w 7809954"/>
-              <a:gd name="connsiteY28" fmla="*/ 4031132 h 6858000"/>
-              <a:gd name="connsiteX29" fmla="*/ 7573788 w 7809954"/>
-              <a:gd name="connsiteY29" fmla="*/ 4163491 h 6858000"/>
-              <a:gd name="connsiteX30" fmla="*/ 7578999 w 7809954"/>
-              <a:gd name="connsiteY30" fmla="*/ 4293793 h 6858000"/>
-              <a:gd name="connsiteX31" fmla="*/ 7583705 w 7809954"/>
-              <a:gd name="connsiteY31" fmla="*/ 4421352 h 6858000"/>
-              <a:gd name="connsiteX32" fmla="*/ 7596985 w 7809954"/>
-              <a:gd name="connsiteY32" fmla="*/ 4670298 h 6858000"/>
-              <a:gd name="connsiteX33" fmla="*/ 7611104 w 7809954"/>
-              <a:gd name="connsiteY33" fmla="*/ 4908956 h 6858000"/>
-              <a:gd name="connsiteX34" fmla="*/ 7625896 w 7809954"/>
-              <a:gd name="connsiteY34" fmla="*/ 5138013 h 6858000"/>
-              <a:gd name="connsiteX35" fmla="*/ 7642201 w 7809954"/>
-              <a:gd name="connsiteY35" fmla="*/ 5354726 h 6858000"/>
-              <a:gd name="connsiteX36" fmla="*/ 7659178 w 7809954"/>
-              <a:gd name="connsiteY36" fmla="*/ 5561838 h 6858000"/>
-              <a:gd name="connsiteX37" fmla="*/ 7677499 w 7809954"/>
-              <a:gd name="connsiteY37" fmla="*/ 5753862 h 6858000"/>
-              <a:gd name="connsiteX38" fmla="*/ 7695485 w 7809954"/>
-              <a:gd name="connsiteY38" fmla="*/ 5934227 h 6858000"/>
-              <a:gd name="connsiteX39" fmla="*/ 7713470 w 7809954"/>
-              <a:gd name="connsiteY39" fmla="*/ 6100191 h 6858000"/>
-              <a:gd name="connsiteX40" fmla="*/ 7730447 w 7809954"/>
-              <a:gd name="connsiteY40" fmla="*/ 6252438 h 6858000"/>
-              <a:gd name="connsiteX41" fmla="*/ 7746584 w 7809954"/>
-              <a:gd name="connsiteY41" fmla="*/ 6387541 h 6858000"/>
-              <a:gd name="connsiteX42" fmla="*/ 7761880 w 7809954"/>
-              <a:gd name="connsiteY42" fmla="*/ 6509613 h 6858000"/>
-              <a:gd name="connsiteX43" fmla="*/ 7774655 w 7809954"/>
-              <a:gd name="connsiteY43" fmla="*/ 6612483 h 6858000"/>
-              <a:gd name="connsiteX44" fmla="*/ 7786757 w 7809954"/>
-              <a:gd name="connsiteY44" fmla="*/ 6698894 h 6858000"/>
-              <a:gd name="connsiteX45" fmla="*/ 7804071 w 7809954"/>
-              <a:gd name="connsiteY45" fmla="*/ 6817538 h 6858000"/>
-              <a:gd name="connsiteX46" fmla="*/ 7809954 w 7809954"/>
-              <a:gd name="connsiteY46" fmla="*/ 6858000 h 6858000"/>
-              <a:gd name="connsiteX47" fmla="*/ 7157124 w 7809954"/>
-              <a:gd name="connsiteY47" fmla="*/ 6858000 h 6858000"/>
-              <a:gd name="connsiteX48" fmla="*/ 7157124 w 7809954"/>
-              <a:gd name="connsiteY48" fmla="*/ 6858000 h 6858000"/>
-              <a:gd name="connsiteX49" fmla="*/ 0 w 7809954"/>
-              <a:gd name="connsiteY49" fmla="*/ 6858000 h 6858000"/>
-              <a:gd name="connsiteX50" fmla="*/ 0 w 7809954"/>
-              <a:gd name="connsiteY50" fmla="*/ 0 h 6858000"/>
-              <a:gd name="connsiteX51" fmla="*/ 6465239 w 7809954"/>
-              <a:gd name="connsiteY51" fmla="*/ 0 h 6858000"/>
-            </a:gdLst>
-            <a:ahLst/>
-            <a:cxnLst>
-              <a:cxn ang="0">
-                <a:pos x="connsiteX0" y="connsiteY0"/>
-              </a:cxn>
-              <a:cxn ang="0">
-                <a:pos x="connsiteX1" y="connsiteY1"/>
-              </a:cxn>
-              <a:cxn ang="0">
-                <a:pos x="connsiteX2" y="connsiteY2"/>
-              </a:cxn>
-              <a:cxn ang="0">
-                <a:pos x="connsiteX3" y="connsiteY3"/>
-              </a:cxn>
-              <a:cxn ang="0">
-                <a:pos x="connsiteX4" y="connsiteY4"/>
-              </a:cxn>
-              <a:cxn ang="0">
-                <a:pos x="connsiteX5" y="connsiteY5"/>
-              </a:cxn>
-              <a:cxn ang="0">
-                <a:pos x="connsiteX6" y="connsiteY6"/>
-              </a:cxn>
-              <a:cxn ang="0">
-                <a:pos x="connsiteX7" y="connsiteY7"/>
-              </a:cxn>
-              <a:cxn ang="0">
-                <a:pos x="connsiteX8" y="connsiteY8"/>
-              </a:cxn>
-              <a:cxn ang="0">
-                <a:pos x="connsiteX9" y="connsiteY9"/>
-              </a:cxn>
-              <a:cxn ang="0">
-                <a:pos x="connsiteX10" y="connsiteY10"/>
-              </a:cxn>
-              <a:cxn ang="0">
-                <a:pos x="connsiteX11" y="connsiteY11"/>
-              </a:cxn>
-              <a:cxn ang="0">
-                <a:pos x="connsiteX12" y="connsiteY12"/>
-              </a:cxn>
-              <a:cxn ang="0">
-                <a:pos x="connsiteX13" y="connsiteY13"/>
-              </a:cxn>
-              <a:cxn ang="0">
-                <a:pos x="connsiteX14" y="connsiteY14"/>
-              </a:cxn>
-              <a:cxn ang="0">
-                <a:pos x="connsiteX15" y="connsiteY15"/>
-              </a:cxn>
-              <a:cxn ang="0">
-                <a:pos x="connsiteX16" y="connsiteY16"/>
-              </a:cxn>
-              <a:cxn ang="0">
-                <a:pos x="connsiteX17" y="connsiteY17"/>
-              </a:cxn>
-              <a:cxn ang="0">
-                <a:pos x="connsiteX18" y="connsiteY18"/>
-              </a:cxn>
-              <a:cxn ang="0">
-                <a:pos x="connsiteX19" y="connsiteY19"/>
-              </a:cxn>
-              <a:cxn ang="0">
-                <a:pos x="connsiteX20" y="connsiteY20"/>
-              </a:cxn>
-              <a:cxn ang="0">
-                <a:pos x="connsiteX21" y="connsiteY21"/>
-              </a:cxn>
-              <a:cxn ang="0">
-                <a:pos x="connsiteX22" y="connsiteY22"/>
-              </a:cxn>
-              <a:cxn ang="0">
-                <a:pos x="connsiteX23" y="connsiteY23"/>
-              </a:cxn>
-              <a:cxn ang="0">
-                <a:pos x="connsiteX24" y="connsiteY24"/>
-              </a:cxn>
-              <a:cxn ang="0">
-                <a:pos x="connsiteX25" y="connsiteY25"/>
-              </a:cxn>
-              <a:cxn ang="0">
-                <a:pos x="connsiteX26" y="connsiteY26"/>
-              </a:cxn>
-              <a:cxn ang="0">
-                <a:pos x="connsiteX27" y="connsiteY27"/>
-              </a:cxn>
-              <a:cxn ang="0">
-                <a:pos x="connsiteX28" y="connsiteY28"/>
-              </a:cxn>
-              <a:cxn ang="0">
-                <a:pos x="connsiteX29" y="connsiteY29"/>
-              </a:cxn>
-              <a:cxn ang="0">
-                <a:pos x="connsiteX30" y="connsiteY30"/>
-              </a:cxn>
-              <a:cxn ang="0">
-                <a:pos x="connsiteX31" y="connsiteY31"/>
-              </a:cxn>
-              <a:cxn ang="0">
-                <a:pos x="connsiteX32" y="connsiteY32"/>
-              </a:cxn>
-              <a:cxn ang="0">
-                <a:pos x="connsiteX33" y="connsiteY33"/>
-              </a:cxn>
-              <a:cxn ang="0">
-                <a:pos x="connsiteX34" y="connsiteY34"/>
-              </a:cxn>
-              <a:cxn ang="0">
-                <a:pos x="connsiteX35" y="connsiteY35"/>
-              </a:cxn>
-              <a:cxn ang="0">
-                <a:pos x="connsiteX36" y="connsiteY36"/>
-              </a:cxn>
-              <a:cxn ang="0">
-                <a:pos x="connsiteX37" y="connsiteY37"/>
-              </a:cxn>
-              <a:cxn ang="0">
-                <a:pos x="connsiteX38" y="connsiteY38"/>
-              </a:cxn>
-              <a:cxn ang="0">
-                <a:pos x="connsiteX39" y="connsiteY39"/>
-              </a:cxn>
-              <a:cxn ang="0">
-                <a:pos x="connsiteX40" y="connsiteY40"/>
-              </a:cxn>
-              <a:cxn ang="0">
-                <a:pos x="connsiteX41" y="connsiteY41"/>
-              </a:cxn>
-              <a:cxn ang="0">
-                <a:pos x="connsiteX42" y="connsiteY42"/>
-              </a:cxn>
-              <a:cxn ang="0">
-                <a:pos x="connsiteX43" y="connsiteY43"/>
-              </a:cxn>
-              <a:cxn ang="0">
-                <a:pos x="connsiteX44" y="connsiteY44"/>
-              </a:cxn>
-              <a:cxn ang="0">
-                <a:pos x="connsiteX45" y="connsiteY45"/>
-              </a:cxn>
-              <a:cxn ang="0">
-                <a:pos x="connsiteX46" y="connsiteY46"/>
-              </a:cxn>
-              <a:cxn ang="0">
-                <a:pos x="connsiteX47" y="connsiteY47"/>
-              </a:cxn>
-              <a:cxn ang="0">
-                <a:pos x="connsiteX48" y="connsiteY48"/>
-              </a:cxn>
-              <a:cxn ang="0">
-                <a:pos x="connsiteX49" y="connsiteY49"/>
-              </a:cxn>
-              <a:cxn ang="0">
-                <a:pos x="connsiteX50" y="connsiteY50"/>
-              </a:cxn>
-              <a:cxn ang="0">
-                <a:pos x="connsiteX51" y="connsiteY51"/>
-              </a:cxn>
-            </a:cxnLst>
-            <a:rect l="l" t="t" r="r" b="b"/>
-            <a:pathLst>
-              <a:path w="7809954" h="6858000">
-                <a:moveTo>
-                  <a:pt x="6465239" y="0"/>
-                </a:moveTo>
-                <a:lnTo>
-                  <a:pt x="7808777" y="0"/>
-                </a:lnTo>
-                <a:lnTo>
-                  <a:pt x="7783732" y="155676"/>
-                </a:lnTo>
-                <a:lnTo>
-                  <a:pt x="7759863" y="310667"/>
-                </a:lnTo>
-                <a:lnTo>
-                  <a:pt x="7736499" y="466344"/>
-                </a:lnTo>
-                <a:lnTo>
-                  <a:pt x="7716496" y="622706"/>
-                </a:lnTo>
-                <a:lnTo>
-                  <a:pt x="7696325" y="778383"/>
-                </a:lnTo>
-                <a:lnTo>
-                  <a:pt x="7677499" y="934745"/>
-                </a:lnTo>
-                <a:lnTo>
-                  <a:pt x="7661363" y="1089050"/>
-                </a:lnTo>
-                <a:lnTo>
-                  <a:pt x="7646067" y="1245413"/>
-                </a:lnTo>
-                <a:lnTo>
-                  <a:pt x="7632115" y="1401089"/>
-                </a:lnTo>
-                <a:lnTo>
-                  <a:pt x="7620013" y="1554023"/>
-                </a:lnTo>
-                <a:lnTo>
-                  <a:pt x="7607910" y="1709013"/>
-                </a:lnTo>
-                <a:lnTo>
-                  <a:pt x="7597825" y="1861947"/>
-                </a:lnTo>
-                <a:lnTo>
-                  <a:pt x="7589925" y="2014880"/>
-                </a:lnTo>
-                <a:lnTo>
-                  <a:pt x="7581688" y="2167128"/>
-                </a:lnTo>
-                <a:lnTo>
-                  <a:pt x="7574797" y="2318004"/>
-                </a:lnTo>
-                <a:lnTo>
-                  <a:pt x="7569922" y="2467508"/>
-                </a:lnTo>
-                <a:lnTo>
-                  <a:pt x="7565720" y="2617013"/>
-                </a:lnTo>
-                <a:lnTo>
-                  <a:pt x="7561686" y="2765145"/>
-                </a:lnTo>
-                <a:lnTo>
-                  <a:pt x="7559837" y="2911221"/>
-                </a:lnTo>
-                <a:lnTo>
-                  <a:pt x="7557820" y="3057296"/>
-                </a:lnTo>
-                <a:lnTo>
-                  <a:pt x="7556811" y="3201314"/>
-                </a:lnTo>
-                <a:lnTo>
-                  <a:pt x="7557820" y="3343960"/>
-                </a:lnTo>
-                <a:lnTo>
-                  <a:pt x="7557820" y="3485235"/>
-                </a:lnTo>
-                <a:lnTo>
-                  <a:pt x="7559837" y="3625138"/>
-                </a:lnTo>
-                <a:lnTo>
-                  <a:pt x="7562862" y="3762298"/>
-                </a:lnTo>
-                <a:lnTo>
-                  <a:pt x="7565720" y="3898087"/>
-                </a:lnTo>
-                <a:lnTo>
-                  <a:pt x="7568914" y="4031132"/>
-                </a:lnTo>
-                <a:lnTo>
-                  <a:pt x="7573788" y="4163491"/>
-                </a:lnTo>
-                <a:lnTo>
-                  <a:pt x="7578999" y="4293793"/>
-                </a:lnTo>
-                <a:lnTo>
-                  <a:pt x="7583705" y="4421352"/>
-                </a:lnTo>
-                <a:lnTo>
-                  <a:pt x="7596985" y="4670298"/>
-                </a:lnTo>
-                <a:lnTo>
-                  <a:pt x="7611104" y="4908956"/>
-                </a:lnTo>
-                <a:lnTo>
-                  <a:pt x="7625896" y="5138013"/>
-                </a:lnTo>
-                <a:lnTo>
-                  <a:pt x="7642201" y="5354726"/>
-                </a:lnTo>
-                <a:lnTo>
-                  <a:pt x="7659178" y="5561838"/>
-                </a:lnTo>
-                <a:lnTo>
-                  <a:pt x="7677499" y="5753862"/>
-                </a:lnTo>
-                <a:lnTo>
-                  <a:pt x="7695485" y="5934227"/>
-                </a:lnTo>
-                <a:lnTo>
-                  <a:pt x="7713470" y="6100191"/>
-                </a:lnTo>
-                <a:lnTo>
-                  <a:pt x="7730447" y="6252438"/>
-                </a:lnTo>
-                <a:lnTo>
-                  <a:pt x="7746584" y="6387541"/>
-                </a:lnTo>
-                <a:lnTo>
-                  <a:pt x="7761880" y="6509613"/>
-                </a:lnTo>
-                <a:lnTo>
-                  <a:pt x="7774655" y="6612483"/>
-                </a:lnTo>
-                <a:lnTo>
-                  <a:pt x="7786757" y="6698894"/>
-                </a:lnTo>
-                <a:lnTo>
-                  <a:pt x="7804071" y="6817538"/>
-                </a:lnTo>
-                <a:lnTo>
-                  <a:pt x="7809954" y="6858000"/>
-                </a:lnTo>
-                <a:lnTo>
-                  <a:pt x="7157124" y="6858000"/>
-                </a:lnTo>
-                <a:lnTo>
-                  <a:pt x="7157124" y="6858000"/>
-                </a:lnTo>
-                <a:lnTo>
-                  <a:pt x="0" y="6858000"/>
-                </a:lnTo>
-                <a:lnTo>
-                  <a:pt x="0" y="0"/>
-                </a:lnTo>
-                <a:lnTo>
-                  <a:pt x="6465239" y="0"/>
-                </a:lnTo>
-                <a:close/>
-              </a:path>
-            </a:pathLst>
-          </a:custGeom>
           <a:ln>
             <a:noFill/>
           </a:ln>
@@ -9351,9 +9309,7 @@
           </a:fontRef>
         </p:style>
         <p:txBody>
-          <a:bodyPr wrap="square" rtlCol="0" anchor="ctr">
-            <a:noAutofit/>
-          </a:bodyPr>
+          <a:bodyPr rtlCol="0" anchor="ctr"/>
           <a:lstStyle/>
           <a:p>
             <a:pPr algn="ctr"/>
@@ -9363,10 +9319,10 @@
       </p:sp>
       <p:sp>
         <p:nvSpPr>
-          <p:cNvPr id="38" name="Rectangle 26">
+          <p:cNvPr id="46" name="Rectangle 45">
             <a:extLst>
               <a:ext uri="{FF2B5EF4-FFF2-40B4-BE49-F238E27FC236}">
-                <a16:creationId xmlns:a16="http://schemas.microsoft.com/office/drawing/2014/main" id="{F98810A7-E114-447A-A7D6-69B27CFB5650}"/>
+                <a16:creationId xmlns:a16="http://schemas.microsoft.com/office/drawing/2014/main" id="{CE22DAD8-5F67-4B73-ADA9-06EF381F7AD6}"/>
               </a:ext>
               <a:ext uri="{C183D7F6-B498-43B3-948B-1728B52AA6E4}">
                 <adec:decorative xmlns:adec="http://schemas.microsoft.com/office/drawing/2017/decorative" val="1"/>
@@ -9414,17 +9370,385 @@
           </a:fontRef>
         </p:style>
       </p:sp>
-      <p:pic>
-        <p:nvPicPr>
-          <p:cNvPr id="4" name="Picture 3">
+      <p:sp>
+        <p:nvSpPr>
+          <p:cNvPr id="48" name="Freeform 16">
             <a:extLst>
               <a:ext uri="{FF2B5EF4-FFF2-40B4-BE49-F238E27FC236}">
-                <a16:creationId xmlns:a16="http://schemas.microsoft.com/office/drawing/2014/main" id="{440429E0-4318-4777-910D-E4CB3DE849DB}"/>
+                <a16:creationId xmlns:a16="http://schemas.microsoft.com/office/drawing/2014/main" id="{E4F17063-EDA4-417B-946F-BA357F3B390D}"/>
+              </a:ext>
+              <a:ext uri="{C183D7F6-B498-43B3-948B-1728B52AA6E4}">
+                <adec:decorative xmlns:adec="http://schemas.microsoft.com/office/drawing/2017/decorative" val="1"/>
               </a:ext>
             </a:extLst>
           </p:cNvPr>
-          <p:cNvPicPr/>
-          <p:nvPr/>
+          <p:cNvSpPr>
+            <a:spLocks noGrp="1" noRot="1" noChangeAspect="1" noMove="1" noResize="1" noEditPoints="1" noAdjustHandles="1" noChangeArrowheads="1" noChangeShapeType="1" noTextEdit="1"/>
+          </p:cNvSpPr>
+          <p:nvPr>
+            <p:extLst>
+              <p:ext uri="{386F3935-93C4-4BCD-93E2-E3B085C9AB24}">
+                <p16:designElem xmlns:p16="http://schemas.microsoft.com/office/powerpoint/2015/main" val="1"/>
+              </p:ext>
+            </p:extLst>
+          </p:nvPr>
+        </p:nvSpPr>
+        <p:spPr>
+          <a:xfrm>
+            <a:off x="8719939" y="3753695"/>
+            <a:ext cx="3472060" cy="825932"/>
+          </a:xfrm>
+          <a:custGeom>
+            <a:avLst/>
+            <a:gdLst>
+              <a:gd name="connsiteX0" fmla="*/ 3470310 w 3472060"/>
+              <a:gd name="connsiteY0" fmla="*/ 0 h 825932"/>
+              <a:gd name="connsiteX1" fmla="*/ 3472060 w 3472060"/>
+              <a:gd name="connsiteY1" fmla="*/ 12850 h 825932"/>
+              <a:gd name="connsiteX2" fmla="*/ 3472060 w 3472060"/>
+              <a:gd name="connsiteY2" fmla="*/ 480529 h 825932"/>
+              <a:gd name="connsiteX3" fmla="*/ 3363699 w 3472060"/>
+              <a:gd name="connsiteY3" fmla="*/ 498471 h 825932"/>
+              <a:gd name="connsiteX4" fmla="*/ 42060 w 3472060"/>
+              <a:gd name="connsiteY4" fmla="*/ 824486 h 825932"/>
+              <a:gd name="connsiteX5" fmla="*/ 0 w 3472060"/>
+              <a:gd name="connsiteY5" fmla="*/ 758452 h 825932"/>
+              <a:gd name="connsiteX6" fmla="*/ 188014 w 3472060"/>
+              <a:gd name="connsiteY6" fmla="*/ 735602 h 825932"/>
+              <a:gd name="connsiteX7" fmla="*/ 284087 w 3472060"/>
+              <a:gd name="connsiteY7" fmla="*/ 722590 h 825932"/>
+              <a:gd name="connsiteX8" fmla="*/ 382288 w 3472060"/>
+              <a:gd name="connsiteY8" fmla="*/ 709392 h 825932"/>
+              <a:gd name="connsiteX9" fmla="*/ 481858 w 3472060"/>
+              <a:gd name="connsiteY9" fmla="*/ 695774 h 825932"/>
+              <a:gd name="connsiteX10" fmla="*/ 581897 w 3472060"/>
+              <a:gd name="connsiteY10" fmla="*/ 680711 h 825932"/>
+              <a:gd name="connsiteX11" fmla="*/ 683670 w 3472060"/>
+              <a:gd name="connsiteY11" fmla="*/ 665256 h 825932"/>
+              <a:gd name="connsiteX12" fmla="*/ 787206 w 3472060"/>
+              <a:gd name="connsiteY12" fmla="*/ 649587 h 825932"/>
+              <a:gd name="connsiteX13" fmla="*/ 892019 w 3472060"/>
+              <a:gd name="connsiteY13" fmla="*/ 632968 h 825932"/>
+              <a:gd name="connsiteX14" fmla="*/ 997620 w 3472060"/>
+              <a:gd name="connsiteY14" fmla="*/ 614667 h 825932"/>
+              <a:gd name="connsiteX15" fmla="*/ 1104727 w 3472060"/>
+              <a:gd name="connsiteY15" fmla="*/ 596741 h 825932"/>
+              <a:gd name="connsiteX16" fmla="*/ 1212669 w 3472060"/>
+              <a:gd name="connsiteY16" fmla="*/ 577397 h 825932"/>
+              <a:gd name="connsiteX17" fmla="*/ 1321506 w 3472060"/>
+              <a:gd name="connsiteY17" fmla="*/ 556988 h 825932"/>
+              <a:gd name="connsiteX18" fmla="*/ 1430709 w 3472060"/>
+              <a:gd name="connsiteY18" fmla="*/ 536607 h 825932"/>
+              <a:gd name="connsiteX19" fmla="*/ 1541050 w 3472060"/>
+              <a:gd name="connsiteY19" fmla="*/ 514481 h 825932"/>
+              <a:gd name="connsiteX20" fmla="*/ 1652805 w 3472060"/>
+              <a:gd name="connsiteY20" fmla="*/ 492202 h 825932"/>
+              <a:gd name="connsiteX21" fmla="*/ 1763708 w 3472060"/>
+              <a:gd name="connsiteY21" fmla="*/ 469161 h 825932"/>
+              <a:gd name="connsiteX22" fmla="*/ 1875795 w 3472060"/>
+              <a:gd name="connsiteY22" fmla="*/ 444641 h 825932"/>
+              <a:gd name="connsiteX23" fmla="*/ 1989128 w 3472060"/>
+              <a:gd name="connsiteY23" fmla="*/ 418995 h 825932"/>
+              <a:gd name="connsiteX24" fmla="*/ 2102476 w 3472060"/>
+              <a:gd name="connsiteY24" fmla="*/ 393438 h 825932"/>
+              <a:gd name="connsiteX25" fmla="*/ 2215549 w 3472060"/>
+              <a:gd name="connsiteY25" fmla="*/ 366291 h 825932"/>
+              <a:gd name="connsiteX26" fmla="*/ 2330490 w 3472060"/>
+              <a:gd name="connsiteY26" fmla="*/ 337455 h 825932"/>
+              <a:gd name="connsiteX27" fmla="*/ 2443333 w 3472060"/>
+              <a:gd name="connsiteY27" fmla="*/ 308983 h 825932"/>
+              <a:gd name="connsiteX28" fmla="*/ 2558014 w 3472060"/>
+              <a:gd name="connsiteY28" fmla="*/ 278646 h 825932"/>
+              <a:gd name="connsiteX29" fmla="*/ 2673621 w 3472060"/>
+              <a:gd name="connsiteY29" fmla="*/ 247421 h 825932"/>
+              <a:gd name="connsiteX30" fmla="*/ 2787008 w 3472060"/>
+              <a:gd name="connsiteY30" fmla="*/ 215853 h 825932"/>
+              <a:gd name="connsiteX31" fmla="*/ 2901442 w 3472060"/>
+              <a:gd name="connsiteY31" fmla="*/ 182011 h 825932"/>
+              <a:gd name="connsiteX32" fmla="*/ 3015722 w 3472060"/>
+              <a:gd name="connsiteY32" fmla="*/ 147286 h 825932"/>
+              <a:gd name="connsiteX33" fmla="*/ 3130018 w 3472060"/>
+              <a:gd name="connsiteY33" fmla="*/ 112649 h 825932"/>
+              <a:gd name="connsiteX34" fmla="*/ 3243551 w 3472060"/>
+              <a:gd name="connsiteY34" fmla="*/ 75688 h 825932"/>
+              <a:gd name="connsiteX35" fmla="*/ 3356992 w 3472060"/>
+              <a:gd name="connsiteY35" fmla="*/ 38197 h 825932"/>
+              <a:gd name="connsiteX36" fmla="*/ 3470310 w 3472060"/>
+              <a:gd name="connsiteY36" fmla="*/ 0 h 825932"/>
+            </a:gdLst>
+            <a:ahLst/>
+            <a:cxnLst>
+              <a:cxn ang="0">
+                <a:pos x="connsiteX0" y="connsiteY0"/>
+              </a:cxn>
+              <a:cxn ang="0">
+                <a:pos x="connsiteX1" y="connsiteY1"/>
+              </a:cxn>
+              <a:cxn ang="0">
+                <a:pos x="connsiteX2" y="connsiteY2"/>
+              </a:cxn>
+              <a:cxn ang="0">
+                <a:pos x="connsiteX3" y="connsiteY3"/>
+              </a:cxn>
+              <a:cxn ang="0">
+                <a:pos x="connsiteX4" y="connsiteY4"/>
+              </a:cxn>
+              <a:cxn ang="0">
+                <a:pos x="connsiteX5" y="connsiteY5"/>
+              </a:cxn>
+              <a:cxn ang="0">
+                <a:pos x="connsiteX6" y="connsiteY6"/>
+              </a:cxn>
+              <a:cxn ang="0">
+                <a:pos x="connsiteX7" y="connsiteY7"/>
+              </a:cxn>
+              <a:cxn ang="0">
+                <a:pos x="connsiteX8" y="connsiteY8"/>
+              </a:cxn>
+              <a:cxn ang="0">
+                <a:pos x="connsiteX9" y="connsiteY9"/>
+              </a:cxn>
+              <a:cxn ang="0">
+                <a:pos x="connsiteX10" y="connsiteY10"/>
+              </a:cxn>
+              <a:cxn ang="0">
+                <a:pos x="connsiteX11" y="connsiteY11"/>
+              </a:cxn>
+              <a:cxn ang="0">
+                <a:pos x="connsiteX12" y="connsiteY12"/>
+              </a:cxn>
+              <a:cxn ang="0">
+                <a:pos x="connsiteX13" y="connsiteY13"/>
+              </a:cxn>
+              <a:cxn ang="0">
+                <a:pos x="connsiteX14" y="connsiteY14"/>
+              </a:cxn>
+              <a:cxn ang="0">
+                <a:pos x="connsiteX15" y="connsiteY15"/>
+              </a:cxn>
+              <a:cxn ang="0">
+                <a:pos x="connsiteX16" y="connsiteY16"/>
+              </a:cxn>
+              <a:cxn ang="0">
+                <a:pos x="connsiteX17" y="connsiteY17"/>
+              </a:cxn>
+              <a:cxn ang="0">
+                <a:pos x="connsiteX18" y="connsiteY18"/>
+              </a:cxn>
+              <a:cxn ang="0">
+                <a:pos x="connsiteX19" y="connsiteY19"/>
+              </a:cxn>
+              <a:cxn ang="0">
+                <a:pos x="connsiteX20" y="connsiteY20"/>
+              </a:cxn>
+              <a:cxn ang="0">
+                <a:pos x="connsiteX21" y="connsiteY21"/>
+              </a:cxn>
+              <a:cxn ang="0">
+                <a:pos x="connsiteX22" y="connsiteY22"/>
+              </a:cxn>
+              <a:cxn ang="0">
+                <a:pos x="connsiteX23" y="connsiteY23"/>
+              </a:cxn>
+              <a:cxn ang="0">
+                <a:pos x="connsiteX24" y="connsiteY24"/>
+              </a:cxn>
+              <a:cxn ang="0">
+                <a:pos x="connsiteX25" y="connsiteY25"/>
+              </a:cxn>
+              <a:cxn ang="0">
+                <a:pos x="connsiteX26" y="connsiteY26"/>
+              </a:cxn>
+              <a:cxn ang="0">
+                <a:pos x="connsiteX27" y="connsiteY27"/>
+              </a:cxn>
+              <a:cxn ang="0">
+                <a:pos x="connsiteX28" y="connsiteY28"/>
+              </a:cxn>
+              <a:cxn ang="0">
+                <a:pos x="connsiteX29" y="connsiteY29"/>
+              </a:cxn>
+              <a:cxn ang="0">
+                <a:pos x="connsiteX30" y="connsiteY30"/>
+              </a:cxn>
+              <a:cxn ang="0">
+                <a:pos x="connsiteX31" y="connsiteY31"/>
+              </a:cxn>
+              <a:cxn ang="0">
+                <a:pos x="connsiteX32" y="connsiteY32"/>
+              </a:cxn>
+              <a:cxn ang="0">
+                <a:pos x="connsiteX33" y="connsiteY33"/>
+              </a:cxn>
+              <a:cxn ang="0">
+                <a:pos x="connsiteX34" y="connsiteY34"/>
+              </a:cxn>
+              <a:cxn ang="0">
+                <a:pos x="connsiteX35" y="connsiteY35"/>
+              </a:cxn>
+              <a:cxn ang="0">
+                <a:pos x="connsiteX36" y="connsiteY36"/>
+              </a:cxn>
+            </a:cxnLst>
+            <a:rect l="l" t="t" r="r" b="b"/>
+            <a:pathLst>
+              <a:path w="3472060" h="825932">
+                <a:moveTo>
+                  <a:pt x="3470310" y="0"/>
+                </a:moveTo>
+                <a:lnTo>
+                  <a:pt x="3472060" y="12850"/>
+                </a:lnTo>
+                <a:lnTo>
+                  <a:pt x="3472060" y="480529"/>
+                </a:lnTo>
+                <a:lnTo>
+                  <a:pt x="3363699" y="498471"/>
+                </a:lnTo>
+                <a:cubicBezTo>
+                  <a:pt x="2435623" y="645518"/>
+                  <a:pt x="603076" y="844866"/>
+                  <a:pt x="42060" y="824486"/>
+                </a:cubicBezTo>
+                <a:cubicBezTo>
+                  <a:pt x="28151" y="802425"/>
+                  <a:pt x="13909" y="780513"/>
+                  <a:pt x="0" y="758452"/>
+                </a:cubicBezTo>
+                <a:lnTo>
+                  <a:pt x="188014" y="735602"/>
+                </a:lnTo>
+                <a:lnTo>
+                  <a:pt x="284087" y="722590"/>
+                </a:lnTo>
+                <a:lnTo>
+                  <a:pt x="382288" y="709392"/>
+                </a:lnTo>
+                <a:lnTo>
+                  <a:pt x="481858" y="695774"/>
+                </a:lnTo>
+                <a:lnTo>
+                  <a:pt x="581897" y="680711"/>
+                </a:lnTo>
+                <a:lnTo>
+                  <a:pt x="683670" y="665256"/>
+                </a:lnTo>
+                <a:lnTo>
+                  <a:pt x="787206" y="649587"/>
+                </a:lnTo>
+                <a:lnTo>
+                  <a:pt x="892019" y="632968"/>
+                </a:lnTo>
+                <a:lnTo>
+                  <a:pt x="997620" y="614667"/>
+                </a:lnTo>
+                <a:lnTo>
+                  <a:pt x="1104727" y="596741"/>
+                </a:lnTo>
+                <a:lnTo>
+                  <a:pt x="1212669" y="577397"/>
+                </a:lnTo>
+                <a:lnTo>
+                  <a:pt x="1321506" y="556988"/>
+                </a:lnTo>
+                <a:lnTo>
+                  <a:pt x="1430709" y="536607"/>
+                </a:lnTo>
+                <a:lnTo>
+                  <a:pt x="1541050" y="514481"/>
+                </a:lnTo>
+                <a:lnTo>
+                  <a:pt x="1652805" y="492202"/>
+                </a:lnTo>
+                <a:lnTo>
+                  <a:pt x="1763708" y="469161"/>
+                </a:lnTo>
+                <a:lnTo>
+                  <a:pt x="1875795" y="444641"/>
+                </a:lnTo>
+                <a:lnTo>
+                  <a:pt x="1989128" y="418995"/>
+                </a:lnTo>
+                <a:lnTo>
+                  <a:pt x="2102476" y="393438"/>
+                </a:lnTo>
+                <a:lnTo>
+                  <a:pt x="2215549" y="366291"/>
+                </a:lnTo>
+                <a:lnTo>
+                  <a:pt x="2330490" y="337455"/>
+                </a:lnTo>
+                <a:lnTo>
+                  <a:pt x="2443333" y="308983"/>
+                </a:lnTo>
+                <a:lnTo>
+                  <a:pt x="2558014" y="278646"/>
+                </a:lnTo>
+                <a:lnTo>
+                  <a:pt x="2673621" y="247421"/>
+                </a:lnTo>
+                <a:lnTo>
+                  <a:pt x="2787008" y="215853"/>
+                </a:lnTo>
+                <a:lnTo>
+                  <a:pt x="2901442" y="182011"/>
+                </a:lnTo>
+                <a:lnTo>
+                  <a:pt x="3015722" y="147286"/>
+                </a:lnTo>
+                <a:lnTo>
+                  <a:pt x="3130018" y="112649"/>
+                </a:lnTo>
+                <a:lnTo>
+                  <a:pt x="3243551" y="75688"/>
+                </a:lnTo>
+                <a:lnTo>
+                  <a:pt x="3356992" y="38197"/>
+                </a:lnTo>
+                <a:lnTo>
+                  <a:pt x="3470310" y="0"/>
+                </a:lnTo>
+                <a:close/>
+              </a:path>
+            </a:pathLst>
+          </a:custGeom>
+          <a:solidFill>
+            <a:schemeClr val="tx2">
+              <a:alpha val="20000"/>
+            </a:schemeClr>
+          </a:solidFill>
+          <a:ln>
+            <a:noFill/>
+          </a:ln>
+        </p:spPr>
+        <p:txBody>
+          <a:bodyPr rtlCol="0" anchor="ctr"/>
+          <a:lstStyle/>
+          <a:p>
+            <a:pPr algn="ctr"/>
+            <a:endParaRPr lang="en-US">
+              <a:solidFill>
+                <a:schemeClr val="tx1"/>
+              </a:solidFill>
+            </a:endParaRPr>
+          </a:p>
+        </p:txBody>
+      </p:sp>
+      <p:pic>
+        <p:nvPicPr>
+          <p:cNvPr id="4" name="Content Placeholder 3">
+            <a:extLst>
+              <a:ext uri="{FF2B5EF4-FFF2-40B4-BE49-F238E27FC236}">
+                <a16:creationId xmlns:a16="http://schemas.microsoft.com/office/drawing/2014/main" id="{9ECFDE2F-07E2-4402-94C4-961A40732707}"/>
+              </a:ext>
+            </a:extLst>
+          </p:cNvPr>
+          <p:cNvPicPr>
+            <a:picLocks noGrp="1"/>
+          </p:cNvPicPr>
+          <p:nvPr>
+            <p:ph idx="1"/>
+          </p:nvPr>
         </p:nvPicPr>
         <p:blipFill>
           <a:blip r:embed="rId6">
@@ -9440,8 +9764,8 @@
         </p:blipFill>
         <p:spPr bwMode="auto">
           <a:xfrm>
-            <a:off x="410819" y="426780"/>
-            <a:ext cx="6839663" cy="5914002"/>
+            <a:off x="1692503" y="23630"/>
+            <a:ext cx="8803817" cy="4458991"/>
           </a:xfrm>
           <a:prstGeom prst="rect">
             <a:avLst/>
@@ -9450,15 +9774,1547 @@
           <a:effectLst/>
         </p:spPr>
       </p:pic>
+      <p:sp>
+        <p:nvSpPr>
+          <p:cNvPr id="50" name="Freeform: Shape 49">
+            <a:extLst>
+              <a:ext uri="{FF2B5EF4-FFF2-40B4-BE49-F238E27FC236}">
+                <a16:creationId xmlns:a16="http://schemas.microsoft.com/office/drawing/2014/main" id="{D36F3EEA-55D4-4677-80E7-92D00B8F343B}"/>
+              </a:ext>
+              <a:ext uri="{C183D7F6-B498-43B3-948B-1728B52AA6E4}">
+                <adec:decorative xmlns:adec="http://schemas.microsoft.com/office/drawing/2017/decorative" val="1"/>
+              </a:ext>
+            </a:extLst>
+          </p:cNvPr>
+          <p:cNvSpPr>
+            <a:spLocks noGrp="1" noRot="1" noChangeAspect="1" noMove="1" noResize="1" noEditPoints="1" noAdjustHandles="1" noChangeArrowheads="1" noChangeShapeType="1" noTextEdit="1"/>
+          </p:cNvSpPr>
+          <p:nvPr>
+            <p:extLst>
+              <p:ext uri="{386F3935-93C4-4BCD-93E2-E3B085C9AB24}">
+                <p16:designElem xmlns:p16="http://schemas.microsoft.com/office/powerpoint/2015/main" val="1"/>
+              </p:ext>
+            </p:extLst>
+          </p:nvPr>
+        </p:nvSpPr>
+        <p:spPr>
+          <a:xfrm>
+            <a:off x="0" y="4055533"/>
+            <a:ext cx="12192000" cy="2802467"/>
+          </a:xfrm>
+          <a:custGeom>
+            <a:avLst/>
+            <a:gdLst>
+              <a:gd name="connsiteX0" fmla="*/ 1 w 12192000"/>
+              <a:gd name="connsiteY0" fmla="*/ 0 h 2802467"/>
+              <a:gd name="connsiteX1" fmla="*/ 71932 w 12192000"/>
+              <a:gd name="connsiteY1" fmla="*/ 12261 h 2802467"/>
+              <a:gd name="connsiteX2" fmla="*/ 282848 w 12192000"/>
+              <a:gd name="connsiteY2" fmla="*/ 48342 h 2802467"/>
+              <a:gd name="connsiteX3" fmla="*/ 436464 w 12192000"/>
+              <a:gd name="connsiteY3" fmla="*/ 73565 h 2802467"/>
+              <a:gd name="connsiteX4" fmla="*/ 619339 w 12192000"/>
+              <a:gd name="connsiteY4" fmla="*/ 100188 h 2802467"/>
+              <a:gd name="connsiteX5" fmla="*/ 836351 w 12192000"/>
+              <a:gd name="connsiteY5" fmla="*/ 132066 h 2802467"/>
+              <a:gd name="connsiteX6" fmla="*/ 1076528 w 12192000"/>
+              <a:gd name="connsiteY6" fmla="*/ 165696 h 2802467"/>
+              <a:gd name="connsiteX7" fmla="*/ 1347183 w 12192000"/>
+              <a:gd name="connsiteY7" fmla="*/ 201077 h 2802467"/>
+              <a:gd name="connsiteX8" fmla="*/ 1642223 w 12192000"/>
+              <a:gd name="connsiteY8" fmla="*/ 238560 h 2802467"/>
+              <a:gd name="connsiteX9" fmla="*/ 1962864 w 12192000"/>
+              <a:gd name="connsiteY9" fmla="*/ 276043 h 2802467"/>
+              <a:gd name="connsiteX10" fmla="*/ 2304232 w 12192000"/>
+              <a:gd name="connsiteY10" fmla="*/ 314226 h 2802467"/>
+              <a:gd name="connsiteX11" fmla="*/ 2672421 w 12192000"/>
+              <a:gd name="connsiteY11" fmla="*/ 349608 h 2802467"/>
+              <a:gd name="connsiteX12" fmla="*/ 3057678 w 12192000"/>
+              <a:gd name="connsiteY12" fmla="*/ 383587 h 2802467"/>
+              <a:gd name="connsiteX13" fmla="*/ 3464881 w 12192000"/>
+              <a:gd name="connsiteY13" fmla="*/ 414415 h 2802467"/>
+              <a:gd name="connsiteX14" fmla="*/ 3889152 w 12192000"/>
+              <a:gd name="connsiteY14" fmla="*/ 443840 h 2802467"/>
+              <a:gd name="connsiteX15" fmla="*/ 4331710 w 12192000"/>
+              <a:gd name="connsiteY15" fmla="*/ 471515 h 2802467"/>
+              <a:gd name="connsiteX16" fmla="*/ 4558476 w 12192000"/>
+              <a:gd name="connsiteY16" fmla="*/ 481323 h 2802467"/>
+              <a:gd name="connsiteX17" fmla="*/ 4790118 w 12192000"/>
+              <a:gd name="connsiteY17" fmla="*/ 492183 h 2802467"/>
+              <a:gd name="connsiteX18" fmla="*/ 5025418 w 12192000"/>
+              <a:gd name="connsiteY18" fmla="*/ 502342 h 2802467"/>
+              <a:gd name="connsiteX19" fmla="*/ 5261937 w 12192000"/>
+              <a:gd name="connsiteY19" fmla="*/ 508998 h 2802467"/>
+              <a:gd name="connsiteX20" fmla="*/ 5503332 w 12192000"/>
+              <a:gd name="connsiteY20" fmla="*/ 514953 h 2802467"/>
+              <a:gd name="connsiteX21" fmla="*/ 5747166 w 12192000"/>
+              <a:gd name="connsiteY21" fmla="*/ 521259 h 2802467"/>
+              <a:gd name="connsiteX22" fmla="*/ 5995877 w 12192000"/>
+              <a:gd name="connsiteY22" fmla="*/ 525462 h 2802467"/>
+              <a:gd name="connsiteX23" fmla="*/ 6247026 w 12192000"/>
+              <a:gd name="connsiteY23" fmla="*/ 525462 h 2802467"/>
+              <a:gd name="connsiteX24" fmla="*/ 6500613 w 12192000"/>
+              <a:gd name="connsiteY24" fmla="*/ 527564 h 2802467"/>
+              <a:gd name="connsiteX25" fmla="*/ 6756639 w 12192000"/>
+              <a:gd name="connsiteY25" fmla="*/ 525462 h 2802467"/>
+              <a:gd name="connsiteX26" fmla="*/ 7016322 w 12192000"/>
+              <a:gd name="connsiteY26" fmla="*/ 521259 h 2802467"/>
+              <a:gd name="connsiteX27" fmla="*/ 7276005 w 12192000"/>
+              <a:gd name="connsiteY27" fmla="*/ 517405 h 2802467"/>
+              <a:gd name="connsiteX28" fmla="*/ 7539345 w 12192000"/>
+              <a:gd name="connsiteY28" fmla="*/ 508998 h 2802467"/>
+              <a:gd name="connsiteX29" fmla="*/ 7805124 w 12192000"/>
+              <a:gd name="connsiteY29" fmla="*/ 500240 h 2802467"/>
+              <a:gd name="connsiteX30" fmla="*/ 8070903 w 12192000"/>
+              <a:gd name="connsiteY30" fmla="*/ 490081 h 2802467"/>
+              <a:gd name="connsiteX31" fmla="*/ 8339121 w 12192000"/>
+              <a:gd name="connsiteY31" fmla="*/ 475719 h 2802467"/>
+              <a:gd name="connsiteX32" fmla="*/ 8609776 w 12192000"/>
+              <a:gd name="connsiteY32" fmla="*/ 458553 h 2802467"/>
+              <a:gd name="connsiteX33" fmla="*/ 8881651 w 12192000"/>
+              <a:gd name="connsiteY33" fmla="*/ 442089 h 2802467"/>
+              <a:gd name="connsiteX34" fmla="*/ 9153526 w 12192000"/>
+              <a:gd name="connsiteY34" fmla="*/ 421070 h 2802467"/>
+              <a:gd name="connsiteX35" fmla="*/ 9429058 w 12192000"/>
+              <a:gd name="connsiteY35" fmla="*/ 395848 h 2802467"/>
+              <a:gd name="connsiteX36" fmla="*/ 9700933 w 12192000"/>
+              <a:gd name="connsiteY36" fmla="*/ 370626 h 2802467"/>
+              <a:gd name="connsiteX37" fmla="*/ 9977684 w 12192000"/>
+              <a:gd name="connsiteY37" fmla="*/ 341550 h 2802467"/>
+              <a:gd name="connsiteX38" fmla="*/ 10255655 w 12192000"/>
+              <a:gd name="connsiteY38" fmla="*/ 309672 h 2802467"/>
+              <a:gd name="connsiteX39" fmla="*/ 10529968 w 12192000"/>
+              <a:gd name="connsiteY39" fmla="*/ 276043 h 2802467"/>
+              <a:gd name="connsiteX40" fmla="*/ 10807939 w 12192000"/>
+              <a:gd name="connsiteY40" fmla="*/ 236808 h 2802467"/>
+              <a:gd name="connsiteX41" fmla="*/ 11084690 w 12192000"/>
+              <a:gd name="connsiteY41" fmla="*/ 194771 h 2802467"/>
+              <a:gd name="connsiteX42" fmla="*/ 11362661 w 12192000"/>
+              <a:gd name="connsiteY42" fmla="*/ 153085 h 2802467"/>
+              <a:gd name="connsiteX43" fmla="*/ 11639412 w 12192000"/>
+              <a:gd name="connsiteY43" fmla="*/ 104392 h 2802467"/>
+              <a:gd name="connsiteX44" fmla="*/ 11914945 w 12192000"/>
+              <a:gd name="connsiteY44" fmla="*/ 54648 h 2802467"/>
+              <a:gd name="connsiteX45" fmla="*/ 12191696 w 12192000"/>
+              <a:gd name="connsiteY45" fmla="*/ 2452 h 2802467"/>
+              <a:gd name="connsiteX46" fmla="*/ 12191696 w 12192000"/>
+              <a:gd name="connsiteY46" fmla="*/ 2236410 h 2802467"/>
+              <a:gd name="connsiteX47" fmla="*/ 12192000 w 12192000"/>
+              <a:gd name="connsiteY47" fmla="*/ 2236410 h 2802467"/>
+              <a:gd name="connsiteX48" fmla="*/ 12192000 w 12192000"/>
+              <a:gd name="connsiteY48" fmla="*/ 2802467 h 2802467"/>
+              <a:gd name="connsiteX49" fmla="*/ 12191696 w 12192000"/>
+              <a:gd name="connsiteY49" fmla="*/ 2802467 h 2802467"/>
+              <a:gd name="connsiteX50" fmla="*/ 0 w 12192000"/>
+              <a:gd name="connsiteY50" fmla="*/ 2802467 h 2802467"/>
+              <a:gd name="connsiteX51" fmla="*/ 0 w 12192000"/>
+              <a:gd name="connsiteY51" fmla="*/ 2236410 h 2802467"/>
+              <a:gd name="connsiteX52" fmla="*/ 1 w 12192000"/>
+              <a:gd name="connsiteY52" fmla="*/ 2236410 h 2802467"/>
+            </a:gdLst>
+            <a:ahLst/>
+            <a:cxnLst>
+              <a:cxn ang="0">
+                <a:pos x="connsiteX0" y="connsiteY0"/>
+              </a:cxn>
+              <a:cxn ang="0">
+                <a:pos x="connsiteX1" y="connsiteY1"/>
+              </a:cxn>
+              <a:cxn ang="0">
+                <a:pos x="connsiteX2" y="connsiteY2"/>
+              </a:cxn>
+              <a:cxn ang="0">
+                <a:pos x="connsiteX3" y="connsiteY3"/>
+              </a:cxn>
+              <a:cxn ang="0">
+                <a:pos x="connsiteX4" y="connsiteY4"/>
+              </a:cxn>
+              <a:cxn ang="0">
+                <a:pos x="connsiteX5" y="connsiteY5"/>
+              </a:cxn>
+              <a:cxn ang="0">
+                <a:pos x="connsiteX6" y="connsiteY6"/>
+              </a:cxn>
+              <a:cxn ang="0">
+                <a:pos x="connsiteX7" y="connsiteY7"/>
+              </a:cxn>
+              <a:cxn ang="0">
+                <a:pos x="connsiteX8" y="connsiteY8"/>
+              </a:cxn>
+              <a:cxn ang="0">
+                <a:pos x="connsiteX9" y="connsiteY9"/>
+              </a:cxn>
+              <a:cxn ang="0">
+                <a:pos x="connsiteX10" y="connsiteY10"/>
+              </a:cxn>
+              <a:cxn ang="0">
+                <a:pos x="connsiteX11" y="connsiteY11"/>
+              </a:cxn>
+              <a:cxn ang="0">
+                <a:pos x="connsiteX12" y="connsiteY12"/>
+              </a:cxn>
+              <a:cxn ang="0">
+                <a:pos x="connsiteX13" y="connsiteY13"/>
+              </a:cxn>
+              <a:cxn ang="0">
+                <a:pos x="connsiteX14" y="connsiteY14"/>
+              </a:cxn>
+              <a:cxn ang="0">
+                <a:pos x="connsiteX15" y="connsiteY15"/>
+              </a:cxn>
+              <a:cxn ang="0">
+                <a:pos x="connsiteX16" y="connsiteY16"/>
+              </a:cxn>
+              <a:cxn ang="0">
+                <a:pos x="connsiteX17" y="connsiteY17"/>
+              </a:cxn>
+              <a:cxn ang="0">
+                <a:pos x="connsiteX18" y="connsiteY18"/>
+              </a:cxn>
+              <a:cxn ang="0">
+                <a:pos x="connsiteX19" y="connsiteY19"/>
+              </a:cxn>
+              <a:cxn ang="0">
+                <a:pos x="connsiteX20" y="connsiteY20"/>
+              </a:cxn>
+              <a:cxn ang="0">
+                <a:pos x="connsiteX21" y="connsiteY21"/>
+              </a:cxn>
+              <a:cxn ang="0">
+                <a:pos x="connsiteX22" y="connsiteY22"/>
+              </a:cxn>
+              <a:cxn ang="0">
+                <a:pos x="connsiteX23" y="connsiteY23"/>
+              </a:cxn>
+              <a:cxn ang="0">
+                <a:pos x="connsiteX24" y="connsiteY24"/>
+              </a:cxn>
+              <a:cxn ang="0">
+                <a:pos x="connsiteX25" y="connsiteY25"/>
+              </a:cxn>
+              <a:cxn ang="0">
+                <a:pos x="connsiteX26" y="connsiteY26"/>
+              </a:cxn>
+              <a:cxn ang="0">
+                <a:pos x="connsiteX27" y="connsiteY27"/>
+              </a:cxn>
+              <a:cxn ang="0">
+                <a:pos x="connsiteX28" y="connsiteY28"/>
+              </a:cxn>
+              <a:cxn ang="0">
+                <a:pos x="connsiteX29" y="connsiteY29"/>
+              </a:cxn>
+              <a:cxn ang="0">
+                <a:pos x="connsiteX30" y="connsiteY30"/>
+              </a:cxn>
+              <a:cxn ang="0">
+                <a:pos x="connsiteX31" y="connsiteY31"/>
+              </a:cxn>
+              <a:cxn ang="0">
+                <a:pos x="connsiteX32" y="connsiteY32"/>
+              </a:cxn>
+              <a:cxn ang="0">
+                <a:pos x="connsiteX33" y="connsiteY33"/>
+              </a:cxn>
+              <a:cxn ang="0">
+                <a:pos x="connsiteX34" y="connsiteY34"/>
+              </a:cxn>
+              <a:cxn ang="0">
+                <a:pos x="connsiteX35" y="connsiteY35"/>
+              </a:cxn>
+              <a:cxn ang="0">
+                <a:pos x="connsiteX36" y="connsiteY36"/>
+              </a:cxn>
+              <a:cxn ang="0">
+                <a:pos x="connsiteX37" y="connsiteY37"/>
+              </a:cxn>
+              <a:cxn ang="0">
+                <a:pos x="connsiteX38" y="connsiteY38"/>
+              </a:cxn>
+              <a:cxn ang="0">
+                <a:pos x="connsiteX39" y="connsiteY39"/>
+              </a:cxn>
+              <a:cxn ang="0">
+                <a:pos x="connsiteX40" y="connsiteY40"/>
+              </a:cxn>
+              <a:cxn ang="0">
+                <a:pos x="connsiteX41" y="connsiteY41"/>
+              </a:cxn>
+              <a:cxn ang="0">
+                <a:pos x="connsiteX42" y="connsiteY42"/>
+              </a:cxn>
+              <a:cxn ang="0">
+                <a:pos x="connsiteX43" y="connsiteY43"/>
+              </a:cxn>
+              <a:cxn ang="0">
+                <a:pos x="connsiteX44" y="connsiteY44"/>
+              </a:cxn>
+              <a:cxn ang="0">
+                <a:pos x="connsiteX45" y="connsiteY45"/>
+              </a:cxn>
+              <a:cxn ang="0">
+                <a:pos x="connsiteX46" y="connsiteY46"/>
+              </a:cxn>
+              <a:cxn ang="0">
+                <a:pos x="connsiteX47" y="connsiteY47"/>
+              </a:cxn>
+              <a:cxn ang="0">
+                <a:pos x="connsiteX48" y="connsiteY48"/>
+              </a:cxn>
+              <a:cxn ang="0">
+                <a:pos x="connsiteX49" y="connsiteY49"/>
+              </a:cxn>
+              <a:cxn ang="0">
+                <a:pos x="connsiteX50" y="connsiteY50"/>
+              </a:cxn>
+              <a:cxn ang="0">
+                <a:pos x="connsiteX51" y="connsiteY51"/>
+              </a:cxn>
+              <a:cxn ang="0">
+                <a:pos x="connsiteX52" y="connsiteY52"/>
+              </a:cxn>
+            </a:cxnLst>
+            <a:rect l="l" t="t" r="r" b="b"/>
+            <a:pathLst>
+              <a:path w="12192000" h="2802467">
+                <a:moveTo>
+                  <a:pt x="1" y="0"/>
+                </a:moveTo>
+                <a:lnTo>
+                  <a:pt x="71932" y="12261"/>
+                </a:lnTo>
+                <a:lnTo>
+                  <a:pt x="282848" y="48342"/>
+                </a:lnTo>
+                <a:lnTo>
+                  <a:pt x="436464" y="73565"/>
+                </a:lnTo>
+                <a:lnTo>
+                  <a:pt x="619339" y="100188"/>
+                </a:lnTo>
+                <a:lnTo>
+                  <a:pt x="836351" y="132066"/>
+                </a:lnTo>
+                <a:lnTo>
+                  <a:pt x="1076528" y="165696"/>
+                </a:lnTo>
+                <a:lnTo>
+                  <a:pt x="1347183" y="201077"/>
+                </a:lnTo>
+                <a:lnTo>
+                  <a:pt x="1642223" y="238560"/>
+                </a:lnTo>
+                <a:lnTo>
+                  <a:pt x="1962864" y="276043"/>
+                </a:lnTo>
+                <a:lnTo>
+                  <a:pt x="2304232" y="314226"/>
+                </a:lnTo>
+                <a:lnTo>
+                  <a:pt x="2672421" y="349608"/>
+                </a:lnTo>
+                <a:lnTo>
+                  <a:pt x="3057678" y="383587"/>
+                </a:lnTo>
+                <a:lnTo>
+                  <a:pt x="3464881" y="414415"/>
+                </a:lnTo>
+                <a:lnTo>
+                  <a:pt x="3889152" y="443840"/>
+                </a:lnTo>
+                <a:lnTo>
+                  <a:pt x="4331710" y="471515"/>
+                </a:lnTo>
+                <a:lnTo>
+                  <a:pt x="4558476" y="481323"/>
+                </a:lnTo>
+                <a:lnTo>
+                  <a:pt x="4790118" y="492183"/>
+                </a:lnTo>
+                <a:lnTo>
+                  <a:pt x="5025418" y="502342"/>
+                </a:lnTo>
+                <a:lnTo>
+                  <a:pt x="5261937" y="508998"/>
+                </a:lnTo>
+                <a:lnTo>
+                  <a:pt x="5503332" y="514953"/>
+                </a:lnTo>
+                <a:lnTo>
+                  <a:pt x="5747166" y="521259"/>
+                </a:lnTo>
+                <a:lnTo>
+                  <a:pt x="5995877" y="525462"/>
+                </a:lnTo>
+                <a:lnTo>
+                  <a:pt x="6247026" y="525462"/>
+                </a:lnTo>
+                <a:lnTo>
+                  <a:pt x="6500613" y="527564"/>
+                </a:lnTo>
+                <a:lnTo>
+                  <a:pt x="6756639" y="525462"/>
+                </a:lnTo>
+                <a:lnTo>
+                  <a:pt x="7016322" y="521259"/>
+                </a:lnTo>
+                <a:lnTo>
+                  <a:pt x="7276005" y="517405"/>
+                </a:lnTo>
+                <a:lnTo>
+                  <a:pt x="7539345" y="508998"/>
+                </a:lnTo>
+                <a:lnTo>
+                  <a:pt x="7805124" y="500240"/>
+                </a:lnTo>
+                <a:lnTo>
+                  <a:pt x="8070903" y="490081"/>
+                </a:lnTo>
+                <a:lnTo>
+                  <a:pt x="8339121" y="475719"/>
+                </a:lnTo>
+                <a:lnTo>
+                  <a:pt x="8609776" y="458553"/>
+                </a:lnTo>
+                <a:lnTo>
+                  <a:pt x="8881651" y="442089"/>
+                </a:lnTo>
+                <a:lnTo>
+                  <a:pt x="9153526" y="421070"/>
+                </a:lnTo>
+                <a:lnTo>
+                  <a:pt x="9429058" y="395848"/>
+                </a:lnTo>
+                <a:lnTo>
+                  <a:pt x="9700933" y="370626"/>
+                </a:lnTo>
+                <a:lnTo>
+                  <a:pt x="9977684" y="341550"/>
+                </a:lnTo>
+                <a:lnTo>
+                  <a:pt x="10255655" y="309672"/>
+                </a:lnTo>
+                <a:lnTo>
+                  <a:pt x="10529968" y="276043"/>
+                </a:lnTo>
+                <a:lnTo>
+                  <a:pt x="10807939" y="236808"/>
+                </a:lnTo>
+                <a:lnTo>
+                  <a:pt x="11084690" y="194771"/>
+                </a:lnTo>
+                <a:lnTo>
+                  <a:pt x="11362661" y="153085"/>
+                </a:lnTo>
+                <a:lnTo>
+                  <a:pt x="11639412" y="104392"/>
+                </a:lnTo>
+                <a:lnTo>
+                  <a:pt x="11914945" y="54648"/>
+                </a:lnTo>
+                <a:lnTo>
+                  <a:pt x="12191696" y="2452"/>
+                </a:lnTo>
+                <a:lnTo>
+                  <a:pt x="12191696" y="2236410"/>
+                </a:lnTo>
+                <a:lnTo>
+                  <a:pt x="12192000" y="2236410"/>
+                </a:lnTo>
+                <a:lnTo>
+                  <a:pt x="12192000" y="2802467"/>
+                </a:lnTo>
+                <a:lnTo>
+                  <a:pt x="12191696" y="2802467"/>
+                </a:lnTo>
+                <a:lnTo>
+                  <a:pt x="0" y="2802467"/>
+                </a:lnTo>
+                <a:lnTo>
+                  <a:pt x="0" y="2236410"/>
+                </a:lnTo>
+                <a:lnTo>
+                  <a:pt x="1" y="2236410"/>
+                </a:lnTo>
+                <a:close/>
+              </a:path>
+            </a:pathLst>
+          </a:custGeom>
+          <a:ln>
+            <a:noFill/>
+          </a:ln>
+        </p:spPr>
+        <p:style>
+          <a:lnRef idx="2">
+            <a:schemeClr val="accent1">
+              <a:shade val="50000"/>
+            </a:schemeClr>
+          </a:lnRef>
+          <a:fillRef idx="1003">
+            <a:schemeClr val="dk2"/>
+          </a:fillRef>
+          <a:effectRef idx="0">
+            <a:schemeClr val="accent1"/>
+          </a:effectRef>
+          <a:fontRef idx="minor">
+            <a:schemeClr val="lt1"/>
+          </a:fontRef>
+        </p:style>
+        <p:txBody>
+          <a:bodyPr rtlCol="0" anchor="ctr"/>
+          <a:lstStyle/>
+          <a:p>
+            <a:pPr algn="ctr"/>
+            <a:endParaRPr lang="en-US"/>
+          </a:p>
+        </p:txBody>
+      </p:sp>
+      <p:sp>
+        <p:nvSpPr>
+          <p:cNvPr id="2" name="Title 1">
+            <a:extLst>
+              <a:ext uri="{FF2B5EF4-FFF2-40B4-BE49-F238E27FC236}">
+                <a16:creationId xmlns:a16="http://schemas.microsoft.com/office/drawing/2014/main" id="{CDE8959A-5B9F-43C7-A33D-35ED09C4E39E}"/>
+              </a:ext>
+            </a:extLst>
+          </p:cNvPr>
+          <p:cNvSpPr>
+            <a:spLocks noGrp="1"/>
+          </p:cNvSpPr>
+          <p:nvPr>
+            <p:ph type="title"/>
+          </p:nvPr>
+        </p:nvSpPr>
+        <p:spPr>
+          <a:xfrm>
+            <a:off x="636916" y="4854346"/>
+            <a:ext cx="9149350" cy="868026"/>
+          </a:xfrm>
+        </p:spPr>
+        <p:txBody>
+          <a:bodyPr vert="horz" lIns="91440" tIns="45720" rIns="91440" bIns="45720" rtlCol="0" anchor="b">
+            <a:normAutofit/>
+          </a:bodyPr>
+          <a:lstStyle/>
+          <a:p>
+            <a:pPr>
+              <a:lnSpc>
+                <a:spcPct val="90000"/>
+              </a:lnSpc>
+            </a:pPr>
+            <a:r>
+              <a:rPr lang="en-US" sz="3700" b="0" i="0" kern="1200">
+                <a:solidFill>
+                  <a:srgbClr val="EBEBEB"/>
+                </a:solidFill>
+                <a:latin typeface="+mj-lt"/>
+                <a:ea typeface="+mj-ea"/>
+                <a:cs typeface="+mj-cs"/>
+              </a:rPr>
+              <a:t>Bar chart: Location of Breached Data</a:t>
+            </a:r>
+          </a:p>
+        </p:txBody>
+      </p:sp>
     </p:spTree>
     <p:extLst>
       <p:ext uri="{BB962C8B-B14F-4D97-AF65-F5344CB8AC3E}">
-        <p14:creationId xmlns:p14="http://schemas.microsoft.com/office/powerpoint/2010/main" val="3913640434"/>
+        <p14:creationId xmlns:p14="http://schemas.microsoft.com/office/powerpoint/2010/main" val="2623645043"/>
       </p:ext>
     </p:extLst>
   </p:cSld>
   <p:clrMapOvr>
     <a:overrideClrMapping bg1="lt1" tx1="dk1" bg2="lt2" tx2="dk2" accent1="accent1" accent2="accent2" accent3="accent3" accent4="accent4" accent5="accent5" accent6="accent6" hlink="hlink" folHlink="folHlink"/>
+  </p:clrMapOvr>
+</p:sld>
+</file>
+
+<file path=ppt/slides/slide2.xml><?xml version="1.0" encoding="utf-8"?>
+<p:sld xmlns:a="http://schemas.openxmlformats.org/drawingml/2006/main" xmlns:r="http://schemas.openxmlformats.org/officeDocument/2006/relationships" xmlns:p="http://schemas.openxmlformats.org/presentationml/2006/main">
+  <p:cSld>
+    <p:spTree>
+      <p:nvGrpSpPr>
+        <p:cNvPr id="1" name=""/>
+        <p:cNvGrpSpPr/>
+        <p:nvPr/>
+      </p:nvGrpSpPr>
+      <p:grpSpPr>
+        <a:xfrm>
+          <a:off x="0" y="0"/>
+          <a:ext cx="0" cy="0"/>
+          <a:chOff x="0" y="0"/>
+          <a:chExt cx="0" cy="0"/>
+        </a:xfrm>
+      </p:grpSpPr>
+      <p:sp>
+        <p:nvSpPr>
+          <p:cNvPr id="2" name="Title 1">
+            <a:extLst>
+              <a:ext uri="{FF2B5EF4-FFF2-40B4-BE49-F238E27FC236}">
+                <a16:creationId xmlns:a16="http://schemas.microsoft.com/office/drawing/2014/main" id="{0BA87CEF-92AD-624D-8157-F2FE156E9724}"/>
+              </a:ext>
+            </a:extLst>
+          </p:cNvPr>
+          <p:cNvSpPr>
+            <a:spLocks noGrp="1"/>
+          </p:cNvSpPr>
+          <p:nvPr>
+            <p:ph type="title"/>
+          </p:nvPr>
+        </p:nvSpPr>
+        <p:spPr/>
+        <p:txBody>
+          <a:bodyPr/>
+          <a:lstStyle/>
+          <a:p>
+            <a:r>
+              <a:rPr lang="en-US" dirty="0"/>
+              <a:t>Abstract</a:t>
+            </a:r>
+          </a:p>
+        </p:txBody>
+      </p:sp>
+      <p:sp>
+        <p:nvSpPr>
+          <p:cNvPr id="3" name="Content Placeholder 2">
+            <a:extLst>
+              <a:ext uri="{FF2B5EF4-FFF2-40B4-BE49-F238E27FC236}">
+                <a16:creationId xmlns:a16="http://schemas.microsoft.com/office/drawing/2014/main" id="{6D853F37-E5BE-9D49-956B-7E027C80DA96}"/>
+              </a:ext>
+            </a:extLst>
+          </p:cNvPr>
+          <p:cNvSpPr>
+            <a:spLocks noGrp="1"/>
+          </p:cNvSpPr>
+          <p:nvPr>
+            <p:ph idx="1"/>
+          </p:nvPr>
+        </p:nvSpPr>
+        <p:spPr/>
+        <p:txBody>
+          <a:bodyPr/>
+          <a:lstStyle/>
+          <a:p>
+            <a:r>
+              <a:rPr lang="en-US" dirty="0"/>
+              <a:t>In this project we will discuss a detailed analysis of Cyber Security breaches in the USA from 2009 to 2014.</a:t>
+            </a:r>
+          </a:p>
+          <a:p>
+            <a:r>
+              <a:rPr lang="en-US" dirty="0"/>
+              <a:t>The conclusions we have drawn from the analysis of this data set have been from using various techniques writing code in R and </a:t>
+            </a:r>
+            <a:r>
+              <a:rPr lang="en-US" dirty="0" err="1"/>
+              <a:t>Rstudio</a:t>
+            </a:r>
+            <a:r>
+              <a:rPr lang="en-US" dirty="0"/>
+              <a:t>.</a:t>
+            </a:r>
+          </a:p>
+          <a:p>
+            <a:r>
+              <a:rPr lang="en-US" dirty="0"/>
+              <a:t> These conclusions in real world scenarios with the correct data set could lead to important business decisions that may help lead to significant updates in a companies security of software, systems, and  decrease in loss of money and information due to cybersecurity breaches.</a:t>
+            </a:r>
+          </a:p>
+          <a:p>
+            <a:endParaRPr lang="en-US" dirty="0"/>
+          </a:p>
+        </p:txBody>
+      </p:sp>
+    </p:spTree>
+    <p:extLst>
+      <p:ext uri="{BB962C8B-B14F-4D97-AF65-F5344CB8AC3E}">
+        <p14:creationId xmlns:p14="http://schemas.microsoft.com/office/powerpoint/2010/main" val="769961253"/>
+      </p:ext>
+    </p:extLst>
+  </p:cSld>
+  <p:clrMapOvr>
+    <a:masterClrMapping/>
+  </p:clrMapOvr>
+</p:sld>
+</file>
+
+<file path=ppt/slides/slide3.xml><?xml version="1.0" encoding="utf-8"?>
+<p:sld xmlns:a="http://schemas.openxmlformats.org/drawingml/2006/main" xmlns:r="http://schemas.openxmlformats.org/officeDocument/2006/relationships" xmlns:p="http://schemas.openxmlformats.org/presentationml/2006/main">
+  <p:cSld>
+    <p:spTree>
+      <p:nvGrpSpPr>
+        <p:cNvPr id="1" name=""/>
+        <p:cNvGrpSpPr/>
+        <p:nvPr/>
+      </p:nvGrpSpPr>
+      <p:grpSpPr>
+        <a:xfrm>
+          <a:off x="0" y="0"/>
+          <a:ext cx="0" cy="0"/>
+          <a:chOff x="0" y="0"/>
+          <a:chExt cx="0" cy="0"/>
+        </a:xfrm>
+      </p:grpSpPr>
+      <p:sp>
+        <p:nvSpPr>
+          <p:cNvPr id="2" name="Title 1">
+            <a:extLst>
+              <a:ext uri="{FF2B5EF4-FFF2-40B4-BE49-F238E27FC236}">
+                <a16:creationId xmlns:a16="http://schemas.microsoft.com/office/drawing/2014/main" id="{9372FDFE-A02B-574B-8954-31A0BEB897D2}"/>
+              </a:ext>
+            </a:extLst>
+          </p:cNvPr>
+          <p:cNvSpPr>
+            <a:spLocks noGrp="1"/>
+          </p:cNvSpPr>
+          <p:nvPr>
+            <p:ph type="title"/>
+          </p:nvPr>
+        </p:nvSpPr>
+        <p:spPr/>
+        <p:txBody>
+          <a:bodyPr/>
+          <a:lstStyle/>
+          <a:p>
+            <a:r>
+              <a:rPr lang="en-US" dirty="0"/>
+              <a:t>Introduction</a:t>
+            </a:r>
+          </a:p>
+        </p:txBody>
+      </p:sp>
+      <p:sp>
+        <p:nvSpPr>
+          <p:cNvPr id="3" name="Content Placeholder 2">
+            <a:extLst>
+              <a:ext uri="{FF2B5EF4-FFF2-40B4-BE49-F238E27FC236}">
+                <a16:creationId xmlns:a16="http://schemas.microsoft.com/office/drawing/2014/main" id="{3EAD8C75-ABEE-C24E-B778-624480C5267C}"/>
+              </a:ext>
+            </a:extLst>
+          </p:cNvPr>
+          <p:cNvSpPr>
+            <a:spLocks noGrp="1"/>
+          </p:cNvSpPr>
+          <p:nvPr>
+            <p:ph idx="1"/>
+          </p:nvPr>
+        </p:nvSpPr>
+        <p:spPr/>
+        <p:txBody>
+          <a:bodyPr/>
+          <a:lstStyle/>
+          <a:p>
+            <a:r>
+              <a:rPr lang="en-US" dirty="0"/>
+              <a:t>During our research we used the USA cybersecurity breaches data-set to draw useful information for any entity interested in updating security measures to better prepare for the future.</a:t>
+            </a:r>
+          </a:p>
+          <a:p>
+            <a:r>
+              <a:rPr lang="en-US" dirty="0"/>
+              <a:t>With a Team of 5 we were able to define pertinent questions that by answering would help us produce useful information about our subject matter.</a:t>
+            </a:r>
+          </a:p>
+          <a:p>
+            <a:r>
+              <a:rPr lang="en-US" dirty="0"/>
+              <a:t>The problem that we are trying to solve Is how to effectively address future cybersecurity breaches and avoid them with the observations  made from the data.</a:t>
+            </a:r>
+          </a:p>
+          <a:p>
+            <a:r>
+              <a:rPr lang="en-US" dirty="0"/>
+              <a:t>This problem was chosen because of previous classes of some team members as well as an interest in cybersecurity for other members. </a:t>
+            </a:r>
+          </a:p>
+          <a:p>
+            <a:pPr marL="0" indent="0">
+              <a:buNone/>
+            </a:pPr>
+            <a:endParaRPr lang="en-US" dirty="0"/>
+          </a:p>
+        </p:txBody>
+      </p:sp>
+    </p:spTree>
+    <p:extLst>
+      <p:ext uri="{BB962C8B-B14F-4D97-AF65-F5344CB8AC3E}">
+        <p14:creationId xmlns:p14="http://schemas.microsoft.com/office/powerpoint/2010/main" val="394933443"/>
+      </p:ext>
+    </p:extLst>
+  </p:cSld>
+  <p:clrMapOvr>
+    <a:masterClrMapping/>
+  </p:clrMapOvr>
+</p:sld>
+</file>
+
+<file path=ppt/slides/slide4.xml><?xml version="1.0" encoding="utf-8"?>
+<p:sld xmlns:a="http://schemas.openxmlformats.org/drawingml/2006/main" xmlns:r="http://schemas.openxmlformats.org/officeDocument/2006/relationships" xmlns:p="http://schemas.openxmlformats.org/presentationml/2006/main">
+  <p:cSld>
+    <p:spTree>
+      <p:nvGrpSpPr>
+        <p:cNvPr id="1" name=""/>
+        <p:cNvGrpSpPr/>
+        <p:nvPr/>
+      </p:nvGrpSpPr>
+      <p:grpSpPr>
+        <a:xfrm>
+          <a:off x="0" y="0"/>
+          <a:ext cx="0" cy="0"/>
+          <a:chOff x="0" y="0"/>
+          <a:chExt cx="0" cy="0"/>
+        </a:xfrm>
+      </p:grpSpPr>
+      <p:sp>
+        <p:nvSpPr>
+          <p:cNvPr id="2" name="Title 1">
+            <a:extLst>
+              <a:ext uri="{FF2B5EF4-FFF2-40B4-BE49-F238E27FC236}">
+                <a16:creationId xmlns:a16="http://schemas.microsoft.com/office/drawing/2014/main" id="{04D0840A-4DAC-4C43-9BB4-7694F1E3EE03}"/>
+              </a:ext>
+            </a:extLst>
+          </p:cNvPr>
+          <p:cNvSpPr>
+            <a:spLocks noGrp="1"/>
+          </p:cNvSpPr>
+          <p:nvPr>
+            <p:ph type="title"/>
+          </p:nvPr>
+        </p:nvSpPr>
+        <p:spPr/>
+        <p:txBody>
+          <a:bodyPr/>
+          <a:lstStyle/>
+          <a:p>
+            <a:r>
+              <a:rPr lang="en-US" dirty="0"/>
+              <a:t>Introduction continued</a:t>
+            </a:r>
+          </a:p>
+        </p:txBody>
+      </p:sp>
+      <p:sp>
+        <p:nvSpPr>
+          <p:cNvPr id="3" name="Content Placeholder 2">
+            <a:extLst>
+              <a:ext uri="{FF2B5EF4-FFF2-40B4-BE49-F238E27FC236}">
+                <a16:creationId xmlns:a16="http://schemas.microsoft.com/office/drawing/2014/main" id="{EBF7F786-45D0-3C42-9F02-61E7A6A1F3FD}"/>
+              </a:ext>
+            </a:extLst>
+          </p:cNvPr>
+          <p:cNvSpPr>
+            <a:spLocks noGrp="1"/>
+          </p:cNvSpPr>
+          <p:nvPr>
+            <p:ph idx="1"/>
+          </p:nvPr>
+        </p:nvSpPr>
+        <p:spPr/>
+        <p:txBody>
+          <a:bodyPr/>
+          <a:lstStyle/>
+          <a:p>
+            <a:r>
+              <a:rPr lang="en-US" dirty="0"/>
+              <a:t>As a team of 5 members each member was tasked with developing a question that would lead to our end goal of defining the truths from the data to avoid future breaches. </a:t>
+            </a:r>
+          </a:p>
+          <a:p>
+            <a:r>
+              <a:rPr lang="en-US" dirty="0"/>
+              <a:t>Along with developing a question each member was also tasked with providing an answer to that question.</a:t>
+            </a:r>
+          </a:p>
+          <a:p>
+            <a:r>
+              <a:rPr lang="en-US" dirty="0"/>
+              <a:t>On top of answering these questions our team has also provided multiple predictive models that will predict the number of breaches per year after our data set no longer has information available.</a:t>
+            </a:r>
+          </a:p>
+          <a:p>
+            <a:r>
+              <a:rPr lang="en-US" dirty="0"/>
+              <a:t> Our data set contains the following details, number of breaches, Year, date breached, individuals affected, summary of breach, name of entity breached, the state where the breach took place, type of breach, and location of breached information.</a:t>
+            </a:r>
+          </a:p>
+        </p:txBody>
+      </p:sp>
+    </p:spTree>
+    <p:extLst>
+      <p:ext uri="{BB962C8B-B14F-4D97-AF65-F5344CB8AC3E}">
+        <p14:creationId xmlns:p14="http://schemas.microsoft.com/office/powerpoint/2010/main" val="1492577265"/>
+      </p:ext>
+    </p:extLst>
+  </p:cSld>
+  <p:clrMapOvr>
+    <a:masterClrMapping/>
+  </p:clrMapOvr>
+</p:sld>
+</file>
+
+<file path=ppt/slides/slide5.xml><?xml version="1.0" encoding="utf-8"?>
+<p:sld xmlns:a="http://schemas.openxmlformats.org/drawingml/2006/main" xmlns:r="http://schemas.openxmlformats.org/officeDocument/2006/relationships" xmlns:p="http://schemas.openxmlformats.org/presentationml/2006/main">
+  <p:cSld>
+    <p:spTree>
+      <p:nvGrpSpPr>
+        <p:cNvPr id="1" name=""/>
+        <p:cNvGrpSpPr/>
+        <p:nvPr/>
+      </p:nvGrpSpPr>
+      <p:grpSpPr>
+        <a:xfrm>
+          <a:off x="0" y="0"/>
+          <a:ext cx="0" cy="0"/>
+          <a:chOff x="0" y="0"/>
+          <a:chExt cx="0" cy="0"/>
+        </a:xfrm>
+      </p:grpSpPr>
+      <p:sp>
+        <p:nvSpPr>
+          <p:cNvPr id="2" name="Title 1">
+            <a:extLst>
+              <a:ext uri="{FF2B5EF4-FFF2-40B4-BE49-F238E27FC236}">
+                <a16:creationId xmlns:a16="http://schemas.microsoft.com/office/drawing/2014/main" id="{EB96F413-45F6-AF46-8B99-ECF54348F848}"/>
+              </a:ext>
+            </a:extLst>
+          </p:cNvPr>
+          <p:cNvSpPr>
+            <a:spLocks noGrp="1"/>
+          </p:cNvSpPr>
+          <p:nvPr>
+            <p:ph type="title"/>
+          </p:nvPr>
+        </p:nvSpPr>
+        <p:spPr/>
+        <p:txBody>
+          <a:bodyPr/>
+          <a:lstStyle/>
+          <a:p>
+            <a:r>
+              <a:rPr lang="en-US" dirty="0"/>
+              <a:t>Initial goals </a:t>
+            </a:r>
+          </a:p>
+        </p:txBody>
+      </p:sp>
+      <p:sp>
+        <p:nvSpPr>
+          <p:cNvPr id="3" name="Content Placeholder 2">
+            <a:extLst>
+              <a:ext uri="{FF2B5EF4-FFF2-40B4-BE49-F238E27FC236}">
+                <a16:creationId xmlns:a16="http://schemas.microsoft.com/office/drawing/2014/main" id="{DF9C784D-EF14-D74A-A1EB-D12DC301596B}"/>
+              </a:ext>
+            </a:extLst>
+          </p:cNvPr>
+          <p:cNvSpPr>
+            <a:spLocks noGrp="1"/>
+          </p:cNvSpPr>
+          <p:nvPr>
+            <p:ph idx="1"/>
+          </p:nvPr>
+        </p:nvSpPr>
+        <p:spPr/>
+        <p:txBody>
+          <a:bodyPr/>
+          <a:lstStyle/>
+          <a:p>
+            <a:r>
+              <a:rPr lang="en-US" dirty="0"/>
+              <a:t>See correlation of security breaches over time</a:t>
+            </a:r>
+          </a:p>
+          <a:p>
+            <a:r>
+              <a:rPr lang="en-US" dirty="0"/>
+              <a:t>See the correlation between type of breach and number of individuals effected by the breach</a:t>
+            </a:r>
+          </a:p>
+          <a:p>
+            <a:r>
+              <a:rPr lang="en-US" dirty="0"/>
+              <a:t>See the correlation between the number of breaches and location by state</a:t>
+            </a:r>
+          </a:p>
+          <a:p>
+            <a:r>
+              <a:rPr lang="en-US" dirty="0"/>
+              <a:t>We wanted to see</a:t>
+            </a:r>
+          </a:p>
+          <a:p>
+            <a:r>
+              <a:rPr lang="en-US" dirty="0"/>
+              <a:t>We also wanted to see which type of breach is most common</a:t>
+            </a:r>
+          </a:p>
+          <a:p>
+            <a:r>
+              <a:rPr lang="en-US" dirty="0"/>
+              <a:t>All this information so companies can make better decisions about what kinds of security to invest more resources </a:t>
+            </a:r>
+          </a:p>
+          <a:p>
+            <a:endParaRPr lang="en-US" dirty="0"/>
+          </a:p>
+        </p:txBody>
+      </p:sp>
+    </p:spTree>
+    <p:extLst>
+      <p:ext uri="{BB962C8B-B14F-4D97-AF65-F5344CB8AC3E}">
+        <p14:creationId xmlns:p14="http://schemas.microsoft.com/office/powerpoint/2010/main" val="3807735262"/>
+      </p:ext>
+    </p:extLst>
+  </p:cSld>
+  <p:clrMapOvr>
+    <a:masterClrMapping/>
+  </p:clrMapOvr>
+</p:sld>
+</file>
+
+<file path=ppt/slides/slide6.xml><?xml version="1.0" encoding="utf-8"?>
+<p:sld xmlns:a="http://schemas.openxmlformats.org/drawingml/2006/main" xmlns:r="http://schemas.openxmlformats.org/officeDocument/2006/relationships" xmlns:p="http://schemas.openxmlformats.org/presentationml/2006/main">
+  <p:cSld>
+    <p:spTree>
+      <p:nvGrpSpPr>
+        <p:cNvPr id="1" name=""/>
+        <p:cNvGrpSpPr/>
+        <p:nvPr/>
+      </p:nvGrpSpPr>
+      <p:grpSpPr>
+        <a:xfrm>
+          <a:off x="0" y="0"/>
+          <a:ext cx="0" cy="0"/>
+          <a:chOff x="0" y="0"/>
+          <a:chExt cx="0" cy="0"/>
+        </a:xfrm>
+      </p:grpSpPr>
+      <p:sp>
+        <p:nvSpPr>
+          <p:cNvPr id="2" name="Title 1">
+            <a:extLst>
+              <a:ext uri="{FF2B5EF4-FFF2-40B4-BE49-F238E27FC236}">
+                <a16:creationId xmlns:a16="http://schemas.microsoft.com/office/drawing/2014/main" id="{CB5CE5E7-8A27-4B08-9DCA-010E02327D47}"/>
+              </a:ext>
+            </a:extLst>
+          </p:cNvPr>
+          <p:cNvSpPr>
+            <a:spLocks noGrp="1"/>
+          </p:cNvSpPr>
+          <p:nvPr>
+            <p:ph type="title"/>
+          </p:nvPr>
+        </p:nvSpPr>
+        <p:spPr/>
+        <p:txBody>
+          <a:bodyPr/>
+          <a:lstStyle/>
+          <a:p>
+            <a:r>
+              <a:rPr lang="en-US" dirty="0"/>
+              <a:t>Dataset</a:t>
+            </a:r>
+          </a:p>
+        </p:txBody>
+      </p:sp>
+      <p:sp>
+        <p:nvSpPr>
+          <p:cNvPr id="3" name="Content Placeholder 2">
+            <a:extLst>
+              <a:ext uri="{FF2B5EF4-FFF2-40B4-BE49-F238E27FC236}">
+                <a16:creationId xmlns:a16="http://schemas.microsoft.com/office/drawing/2014/main" id="{2A191A4D-F631-4BDC-B1C9-E93CE4A8B8F2}"/>
+              </a:ext>
+            </a:extLst>
+          </p:cNvPr>
+          <p:cNvSpPr>
+            <a:spLocks noGrp="1"/>
+          </p:cNvSpPr>
+          <p:nvPr>
+            <p:ph idx="1"/>
+          </p:nvPr>
+        </p:nvSpPr>
+        <p:spPr/>
+        <p:txBody>
+          <a:bodyPr/>
+          <a:lstStyle/>
+          <a:p>
+            <a:r>
+              <a:rPr lang="en-US" dirty="0"/>
+              <a:t>Various information regarding data breaches in the US</a:t>
+            </a:r>
+          </a:p>
+          <a:p>
+            <a:r>
+              <a:rPr lang="en-US" u="sng" dirty="0">
+                <a:hlinkClick r:id="rId2"/>
+              </a:rPr>
+              <a:t>https://public.tableau.com/profile/chris1505#!/vizhome/DatasetExplorationandDowbload/DatabaseDash?publish=yes</a:t>
+            </a:r>
+            <a:r>
+              <a:rPr lang="en-US" dirty="0"/>
+              <a:t>.</a:t>
+            </a:r>
+          </a:p>
+          <a:p>
+            <a:endParaRPr lang="en-US" dirty="0"/>
+          </a:p>
+        </p:txBody>
+      </p:sp>
+    </p:spTree>
+    <p:extLst>
+      <p:ext uri="{BB962C8B-B14F-4D97-AF65-F5344CB8AC3E}">
+        <p14:creationId xmlns:p14="http://schemas.microsoft.com/office/powerpoint/2010/main" val="2520534428"/>
+      </p:ext>
+    </p:extLst>
+  </p:cSld>
+  <p:clrMapOvr>
+    <a:masterClrMapping/>
+  </p:clrMapOvr>
+</p:sld>
+</file>
+
+<file path=ppt/slides/slide7.xml><?xml version="1.0" encoding="utf-8"?>
+<p:sld xmlns:a="http://schemas.openxmlformats.org/drawingml/2006/main" xmlns:r="http://schemas.openxmlformats.org/officeDocument/2006/relationships" xmlns:p="http://schemas.openxmlformats.org/presentationml/2006/main">
+  <p:cSld>
+    <p:spTree>
+      <p:nvGrpSpPr>
+        <p:cNvPr id="1" name=""/>
+        <p:cNvGrpSpPr/>
+        <p:nvPr/>
+      </p:nvGrpSpPr>
+      <p:grpSpPr>
+        <a:xfrm>
+          <a:off x="0" y="0"/>
+          <a:ext cx="0" cy="0"/>
+          <a:chOff x="0" y="0"/>
+          <a:chExt cx="0" cy="0"/>
+        </a:xfrm>
+      </p:grpSpPr>
+      <p:sp>
+        <p:nvSpPr>
+          <p:cNvPr id="2" name="Title 1">
+            <a:extLst>
+              <a:ext uri="{FF2B5EF4-FFF2-40B4-BE49-F238E27FC236}">
+                <a16:creationId xmlns:a16="http://schemas.microsoft.com/office/drawing/2014/main" id="{95A548B8-92D2-4E30-B5ED-10DCEFFE2194}"/>
+              </a:ext>
+            </a:extLst>
+          </p:cNvPr>
+          <p:cNvSpPr>
+            <a:spLocks noGrp="1"/>
+          </p:cNvSpPr>
+          <p:nvPr>
+            <p:ph type="title"/>
+          </p:nvPr>
+        </p:nvSpPr>
+        <p:spPr/>
+        <p:txBody>
+          <a:bodyPr/>
+          <a:lstStyle/>
+          <a:p>
+            <a:r>
+              <a:rPr lang="en-US" dirty="0"/>
+              <a:t>Data analysis and Modeling</a:t>
+            </a:r>
+          </a:p>
+        </p:txBody>
+      </p:sp>
+      <p:sp>
+        <p:nvSpPr>
+          <p:cNvPr id="3" name="Content Placeholder 2">
+            <a:extLst>
+              <a:ext uri="{FF2B5EF4-FFF2-40B4-BE49-F238E27FC236}">
+                <a16:creationId xmlns:a16="http://schemas.microsoft.com/office/drawing/2014/main" id="{2ED99355-3E53-429D-B01C-9127686A18EF}"/>
+              </a:ext>
+            </a:extLst>
+          </p:cNvPr>
+          <p:cNvSpPr>
+            <a:spLocks noGrp="1"/>
+          </p:cNvSpPr>
+          <p:nvPr>
+            <p:ph sz="half" idx="1"/>
+          </p:nvPr>
+        </p:nvSpPr>
+        <p:spPr/>
+        <p:txBody>
+          <a:bodyPr/>
+          <a:lstStyle/>
+          <a:p>
+            <a:r>
+              <a:rPr lang="en-US" dirty="0"/>
+              <a:t>Visualization methods:</a:t>
+            </a:r>
+          </a:p>
+          <a:p>
+            <a:pPr lvl="1"/>
+            <a:r>
+              <a:rPr lang="en-US" dirty="0"/>
+              <a:t>Spline Chart</a:t>
+            </a:r>
+          </a:p>
+          <a:p>
+            <a:pPr lvl="1"/>
+            <a:r>
+              <a:rPr lang="en-US" dirty="0"/>
+              <a:t>Multiple Bar Graphs</a:t>
+            </a:r>
+          </a:p>
+          <a:p>
+            <a:r>
+              <a:rPr lang="en-US" dirty="0"/>
+              <a:t>Deeper Understanding:</a:t>
+            </a:r>
+          </a:p>
+          <a:p>
+            <a:pPr lvl="1"/>
+            <a:r>
+              <a:rPr lang="en-US" dirty="0"/>
+              <a:t>Confusion Matrix</a:t>
+            </a:r>
+          </a:p>
+          <a:p>
+            <a:pPr lvl="1"/>
+            <a:r>
+              <a:rPr lang="en-US" dirty="0"/>
+              <a:t>SVM</a:t>
+            </a:r>
+          </a:p>
+          <a:p>
+            <a:r>
+              <a:rPr lang="en-US" dirty="0"/>
+              <a:t>Machine Learning Techniques:</a:t>
+            </a:r>
+          </a:p>
+          <a:p>
+            <a:pPr lvl="1"/>
+            <a:r>
+              <a:rPr lang="en-US" dirty="0"/>
+              <a:t>Linear Regression Model</a:t>
+            </a:r>
+          </a:p>
+          <a:p>
+            <a:pPr lvl="1"/>
+            <a:r>
+              <a:rPr lang="en-US" dirty="0"/>
+              <a:t>Multiple Regression Model</a:t>
+            </a:r>
+          </a:p>
+          <a:p>
+            <a:pPr lvl="1"/>
+            <a:r>
+              <a:rPr lang="en-US" dirty="0"/>
+              <a:t>Generalized Linear Model</a:t>
+            </a:r>
+          </a:p>
+          <a:p>
+            <a:endParaRPr lang="en-US" dirty="0"/>
+          </a:p>
+        </p:txBody>
+      </p:sp>
+      <p:sp>
+        <p:nvSpPr>
+          <p:cNvPr id="4" name="Content Placeholder 3">
+            <a:extLst>
+              <a:ext uri="{FF2B5EF4-FFF2-40B4-BE49-F238E27FC236}">
+                <a16:creationId xmlns:a16="http://schemas.microsoft.com/office/drawing/2014/main" id="{988ABF63-3B99-41B0-ADEE-88939EC98F39}"/>
+              </a:ext>
+            </a:extLst>
+          </p:cNvPr>
+          <p:cNvSpPr>
+            <a:spLocks noGrp="1"/>
+          </p:cNvSpPr>
+          <p:nvPr>
+            <p:ph sz="half" idx="2"/>
+          </p:nvPr>
+        </p:nvSpPr>
+        <p:spPr/>
+        <p:txBody>
+          <a:bodyPr/>
+          <a:lstStyle/>
+          <a:p>
+            <a:r>
+              <a:rPr lang="en-US" dirty="0"/>
+              <a:t>How did we reach our conclusions?</a:t>
+            </a:r>
+          </a:p>
+          <a:p>
+            <a:pPr lvl="1"/>
+            <a:r>
+              <a:rPr lang="en-US" dirty="0"/>
+              <a:t>Using various visualization methods and data analysis skills. </a:t>
+            </a:r>
+          </a:p>
+          <a:p>
+            <a:pPr lvl="1"/>
+            <a:r>
+              <a:rPr lang="en-US" dirty="0"/>
+              <a:t>Machine Learning which helped us make educated predictions about the future.</a:t>
+            </a:r>
+          </a:p>
+          <a:p>
+            <a:pPr marL="457200" lvl="1" indent="0">
+              <a:buNone/>
+            </a:pPr>
+            <a:endParaRPr lang="en-US" dirty="0"/>
+          </a:p>
+        </p:txBody>
+      </p:sp>
+    </p:spTree>
+    <p:extLst>
+      <p:ext uri="{BB962C8B-B14F-4D97-AF65-F5344CB8AC3E}">
+        <p14:creationId xmlns:p14="http://schemas.microsoft.com/office/powerpoint/2010/main" val="1213113818"/>
+      </p:ext>
+    </p:extLst>
+  </p:cSld>
+  <p:clrMapOvr>
+    <a:masterClrMapping/>
+  </p:clrMapOvr>
+</p:sld>
+</file>
+
+<file path=ppt/slides/slide8.xml><?xml version="1.0" encoding="utf-8"?>
+<p:sld xmlns:a="http://schemas.openxmlformats.org/drawingml/2006/main" xmlns:r="http://schemas.openxmlformats.org/officeDocument/2006/relationships" xmlns:p="http://schemas.openxmlformats.org/presentationml/2006/main">
+  <p:cSld>
+    <p:spTree>
+      <p:nvGrpSpPr>
+        <p:cNvPr id="1" name=""/>
+        <p:cNvGrpSpPr/>
+        <p:nvPr/>
+      </p:nvGrpSpPr>
+      <p:grpSpPr>
+        <a:xfrm>
+          <a:off x="0" y="0"/>
+          <a:ext cx="0" cy="0"/>
+          <a:chOff x="0" y="0"/>
+          <a:chExt cx="0" cy="0"/>
+        </a:xfrm>
+      </p:grpSpPr>
+      <p:sp>
+        <p:nvSpPr>
+          <p:cNvPr id="2" name="Title 1">
+            <a:extLst>
+              <a:ext uri="{FF2B5EF4-FFF2-40B4-BE49-F238E27FC236}">
+                <a16:creationId xmlns:a16="http://schemas.microsoft.com/office/drawing/2014/main" id="{CD219B3B-99B6-4324-9296-26A9C799267D}"/>
+              </a:ext>
+            </a:extLst>
+          </p:cNvPr>
+          <p:cNvSpPr>
+            <a:spLocks noGrp="1"/>
+          </p:cNvSpPr>
+          <p:nvPr>
+            <p:ph type="title"/>
+          </p:nvPr>
+        </p:nvSpPr>
+        <p:spPr/>
+        <p:txBody>
+          <a:bodyPr/>
+          <a:lstStyle/>
+          <a:p>
+            <a:r>
+              <a:rPr lang="en-US" dirty="0"/>
+              <a:t>Final Outcomes and Analysis</a:t>
+            </a:r>
+          </a:p>
+        </p:txBody>
+      </p:sp>
+      <p:sp>
+        <p:nvSpPr>
+          <p:cNvPr id="3" name="Content Placeholder 2">
+            <a:extLst>
+              <a:ext uri="{FF2B5EF4-FFF2-40B4-BE49-F238E27FC236}">
+                <a16:creationId xmlns:a16="http://schemas.microsoft.com/office/drawing/2014/main" id="{20C048A0-8741-498E-A277-D378F4C901B0}"/>
+              </a:ext>
+            </a:extLst>
+          </p:cNvPr>
+          <p:cNvSpPr>
+            <a:spLocks noGrp="1"/>
+          </p:cNvSpPr>
+          <p:nvPr>
+            <p:ph idx="1"/>
+          </p:nvPr>
+        </p:nvSpPr>
+        <p:spPr/>
+        <p:txBody>
+          <a:bodyPr>
+            <a:normAutofit fontScale="85000" lnSpcReduction="10000"/>
+          </a:bodyPr>
+          <a:lstStyle/>
+          <a:p>
+            <a:r>
+              <a:rPr lang="en-US" dirty="0"/>
+              <a:t>Main Result: The Number of Breaches has gone up as the years have progressed.</a:t>
+            </a:r>
+          </a:p>
+          <a:p>
+            <a:r>
+              <a:rPr lang="en-US" dirty="0"/>
+              <a:t>Machine Learning Prediction: The different types of breaches will continue to rise as technology and the years progress. </a:t>
+            </a:r>
+          </a:p>
+          <a:p>
+            <a:r>
+              <a:rPr lang="en-US" dirty="0"/>
+              <a:t>Initial question answers:</a:t>
+            </a:r>
+          </a:p>
+          <a:p>
+            <a:pPr lvl="1"/>
+            <a:r>
+              <a:rPr lang="en-US" dirty="0"/>
+              <a:t>A correlation between the number of breaches and year has been found.</a:t>
+            </a:r>
+          </a:p>
+          <a:p>
+            <a:pPr lvl="1"/>
+            <a:r>
+              <a:rPr lang="en-US" dirty="0"/>
+              <a:t>Thefts and Losses had a larger impact on individuals than all of the other types of breaches compared.</a:t>
+            </a:r>
+          </a:p>
+          <a:p>
+            <a:pPr lvl="1"/>
+            <a:r>
+              <a:rPr lang="en-US" dirty="0"/>
+              <a:t>Paper was the most susceptible to a data breach. But, Laptops were a very close second. </a:t>
+            </a:r>
+          </a:p>
+          <a:p>
+            <a:pPr lvl="1"/>
+            <a:r>
+              <a:rPr lang="en-US" dirty="0"/>
+              <a:t>Virginia had the most people that were affected by Data Breaches.</a:t>
+            </a:r>
+          </a:p>
+          <a:p>
+            <a:pPr lvl="1"/>
+            <a:r>
+              <a:rPr lang="en-US" dirty="0"/>
+              <a:t>Predictive models showed the number of data breaches will rise as time progresses. </a:t>
+            </a:r>
+          </a:p>
+          <a:p>
+            <a:r>
+              <a:rPr lang="en-US" dirty="0"/>
+              <a:t>Justified answers: Using various visualization methods and predictive models.</a:t>
+            </a:r>
+          </a:p>
+        </p:txBody>
+      </p:sp>
+    </p:spTree>
+    <p:extLst>
+      <p:ext uri="{BB962C8B-B14F-4D97-AF65-F5344CB8AC3E}">
+        <p14:creationId xmlns:p14="http://schemas.microsoft.com/office/powerpoint/2010/main" val="3896562262"/>
+      </p:ext>
+    </p:extLst>
+  </p:cSld>
+  <p:clrMapOvr>
+    <a:masterClrMapping/>
+  </p:clrMapOvr>
+</p:sld>
+</file>
+
+<file path=ppt/slides/slide9.xml><?xml version="1.0" encoding="utf-8"?>
+<p:sld xmlns:a="http://schemas.openxmlformats.org/drawingml/2006/main" xmlns:r="http://schemas.openxmlformats.org/officeDocument/2006/relationships" xmlns:p="http://schemas.openxmlformats.org/presentationml/2006/main">
+  <p:cSld>
+    <p:spTree>
+      <p:nvGrpSpPr>
+        <p:cNvPr id="1" name=""/>
+        <p:cNvGrpSpPr/>
+        <p:nvPr/>
+      </p:nvGrpSpPr>
+      <p:grpSpPr>
+        <a:xfrm>
+          <a:off x="0" y="0"/>
+          <a:ext cx="0" cy="0"/>
+          <a:chOff x="0" y="0"/>
+          <a:chExt cx="0" cy="0"/>
+        </a:xfrm>
+      </p:grpSpPr>
+      <p:sp>
+        <p:nvSpPr>
+          <p:cNvPr id="2" name="Title 1">
+            <a:extLst>
+              <a:ext uri="{FF2B5EF4-FFF2-40B4-BE49-F238E27FC236}">
+                <a16:creationId xmlns:a16="http://schemas.microsoft.com/office/drawing/2014/main" id="{F6245BC1-A248-44F8-B86B-F4D0F295699E}"/>
+              </a:ext>
+            </a:extLst>
+          </p:cNvPr>
+          <p:cNvSpPr>
+            <a:spLocks noGrp="1"/>
+          </p:cNvSpPr>
+          <p:nvPr>
+            <p:ph type="title"/>
+          </p:nvPr>
+        </p:nvSpPr>
+        <p:spPr/>
+        <p:txBody>
+          <a:bodyPr/>
+          <a:lstStyle/>
+          <a:p>
+            <a:r>
+              <a:rPr lang="en-US" dirty="0"/>
+              <a:t>Cleaning the Dataset</a:t>
+            </a:r>
+          </a:p>
+        </p:txBody>
+      </p:sp>
+      <p:sp>
+        <p:nvSpPr>
+          <p:cNvPr id="3" name="Content Placeholder 2">
+            <a:extLst>
+              <a:ext uri="{FF2B5EF4-FFF2-40B4-BE49-F238E27FC236}">
+                <a16:creationId xmlns:a16="http://schemas.microsoft.com/office/drawing/2014/main" id="{5C9EE4AD-9CE5-478C-822F-67F47BD6A35E}"/>
+              </a:ext>
+            </a:extLst>
+          </p:cNvPr>
+          <p:cNvSpPr>
+            <a:spLocks noGrp="1"/>
+          </p:cNvSpPr>
+          <p:nvPr>
+            <p:ph idx="1"/>
+          </p:nvPr>
+        </p:nvSpPr>
+        <p:spPr/>
+        <p:txBody>
+          <a:bodyPr/>
+          <a:lstStyle/>
+          <a:p>
+            <a:r>
+              <a:rPr lang="en-US" dirty="0"/>
+              <a:t>Removed some irrelevant rows</a:t>
+            </a:r>
+          </a:p>
+          <a:p>
+            <a:r>
+              <a:rPr lang="en-US" dirty="0"/>
+              <a:t>Corrected the names of some companies</a:t>
+            </a:r>
+          </a:p>
+          <a:p>
+            <a:r>
+              <a:rPr lang="en-US" dirty="0"/>
+              <a:t>Changed dates to date datatype instead of char string</a:t>
+            </a:r>
+          </a:p>
+          <a:p>
+            <a:pPr lvl="1"/>
+            <a:r>
+              <a:rPr lang="en-US" dirty="0"/>
+              <a:t>Easier to use date data and sort by time</a:t>
+            </a:r>
+          </a:p>
+          <a:p>
+            <a:endParaRPr lang="en-US" dirty="0"/>
+          </a:p>
+        </p:txBody>
+      </p:sp>
+    </p:spTree>
+    <p:extLst>
+      <p:ext uri="{BB962C8B-B14F-4D97-AF65-F5344CB8AC3E}">
+        <p14:creationId xmlns:p14="http://schemas.microsoft.com/office/powerpoint/2010/main" val="2092159196"/>
+      </p:ext>
+    </p:extLst>
+  </p:cSld>
+  <p:clrMapOvr>
+    <a:masterClrMapping/>
   </p:clrMapOvr>
 </p:sld>
 </file>

--- a/Final presentation_CIS435.pptx
+++ b/Final presentation_CIS435.pptx
@@ -20,6 +20,9 @@
     <p:sldId id="264" r:id="rId14"/>
     <p:sldId id="267" r:id="rId15"/>
     <p:sldId id="268" r:id="rId16"/>
+    <p:sldId id="272" r:id="rId17"/>
+    <p:sldId id="273" r:id="rId18"/>
+    <p:sldId id="269" r:id="rId19"/>
   </p:sldIdLst>
   <p:sldSz cx="12192000" cy="6858000"/>
   <p:notesSz cx="6858000" cy="9144000"/>
@@ -10329,6 +10332,342 @@
 </p:sld>
 </file>
 
+<file path=ppt/slides/slide16.xml><?xml version="1.0" encoding="utf-8"?>
+<p:sld xmlns:a="http://schemas.openxmlformats.org/drawingml/2006/main" xmlns:r="http://schemas.openxmlformats.org/officeDocument/2006/relationships" xmlns:p="http://schemas.openxmlformats.org/presentationml/2006/main">
+  <p:cSld>
+    <p:spTree>
+      <p:nvGrpSpPr>
+        <p:cNvPr id="1" name=""/>
+        <p:cNvGrpSpPr/>
+        <p:nvPr/>
+      </p:nvGrpSpPr>
+      <p:grpSpPr>
+        <a:xfrm>
+          <a:off x="0" y="0"/>
+          <a:ext cx="0" cy="0"/>
+          <a:chOff x="0" y="0"/>
+          <a:chExt cx="0" cy="0"/>
+        </a:xfrm>
+      </p:grpSpPr>
+      <p:sp>
+        <p:nvSpPr>
+          <p:cNvPr id="2" name="Title 1">
+            <a:extLst>
+              <a:ext uri="{FF2B5EF4-FFF2-40B4-BE49-F238E27FC236}">
+                <a16:creationId xmlns:a16="http://schemas.microsoft.com/office/drawing/2014/main" id="{6FEB89D0-11EE-4A6C-809B-C4A49DB42A0E}"/>
+              </a:ext>
+            </a:extLst>
+          </p:cNvPr>
+          <p:cNvSpPr>
+            <a:spLocks noGrp="1"/>
+          </p:cNvSpPr>
+          <p:nvPr>
+            <p:ph type="title"/>
+          </p:nvPr>
+        </p:nvSpPr>
+        <p:spPr/>
+        <p:txBody>
+          <a:bodyPr/>
+          <a:lstStyle/>
+          <a:p>
+            <a:r>
+              <a:rPr lang="en-US" sz="3000" dirty="0"/>
+              <a:t>Is there a relation between the type of breach and the number of individuals affected?</a:t>
+            </a:r>
+          </a:p>
+        </p:txBody>
+      </p:sp>
+      <p:sp>
+        <p:nvSpPr>
+          <p:cNvPr id="3" name="Content Placeholder 2">
+            <a:extLst>
+              <a:ext uri="{FF2B5EF4-FFF2-40B4-BE49-F238E27FC236}">
+                <a16:creationId xmlns:a16="http://schemas.microsoft.com/office/drawing/2014/main" id="{8872AE07-01A5-48F9-A408-806DB489E681}"/>
+              </a:ext>
+            </a:extLst>
+          </p:cNvPr>
+          <p:cNvSpPr>
+            <a:spLocks noGrp="1"/>
+          </p:cNvSpPr>
+          <p:nvPr>
+            <p:ph idx="1"/>
+          </p:nvPr>
+        </p:nvSpPr>
+        <p:spPr/>
+        <p:txBody>
+          <a:bodyPr/>
+          <a:lstStyle/>
+          <a:p>
+            <a:r>
+              <a:rPr lang="en-US" dirty="0"/>
+              <a:t>To answer this question the first step was to create a bar graph displaying to visualize the data</a:t>
+            </a:r>
+          </a:p>
+          <a:p>
+            <a:r>
+              <a:rPr lang="en-US" dirty="0"/>
+              <a:t>To do this and maintain readability a limit had to be selected for what categories of data would be shown.</a:t>
+            </a:r>
+          </a:p>
+          <a:p>
+            <a:r>
+              <a:rPr lang="en-US" dirty="0"/>
+              <a:t>The limit was set on the number of individuals affected </a:t>
+            </a:r>
+          </a:p>
+          <a:p>
+            <a:r>
+              <a:rPr lang="en-US" dirty="0"/>
+              <a:t>The less significant data was excluded from the graph to maintain visibility</a:t>
+            </a:r>
+          </a:p>
+          <a:p>
+            <a:r>
+              <a:rPr lang="en-US" dirty="0"/>
+              <a:t>After the graph was created it was simple to make conclusions from the visualized data.</a:t>
+            </a:r>
+          </a:p>
+        </p:txBody>
+      </p:sp>
+    </p:spTree>
+    <p:extLst>
+      <p:ext uri="{BB962C8B-B14F-4D97-AF65-F5344CB8AC3E}">
+        <p14:creationId xmlns:p14="http://schemas.microsoft.com/office/powerpoint/2010/main" val="1160246344"/>
+      </p:ext>
+    </p:extLst>
+  </p:cSld>
+  <p:clrMapOvr>
+    <a:masterClrMapping/>
+  </p:clrMapOvr>
+</p:sld>
+</file>
+
+<file path=ppt/slides/slide17.xml><?xml version="1.0" encoding="utf-8"?>
+<p:sld xmlns:a="http://schemas.openxmlformats.org/drawingml/2006/main" xmlns:r="http://schemas.openxmlformats.org/officeDocument/2006/relationships" xmlns:p="http://schemas.openxmlformats.org/presentationml/2006/main">
+  <p:cSld>
+    <p:spTree>
+      <p:nvGrpSpPr>
+        <p:cNvPr id="1" name=""/>
+        <p:cNvGrpSpPr/>
+        <p:nvPr/>
+      </p:nvGrpSpPr>
+      <p:grpSpPr>
+        <a:xfrm>
+          <a:off x="0" y="0"/>
+          <a:ext cx="0" cy="0"/>
+          <a:chOff x="0" y="0"/>
+          <a:chExt cx="0" cy="0"/>
+        </a:xfrm>
+      </p:grpSpPr>
+      <p:sp>
+        <p:nvSpPr>
+          <p:cNvPr id="2" name="Title 1">
+            <a:extLst>
+              <a:ext uri="{FF2B5EF4-FFF2-40B4-BE49-F238E27FC236}">
+                <a16:creationId xmlns:a16="http://schemas.microsoft.com/office/drawing/2014/main" id="{5B74B428-C3DF-4CF2-8BE0-8F5445152727}"/>
+              </a:ext>
+            </a:extLst>
+          </p:cNvPr>
+          <p:cNvSpPr>
+            <a:spLocks noGrp="1"/>
+          </p:cNvSpPr>
+          <p:nvPr>
+            <p:ph type="title"/>
+          </p:nvPr>
+        </p:nvSpPr>
+        <p:spPr/>
+        <p:txBody>
+          <a:bodyPr/>
+          <a:lstStyle/>
+          <a:p>
+            <a:endParaRPr lang="en-US" dirty="0"/>
+          </a:p>
+        </p:txBody>
+      </p:sp>
+      <p:sp>
+        <p:nvSpPr>
+          <p:cNvPr id="3" name="Content Placeholder 2">
+            <a:extLst>
+              <a:ext uri="{FF2B5EF4-FFF2-40B4-BE49-F238E27FC236}">
+                <a16:creationId xmlns:a16="http://schemas.microsoft.com/office/drawing/2014/main" id="{44C84B6B-B075-4DBA-A30A-A355C12D7D6F}"/>
+              </a:ext>
+            </a:extLst>
+          </p:cNvPr>
+          <p:cNvSpPr>
+            <a:spLocks noGrp="1"/>
+          </p:cNvSpPr>
+          <p:nvPr>
+            <p:ph idx="1"/>
+          </p:nvPr>
+        </p:nvSpPr>
+        <p:spPr/>
+        <p:txBody>
+          <a:bodyPr/>
+          <a:lstStyle/>
+          <a:p>
+            <a:endParaRPr lang="en-US" dirty="0"/>
+          </a:p>
+        </p:txBody>
+      </p:sp>
+      <p:pic>
+        <p:nvPicPr>
+          <p:cNvPr id="4" name="Picture 3">
+            <a:extLst>
+              <a:ext uri="{FF2B5EF4-FFF2-40B4-BE49-F238E27FC236}">
+                <a16:creationId xmlns:a16="http://schemas.microsoft.com/office/drawing/2014/main" id="{27F7A098-D494-4E93-994B-F16D724B04B0}"/>
+              </a:ext>
+            </a:extLst>
+          </p:cNvPr>
+          <p:cNvPicPr/>
+          <p:nvPr/>
+        </p:nvPicPr>
+        <p:blipFill>
+          <a:blip r:embed="rId2">
+            <a:extLst>
+              <a:ext uri="{28A0092B-C50C-407E-A947-70E740481C1C}">
+                <a14:useLocalDpi xmlns:a14="http://schemas.microsoft.com/office/drawing/2010/main" val="0"/>
+              </a:ext>
+            </a:extLst>
+          </a:blip>
+          <a:srcRect/>
+          <a:stretch>
+            <a:fillRect/>
+          </a:stretch>
+        </p:blipFill>
+        <p:spPr bwMode="auto">
+          <a:xfrm>
+            <a:off x="337527" y="319492"/>
+            <a:ext cx="10021889" cy="6219015"/>
+          </a:xfrm>
+          <a:prstGeom prst="rect">
+            <a:avLst/>
+          </a:prstGeom>
+          <a:noFill/>
+          <a:ln>
+            <a:noFill/>
+          </a:ln>
+        </p:spPr>
+      </p:pic>
+    </p:spTree>
+    <p:extLst>
+      <p:ext uri="{BB962C8B-B14F-4D97-AF65-F5344CB8AC3E}">
+        <p14:creationId xmlns:p14="http://schemas.microsoft.com/office/powerpoint/2010/main" val="1846771983"/>
+      </p:ext>
+    </p:extLst>
+  </p:cSld>
+  <p:clrMapOvr>
+    <a:masterClrMapping/>
+  </p:clrMapOvr>
+</p:sld>
+</file>
+
+<file path=ppt/slides/slide18.xml><?xml version="1.0" encoding="utf-8"?>
+<p:sld xmlns:a="http://schemas.openxmlformats.org/drawingml/2006/main" xmlns:r="http://schemas.openxmlformats.org/officeDocument/2006/relationships" xmlns:p="http://schemas.openxmlformats.org/presentationml/2006/main">
+  <p:cSld>
+    <p:spTree>
+      <p:nvGrpSpPr>
+        <p:cNvPr id="1" name=""/>
+        <p:cNvGrpSpPr/>
+        <p:nvPr/>
+      </p:nvGrpSpPr>
+      <p:grpSpPr>
+        <a:xfrm>
+          <a:off x="0" y="0"/>
+          <a:ext cx="0" cy="0"/>
+          <a:chOff x="0" y="0"/>
+          <a:chExt cx="0" cy="0"/>
+        </a:xfrm>
+      </p:grpSpPr>
+      <p:sp>
+        <p:nvSpPr>
+          <p:cNvPr id="2" name="Title 1">
+            <a:extLst>
+              <a:ext uri="{FF2B5EF4-FFF2-40B4-BE49-F238E27FC236}">
+                <a16:creationId xmlns:a16="http://schemas.microsoft.com/office/drawing/2014/main" id="{B7DC2901-B020-4BC8-8ABD-98A317C2021A}"/>
+              </a:ext>
+            </a:extLst>
+          </p:cNvPr>
+          <p:cNvSpPr>
+            <a:spLocks noGrp="1"/>
+          </p:cNvSpPr>
+          <p:nvPr>
+            <p:ph type="title"/>
+          </p:nvPr>
+        </p:nvSpPr>
+        <p:spPr/>
+        <p:txBody>
+          <a:bodyPr/>
+          <a:lstStyle/>
+          <a:p>
+            <a:r>
+              <a:rPr lang="en-US" sz="3000" dirty="0"/>
+              <a:t>Is there a relation between the type of breach and the number of individuals affected?</a:t>
+            </a:r>
+          </a:p>
+        </p:txBody>
+      </p:sp>
+      <p:sp>
+        <p:nvSpPr>
+          <p:cNvPr id="3" name="Content Placeholder 2">
+            <a:extLst>
+              <a:ext uri="{FF2B5EF4-FFF2-40B4-BE49-F238E27FC236}">
+                <a16:creationId xmlns:a16="http://schemas.microsoft.com/office/drawing/2014/main" id="{38D8085C-BDAF-4437-95D8-54634CF7F28B}"/>
+              </a:ext>
+            </a:extLst>
+          </p:cNvPr>
+          <p:cNvSpPr>
+            <a:spLocks noGrp="1"/>
+          </p:cNvSpPr>
+          <p:nvPr>
+            <p:ph idx="1"/>
+          </p:nvPr>
+        </p:nvSpPr>
+        <p:spPr/>
+        <p:txBody>
+          <a:bodyPr/>
+          <a:lstStyle/>
+          <a:p>
+            <a:r>
+              <a:rPr lang="en-US" dirty="0"/>
+              <a:t>Out of the known types of breaches thefts and loses had a significantly higher impact on individuals in comparison to all of the other known types of breaches</a:t>
+            </a:r>
+          </a:p>
+          <a:p>
+            <a:endParaRPr lang="en-US" dirty="0"/>
+          </a:p>
+          <a:p>
+            <a:r>
+              <a:rPr lang="en-US" dirty="0"/>
+              <a:t>This data is useful; this could help individuals and group better protect their confidential data from unexpected loss</a:t>
+            </a:r>
+          </a:p>
+          <a:p>
+            <a:endParaRPr lang="en-US" dirty="0"/>
+          </a:p>
+          <a:p>
+            <a:r>
+              <a:rPr lang="en-US" dirty="0"/>
+              <a:t>It can give an idea what the biggest threats are regarding cybersecurity</a:t>
+            </a:r>
+          </a:p>
+          <a:p>
+            <a:endParaRPr lang="en-US" dirty="0"/>
+          </a:p>
+        </p:txBody>
+      </p:sp>
+    </p:spTree>
+    <p:extLst>
+      <p:ext uri="{BB962C8B-B14F-4D97-AF65-F5344CB8AC3E}">
+        <p14:creationId xmlns:p14="http://schemas.microsoft.com/office/powerpoint/2010/main" val="3440257268"/>
+      </p:ext>
+    </p:extLst>
+  </p:cSld>
+  <p:clrMapOvr>
+    <a:masterClrMapping/>
+  </p:clrMapOvr>
+</p:sld>
+</file>
+
 <file path=ppt/slides/slide2.xml><?xml version="1.0" encoding="utf-8"?>
 <p:sld xmlns:a="http://schemas.openxmlformats.org/drawingml/2006/main" xmlns:r="http://schemas.openxmlformats.org/officeDocument/2006/relationships" xmlns:p="http://schemas.openxmlformats.org/presentationml/2006/main">
   <p:cSld>

--- a/Final presentation_CIS435.pptx
+++ b/Final presentation_CIS435.pptx
@@ -12,17 +12,24 @@
     <p:sldId id="260" r:id="rId6"/>
     <p:sldId id="265" r:id="rId7"/>
     <p:sldId id="270" r:id="rId8"/>
-    <p:sldId id="271" r:id="rId9"/>
-    <p:sldId id="266" r:id="rId10"/>
-    <p:sldId id="261" r:id="rId11"/>
-    <p:sldId id="262" r:id="rId12"/>
-    <p:sldId id="263" r:id="rId13"/>
-    <p:sldId id="264" r:id="rId14"/>
-    <p:sldId id="267" r:id="rId15"/>
-    <p:sldId id="268" r:id="rId16"/>
-    <p:sldId id="272" r:id="rId17"/>
-    <p:sldId id="273" r:id="rId18"/>
-    <p:sldId id="269" r:id="rId19"/>
+    <p:sldId id="266" r:id="rId9"/>
+    <p:sldId id="279" r:id="rId10"/>
+    <p:sldId id="278" r:id="rId11"/>
+    <p:sldId id="280" r:id="rId12"/>
+    <p:sldId id="261" r:id="rId13"/>
+    <p:sldId id="262" r:id="rId14"/>
+    <p:sldId id="263" r:id="rId15"/>
+    <p:sldId id="264" r:id="rId16"/>
+    <p:sldId id="267" r:id="rId17"/>
+    <p:sldId id="268" r:id="rId18"/>
+    <p:sldId id="272" r:id="rId19"/>
+    <p:sldId id="273" r:id="rId20"/>
+    <p:sldId id="269" r:id="rId21"/>
+    <p:sldId id="275" r:id="rId22"/>
+    <p:sldId id="277" r:id="rId23"/>
+    <p:sldId id="276" r:id="rId24"/>
+    <p:sldId id="274" r:id="rId25"/>
+    <p:sldId id="271" r:id="rId26"/>
   </p:sldIdLst>
   <p:sldSz cx="12192000" cy="6858000"/>
   <p:notesSz cx="6858000" cy="9144000"/>
@@ -315,7 +322,7 @@
           <a:p>
             <a:fld id="{4AAD347D-5ACD-4C99-B74B-A9C85AD731AF}" type="datetimeFigureOut">
               <a:rPr lang="en-US" dirty="0"/>
-              <a:t>5/6/2020</a:t>
+              <a:t>5/6/20</a:t>
             </a:fld>
             <a:endParaRPr lang="en-US" dirty="0"/>
           </a:p>
@@ -585,7 +592,7 @@
           <a:p>
             <a:fld id="{4509A250-FF31-4206-8172-F9D3106AACB1}" type="datetimeFigureOut">
               <a:rPr lang="en-US" dirty="0"/>
-              <a:t>5/6/2020</a:t>
+              <a:t>5/6/20</a:t>
             </a:fld>
             <a:endParaRPr lang="en-US" dirty="0"/>
           </a:p>
@@ -774,7 +781,7 @@
           <a:p>
             <a:fld id="{4509A250-FF31-4206-8172-F9D3106AACB1}" type="datetimeFigureOut">
               <a:rPr lang="en-US" dirty="0"/>
-              <a:t>5/6/2020</a:t>
+              <a:t>5/6/20</a:t>
             </a:fld>
             <a:endParaRPr lang="en-US" dirty="0"/>
           </a:p>
@@ -1042,7 +1049,7 @@
           <a:p>
             <a:fld id="{4509A250-FF31-4206-8172-F9D3106AACB1}" type="datetimeFigureOut">
               <a:rPr lang="en-US" dirty="0"/>
-              <a:t>5/6/2020</a:t>
+              <a:t>5/6/20</a:t>
             </a:fld>
             <a:endParaRPr lang="en-US" dirty="0"/>
           </a:p>
@@ -1378,7 +1385,7 @@
           <a:p>
             <a:fld id="{4509A250-FF31-4206-8172-F9D3106AACB1}" type="datetimeFigureOut">
               <a:rPr lang="en-US" dirty="0"/>
-              <a:t>5/6/2020</a:t>
+              <a:t>5/6/20</a:t>
             </a:fld>
             <a:endParaRPr lang="en-US" dirty="0"/>
           </a:p>
@@ -1996,7 +2003,7 @@
           <a:p>
             <a:fld id="{4509A250-FF31-4206-8172-F9D3106AACB1}" type="datetimeFigureOut">
               <a:rPr lang="en-US" dirty="0"/>
-              <a:t>5/6/2020</a:t>
+              <a:t>5/6/20</a:t>
             </a:fld>
             <a:endParaRPr lang="en-US" dirty="0"/>
           </a:p>
@@ -2851,7 +2858,7 @@
           <a:p>
             <a:fld id="{4509A250-FF31-4206-8172-F9D3106AACB1}" type="datetimeFigureOut">
               <a:rPr lang="en-US" dirty="0"/>
-              <a:t>5/6/2020</a:t>
+              <a:t>5/6/20</a:t>
             </a:fld>
             <a:endParaRPr lang="en-US" dirty="0"/>
           </a:p>
@@ -3016,7 +3023,7 @@
           <a:p>
             <a:fld id="{4509A250-FF31-4206-8172-F9D3106AACB1}" type="datetimeFigureOut">
               <a:rPr lang="en-US" dirty="0"/>
-              <a:t>5/6/2020</a:t>
+              <a:t>5/6/20</a:t>
             </a:fld>
             <a:endParaRPr lang="en-US" dirty="0"/>
           </a:p>
@@ -3191,7 +3198,7 @@
           <a:p>
             <a:fld id="{4509A250-FF31-4206-8172-F9D3106AACB1}" type="datetimeFigureOut">
               <a:rPr lang="en-US" dirty="0"/>
-              <a:t>5/6/2020</a:t>
+              <a:t>5/6/20</a:t>
             </a:fld>
             <a:endParaRPr lang="en-US" dirty="0"/>
           </a:p>
@@ -3356,7 +3363,7 @@
           <a:p>
             <a:fld id="{4509A250-FF31-4206-8172-F9D3106AACB1}" type="datetimeFigureOut">
               <a:rPr lang="en-US" dirty="0"/>
-              <a:t>5/6/2020</a:t>
+              <a:t>5/6/20</a:t>
             </a:fld>
             <a:endParaRPr lang="en-US" dirty="0"/>
           </a:p>
@@ -3598,7 +3605,7 @@
           <a:p>
             <a:fld id="{9796027F-7875-4030-9381-8BD8C4F21935}" type="datetimeFigureOut">
               <a:rPr lang="en-US" dirty="0"/>
-              <a:t>5/6/2020</a:t>
+              <a:t>5/6/20</a:t>
             </a:fld>
             <a:endParaRPr lang="en-US" dirty="0"/>
           </a:p>
@@ -3885,7 +3892,7 @@
           <a:p>
             <a:fld id="{9796027F-7875-4030-9381-8BD8C4F21935}" type="datetimeFigureOut">
               <a:rPr lang="en-US" dirty="0"/>
-              <a:t>5/6/2020</a:t>
+              <a:t>5/6/20</a:t>
             </a:fld>
             <a:endParaRPr lang="en-US" dirty="0"/>
           </a:p>
@@ -4324,7 +4331,7 @@
           <a:p>
             <a:fld id="{9796027F-7875-4030-9381-8BD8C4F21935}" type="datetimeFigureOut">
               <a:rPr lang="en-US" dirty="0"/>
-              <a:t>5/6/2020</a:t>
+              <a:t>5/6/20</a:t>
             </a:fld>
             <a:endParaRPr lang="en-US" dirty="0"/>
           </a:p>
@@ -4437,7 +4444,7 @@
           <a:p>
             <a:fld id="{4509A250-FF31-4206-8172-F9D3106AACB1}" type="datetimeFigureOut">
               <a:rPr lang="en-US" dirty="0"/>
-              <a:t>5/6/2020</a:t>
+              <a:t>5/6/20</a:t>
             </a:fld>
             <a:endParaRPr lang="en-US" dirty="0"/>
           </a:p>
@@ -4527,7 +4534,7 @@
           <a:p>
             <a:fld id="{4509A250-FF31-4206-8172-F9D3106AACB1}" type="datetimeFigureOut">
               <a:rPr lang="en-US" dirty="0"/>
-              <a:t>5/6/2020</a:t>
+              <a:t>5/6/20</a:t>
             </a:fld>
             <a:endParaRPr lang="en-US" dirty="0"/>
           </a:p>
@@ -4801,7 +4808,7 @@
           <a:p>
             <a:fld id="{4509A250-FF31-4206-8172-F9D3106AACB1}" type="datetimeFigureOut">
               <a:rPr lang="en-US" dirty="0"/>
-              <a:t>5/6/2020</a:t>
+              <a:t>5/6/20</a:t>
             </a:fld>
             <a:endParaRPr lang="en-US" dirty="0"/>
           </a:p>
@@ -5071,7 +5078,7 @@
           <a:p>
             <a:fld id="{4509A250-FF31-4206-8172-F9D3106AACB1}" type="datetimeFigureOut">
               <a:rPr lang="en-US" dirty="0"/>
-              <a:t>5/6/2020</a:t>
+              <a:t>5/6/20</a:t>
             </a:fld>
             <a:endParaRPr lang="en-US" dirty="0"/>
           </a:p>
@@ -5495,7 +5502,7 @@
           <a:p>
             <a:fld id="{4AAD347D-5ACD-4C99-B74B-A9C85AD731AF}" type="datetimeFigureOut">
               <a:rPr lang="en-US" dirty="0"/>
-              <a:t>5/6/2020</a:t>
+              <a:t>5/6/20</a:t>
             </a:fld>
             <a:endParaRPr lang="en-US" dirty="0"/>
           </a:p>
@@ -6120,6 +6127,169 @@
           <a:chExt cx="0" cy="0"/>
         </a:xfrm>
       </p:grpSpPr>
+      <p:pic>
+        <p:nvPicPr>
+          <p:cNvPr id="11" name="Content Placeholder 10">
+            <a:extLst>
+              <a:ext uri="{FF2B5EF4-FFF2-40B4-BE49-F238E27FC236}">
+                <a16:creationId xmlns:a16="http://schemas.microsoft.com/office/drawing/2014/main" id="{6BB156E4-6DE8-AC44-BFE1-FCA56E68CCE9}"/>
+              </a:ext>
+            </a:extLst>
+          </p:cNvPr>
+          <p:cNvPicPr>
+            <a:picLocks noGrp="1" noChangeAspect="1"/>
+          </p:cNvPicPr>
+          <p:nvPr>
+            <p:ph idx="1"/>
+          </p:nvPr>
+        </p:nvPicPr>
+        <p:blipFill>
+          <a:blip r:embed="rId2"/>
+          <a:stretch>
+            <a:fillRect/>
+          </a:stretch>
+        </p:blipFill>
+        <p:spPr>
+          <a:xfrm>
+            <a:off x="233210" y="304147"/>
+            <a:ext cx="9993854" cy="6279533"/>
+          </a:xfrm>
+        </p:spPr>
+      </p:pic>
+    </p:spTree>
+    <p:extLst>
+      <p:ext uri="{BB962C8B-B14F-4D97-AF65-F5344CB8AC3E}">
+        <p14:creationId xmlns:p14="http://schemas.microsoft.com/office/powerpoint/2010/main" val="4276074571"/>
+      </p:ext>
+    </p:extLst>
+  </p:cSld>
+  <p:clrMapOvr>
+    <a:masterClrMapping/>
+  </p:clrMapOvr>
+</p:sld>
+</file>
+
+<file path=ppt/slides/slide11.xml><?xml version="1.0" encoding="utf-8"?>
+<p:sld xmlns:a="http://schemas.openxmlformats.org/drawingml/2006/main" xmlns:r="http://schemas.openxmlformats.org/officeDocument/2006/relationships" xmlns:p="http://schemas.openxmlformats.org/presentationml/2006/main">
+  <p:cSld>
+    <p:spTree>
+      <p:nvGrpSpPr>
+        <p:cNvPr id="1" name=""/>
+        <p:cNvGrpSpPr/>
+        <p:nvPr/>
+      </p:nvGrpSpPr>
+      <p:grpSpPr>
+        <a:xfrm>
+          <a:off x="0" y="0"/>
+          <a:ext cx="0" cy="0"/>
+          <a:chOff x="0" y="0"/>
+          <a:chExt cx="0" cy="0"/>
+        </a:xfrm>
+      </p:grpSpPr>
+      <p:sp>
+        <p:nvSpPr>
+          <p:cNvPr id="2" name="Title 1">
+            <a:extLst>
+              <a:ext uri="{FF2B5EF4-FFF2-40B4-BE49-F238E27FC236}">
+                <a16:creationId xmlns:a16="http://schemas.microsoft.com/office/drawing/2014/main" id="{D87A3BD2-8223-4444-8EBF-2BA6F77F08FB}"/>
+              </a:ext>
+            </a:extLst>
+          </p:cNvPr>
+          <p:cNvSpPr>
+            <a:spLocks noGrp="1"/>
+          </p:cNvSpPr>
+          <p:nvPr>
+            <p:ph type="title"/>
+          </p:nvPr>
+        </p:nvSpPr>
+        <p:spPr/>
+        <p:txBody>
+          <a:bodyPr/>
+          <a:lstStyle/>
+          <a:p>
+            <a:r>
+              <a:rPr lang="en-US" dirty="0"/>
+              <a:t>Conclusion of question</a:t>
+            </a:r>
+          </a:p>
+        </p:txBody>
+      </p:sp>
+      <p:sp>
+        <p:nvSpPr>
+          <p:cNvPr id="3" name="Content Placeholder 2">
+            <a:extLst>
+              <a:ext uri="{FF2B5EF4-FFF2-40B4-BE49-F238E27FC236}">
+                <a16:creationId xmlns:a16="http://schemas.microsoft.com/office/drawing/2014/main" id="{FAA6F80C-0D45-A243-A436-26E70EF8D89A}"/>
+              </a:ext>
+            </a:extLst>
+          </p:cNvPr>
+          <p:cNvSpPr>
+            <a:spLocks noGrp="1"/>
+          </p:cNvSpPr>
+          <p:nvPr>
+            <p:ph idx="1"/>
+          </p:nvPr>
+        </p:nvSpPr>
+        <p:spPr/>
+        <p:txBody>
+          <a:bodyPr/>
+          <a:lstStyle/>
+          <a:p>
+            <a:r>
+              <a:rPr lang="en-US" dirty="0"/>
+              <a:t>The results, this graph and summary of linear model show that as the years increase the number of total breaches will also increase.</a:t>
+            </a:r>
+          </a:p>
+          <a:p>
+            <a:r>
+              <a:rPr lang="en-US" dirty="0"/>
+              <a:t>With the  Adjusted R-squared value = 0.5426  this shows only slightly better than 50% of the goodness of fit. showing this model could be better and that 46% of the points on this graph are a variation of the linear model.  </a:t>
+            </a:r>
+          </a:p>
+          <a:p>
+            <a:r>
+              <a:rPr lang="en-US" dirty="0"/>
+              <a:t>With the P-Value = &lt; 2.2e-16, this shows that we will reject the null hypothesis, which is that as the years go on the number of breaches will be zero. This shows this linear model is statistically significant. </a:t>
+            </a:r>
+          </a:p>
+          <a:p>
+            <a:r>
+              <a:rPr lang="en-US" dirty="0"/>
+              <a:t>In conclusion this model will show a statistically significant model and predict the future breaches by year with 54% goodness of fit. </a:t>
+            </a:r>
+          </a:p>
+        </p:txBody>
+      </p:sp>
+    </p:spTree>
+    <p:extLst>
+      <p:ext uri="{BB962C8B-B14F-4D97-AF65-F5344CB8AC3E}">
+        <p14:creationId xmlns:p14="http://schemas.microsoft.com/office/powerpoint/2010/main" val="1148245886"/>
+      </p:ext>
+    </p:extLst>
+  </p:cSld>
+  <p:clrMapOvr>
+    <a:masterClrMapping/>
+  </p:clrMapOvr>
+</p:sld>
+</file>
+
+<file path=ppt/slides/slide12.xml><?xml version="1.0" encoding="utf-8"?>
+<p:sld xmlns:a="http://schemas.openxmlformats.org/drawingml/2006/main" xmlns:r="http://schemas.openxmlformats.org/officeDocument/2006/relationships" xmlns:p="http://schemas.openxmlformats.org/presentationml/2006/main">
+  <p:cSld>
+    <p:spTree>
+      <p:nvGrpSpPr>
+        <p:cNvPr id="1" name=""/>
+        <p:cNvGrpSpPr/>
+        <p:nvPr/>
+      </p:nvGrpSpPr>
+      <p:grpSpPr>
+        <a:xfrm>
+          <a:off x="0" y="0"/>
+          <a:ext cx="0" cy="0"/>
+          <a:chOff x="0" y="0"/>
+          <a:chExt cx="0" cy="0"/>
+        </a:xfrm>
+      </p:grpSpPr>
       <p:sp>
         <p:nvSpPr>
           <p:cNvPr id="2" name="Title 1">
@@ -6226,7 +6396,7 @@
 </p:sld>
 </file>
 
-<file path=ppt/slides/slide11.xml><?xml version="1.0" encoding="utf-8"?>
+<file path=ppt/slides/slide13.xml><?xml version="1.0" encoding="utf-8"?>
 <p:sld xmlns:a="http://schemas.openxmlformats.org/drawingml/2006/main" xmlns:r="http://schemas.openxmlformats.org/officeDocument/2006/relationships" xmlns:p="http://schemas.openxmlformats.org/presentationml/2006/main">
   <p:cSld>
     <p:bg>
@@ -7605,7 +7775,7 @@
 </p:sld>
 </file>
 
-<file path=ppt/slides/slide12.xml><?xml version="1.0" encoding="utf-8"?>
+<file path=ppt/slides/slide14.xml><?xml version="1.0" encoding="utf-8"?>
 <p:sld xmlns:a="http://schemas.openxmlformats.org/drawingml/2006/main" xmlns:r="http://schemas.openxmlformats.org/officeDocument/2006/relationships" xmlns:p="http://schemas.openxmlformats.org/presentationml/2006/main">
   <p:cSld>
     <p:spTree>
@@ -7714,7 +7884,7 @@
 </p:sld>
 </file>
 
-<file path=ppt/slides/slide13.xml><?xml version="1.0" encoding="utf-8"?>
+<file path=ppt/slides/slide15.xml><?xml version="1.0" encoding="utf-8"?>
 <p:sld xmlns:a="http://schemas.openxmlformats.org/drawingml/2006/main" xmlns:r="http://schemas.openxmlformats.org/officeDocument/2006/relationships" xmlns:p="http://schemas.openxmlformats.org/presentationml/2006/main">
   <p:cSld>
     <p:bg>
@@ -8819,7 +8989,7 @@
 </p:sld>
 </file>
 
-<file path=ppt/slides/slide14.xml><?xml version="1.0" encoding="utf-8"?>
+<file path=ppt/slides/slide16.xml><?xml version="1.0" encoding="utf-8"?>
 <p:sld xmlns:a="http://schemas.openxmlformats.org/drawingml/2006/main" xmlns:r="http://schemas.openxmlformats.org/officeDocument/2006/relationships" xmlns:p="http://schemas.openxmlformats.org/presentationml/2006/main">
   <p:cSld>
     <p:spTree>
@@ -8926,7 +9096,7 @@
 </p:sld>
 </file>
 
-<file path=ppt/slides/slide15.xml><?xml version="1.0" encoding="utf-8"?>
+<file path=ppt/slides/slide17.xml><?xml version="1.0" encoding="utf-8"?>
 <p:sld xmlns:a="http://schemas.openxmlformats.org/drawingml/2006/main" xmlns:r="http://schemas.openxmlformats.org/officeDocument/2006/relationships" xmlns:p="http://schemas.openxmlformats.org/presentationml/2006/main">
   <p:cSld>
     <p:bg>
@@ -10332,7 +10502,7 @@
 </p:sld>
 </file>
 
-<file path=ppt/slides/slide16.xml><?xml version="1.0" encoding="utf-8"?>
+<file path=ppt/slides/slide18.xml><?xml version="1.0" encoding="utf-8"?>
 <p:sld xmlns:a="http://schemas.openxmlformats.org/drawingml/2006/main" xmlns:r="http://schemas.openxmlformats.org/officeDocument/2006/relationships" xmlns:p="http://schemas.openxmlformats.org/presentationml/2006/main">
   <p:cSld>
     <p:spTree>
@@ -10442,7 +10612,7 @@
 </p:sld>
 </file>
 
-<file path=ppt/slides/slide17.xml><?xml version="1.0" encoding="utf-8"?>
+<file path=ppt/slides/slide19.xml><?xml version="1.0" encoding="utf-8"?>
 <p:sld xmlns:a="http://schemas.openxmlformats.org/drawingml/2006/main" xmlns:r="http://schemas.openxmlformats.org/officeDocument/2006/relationships" xmlns:p="http://schemas.openxmlformats.org/presentationml/2006/main">
   <p:cSld>
     <p:spTree>
@@ -10561,113 +10731,6 @@
 </p:sld>
 </file>
 
-<file path=ppt/slides/slide18.xml><?xml version="1.0" encoding="utf-8"?>
-<p:sld xmlns:a="http://schemas.openxmlformats.org/drawingml/2006/main" xmlns:r="http://schemas.openxmlformats.org/officeDocument/2006/relationships" xmlns:p="http://schemas.openxmlformats.org/presentationml/2006/main">
-  <p:cSld>
-    <p:spTree>
-      <p:nvGrpSpPr>
-        <p:cNvPr id="1" name=""/>
-        <p:cNvGrpSpPr/>
-        <p:nvPr/>
-      </p:nvGrpSpPr>
-      <p:grpSpPr>
-        <a:xfrm>
-          <a:off x="0" y="0"/>
-          <a:ext cx="0" cy="0"/>
-          <a:chOff x="0" y="0"/>
-          <a:chExt cx="0" cy="0"/>
-        </a:xfrm>
-      </p:grpSpPr>
-      <p:sp>
-        <p:nvSpPr>
-          <p:cNvPr id="2" name="Title 1">
-            <a:extLst>
-              <a:ext uri="{FF2B5EF4-FFF2-40B4-BE49-F238E27FC236}">
-                <a16:creationId xmlns:a16="http://schemas.microsoft.com/office/drawing/2014/main" id="{B7DC2901-B020-4BC8-8ABD-98A317C2021A}"/>
-              </a:ext>
-            </a:extLst>
-          </p:cNvPr>
-          <p:cNvSpPr>
-            <a:spLocks noGrp="1"/>
-          </p:cNvSpPr>
-          <p:nvPr>
-            <p:ph type="title"/>
-          </p:nvPr>
-        </p:nvSpPr>
-        <p:spPr/>
-        <p:txBody>
-          <a:bodyPr/>
-          <a:lstStyle/>
-          <a:p>
-            <a:r>
-              <a:rPr lang="en-US" sz="3000" dirty="0"/>
-              <a:t>Is there a relation between the type of breach and the number of individuals affected?</a:t>
-            </a:r>
-          </a:p>
-        </p:txBody>
-      </p:sp>
-      <p:sp>
-        <p:nvSpPr>
-          <p:cNvPr id="3" name="Content Placeholder 2">
-            <a:extLst>
-              <a:ext uri="{FF2B5EF4-FFF2-40B4-BE49-F238E27FC236}">
-                <a16:creationId xmlns:a16="http://schemas.microsoft.com/office/drawing/2014/main" id="{38D8085C-BDAF-4437-95D8-54634CF7F28B}"/>
-              </a:ext>
-            </a:extLst>
-          </p:cNvPr>
-          <p:cNvSpPr>
-            <a:spLocks noGrp="1"/>
-          </p:cNvSpPr>
-          <p:nvPr>
-            <p:ph idx="1"/>
-          </p:nvPr>
-        </p:nvSpPr>
-        <p:spPr/>
-        <p:txBody>
-          <a:bodyPr/>
-          <a:lstStyle/>
-          <a:p>
-            <a:r>
-              <a:rPr lang="en-US" dirty="0"/>
-              <a:t>Out of the known types of breaches thefts and loses had a significantly higher impact on individuals in comparison to all of the other known types of breaches</a:t>
-            </a:r>
-          </a:p>
-          <a:p>
-            <a:endParaRPr lang="en-US" dirty="0"/>
-          </a:p>
-          <a:p>
-            <a:r>
-              <a:rPr lang="en-US" dirty="0"/>
-              <a:t>This data is useful; this could help individuals and group better protect their confidential data from unexpected loss</a:t>
-            </a:r>
-          </a:p>
-          <a:p>
-            <a:endParaRPr lang="en-US" dirty="0"/>
-          </a:p>
-          <a:p>
-            <a:r>
-              <a:rPr lang="en-US" dirty="0"/>
-              <a:t>It can give an idea what the biggest threats are regarding cybersecurity</a:t>
-            </a:r>
-          </a:p>
-          <a:p>
-            <a:endParaRPr lang="en-US" dirty="0"/>
-          </a:p>
-        </p:txBody>
-      </p:sp>
-    </p:spTree>
-    <p:extLst>
-      <p:ext uri="{BB962C8B-B14F-4D97-AF65-F5344CB8AC3E}">
-        <p14:creationId xmlns:p14="http://schemas.microsoft.com/office/powerpoint/2010/main" val="3440257268"/>
-      </p:ext>
-    </p:extLst>
-  </p:cSld>
-  <p:clrMapOvr>
-    <a:masterClrMapping/>
-  </p:clrMapOvr>
-</p:sld>
-</file>
-
 <file path=ppt/slides/slide2.xml><?xml version="1.0" encoding="utf-8"?>
 <p:sld xmlns:a="http://schemas.openxmlformats.org/drawingml/2006/main" xmlns:r="http://schemas.openxmlformats.org/officeDocument/2006/relationships" xmlns:p="http://schemas.openxmlformats.org/presentationml/2006/main">
   <p:cSld>
@@ -10768,6 +10831,735 @@
     <p:extLst>
       <p:ext uri="{BB962C8B-B14F-4D97-AF65-F5344CB8AC3E}">
         <p14:creationId xmlns:p14="http://schemas.microsoft.com/office/powerpoint/2010/main" val="769961253"/>
+      </p:ext>
+    </p:extLst>
+  </p:cSld>
+  <p:clrMapOvr>
+    <a:masterClrMapping/>
+  </p:clrMapOvr>
+</p:sld>
+</file>
+
+<file path=ppt/slides/slide20.xml><?xml version="1.0" encoding="utf-8"?>
+<p:sld xmlns:a="http://schemas.openxmlformats.org/drawingml/2006/main" xmlns:r="http://schemas.openxmlformats.org/officeDocument/2006/relationships" xmlns:p="http://schemas.openxmlformats.org/presentationml/2006/main">
+  <p:cSld>
+    <p:spTree>
+      <p:nvGrpSpPr>
+        <p:cNvPr id="1" name=""/>
+        <p:cNvGrpSpPr/>
+        <p:nvPr/>
+      </p:nvGrpSpPr>
+      <p:grpSpPr>
+        <a:xfrm>
+          <a:off x="0" y="0"/>
+          <a:ext cx="0" cy="0"/>
+          <a:chOff x="0" y="0"/>
+          <a:chExt cx="0" cy="0"/>
+        </a:xfrm>
+      </p:grpSpPr>
+      <p:sp>
+        <p:nvSpPr>
+          <p:cNvPr id="2" name="Title 1">
+            <a:extLst>
+              <a:ext uri="{FF2B5EF4-FFF2-40B4-BE49-F238E27FC236}">
+                <a16:creationId xmlns:a16="http://schemas.microsoft.com/office/drawing/2014/main" id="{B7DC2901-B020-4BC8-8ABD-98A317C2021A}"/>
+              </a:ext>
+            </a:extLst>
+          </p:cNvPr>
+          <p:cNvSpPr>
+            <a:spLocks noGrp="1"/>
+          </p:cNvSpPr>
+          <p:nvPr>
+            <p:ph type="title"/>
+          </p:nvPr>
+        </p:nvSpPr>
+        <p:spPr/>
+        <p:txBody>
+          <a:bodyPr/>
+          <a:lstStyle/>
+          <a:p>
+            <a:r>
+              <a:rPr lang="en-US" sz="3000" dirty="0"/>
+              <a:t>Is there a relation between the type of breach and the number of individuals affected?</a:t>
+            </a:r>
+          </a:p>
+        </p:txBody>
+      </p:sp>
+      <p:sp>
+        <p:nvSpPr>
+          <p:cNvPr id="3" name="Content Placeholder 2">
+            <a:extLst>
+              <a:ext uri="{FF2B5EF4-FFF2-40B4-BE49-F238E27FC236}">
+                <a16:creationId xmlns:a16="http://schemas.microsoft.com/office/drawing/2014/main" id="{38D8085C-BDAF-4437-95D8-54634CF7F28B}"/>
+              </a:ext>
+            </a:extLst>
+          </p:cNvPr>
+          <p:cNvSpPr>
+            <a:spLocks noGrp="1"/>
+          </p:cNvSpPr>
+          <p:nvPr>
+            <p:ph idx="1"/>
+          </p:nvPr>
+        </p:nvSpPr>
+        <p:spPr/>
+        <p:txBody>
+          <a:bodyPr/>
+          <a:lstStyle/>
+          <a:p>
+            <a:r>
+              <a:rPr lang="en-US" dirty="0"/>
+              <a:t>Out of the known types of breaches thefts and loses had a significantly higher impact on individuals in comparison to all of the other known types of breaches</a:t>
+            </a:r>
+          </a:p>
+          <a:p>
+            <a:endParaRPr lang="en-US" dirty="0"/>
+          </a:p>
+          <a:p>
+            <a:r>
+              <a:rPr lang="en-US" dirty="0"/>
+              <a:t>This data is useful; this could help individuals and group better protect their confidential data from unexpected loss</a:t>
+            </a:r>
+          </a:p>
+          <a:p>
+            <a:endParaRPr lang="en-US" dirty="0"/>
+          </a:p>
+          <a:p>
+            <a:r>
+              <a:rPr lang="en-US" dirty="0"/>
+              <a:t>It can give an idea what the biggest threats are regarding cybersecurity</a:t>
+            </a:r>
+          </a:p>
+          <a:p>
+            <a:endParaRPr lang="en-US" dirty="0"/>
+          </a:p>
+        </p:txBody>
+      </p:sp>
+    </p:spTree>
+    <p:extLst>
+      <p:ext uri="{BB962C8B-B14F-4D97-AF65-F5344CB8AC3E}">
+        <p14:creationId xmlns:p14="http://schemas.microsoft.com/office/powerpoint/2010/main" val="3440257268"/>
+      </p:ext>
+    </p:extLst>
+  </p:cSld>
+  <p:clrMapOvr>
+    <a:masterClrMapping/>
+  </p:clrMapOvr>
+</p:sld>
+</file>
+
+<file path=ppt/slides/slide21.xml><?xml version="1.0" encoding="utf-8"?>
+<p:sld xmlns:a="http://schemas.openxmlformats.org/drawingml/2006/main" xmlns:r="http://schemas.openxmlformats.org/officeDocument/2006/relationships" xmlns:p="http://schemas.openxmlformats.org/presentationml/2006/main">
+  <p:cSld>
+    <p:spTree>
+      <p:nvGrpSpPr>
+        <p:cNvPr id="1" name=""/>
+        <p:cNvGrpSpPr/>
+        <p:nvPr/>
+      </p:nvGrpSpPr>
+      <p:grpSpPr>
+        <a:xfrm>
+          <a:off x="0" y="0"/>
+          <a:ext cx="0" cy="0"/>
+          <a:chOff x="0" y="0"/>
+          <a:chExt cx="0" cy="0"/>
+        </a:xfrm>
+      </p:grpSpPr>
+      <p:sp>
+        <p:nvSpPr>
+          <p:cNvPr id="2" name="Title 1">
+            <a:extLst>
+              <a:ext uri="{FF2B5EF4-FFF2-40B4-BE49-F238E27FC236}">
+                <a16:creationId xmlns:a16="http://schemas.microsoft.com/office/drawing/2014/main" id="{22EF4DAB-2FA9-FF41-9017-9EF4A06BCF5B}"/>
+              </a:ext>
+            </a:extLst>
+          </p:cNvPr>
+          <p:cNvSpPr>
+            <a:spLocks noGrp="1"/>
+          </p:cNvSpPr>
+          <p:nvPr>
+            <p:ph type="title"/>
+          </p:nvPr>
+        </p:nvSpPr>
+        <p:spPr>
+          <a:xfrm>
+            <a:off x="646111" y="452718"/>
+            <a:ext cx="9404723" cy="2043056"/>
+          </a:xfrm>
+        </p:spPr>
+        <p:txBody>
+          <a:bodyPr/>
+          <a:lstStyle/>
+          <a:p>
+            <a:r>
+              <a:rPr lang="en-US" dirty="0"/>
+              <a:t>Is there a relationship between individuals affected and total number of breaches?</a:t>
+            </a:r>
+          </a:p>
+        </p:txBody>
+      </p:sp>
+      <p:sp>
+        <p:nvSpPr>
+          <p:cNvPr id="3" name="Content Placeholder 2">
+            <a:extLst>
+              <a:ext uri="{FF2B5EF4-FFF2-40B4-BE49-F238E27FC236}">
+                <a16:creationId xmlns:a16="http://schemas.microsoft.com/office/drawing/2014/main" id="{D7DC6EE1-7326-FE4A-A57E-1F9CB18D4615}"/>
+              </a:ext>
+            </a:extLst>
+          </p:cNvPr>
+          <p:cNvSpPr>
+            <a:spLocks noGrp="1"/>
+          </p:cNvSpPr>
+          <p:nvPr>
+            <p:ph idx="1"/>
+          </p:nvPr>
+        </p:nvSpPr>
+        <p:spPr>
+          <a:xfrm>
+            <a:off x="1103312" y="2646381"/>
+            <a:ext cx="8946541" cy="3602018"/>
+          </a:xfrm>
+        </p:spPr>
+        <p:txBody>
+          <a:bodyPr>
+            <a:normAutofit fontScale="85000" lnSpcReduction="20000"/>
+          </a:bodyPr>
+          <a:lstStyle/>
+          <a:p>
+            <a:r>
+              <a:rPr lang="en-US" dirty="0"/>
+              <a:t> One way I tried to answer this question was to use a correlation test. The results of the correlation test are shown below.</a:t>
+            </a:r>
+          </a:p>
+          <a:p>
+            <a:r>
+              <a:rPr lang="en-US" dirty="0"/>
+              <a:t>data:  </a:t>
+            </a:r>
+            <a:r>
+              <a:rPr lang="en-US" dirty="0" err="1"/>
+              <a:t>Individuals_Affected</a:t>
+            </a:r>
+            <a:r>
+              <a:rPr lang="en-US" dirty="0"/>
+              <a:t> and Number</a:t>
+            </a:r>
+          </a:p>
+          <a:p>
+            <a:r>
+              <a:rPr lang="en-US" dirty="0"/>
+              <a:t>t = -0.72759, df = 1053, p-value = 0.467</a:t>
+            </a:r>
+          </a:p>
+          <a:p>
+            <a:r>
+              <a:rPr lang="en-US" dirty="0"/>
+              <a:t>alternative hypothesis: true correlation is not equal to 0</a:t>
+            </a:r>
+          </a:p>
+          <a:p>
+            <a:r>
+              <a:rPr lang="en-US" dirty="0"/>
+              <a:t>95 percent confidence interval:</a:t>
+            </a:r>
+          </a:p>
+          <a:p>
+            <a:r>
+              <a:rPr lang="en-US" dirty="0"/>
+              <a:t> -0.08265914  0.03799009</a:t>
+            </a:r>
+          </a:p>
+          <a:p>
+            <a:r>
+              <a:rPr lang="en-US" dirty="0"/>
+              <a:t>sample estimates:</a:t>
+            </a:r>
+          </a:p>
+          <a:p>
+            <a:r>
+              <a:rPr lang="en-US" dirty="0"/>
+              <a:t>        </a:t>
+            </a:r>
+            <a:r>
+              <a:rPr lang="en-US" dirty="0" err="1"/>
+              <a:t>cor</a:t>
+            </a:r>
+            <a:r>
+              <a:rPr lang="en-US" dirty="0"/>
+              <a:t> </a:t>
+            </a:r>
+          </a:p>
+          <a:p>
+            <a:r>
+              <a:rPr lang="en-US" dirty="0"/>
+              <a:t>-0.02241614 </a:t>
+            </a:r>
+          </a:p>
+          <a:p>
+            <a:pPr marL="0" indent="0">
+              <a:buNone/>
+            </a:pPr>
+            <a:r>
+              <a:rPr lang="en-US" dirty="0"/>
+              <a:t> </a:t>
+            </a:r>
+          </a:p>
+        </p:txBody>
+      </p:sp>
+    </p:spTree>
+    <p:extLst>
+      <p:ext uri="{BB962C8B-B14F-4D97-AF65-F5344CB8AC3E}">
+        <p14:creationId xmlns:p14="http://schemas.microsoft.com/office/powerpoint/2010/main" val="3429568305"/>
+      </p:ext>
+    </p:extLst>
+  </p:cSld>
+  <p:clrMapOvr>
+    <a:masterClrMapping/>
+  </p:clrMapOvr>
+</p:sld>
+</file>
+
+<file path=ppt/slides/slide22.xml><?xml version="1.0" encoding="utf-8"?>
+<p:sld xmlns:a="http://schemas.openxmlformats.org/drawingml/2006/main" xmlns:r="http://schemas.openxmlformats.org/officeDocument/2006/relationships" xmlns:p="http://schemas.openxmlformats.org/presentationml/2006/main">
+  <p:cSld>
+    <p:spTree>
+      <p:nvGrpSpPr>
+        <p:cNvPr id="1" name=""/>
+        <p:cNvGrpSpPr/>
+        <p:nvPr/>
+      </p:nvGrpSpPr>
+      <p:grpSpPr>
+        <a:xfrm>
+          <a:off x="0" y="0"/>
+          <a:ext cx="0" cy="0"/>
+          <a:chOff x="0" y="0"/>
+          <a:chExt cx="0" cy="0"/>
+        </a:xfrm>
+      </p:grpSpPr>
+      <p:sp>
+        <p:nvSpPr>
+          <p:cNvPr id="2" name="Title 1">
+            <a:extLst>
+              <a:ext uri="{FF2B5EF4-FFF2-40B4-BE49-F238E27FC236}">
+                <a16:creationId xmlns:a16="http://schemas.microsoft.com/office/drawing/2014/main" id="{25167478-3348-074B-A0F8-4A31C87FD651}"/>
+              </a:ext>
+            </a:extLst>
+          </p:cNvPr>
+          <p:cNvSpPr>
+            <a:spLocks noGrp="1"/>
+          </p:cNvSpPr>
+          <p:nvPr>
+            <p:ph type="title"/>
+          </p:nvPr>
+        </p:nvSpPr>
+        <p:spPr/>
+        <p:txBody>
+          <a:bodyPr/>
+          <a:lstStyle/>
+          <a:p>
+            <a:endParaRPr lang="en-US"/>
+          </a:p>
+        </p:txBody>
+      </p:sp>
+      <p:pic>
+        <p:nvPicPr>
+          <p:cNvPr id="5" name="Content Placeholder 4">
+            <a:extLst>
+              <a:ext uri="{FF2B5EF4-FFF2-40B4-BE49-F238E27FC236}">
+                <a16:creationId xmlns:a16="http://schemas.microsoft.com/office/drawing/2014/main" id="{C3F1208C-6B8A-7B49-8C86-AF339E113AF3}"/>
+              </a:ext>
+            </a:extLst>
+          </p:cNvPr>
+          <p:cNvPicPr>
+            <a:picLocks noGrp="1" noChangeAspect="1"/>
+          </p:cNvPicPr>
+          <p:nvPr>
+            <p:ph idx="1"/>
+          </p:nvPr>
+        </p:nvPicPr>
+        <p:blipFill>
+          <a:blip r:embed="rId2"/>
+          <a:stretch>
+            <a:fillRect/>
+          </a:stretch>
+        </p:blipFill>
+        <p:spPr>
+          <a:xfrm>
+            <a:off x="387275" y="247426"/>
+            <a:ext cx="9993854" cy="6497619"/>
+          </a:xfrm>
+          <a:effectLst>
+            <a:softEdge rad="12700"/>
+          </a:effectLst>
+        </p:spPr>
+      </p:pic>
+    </p:spTree>
+    <p:extLst>
+      <p:ext uri="{BB962C8B-B14F-4D97-AF65-F5344CB8AC3E}">
+        <p14:creationId xmlns:p14="http://schemas.microsoft.com/office/powerpoint/2010/main" val="1776855681"/>
+      </p:ext>
+    </p:extLst>
+  </p:cSld>
+  <p:clrMapOvr>
+    <a:masterClrMapping/>
+  </p:clrMapOvr>
+</p:sld>
+</file>
+
+<file path=ppt/slides/slide23.xml><?xml version="1.0" encoding="utf-8"?>
+<p:sld xmlns:a="http://schemas.openxmlformats.org/drawingml/2006/main" xmlns:r="http://schemas.openxmlformats.org/officeDocument/2006/relationships" xmlns:p="http://schemas.openxmlformats.org/presentationml/2006/main">
+  <p:cSld>
+    <p:spTree>
+      <p:nvGrpSpPr>
+        <p:cNvPr id="1" name=""/>
+        <p:cNvGrpSpPr/>
+        <p:nvPr/>
+      </p:nvGrpSpPr>
+      <p:grpSpPr>
+        <a:xfrm>
+          <a:off x="0" y="0"/>
+          <a:ext cx="0" cy="0"/>
+          <a:chOff x="0" y="0"/>
+          <a:chExt cx="0" cy="0"/>
+        </a:xfrm>
+      </p:grpSpPr>
+      <p:sp>
+        <p:nvSpPr>
+          <p:cNvPr id="2" name="Title 1">
+            <a:extLst>
+              <a:ext uri="{FF2B5EF4-FFF2-40B4-BE49-F238E27FC236}">
+                <a16:creationId xmlns:a16="http://schemas.microsoft.com/office/drawing/2014/main" id="{1200C2BC-58E7-3243-9F05-AC6C6E35B5A8}"/>
+              </a:ext>
+            </a:extLst>
+          </p:cNvPr>
+          <p:cNvSpPr>
+            <a:spLocks noGrp="1"/>
+          </p:cNvSpPr>
+          <p:nvPr>
+            <p:ph type="title"/>
+          </p:nvPr>
+        </p:nvSpPr>
+        <p:spPr/>
+        <p:txBody>
+          <a:bodyPr/>
+          <a:lstStyle/>
+          <a:p>
+            <a:r>
+              <a:rPr lang="en-US" dirty="0"/>
+              <a:t>continued</a:t>
+            </a:r>
+          </a:p>
+        </p:txBody>
+      </p:sp>
+      <p:sp>
+        <p:nvSpPr>
+          <p:cNvPr id="3" name="Content Placeholder 2">
+            <a:extLst>
+              <a:ext uri="{FF2B5EF4-FFF2-40B4-BE49-F238E27FC236}">
+                <a16:creationId xmlns:a16="http://schemas.microsoft.com/office/drawing/2014/main" id="{0C8A0216-85AE-154B-A1A5-3826530A2451}"/>
+              </a:ext>
+            </a:extLst>
+          </p:cNvPr>
+          <p:cNvSpPr>
+            <a:spLocks noGrp="1"/>
+          </p:cNvSpPr>
+          <p:nvPr>
+            <p:ph idx="1"/>
+          </p:nvPr>
+        </p:nvSpPr>
+        <p:spPr/>
+        <p:txBody>
+          <a:bodyPr>
+            <a:normAutofit lnSpcReduction="10000"/>
+          </a:bodyPr>
+          <a:lstStyle/>
+          <a:p>
+            <a:r>
+              <a:rPr lang="en-US" dirty="0"/>
+              <a:t>This correlation  test shows a P-value of  0.467, this shows a weak uphill relationship for individuals affected and number of breaches but close to moderate relationship.</a:t>
+            </a:r>
+          </a:p>
+          <a:p>
+            <a:r>
+              <a:rPr lang="en-US" dirty="0"/>
+              <a:t>This test also shows the COR to be -0.02241614 which means that we reject the null hypothesis. Which means true correlation is not equal to zero this is shown with a 95% confidence interval. These results show a correlation in our data and I have made a visualization model to better  understand these findings.</a:t>
+            </a:r>
+          </a:p>
+          <a:p>
+            <a:r>
+              <a:rPr lang="en-US" dirty="0"/>
+              <a:t>Using </a:t>
+            </a:r>
+            <a:r>
+              <a:rPr lang="en-US" dirty="0" err="1"/>
+              <a:t>ggplot</a:t>
+            </a:r>
+            <a:r>
+              <a:rPr lang="en-US" dirty="0"/>
+              <a:t> I have plotted the Individuals affected with Number of 	breaches to show the slight uphill relationship. With a </a:t>
+            </a:r>
+            <a:r>
+              <a:rPr lang="en-US" dirty="0" err="1"/>
+              <a:t>geom_smooth</a:t>
+            </a:r>
+            <a:r>
+              <a:rPr lang="en-US" dirty="0"/>
+              <a:t> line this shows the potential in the future for increase in individuals affected regardless of the number of breaches changing.</a:t>
+            </a:r>
+          </a:p>
+          <a:p>
+            <a:pPr marL="0" indent="0">
+              <a:buNone/>
+            </a:pPr>
+            <a:r>
+              <a:rPr lang="en-US" dirty="0"/>
+              <a:t>	</a:t>
+            </a:r>
+          </a:p>
+        </p:txBody>
+      </p:sp>
+    </p:spTree>
+    <p:extLst>
+      <p:ext uri="{BB962C8B-B14F-4D97-AF65-F5344CB8AC3E}">
+        <p14:creationId xmlns:p14="http://schemas.microsoft.com/office/powerpoint/2010/main" val="3947743667"/>
+      </p:ext>
+    </p:extLst>
+  </p:cSld>
+  <p:clrMapOvr>
+    <a:masterClrMapping/>
+  </p:clrMapOvr>
+</p:sld>
+</file>
+
+<file path=ppt/slides/slide24.xml><?xml version="1.0" encoding="utf-8"?>
+<p:sld xmlns:a="http://schemas.openxmlformats.org/drawingml/2006/main" xmlns:r="http://schemas.openxmlformats.org/officeDocument/2006/relationships" xmlns:p="http://schemas.openxmlformats.org/presentationml/2006/main">
+  <p:cSld>
+    <p:spTree>
+      <p:nvGrpSpPr>
+        <p:cNvPr id="1" name=""/>
+        <p:cNvGrpSpPr/>
+        <p:nvPr/>
+      </p:nvGrpSpPr>
+      <p:grpSpPr>
+        <a:xfrm>
+          <a:off x="0" y="0"/>
+          <a:ext cx="0" cy="0"/>
+          <a:chOff x="0" y="0"/>
+          <a:chExt cx="0" cy="0"/>
+        </a:xfrm>
+      </p:grpSpPr>
+      <p:sp>
+        <p:nvSpPr>
+          <p:cNvPr id="2" name="Title 1">
+            <a:extLst>
+              <a:ext uri="{FF2B5EF4-FFF2-40B4-BE49-F238E27FC236}">
+                <a16:creationId xmlns:a16="http://schemas.microsoft.com/office/drawing/2014/main" id="{45BD0DA2-8A21-994C-9CE3-55CDAF9D2051}"/>
+              </a:ext>
+            </a:extLst>
+          </p:cNvPr>
+          <p:cNvSpPr>
+            <a:spLocks noGrp="1"/>
+          </p:cNvSpPr>
+          <p:nvPr>
+            <p:ph type="title"/>
+          </p:nvPr>
+        </p:nvSpPr>
+        <p:spPr/>
+        <p:txBody>
+          <a:bodyPr/>
+          <a:lstStyle/>
+          <a:p>
+            <a:r>
+              <a:rPr lang="en-US" dirty="0"/>
+              <a:t>Future handling of data</a:t>
+            </a:r>
+          </a:p>
+        </p:txBody>
+      </p:sp>
+      <p:sp>
+        <p:nvSpPr>
+          <p:cNvPr id="3" name="Content Placeholder 2">
+            <a:extLst>
+              <a:ext uri="{FF2B5EF4-FFF2-40B4-BE49-F238E27FC236}">
+                <a16:creationId xmlns:a16="http://schemas.microsoft.com/office/drawing/2014/main" id="{D14BC83D-69F2-4048-8102-431F1B842300}"/>
+              </a:ext>
+            </a:extLst>
+          </p:cNvPr>
+          <p:cNvSpPr>
+            <a:spLocks noGrp="1"/>
+          </p:cNvSpPr>
+          <p:nvPr>
+            <p:ph idx="1"/>
+          </p:nvPr>
+        </p:nvSpPr>
+        <p:spPr/>
+        <p:txBody>
+          <a:bodyPr/>
+          <a:lstStyle/>
+          <a:p>
+            <a:r>
+              <a:rPr lang="en-US" dirty="0"/>
+              <a:t>Just like many datasets new information for cybersecurity breaches will be available in the coming years </a:t>
+            </a:r>
+          </a:p>
+          <a:p>
+            <a:r>
+              <a:rPr lang="en-US" dirty="0"/>
+              <a:t>In order to better understand future modeling if only a few new pieces of data were added to our data set we would use a Support Vector machine to determine where this data belongs within our dataset</a:t>
+            </a:r>
+          </a:p>
+          <a:p>
+            <a:r>
+              <a:rPr lang="en-US" dirty="0"/>
+              <a:t>Having a threshold and which ever side that piece of data fell would determine where that data was put on a graph and how it is categorized.</a:t>
+            </a:r>
+          </a:p>
+        </p:txBody>
+      </p:sp>
+    </p:spTree>
+    <p:extLst>
+      <p:ext uri="{BB962C8B-B14F-4D97-AF65-F5344CB8AC3E}">
+        <p14:creationId xmlns:p14="http://schemas.microsoft.com/office/powerpoint/2010/main" val="540470464"/>
+      </p:ext>
+    </p:extLst>
+  </p:cSld>
+  <p:clrMapOvr>
+    <a:masterClrMapping/>
+  </p:clrMapOvr>
+</p:sld>
+</file>
+
+<file path=ppt/slides/slide25.xml><?xml version="1.0" encoding="utf-8"?>
+<p:sld xmlns:a="http://schemas.openxmlformats.org/drawingml/2006/main" xmlns:r="http://schemas.openxmlformats.org/officeDocument/2006/relationships" xmlns:p="http://schemas.openxmlformats.org/presentationml/2006/main">
+  <p:cSld>
+    <p:spTree>
+      <p:nvGrpSpPr>
+        <p:cNvPr id="1" name=""/>
+        <p:cNvGrpSpPr/>
+        <p:nvPr/>
+      </p:nvGrpSpPr>
+      <p:grpSpPr>
+        <a:xfrm>
+          <a:off x="0" y="0"/>
+          <a:ext cx="0" cy="0"/>
+          <a:chOff x="0" y="0"/>
+          <a:chExt cx="0" cy="0"/>
+        </a:xfrm>
+      </p:grpSpPr>
+      <p:sp>
+        <p:nvSpPr>
+          <p:cNvPr id="2" name="Title 1">
+            <a:extLst>
+              <a:ext uri="{FF2B5EF4-FFF2-40B4-BE49-F238E27FC236}">
+                <a16:creationId xmlns:a16="http://schemas.microsoft.com/office/drawing/2014/main" id="{CD219B3B-99B6-4324-9296-26A9C799267D}"/>
+              </a:ext>
+            </a:extLst>
+          </p:cNvPr>
+          <p:cNvSpPr>
+            <a:spLocks noGrp="1"/>
+          </p:cNvSpPr>
+          <p:nvPr>
+            <p:ph type="title"/>
+          </p:nvPr>
+        </p:nvSpPr>
+        <p:spPr/>
+        <p:txBody>
+          <a:bodyPr/>
+          <a:lstStyle/>
+          <a:p>
+            <a:r>
+              <a:rPr lang="en-US" dirty="0"/>
+              <a:t>Final Outcomes and Analysis</a:t>
+            </a:r>
+          </a:p>
+        </p:txBody>
+      </p:sp>
+      <p:sp>
+        <p:nvSpPr>
+          <p:cNvPr id="3" name="Content Placeholder 2">
+            <a:extLst>
+              <a:ext uri="{FF2B5EF4-FFF2-40B4-BE49-F238E27FC236}">
+                <a16:creationId xmlns:a16="http://schemas.microsoft.com/office/drawing/2014/main" id="{20C048A0-8741-498E-A277-D378F4C901B0}"/>
+              </a:ext>
+            </a:extLst>
+          </p:cNvPr>
+          <p:cNvSpPr>
+            <a:spLocks noGrp="1"/>
+          </p:cNvSpPr>
+          <p:nvPr>
+            <p:ph idx="1"/>
+          </p:nvPr>
+        </p:nvSpPr>
+        <p:spPr/>
+        <p:txBody>
+          <a:bodyPr>
+            <a:normAutofit fontScale="85000" lnSpcReduction="20000"/>
+          </a:bodyPr>
+          <a:lstStyle/>
+          <a:p>
+            <a:r>
+              <a:rPr lang="en-US" dirty="0"/>
+              <a:t>Main Result: The Number of Breaches has gone up as the years have progressed.  This trend will continue. This is due to the rise in advanced technology and its increasing use by everyday people.  </a:t>
+            </a:r>
+          </a:p>
+          <a:p>
+            <a:r>
+              <a:rPr lang="en-US" dirty="0"/>
+              <a:t>Machine Learning Prediction: The different types of breaches will continue to rise as technology and the years progress. </a:t>
+            </a:r>
+          </a:p>
+          <a:p>
+            <a:r>
+              <a:rPr lang="en-US" dirty="0"/>
+              <a:t>Initial question answers:</a:t>
+            </a:r>
+          </a:p>
+          <a:p>
+            <a:pPr lvl="1"/>
+            <a:r>
+              <a:rPr lang="en-US" dirty="0"/>
+              <a:t>A relationship between the number of breaches and year has been found.</a:t>
+            </a:r>
+          </a:p>
+          <a:p>
+            <a:pPr lvl="1"/>
+            <a:r>
+              <a:rPr lang="en-US" dirty="0"/>
+              <a:t>Thefts and Losses had a larger impact on individuals than all of the other types of breaches compared.</a:t>
+            </a:r>
+          </a:p>
+          <a:p>
+            <a:pPr lvl="1"/>
+            <a:r>
+              <a:rPr lang="en-US" dirty="0"/>
+              <a:t>Paper was the most susceptible to a data breach. But, Laptops were a very close second. </a:t>
+            </a:r>
+          </a:p>
+          <a:p>
+            <a:pPr lvl="1"/>
+            <a:r>
+              <a:rPr lang="en-US" dirty="0"/>
+              <a:t>Virginia had the most people that were affected by Data Breaches.</a:t>
+            </a:r>
+          </a:p>
+          <a:p>
+            <a:pPr lvl="1"/>
+            <a:r>
+              <a:rPr lang="en-US" dirty="0"/>
+              <a:t>Predictive models showed the number of data breaches will rise as time progresses. </a:t>
+            </a:r>
+          </a:p>
+          <a:p>
+            <a:r>
+              <a:rPr lang="en-US" dirty="0"/>
+              <a:t>Justified answers: Using various visualization methods and predictive Machine learning models.</a:t>
+            </a:r>
+          </a:p>
+        </p:txBody>
+      </p:sp>
+    </p:spTree>
+    <p:extLst>
+      <p:ext uri="{BB962C8B-B14F-4D97-AF65-F5344CB8AC3E}">
+        <p14:creationId xmlns:p14="http://schemas.microsoft.com/office/powerpoint/2010/main" val="3896562262"/>
       </p:ext>
     </p:extLst>
   </p:cSld>
@@ -11031,7 +11823,7 @@
           <a:p>
             <a:r>
               <a:rPr lang="en-US" dirty="0"/>
-              <a:t>Initial goals </a:t>
+              <a:t>Initial Goals </a:t>
             </a:r>
           </a:p>
         </p:txBody>
@@ -11072,12 +11864,6 @@
             <a:r>
               <a:rPr lang="en-US" dirty="0"/>
               <a:t>See the correlation between the number of breaches and location by state</a:t>
-            </a:r>
-          </a:p>
-          <a:p>
-            <a:r>
-              <a:rPr lang="en-US" dirty="0"/>
-              <a:t>We wanted to see</a:t>
             </a:r>
           </a:p>
           <a:p>
@@ -11194,6 +11980,15 @@
             </a:r>
           </a:p>
           <a:p>
+            <a:r>
+              <a:rPr lang="en-US" dirty="0"/>
+              <a:t>Tableau is one of the leaders in data science holding of information, many data scientist use this website for sharing and collaboration with other data scientists.</a:t>
+            </a:r>
+          </a:p>
+          <a:p>
+            <a:pPr marL="0" indent="0">
+              <a:buNone/>
+            </a:pPr>
             <a:endParaRPr lang="en-US" dirty="0"/>
           </a:p>
         </p:txBody>
@@ -11431,7 +12226,7 @@
           <p:cNvPr id="2" name="Title 1">
             <a:extLst>
               <a:ext uri="{FF2B5EF4-FFF2-40B4-BE49-F238E27FC236}">
-                <a16:creationId xmlns:a16="http://schemas.microsoft.com/office/drawing/2014/main" id="{CD219B3B-99B6-4324-9296-26A9C799267D}"/>
+                <a16:creationId xmlns:a16="http://schemas.microsoft.com/office/drawing/2014/main" id="{F6245BC1-A248-44F8-B86B-F4D0F295699E}"/>
               </a:ext>
             </a:extLst>
           </p:cNvPr>
@@ -11449,7 +12244,7 @@
           <a:p>
             <a:r>
               <a:rPr lang="en-US" dirty="0"/>
-              <a:t>Final Outcomes and Analysis</a:t>
+              <a:t>Cleaning the Dataset</a:t>
             </a:r>
           </a:p>
         </p:txBody>
@@ -11459,7 +12254,7 @@
           <p:cNvPr id="3" name="Content Placeholder 2">
             <a:extLst>
               <a:ext uri="{FF2B5EF4-FFF2-40B4-BE49-F238E27FC236}">
-                <a16:creationId xmlns:a16="http://schemas.microsoft.com/office/drawing/2014/main" id="{20C048A0-8741-498E-A277-D378F4C901B0}"/>
+                <a16:creationId xmlns:a16="http://schemas.microsoft.com/office/drawing/2014/main" id="{5C9EE4AD-9CE5-478C-822F-67F47BD6A35E}"/>
               </a:ext>
             </a:extLst>
           </p:cNvPr>
@@ -11472,75 +12267,42 @@
         </p:nvSpPr>
         <p:spPr/>
         <p:txBody>
-          <a:bodyPr>
-            <a:normAutofit fontScale="85000" lnSpcReduction="10000"/>
-          </a:bodyPr>
+          <a:bodyPr/>
           <a:lstStyle/>
           <a:p>
             <a:r>
               <a:rPr lang="en-US" dirty="0"/>
-              <a:t>Main Result: The Number of Breaches has gone up as the years have progressed.</a:t>
-            </a:r>
-          </a:p>
-          <a:p>
-            <a:r>
-              <a:rPr lang="en-US" dirty="0"/>
-              <a:t>Machine Learning Prediction: The different types of breaches will continue to rise as technology and the years progress. </a:t>
-            </a:r>
-          </a:p>
-          <a:p>
-            <a:r>
-              <a:rPr lang="en-US" dirty="0"/>
-              <a:t>Initial question answers:</a:t>
+              <a:t>Removed irrelevant columns with NA values</a:t>
+            </a:r>
+          </a:p>
+          <a:p>
+            <a:r>
+              <a:rPr lang="en-US" dirty="0"/>
+              <a:t>Corrected the names of companies</a:t>
+            </a:r>
+          </a:p>
+          <a:p>
+            <a:r>
+              <a:rPr lang="en-US" dirty="0"/>
+              <a:t>Changed dates to date datatype instead of character string data type</a:t>
             </a:r>
           </a:p>
           <a:p>
             <a:pPr lvl="1"/>
             <a:r>
               <a:rPr lang="en-US" dirty="0"/>
-              <a:t>A correlation between the number of breaches and year has been found.</a:t>
-            </a:r>
-          </a:p>
-          <a:p>
-            <a:pPr lvl="1"/>
-            <a:r>
-              <a:rPr lang="en-US" dirty="0"/>
-              <a:t>Thefts and Losses had a larger impact on individuals than all of the other types of breaches compared.</a:t>
-            </a:r>
-          </a:p>
-          <a:p>
-            <a:pPr lvl="1"/>
-            <a:r>
-              <a:rPr lang="en-US" dirty="0"/>
-              <a:t>Paper was the most susceptible to a data breach. But, Laptops were a very close second. </a:t>
-            </a:r>
-          </a:p>
-          <a:p>
-            <a:pPr lvl="1"/>
-            <a:r>
-              <a:rPr lang="en-US" dirty="0"/>
-              <a:t>Virginia had the most people that were affected by Data Breaches.</a:t>
-            </a:r>
-          </a:p>
-          <a:p>
-            <a:pPr lvl="1"/>
-            <a:r>
-              <a:rPr lang="en-US" dirty="0"/>
-              <a:t>Predictive models showed the number of data breaches will rise as time progresses. </a:t>
-            </a:r>
-          </a:p>
-          <a:p>
-            <a:r>
-              <a:rPr lang="en-US" dirty="0"/>
-              <a:t>Justified answers: Using various visualization methods and predictive models.</a:t>
-            </a:r>
+              <a:t>Easier to use date data and sort by time</a:t>
+            </a:r>
+          </a:p>
+          <a:p>
+            <a:endParaRPr lang="en-US" dirty="0"/>
           </a:p>
         </p:txBody>
       </p:sp>
     </p:spTree>
     <p:extLst>
       <p:ext uri="{BB962C8B-B14F-4D97-AF65-F5344CB8AC3E}">
-        <p14:creationId xmlns:p14="http://schemas.microsoft.com/office/powerpoint/2010/main" val="3896562262"/>
+        <p14:creationId xmlns:p14="http://schemas.microsoft.com/office/powerpoint/2010/main" val="2092159196"/>
       </p:ext>
     </p:extLst>
   </p:cSld>
@@ -11572,7 +12334,7 @@
           <p:cNvPr id="2" name="Title 1">
             <a:extLst>
               <a:ext uri="{FF2B5EF4-FFF2-40B4-BE49-F238E27FC236}">
-                <a16:creationId xmlns:a16="http://schemas.microsoft.com/office/drawing/2014/main" id="{F6245BC1-A248-44F8-B86B-F4D0F295699E}"/>
+                <a16:creationId xmlns:a16="http://schemas.microsoft.com/office/drawing/2014/main" id="{5D0C34E9-852E-C844-8C94-01B4D15C6725}"/>
               </a:ext>
             </a:extLst>
           </p:cNvPr>
@@ -11583,14 +12345,19 @@
             <p:ph type="title"/>
           </p:nvPr>
         </p:nvSpPr>
-        <p:spPr/>
+        <p:spPr>
+          <a:xfrm>
+            <a:off x="646111" y="452718"/>
+            <a:ext cx="9404723" cy="2032298"/>
+          </a:xfrm>
+        </p:spPr>
         <p:txBody>
           <a:bodyPr/>
           <a:lstStyle/>
           <a:p>
             <a:r>
               <a:rPr lang="en-US" dirty="0"/>
-              <a:t>Cleaning the Dataset</a:t>
+              <a:t>Is there a relationship between number of breaches and breach year? is it statistically significant?</a:t>
             </a:r>
           </a:p>
         </p:txBody>
@@ -11600,7 +12367,7 @@
           <p:cNvPr id="3" name="Content Placeholder 2">
             <a:extLst>
               <a:ext uri="{FF2B5EF4-FFF2-40B4-BE49-F238E27FC236}">
-                <a16:creationId xmlns:a16="http://schemas.microsoft.com/office/drawing/2014/main" id="{5C9EE4AD-9CE5-478C-822F-67F47BD6A35E}"/>
+                <a16:creationId xmlns:a16="http://schemas.microsoft.com/office/drawing/2014/main" id="{A786F2BF-7EC6-2F45-BA51-4ADBDBA6AD75}"/>
               </a:ext>
             </a:extLst>
           </p:cNvPr>
@@ -11611,33 +12378,65 @@
             <p:ph idx="1"/>
           </p:nvPr>
         </p:nvSpPr>
-        <p:spPr/>
+        <p:spPr>
+          <a:xfrm>
+            <a:off x="1103312" y="2485016"/>
+            <a:ext cx="8946541" cy="3763383"/>
+          </a:xfrm>
+        </p:spPr>
         <p:txBody>
           <a:bodyPr/>
           <a:lstStyle/>
           <a:p>
             <a:r>
               <a:rPr lang="en-US" dirty="0"/>
-              <a:t>Removed some irrelevant rows</a:t>
-            </a:r>
-          </a:p>
-          <a:p>
-            <a:r>
-              <a:rPr lang="en-US" dirty="0"/>
-              <a:t>Corrected the names of some companies</a:t>
-            </a:r>
-          </a:p>
-          <a:p>
-            <a:r>
-              <a:rPr lang="en-US" dirty="0"/>
-              <a:t>Changed dates to date datatype instead of char string</a:t>
-            </a:r>
-          </a:p>
-          <a:p>
-            <a:pPr lvl="1"/>
-            <a:r>
-              <a:rPr lang="en-US" dirty="0"/>
-              <a:t>Easier to use date data and sort by time</a:t>
+              <a:t>To answer this question I first created a linear model using the </a:t>
+            </a:r>
+            <a:r>
+              <a:rPr lang="en-US" dirty="0" err="1"/>
+              <a:t>lm</a:t>
+            </a:r>
+            <a:r>
+              <a:rPr lang="en-US" dirty="0"/>
+              <a:t>() function in R. Once I created the object I used the summary() function to get the P value and other important information. Here are some of the results.</a:t>
+            </a:r>
+          </a:p>
+          <a:p>
+            <a:r>
+              <a:rPr lang="en-US" dirty="0"/>
+              <a:t>p-value: &lt; 2.2e-16, Adjusted R-squared:  0.5426</a:t>
+            </a:r>
+          </a:p>
+          <a:p>
+            <a:r>
+              <a:rPr lang="en-US" dirty="0"/>
+              <a:t>Coefficients:</a:t>
+            </a:r>
+          </a:p>
+          <a:p>
+            <a:r>
+              <a:rPr lang="en-US" dirty="0"/>
+              <a:t>             Estimate Std. Error  t value </a:t>
+            </a:r>
+            <a:r>
+              <a:rPr lang="en-US" dirty="0" err="1"/>
+              <a:t>Pr</a:t>
+            </a:r>
+            <a:r>
+              <a:rPr lang="en-US" dirty="0"/>
+              <a:t>(&gt;|t|)    </a:t>
+            </a:r>
+          </a:p>
+          <a:p>
+            <a:r>
+              <a:rPr lang="en-US" dirty="0"/>
+              <a:t>(Intercept) 2.009e+03  6.582e-02 30527.19   &lt;2e-16 ***</a:t>
+            </a:r>
+          </a:p>
+          <a:p>
+            <a:r>
+              <a:rPr lang="en-US" dirty="0"/>
+              <a:t>Number      3.826e-03  1.081e-04    35.37   &lt;2e-16 ***</a:t>
             </a:r>
           </a:p>
           <a:p>
@@ -11648,7 +12447,7 @@
     </p:spTree>
     <p:extLst>
       <p:ext uri="{BB962C8B-B14F-4D97-AF65-F5344CB8AC3E}">
-        <p14:creationId xmlns:p14="http://schemas.microsoft.com/office/powerpoint/2010/main" val="2092159196"/>
+        <p14:creationId xmlns:p14="http://schemas.microsoft.com/office/powerpoint/2010/main" val="2144425544"/>
       </p:ext>
     </p:extLst>
   </p:cSld>
